--- a/Collaborative Android Apps.pptx
+++ b/Collaborative Android Apps.pptx
@@ -17,8 +17,8 @@
     <p:sldId id="260" r:id="rId8"/>
     <p:sldId id="265" r:id="rId9"/>
     <p:sldId id="261" r:id="rId10"/>
-    <p:sldId id="262" r:id="rId11"/>
-    <p:sldId id="266" r:id="rId12"/>
+    <p:sldId id="266" r:id="rId11"/>
+    <p:sldId id="275" r:id="rId12"/>
     <p:sldId id="263" r:id="rId13"/>
     <p:sldId id="268" r:id="rId14"/>
     <p:sldId id="270" r:id="rId15"/>
@@ -999,7 +999,7 @@
           <a:p>
             <a:fld id="{3343E811-A2FF-486D-AA84-CF63E0126C39}" type="datetimeFigureOut">
               <a:rPr lang="en-US" smtClean="0"/>
-              <a:t>8/18/2012</a:t>
+              <a:t>8/19/2012</a:t>
             </a:fld>
             <a:endParaRPr lang="en-US"/>
           </a:p>
@@ -1212,7 +1212,7 @@
           <a:p>
             <a:fld id="{3343E811-A2FF-486D-AA84-CF63E0126C39}" type="datetimeFigureOut">
               <a:rPr lang="en-US" smtClean="0"/>
-              <a:t>8/18/2012</a:t>
+              <a:t>8/19/2012</a:t>
             </a:fld>
             <a:endParaRPr lang="en-US"/>
           </a:p>
@@ -1479,7 +1479,7 @@
           <a:p>
             <a:fld id="{3343E811-A2FF-486D-AA84-CF63E0126C39}" type="datetimeFigureOut">
               <a:rPr lang="en-US" smtClean="0"/>
-              <a:t>8/18/2012</a:t>
+              <a:t>8/19/2012</a:t>
             </a:fld>
             <a:endParaRPr lang="en-US"/>
           </a:p>
@@ -1629,7 +1629,7 @@
           <a:p>
             <a:fld id="{3343E811-A2FF-486D-AA84-CF63E0126C39}" type="datetimeFigureOut">
               <a:rPr lang="en-US" smtClean="0"/>
-              <a:t>8/18/2012</a:t>
+              <a:t>8/19/2012</a:t>
             </a:fld>
             <a:endParaRPr lang="en-US"/>
           </a:p>
@@ -1959,7 +1959,7 @@
           <a:p>
             <a:fld id="{3343E811-A2FF-486D-AA84-CF63E0126C39}" type="datetimeFigureOut">
               <a:rPr lang="en-US" smtClean="0"/>
-              <a:t>8/18/2012</a:t>
+              <a:t>8/19/2012</a:t>
             </a:fld>
             <a:endParaRPr lang="en-US"/>
           </a:p>
@@ -2267,7 +2267,7 @@
           <a:p>
             <a:fld id="{3343E811-A2FF-486D-AA84-CF63E0126C39}" type="datetimeFigureOut">
               <a:rPr lang="en-US" smtClean="0"/>
-              <a:t>8/18/2012</a:t>
+              <a:t>8/19/2012</a:t>
             </a:fld>
             <a:endParaRPr lang="en-US"/>
           </a:p>
@@ -2688,7 +2688,7 @@
           <a:p>
             <a:fld id="{3343E811-A2FF-486D-AA84-CF63E0126C39}" type="datetimeFigureOut">
               <a:rPr lang="en-US" smtClean="0"/>
-              <a:t>8/18/2012</a:t>
+              <a:t>8/19/2012</a:t>
             </a:fld>
             <a:endParaRPr lang="en-US"/>
           </a:p>
@@ -2801,7 +2801,7 @@
           <a:p>
             <a:fld id="{3343E811-A2FF-486D-AA84-CF63E0126C39}" type="datetimeFigureOut">
               <a:rPr lang="en-US" smtClean="0"/>
-              <a:t>8/18/2012</a:t>
+              <a:t>8/19/2012</a:t>
             </a:fld>
             <a:endParaRPr lang="en-US"/>
           </a:p>
@@ -2960,7 +2960,7 @@
           <a:p>
             <a:fld id="{3343E811-A2FF-486D-AA84-CF63E0126C39}" type="datetimeFigureOut">
               <a:rPr lang="en-US" smtClean="0"/>
-              <a:t>8/18/2012</a:t>
+              <a:t>8/19/2012</a:t>
             </a:fld>
             <a:endParaRPr lang="en-US"/>
           </a:p>
@@ -3344,7 +3344,7 @@
           <a:p>
             <a:fld id="{3343E811-A2FF-486D-AA84-CF63E0126C39}" type="datetimeFigureOut">
               <a:rPr lang="en-US" smtClean="0"/>
-              <a:t>8/18/2012</a:t>
+              <a:t>8/19/2012</a:t>
             </a:fld>
             <a:endParaRPr lang="en-US"/>
           </a:p>
@@ -3706,7 +3706,7 @@
           <a:p>
             <a:fld id="{3343E811-A2FF-486D-AA84-CF63E0126C39}" type="datetimeFigureOut">
               <a:rPr lang="en-US" smtClean="0"/>
-              <a:t>8/18/2012</a:t>
+              <a:t>8/19/2012</a:t>
             </a:fld>
             <a:endParaRPr lang="en-US"/>
           </a:p>
@@ -4040,7 +4040,7 @@
           <a:p>
             <a:fld id="{3343E811-A2FF-486D-AA84-CF63E0126C39}" type="datetimeFigureOut">
               <a:rPr lang="en-US" smtClean="0"/>
-              <a:t>8/18/2012</a:t>
+              <a:t>8/19/2012</a:t>
             </a:fld>
             <a:endParaRPr lang="en-US"/>
           </a:p>
@@ -4758,11 +4758,11 @@
   <p:clrMapOvr>
     <a:masterClrMapping/>
   </p:clrMapOvr>
-  <mc:AlternateContent xmlns:mc="http://schemas.openxmlformats.org/markup-compatibility/2006">
-    <mc:Choice xmlns:p14="http://schemas.microsoft.com/office/powerpoint/2010/main" Requires="p14">
+  <mc:AlternateContent xmlns:mc="http://schemas.openxmlformats.org/markup-compatibility/2006" xmlns:p14="http://schemas.microsoft.com/office/powerpoint/2010/main">
+    <mc:Choice Requires="p14">
       <p:transition spd="slow" p14:dur="2000"/>
     </mc:Choice>
-    <mc:Fallback>
+    <mc:Fallback xmlns="">
       <p:transition spd="slow"/>
     </mc:Fallback>
   </mc:AlternateContent>
@@ -4818,390 +4818,13 @@
       </p:sp>
       <p:sp>
         <p:nvSpPr>
-          <p:cNvPr id="4" name="Content Placeholder 2"/>
-          <p:cNvSpPr txBox="1">
-            <a:spLocks/>
-          </p:cNvSpPr>
-          <p:nvPr/>
-        </p:nvSpPr>
-        <p:spPr>
-          <a:xfrm>
-            <a:off x="4724400" y="1676400"/>
-            <a:ext cx="4191000" cy="4572000"/>
-          </a:xfrm>
-          <a:prstGeom prst="rect">
-            <a:avLst/>
-          </a:prstGeom>
-        </p:spPr>
-        <p:txBody>
-          <a:bodyPr vert="horz" lIns="91440" tIns="45720" rIns="91440" bIns="45720" rtlCol="0">
-            <a:noAutofit/>
-          </a:bodyPr>
-          <a:lstStyle>
-            <a:lvl1pPr marL="274320" indent="-228600" algn="l" defTabSz="914400" rtl="0" eaLnBrk="1" latinLnBrk="0" hangingPunct="1">
-              <a:spcBef>
-                <a:spcPct val="20000"/>
-              </a:spcBef>
-              <a:buClr>
-                <a:schemeClr val="accent1"/>
-              </a:buClr>
-              <a:buFont typeface="Wingdings 2" pitchFamily="18" charset="2"/>
-              <a:buChar char=""/>
-              <a:defRPr sz="2000" kern="1200" spc="150" baseline="0">
-                <a:solidFill>
-                  <a:schemeClr val="tx2"/>
-                </a:solidFill>
-                <a:latin typeface="+mn-lt"/>
-                <a:ea typeface="+mn-ea"/>
-                <a:cs typeface="+mn-cs"/>
-              </a:defRPr>
-            </a:lvl1pPr>
-            <a:lvl2pPr marL="548640" indent="-182880" algn="l" defTabSz="914400" rtl="0" eaLnBrk="1" latinLnBrk="0" hangingPunct="1">
-              <a:spcBef>
-                <a:spcPct val="20000"/>
-              </a:spcBef>
-              <a:buClr>
-                <a:schemeClr val="accent2"/>
-              </a:buClr>
-              <a:buFont typeface="Wingdings" pitchFamily="2" charset="2"/>
-              <a:buChar char="§"/>
-              <a:defRPr sz="1800" kern="1200" spc="100" baseline="0">
-                <a:solidFill>
-                  <a:schemeClr val="tx2"/>
-                </a:solidFill>
-                <a:latin typeface="+mn-lt"/>
-                <a:ea typeface="+mn-ea"/>
-                <a:cs typeface="+mn-cs"/>
-              </a:defRPr>
-            </a:lvl2pPr>
-            <a:lvl3pPr marL="822960" indent="-182880" algn="l" defTabSz="914400" rtl="0" eaLnBrk="1" latinLnBrk="0" hangingPunct="1">
-              <a:spcBef>
-                <a:spcPct val="20000"/>
-              </a:spcBef>
-              <a:buClr>
-                <a:schemeClr val="accent3"/>
-              </a:buClr>
-              <a:buFont typeface="Wingdings" pitchFamily="2" charset="2"/>
-              <a:buChar char="§"/>
-              <a:defRPr sz="1600" kern="1200" spc="100" baseline="0">
-                <a:solidFill>
-                  <a:schemeClr val="tx2"/>
-                </a:solidFill>
-                <a:latin typeface="+mn-lt"/>
-                <a:ea typeface="+mn-ea"/>
-                <a:cs typeface="+mn-cs"/>
-              </a:defRPr>
-            </a:lvl3pPr>
-            <a:lvl4pPr marL="1097280" indent="-182880" algn="l" defTabSz="914400" rtl="0" eaLnBrk="1" latinLnBrk="0" hangingPunct="1">
-              <a:spcBef>
-                <a:spcPct val="20000"/>
-              </a:spcBef>
-              <a:buClr>
-                <a:schemeClr val="accent4"/>
-              </a:buClr>
-              <a:buFont typeface="Wingdings" pitchFamily="2" charset="2"/>
-              <a:buChar char="§"/>
-              <a:defRPr sz="1400" kern="1200">
-                <a:solidFill>
-                  <a:schemeClr val="tx2"/>
-                </a:solidFill>
-                <a:latin typeface="+mn-lt"/>
-                <a:ea typeface="+mn-ea"/>
-                <a:cs typeface="+mn-cs"/>
-              </a:defRPr>
-            </a:lvl4pPr>
-            <a:lvl5pPr marL="1280160" indent="-182880" algn="l" defTabSz="914400" rtl="0" eaLnBrk="1" latinLnBrk="0" hangingPunct="1">
-              <a:spcBef>
-                <a:spcPct val="20000"/>
-              </a:spcBef>
-              <a:buClr>
-                <a:schemeClr val="accent6"/>
-              </a:buClr>
-              <a:buFont typeface="Wingdings" pitchFamily="2" charset="2"/>
-              <a:buChar char="§"/>
-              <a:defRPr sz="1300" kern="1200" spc="100" baseline="0">
-                <a:solidFill>
-                  <a:schemeClr val="tx2"/>
-                </a:solidFill>
-                <a:latin typeface="+mn-lt"/>
-                <a:ea typeface="+mn-ea"/>
-                <a:cs typeface="+mn-cs"/>
-              </a:defRPr>
-            </a:lvl5pPr>
-            <a:lvl6pPr marL="1554480" indent="-182880" algn="l" defTabSz="914400" rtl="0" eaLnBrk="1" latinLnBrk="0" hangingPunct="1">
-              <a:spcBef>
-                <a:spcPct val="20000"/>
-              </a:spcBef>
-              <a:buClr>
-                <a:schemeClr val="accent1"/>
-              </a:buClr>
-              <a:buFont typeface="Wingdings" pitchFamily="2" charset="2"/>
-              <a:buChar char="§"/>
-              <a:defRPr sz="1200" kern="1200">
-                <a:solidFill>
-                  <a:schemeClr val="tx2"/>
-                </a:solidFill>
-                <a:latin typeface="+mn-lt"/>
-                <a:ea typeface="+mn-ea"/>
-                <a:cs typeface="+mn-cs"/>
-              </a:defRPr>
-            </a:lvl6pPr>
-            <a:lvl7pPr marL="1828800" indent="-182880" algn="l" defTabSz="914400" rtl="0" eaLnBrk="1" latinLnBrk="0" hangingPunct="1">
-              <a:spcBef>
-                <a:spcPct val="20000"/>
-              </a:spcBef>
-              <a:buClr>
-                <a:schemeClr val="accent2"/>
-              </a:buClr>
-              <a:buFont typeface="Wingdings" pitchFamily="2" charset="2"/>
-              <a:buChar char="§"/>
-              <a:defRPr sz="1200" kern="1200">
-                <a:solidFill>
-                  <a:schemeClr val="tx2"/>
-                </a:solidFill>
-                <a:latin typeface="+mn-lt"/>
-                <a:ea typeface="+mn-ea"/>
-                <a:cs typeface="+mn-cs"/>
-              </a:defRPr>
-            </a:lvl7pPr>
-            <a:lvl8pPr marL="2103120" indent="-182880" algn="l" defTabSz="914400" rtl="0" eaLnBrk="1" latinLnBrk="0" hangingPunct="1">
-              <a:spcBef>
-                <a:spcPct val="20000"/>
-              </a:spcBef>
-              <a:buClr>
-                <a:schemeClr val="accent3"/>
-              </a:buClr>
-              <a:buFont typeface="Wingdings" pitchFamily="2" charset="2"/>
-              <a:buChar char="§"/>
-              <a:defRPr sz="1200" kern="1200">
-                <a:solidFill>
-                  <a:schemeClr val="tx2"/>
-                </a:solidFill>
-                <a:latin typeface="+mn-lt"/>
-                <a:ea typeface="+mn-ea"/>
-                <a:cs typeface="+mn-cs"/>
-              </a:defRPr>
-            </a:lvl8pPr>
-            <a:lvl9pPr marL="2377440" indent="-182880" algn="l" defTabSz="914400" rtl="0" eaLnBrk="1" latinLnBrk="0" hangingPunct="1">
-              <a:spcBef>
-                <a:spcPct val="20000"/>
-              </a:spcBef>
-              <a:buClr>
-                <a:schemeClr val="accent5"/>
-              </a:buClr>
-              <a:buFont typeface="Wingdings" pitchFamily="2" charset="2"/>
-              <a:buChar char="§"/>
-              <a:defRPr sz="1200" kern="1200">
-                <a:solidFill>
-                  <a:schemeClr val="tx2"/>
-                </a:solidFill>
-                <a:latin typeface="+mn-lt"/>
-                <a:ea typeface="+mn-ea"/>
-                <a:cs typeface="+mn-cs"/>
-              </a:defRPr>
-            </a:lvl9pPr>
-          </a:lstStyle>
-          <a:p>
-            <a:pPr marL="45720" indent="0">
-              <a:buNone/>
-            </a:pPr>
-            <a:r>
-              <a:rPr lang="en-US" sz="1800" dirty="0" smtClean="0"/>
-              <a:t>fact Share {</a:t>
-            </a:r>
-          </a:p>
-          <a:p>
-            <a:pPr marL="45720" indent="0">
-              <a:buNone/>
-            </a:pPr>
-            <a:r>
-              <a:rPr lang="en-US" sz="1800" dirty="0" smtClean="0"/>
-              <a:t>key:</a:t>
-            </a:r>
-          </a:p>
-          <a:p>
-            <a:pPr marL="45720" indent="0">
-              <a:buNone/>
-            </a:pPr>
-            <a:r>
-              <a:rPr lang="en-US" sz="1800" dirty="0"/>
-              <a:t> </a:t>
-            </a:r>
-            <a:r>
-              <a:rPr lang="en-US" sz="1800" dirty="0" smtClean="0"/>
-              <a:t>   unique;</a:t>
-            </a:r>
-          </a:p>
-          <a:p>
-            <a:pPr marL="45720" indent="0">
-              <a:buNone/>
-            </a:pPr>
-            <a:r>
-              <a:rPr lang="en-US" sz="1800" dirty="0"/>
-              <a:t> </a:t>
-            </a:r>
-            <a:r>
-              <a:rPr lang="en-US" sz="1800" dirty="0" smtClean="0"/>
-              <a:t>   </a:t>
-            </a:r>
-            <a:r>
-              <a:rPr lang="en-US" sz="1800" dirty="0" smtClean="0">
-                <a:solidFill>
-                  <a:schemeClr val="accent3"/>
-                </a:solidFill>
-              </a:rPr>
-              <a:t>publish</a:t>
-            </a:r>
-            <a:r>
-              <a:rPr lang="en-US" sz="1800" dirty="0" smtClean="0"/>
-              <a:t> Individual individual;</a:t>
-            </a:r>
-          </a:p>
-          <a:p>
-            <a:pPr marL="45720" indent="0">
-              <a:buNone/>
-            </a:pPr>
-            <a:r>
-              <a:rPr lang="en-US" sz="1800" dirty="0" smtClean="0"/>
-              <a:t>    List </a:t>
-            </a:r>
-            <a:r>
-              <a:rPr lang="en-US" sz="1800" dirty="0" err="1" smtClean="0"/>
-              <a:t>list</a:t>
-            </a:r>
-            <a:r>
-              <a:rPr lang="en-US" sz="1800" dirty="0" smtClean="0"/>
-              <a:t>;</a:t>
-            </a:r>
-          </a:p>
-          <a:p>
-            <a:pPr marL="45720" indent="0">
-              <a:buNone/>
-            </a:pPr>
-            <a:r>
-              <a:rPr lang="en-US" sz="1800" dirty="0"/>
-              <a:t>}</a:t>
-            </a:r>
-            <a:endParaRPr lang="en-US" sz="1800" dirty="0" smtClean="0"/>
-          </a:p>
-          <a:p>
-            <a:pPr marL="45720" indent="0">
-              <a:buNone/>
-            </a:pPr>
-            <a:endParaRPr lang="en-US" sz="1800" dirty="0"/>
-          </a:p>
-          <a:p>
-            <a:pPr marL="45720" indent="0">
-              <a:buNone/>
-            </a:pPr>
-            <a:r>
-              <a:rPr lang="en-US" sz="1800" dirty="0" smtClean="0"/>
-              <a:t>fact </a:t>
-            </a:r>
-            <a:r>
-              <a:rPr lang="en-US" sz="1800" dirty="0"/>
-              <a:t>Task {</a:t>
-            </a:r>
-          </a:p>
-          <a:p>
-            <a:pPr marL="45720" indent="0">
-              <a:buNone/>
-            </a:pPr>
-            <a:r>
-              <a:rPr lang="en-US" sz="1800" dirty="0"/>
-              <a:t>key:</a:t>
-            </a:r>
-          </a:p>
-          <a:p>
-            <a:pPr marL="45720" indent="0">
-              <a:buNone/>
-            </a:pPr>
-            <a:r>
-              <a:rPr lang="en-US" sz="1800" dirty="0" smtClean="0"/>
-              <a:t>    </a:t>
-            </a:r>
-            <a:r>
-              <a:rPr lang="en-US" sz="1800" dirty="0"/>
-              <a:t>unique;</a:t>
-            </a:r>
-          </a:p>
-          <a:p>
-            <a:pPr marL="45720" indent="0">
-              <a:buNone/>
-            </a:pPr>
-            <a:r>
-              <a:rPr lang="en-US" sz="1800" dirty="0"/>
-              <a:t>    </a:t>
-            </a:r>
-            <a:r>
-              <a:rPr lang="en-US" sz="1800" dirty="0">
-                <a:solidFill>
-                  <a:schemeClr val="accent3"/>
-                </a:solidFill>
-              </a:rPr>
-              <a:t>publish</a:t>
-            </a:r>
-            <a:r>
-              <a:rPr lang="en-US" sz="1800" dirty="0"/>
-              <a:t> List </a:t>
-            </a:r>
-            <a:r>
-              <a:rPr lang="en-US" sz="1800" dirty="0" err="1"/>
-              <a:t>list</a:t>
-            </a:r>
-            <a:endParaRPr lang="en-US" sz="1800" dirty="0"/>
-          </a:p>
-          <a:p>
-            <a:pPr marL="45720" indent="0">
-              <a:buNone/>
-            </a:pPr>
-            <a:r>
-              <a:rPr lang="en-US" sz="1800" dirty="0"/>
-              <a:t>        where not </a:t>
-            </a:r>
-            <a:r>
-              <a:rPr lang="en-US" sz="1800" dirty="0" err="1"/>
-              <a:t>this.isComplete</a:t>
-            </a:r>
-            <a:r>
-              <a:rPr lang="en-US" sz="1800" dirty="0"/>
-              <a:t>;</a:t>
-            </a:r>
-          </a:p>
-          <a:p>
-            <a:pPr marL="45720" indent="0">
-              <a:buNone/>
-            </a:pPr>
-            <a:r>
-              <a:rPr lang="en-US" sz="1800" dirty="0"/>
-              <a:t>    time created</a:t>
-            </a:r>
-            <a:r>
-              <a:rPr lang="en-US" sz="1800" dirty="0" smtClean="0"/>
-              <a:t>;</a:t>
-            </a:r>
-          </a:p>
-          <a:p>
-            <a:pPr marL="45720" indent="0">
-              <a:buNone/>
-            </a:pPr>
-            <a:r>
-              <a:rPr lang="en-US" sz="1800" dirty="0" smtClean="0"/>
-              <a:t>}</a:t>
-            </a:r>
-            <a:endParaRPr lang="en-US" sz="1800" dirty="0"/>
-          </a:p>
-        </p:txBody>
-      </p:sp>
-      <p:sp>
-        <p:nvSpPr>
           <p:cNvPr id="5" name="Oval 4"/>
           <p:cNvSpPr/>
           <p:nvPr/>
         </p:nvSpPr>
         <p:spPr>
           <a:xfrm>
-            <a:off x="407640" y="2744813"/>
+            <a:off x="2465040" y="1832026"/>
             <a:ext cx="1676400" cy="533400"/>
           </a:xfrm>
           <a:prstGeom prst="ellipse">
@@ -5245,7 +4868,7 @@
         </p:nvSpPr>
         <p:spPr>
           <a:xfrm>
-            <a:off x="653143" y="4191000"/>
+            <a:off x="2710543" y="3278213"/>
             <a:ext cx="1676400" cy="533400"/>
           </a:xfrm>
           <a:prstGeom prst="ellipse">
@@ -5289,7 +4912,7 @@
         </p:nvSpPr>
         <p:spPr>
           <a:xfrm>
-            <a:off x="2329543" y="2744813"/>
+            <a:off x="4386943" y="1832026"/>
             <a:ext cx="1676400" cy="533400"/>
           </a:xfrm>
           <a:prstGeom prst="ellipse">
@@ -5333,7 +4956,7 @@
         </p:nvSpPr>
         <p:spPr>
           <a:xfrm>
-            <a:off x="2819400" y="4191000"/>
+            <a:off x="4876800" y="3278213"/>
             <a:ext cx="1676400" cy="533400"/>
           </a:xfrm>
           <a:prstGeom prst="ellipse">
@@ -5380,7 +5003,7 @@
         </p:nvCxnSpPr>
         <p:spPr>
           <a:xfrm flipH="1" flipV="1">
-            <a:off x="1245840" y="3278213"/>
+            <a:off x="3303240" y="2365426"/>
             <a:ext cx="245503" cy="912787"/>
           </a:xfrm>
           <a:prstGeom prst="straightConnector1">
@@ -5419,7 +5042,7 @@
         </p:nvCxnSpPr>
         <p:spPr>
           <a:xfrm flipV="1">
-            <a:off x="2084040" y="3200098"/>
+            <a:off x="4141440" y="2287311"/>
             <a:ext cx="491006" cy="1069017"/>
           </a:xfrm>
           <a:prstGeom prst="straightConnector1">
@@ -5455,7 +5078,7 @@
         </p:nvCxnSpPr>
         <p:spPr>
           <a:xfrm flipH="1" flipV="1">
-            <a:off x="3167743" y="3278213"/>
+            <a:off x="5225143" y="2365426"/>
             <a:ext cx="489857" cy="912787"/>
           </a:xfrm>
           <a:prstGeom prst="straightConnector1">
@@ -5483,21 +5106,579 @@
           </a:fontRef>
         </p:style>
       </p:cxnSp>
+      <p:sp>
+        <p:nvSpPr>
+          <p:cNvPr id="14" name="Content Placeholder 2"/>
+          <p:cNvSpPr txBox="1">
+            <a:spLocks/>
+          </p:cNvSpPr>
+          <p:nvPr/>
+        </p:nvSpPr>
+        <p:spPr>
+          <a:xfrm>
+            <a:off x="195943" y="3962400"/>
+            <a:ext cx="4191000" cy="2438400"/>
+          </a:xfrm>
+          <a:prstGeom prst="rect">
+            <a:avLst/>
+          </a:prstGeom>
+        </p:spPr>
+        <p:txBody>
+          <a:bodyPr vert="horz" lIns="91440" tIns="45720" rIns="91440" bIns="45720" rtlCol="0">
+            <a:noAutofit/>
+          </a:bodyPr>
+          <a:lstStyle>
+            <a:lvl1pPr marL="274320" indent="-228600" algn="l" defTabSz="914400" rtl="0" eaLnBrk="1" latinLnBrk="0" hangingPunct="1">
+              <a:spcBef>
+                <a:spcPct val="20000"/>
+              </a:spcBef>
+              <a:buClr>
+                <a:schemeClr val="accent1"/>
+              </a:buClr>
+              <a:buFont typeface="Wingdings 2" pitchFamily="18" charset="2"/>
+              <a:buChar char=""/>
+              <a:defRPr sz="2000" kern="1200" spc="150" baseline="0">
+                <a:solidFill>
+                  <a:schemeClr val="tx2"/>
+                </a:solidFill>
+                <a:latin typeface="+mn-lt"/>
+                <a:ea typeface="+mn-ea"/>
+                <a:cs typeface="+mn-cs"/>
+              </a:defRPr>
+            </a:lvl1pPr>
+            <a:lvl2pPr marL="548640" indent="-182880" algn="l" defTabSz="914400" rtl="0" eaLnBrk="1" latinLnBrk="0" hangingPunct="1">
+              <a:spcBef>
+                <a:spcPct val="20000"/>
+              </a:spcBef>
+              <a:buClr>
+                <a:schemeClr val="accent2"/>
+              </a:buClr>
+              <a:buFont typeface="Wingdings" pitchFamily="2" charset="2"/>
+              <a:buChar char="§"/>
+              <a:defRPr sz="1800" kern="1200" spc="100" baseline="0">
+                <a:solidFill>
+                  <a:schemeClr val="tx2"/>
+                </a:solidFill>
+                <a:latin typeface="+mn-lt"/>
+                <a:ea typeface="+mn-ea"/>
+                <a:cs typeface="+mn-cs"/>
+              </a:defRPr>
+            </a:lvl2pPr>
+            <a:lvl3pPr marL="822960" indent="-182880" algn="l" defTabSz="914400" rtl="0" eaLnBrk="1" latinLnBrk="0" hangingPunct="1">
+              <a:spcBef>
+                <a:spcPct val="20000"/>
+              </a:spcBef>
+              <a:buClr>
+                <a:schemeClr val="accent3"/>
+              </a:buClr>
+              <a:buFont typeface="Wingdings" pitchFamily="2" charset="2"/>
+              <a:buChar char="§"/>
+              <a:defRPr sz="1600" kern="1200" spc="100" baseline="0">
+                <a:solidFill>
+                  <a:schemeClr val="tx2"/>
+                </a:solidFill>
+                <a:latin typeface="+mn-lt"/>
+                <a:ea typeface="+mn-ea"/>
+                <a:cs typeface="+mn-cs"/>
+              </a:defRPr>
+            </a:lvl3pPr>
+            <a:lvl4pPr marL="1097280" indent="-182880" algn="l" defTabSz="914400" rtl="0" eaLnBrk="1" latinLnBrk="0" hangingPunct="1">
+              <a:spcBef>
+                <a:spcPct val="20000"/>
+              </a:spcBef>
+              <a:buClr>
+                <a:schemeClr val="accent4"/>
+              </a:buClr>
+              <a:buFont typeface="Wingdings" pitchFamily="2" charset="2"/>
+              <a:buChar char="§"/>
+              <a:defRPr sz="1400" kern="1200">
+                <a:solidFill>
+                  <a:schemeClr val="tx2"/>
+                </a:solidFill>
+                <a:latin typeface="+mn-lt"/>
+                <a:ea typeface="+mn-ea"/>
+                <a:cs typeface="+mn-cs"/>
+              </a:defRPr>
+            </a:lvl4pPr>
+            <a:lvl5pPr marL="1280160" indent="-182880" algn="l" defTabSz="914400" rtl="0" eaLnBrk="1" latinLnBrk="0" hangingPunct="1">
+              <a:spcBef>
+                <a:spcPct val="20000"/>
+              </a:spcBef>
+              <a:buClr>
+                <a:schemeClr val="accent6"/>
+              </a:buClr>
+              <a:buFont typeface="Wingdings" pitchFamily="2" charset="2"/>
+              <a:buChar char="§"/>
+              <a:defRPr sz="1300" kern="1200" spc="100" baseline="0">
+                <a:solidFill>
+                  <a:schemeClr val="tx2"/>
+                </a:solidFill>
+                <a:latin typeface="+mn-lt"/>
+                <a:ea typeface="+mn-ea"/>
+                <a:cs typeface="+mn-cs"/>
+              </a:defRPr>
+            </a:lvl5pPr>
+            <a:lvl6pPr marL="1554480" indent="-182880" algn="l" defTabSz="914400" rtl="0" eaLnBrk="1" latinLnBrk="0" hangingPunct="1">
+              <a:spcBef>
+                <a:spcPct val="20000"/>
+              </a:spcBef>
+              <a:buClr>
+                <a:schemeClr val="accent1"/>
+              </a:buClr>
+              <a:buFont typeface="Wingdings" pitchFamily="2" charset="2"/>
+              <a:buChar char="§"/>
+              <a:defRPr sz="1200" kern="1200">
+                <a:solidFill>
+                  <a:schemeClr val="tx2"/>
+                </a:solidFill>
+                <a:latin typeface="+mn-lt"/>
+                <a:ea typeface="+mn-ea"/>
+                <a:cs typeface="+mn-cs"/>
+              </a:defRPr>
+            </a:lvl6pPr>
+            <a:lvl7pPr marL="1828800" indent="-182880" algn="l" defTabSz="914400" rtl="0" eaLnBrk="1" latinLnBrk="0" hangingPunct="1">
+              <a:spcBef>
+                <a:spcPct val="20000"/>
+              </a:spcBef>
+              <a:buClr>
+                <a:schemeClr val="accent2"/>
+              </a:buClr>
+              <a:buFont typeface="Wingdings" pitchFamily="2" charset="2"/>
+              <a:buChar char="§"/>
+              <a:defRPr sz="1200" kern="1200">
+                <a:solidFill>
+                  <a:schemeClr val="tx2"/>
+                </a:solidFill>
+                <a:latin typeface="+mn-lt"/>
+                <a:ea typeface="+mn-ea"/>
+                <a:cs typeface="+mn-cs"/>
+              </a:defRPr>
+            </a:lvl7pPr>
+            <a:lvl8pPr marL="2103120" indent="-182880" algn="l" defTabSz="914400" rtl="0" eaLnBrk="1" latinLnBrk="0" hangingPunct="1">
+              <a:spcBef>
+                <a:spcPct val="20000"/>
+              </a:spcBef>
+              <a:buClr>
+                <a:schemeClr val="accent3"/>
+              </a:buClr>
+              <a:buFont typeface="Wingdings" pitchFamily="2" charset="2"/>
+              <a:buChar char="§"/>
+              <a:defRPr sz="1200" kern="1200">
+                <a:solidFill>
+                  <a:schemeClr val="tx2"/>
+                </a:solidFill>
+                <a:latin typeface="+mn-lt"/>
+                <a:ea typeface="+mn-ea"/>
+                <a:cs typeface="+mn-cs"/>
+              </a:defRPr>
+            </a:lvl8pPr>
+            <a:lvl9pPr marL="2377440" indent="-182880" algn="l" defTabSz="914400" rtl="0" eaLnBrk="1" latinLnBrk="0" hangingPunct="1">
+              <a:spcBef>
+                <a:spcPct val="20000"/>
+              </a:spcBef>
+              <a:buClr>
+                <a:schemeClr val="accent5"/>
+              </a:buClr>
+              <a:buFont typeface="Wingdings" pitchFamily="2" charset="2"/>
+              <a:buChar char="§"/>
+              <a:defRPr sz="1200" kern="1200">
+                <a:solidFill>
+                  <a:schemeClr val="tx2"/>
+                </a:solidFill>
+                <a:latin typeface="+mn-lt"/>
+                <a:ea typeface="+mn-ea"/>
+                <a:cs typeface="+mn-cs"/>
+              </a:defRPr>
+            </a:lvl9pPr>
+          </a:lstStyle>
+          <a:p>
+            <a:pPr marL="45720" indent="0">
+              <a:buNone/>
+            </a:pPr>
+            <a:r>
+              <a:rPr lang="en-US" sz="1800" dirty="0" smtClean="0"/>
+              <a:t>fact Share {</a:t>
+            </a:r>
+          </a:p>
+          <a:p>
+            <a:pPr marL="45720" indent="0">
+              <a:buNone/>
+            </a:pPr>
+            <a:r>
+              <a:rPr lang="en-US" sz="1800" dirty="0" smtClean="0"/>
+              <a:t>key:</a:t>
+            </a:r>
+          </a:p>
+          <a:p>
+            <a:pPr marL="45720" indent="0">
+              <a:buNone/>
+            </a:pPr>
+            <a:r>
+              <a:rPr lang="en-US" sz="1800" dirty="0"/>
+              <a:t> </a:t>
+            </a:r>
+            <a:r>
+              <a:rPr lang="en-US" sz="1800" dirty="0" smtClean="0"/>
+              <a:t>   unique;</a:t>
+            </a:r>
+          </a:p>
+          <a:p>
+            <a:pPr marL="45720" indent="0">
+              <a:buNone/>
+            </a:pPr>
+            <a:r>
+              <a:rPr lang="en-US" sz="1800" dirty="0"/>
+              <a:t> </a:t>
+            </a:r>
+            <a:r>
+              <a:rPr lang="en-US" sz="1800" dirty="0" smtClean="0"/>
+              <a:t>   </a:t>
+            </a:r>
+            <a:r>
+              <a:rPr lang="en-US" sz="1800" dirty="0" smtClean="0">
+                <a:solidFill>
+                  <a:schemeClr val="accent3"/>
+                </a:solidFill>
+              </a:rPr>
+              <a:t>publish</a:t>
+            </a:r>
+            <a:r>
+              <a:rPr lang="en-US" sz="1800" dirty="0" smtClean="0"/>
+              <a:t> Individual individual;</a:t>
+            </a:r>
+          </a:p>
+          <a:p>
+            <a:pPr marL="45720" indent="0">
+              <a:buNone/>
+            </a:pPr>
+            <a:r>
+              <a:rPr lang="en-US" sz="1800" dirty="0" smtClean="0"/>
+              <a:t>    List </a:t>
+            </a:r>
+            <a:r>
+              <a:rPr lang="en-US" sz="1800" dirty="0" err="1" smtClean="0"/>
+              <a:t>list</a:t>
+            </a:r>
+            <a:r>
+              <a:rPr lang="en-US" sz="1800" dirty="0" smtClean="0"/>
+              <a:t>;</a:t>
+            </a:r>
+          </a:p>
+          <a:p>
+            <a:pPr marL="45720" indent="0">
+              <a:buNone/>
+            </a:pPr>
+            <a:r>
+              <a:rPr lang="en-US" sz="1800" dirty="0" smtClean="0"/>
+              <a:t>}</a:t>
+            </a:r>
+            <a:endParaRPr lang="en-US" sz="1800" dirty="0" smtClean="0"/>
+          </a:p>
+        </p:txBody>
+      </p:sp>
+      <p:sp>
+        <p:nvSpPr>
+          <p:cNvPr id="15" name="Content Placeholder 2"/>
+          <p:cNvSpPr txBox="1">
+            <a:spLocks/>
+          </p:cNvSpPr>
+          <p:nvPr/>
+        </p:nvSpPr>
+        <p:spPr>
+          <a:xfrm>
+            <a:off x="4654218" y="3962400"/>
+            <a:ext cx="4191000" cy="2438400"/>
+          </a:xfrm>
+          <a:prstGeom prst="rect">
+            <a:avLst/>
+          </a:prstGeom>
+        </p:spPr>
+        <p:txBody>
+          <a:bodyPr vert="horz" lIns="91440" tIns="45720" rIns="91440" bIns="45720" rtlCol="0">
+            <a:noAutofit/>
+          </a:bodyPr>
+          <a:lstStyle>
+            <a:lvl1pPr marL="274320" indent="-228600" algn="l" defTabSz="914400" rtl="0" eaLnBrk="1" latinLnBrk="0" hangingPunct="1">
+              <a:spcBef>
+                <a:spcPct val="20000"/>
+              </a:spcBef>
+              <a:buClr>
+                <a:schemeClr val="accent1"/>
+              </a:buClr>
+              <a:buFont typeface="Wingdings 2" pitchFamily="18" charset="2"/>
+              <a:buChar char=""/>
+              <a:defRPr sz="2000" kern="1200" spc="150" baseline="0">
+                <a:solidFill>
+                  <a:schemeClr val="tx2"/>
+                </a:solidFill>
+                <a:latin typeface="+mn-lt"/>
+                <a:ea typeface="+mn-ea"/>
+                <a:cs typeface="+mn-cs"/>
+              </a:defRPr>
+            </a:lvl1pPr>
+            <a:lvl2pPr marL="548640" indent="-182880" algn="l" defTabSz="914400" rtl="0" eaLnBrk="1" latinLnBrk="0" hangingPunct="1">
+              <a:spcBef>
+                <a:spcPct val="20000"/>
+              </a:spcBef>
+              <a:buClr>
+                <a:schemeClr val="accent2"/>
+              </a:buClr>
+              <a:buFont typeface="Wingdings" pitchFamily="2" charset="2"/>
+              <a:buChar char="§"/>
+              <a:defRPr sz="1800" kern="1200" spc="100" baseline="0">
+                <a:solidFill>
+                  <a:schemeClr val="tx2"/>
+                </a:solidFill>
+                <a:latin typeface="+mn-lt"/>
+                <a:ea typeface="+mn-ea"/>
+                <a:cs typeface="+mn-cs"/>
+              </a:defRPr>
+            </a:lvl2pPr>
+            <a:lvl3pPr marL="822960" indent="-182880" algn="l" defTabSz="914400" rtl="0" eaLnBrk="1" latinLnBrk="0" hangingPunct="1">
+              <a:spcBef>
+                <a:spcPct val="20000"/>
+              </a:spcBef>
+              <a:buClr>
+                <a:schemeClr val="accent3"/>
+              </a:buClr>
+              <a:buFont typeface="Wingdings" pitchFamily="2" charset="2"/>
+              <a:buChar char="§"/>
+              <a:defRPr sz="1600" kern="1200" spc="100" baseline="0">
+                <a:solidFill>
+                  <a:schemeClr val="tx2"/>
+                </a:solidFill>
+                <a:latin typeface="+mn-lt"/>
+                <a:ea typeface="+mn-ea"/>
+                <a:cs typeface="+mn-cs"/>
+              </a:defRPr>
+            </a:lvl3pPr>
+            <a:lvl4pPr marL="1097280" indent="-182880" algn="l" defTabSz="914400" rtl="0" eaLnBrk="1" latinLnBrk="0" hangingPunct="1">
+              <a:spcBef>
+                <a:spcPct val="20000"/>
+              </a:spcBef>
+              <a:buClr>
+                <a:schemeClr val="accent4"/>
+              </a:buClr>
+              <a:buFont typeface="Wingdings" pitchFamily="2" charset="2"/>
+              <a:buChar char="§"/>
+              <a:defRPr sz="1400" kern="1200">
+                <a:solidFill>
+                  <a:schemeClr val="tx2"/>
+                </a:solidFill>
+                <a:latin typeface="+mn-lt"/>
+                <a:ea typeface="+mn-ea"/>
+                <a:cs typeface="+mn-cs"/>
+              </a:defRPr>
+            </a:lvl4pPr>
+            <a:lvl5pPr marL="1280160" indent="-182880" algn="l" defTabSz="914400" rtl="0" eaLnBrk="1" latinLnBrk="0" hangingPunct="1">
+              <a:spcBef>
+                <a:spcPct val="20000"/>
+              </a:spcBef>
+              <a:buClr>
+                <a:schemeClr val="accent6"/>
+              </a:buClr>
+              <a:buFont typeface="Wingdings" pitchFamily="2" charset="2"/>
+              <a:buChar char="§"/>
+              <a:defRPr sz="1300" kern="1200" spc="100" baseline="0">
+                <a:solidFill>
+                  <a:schemeClr val="tx2"/>
+                </a:solidFill>
+                <a:latin typeface="+mn-lt"/>
+                <a:ea typeface="+mn-ea"/>
+                <a:cs typeface="+mn-cs"/>
+              </a:defRPr>
+            </a:lvl5pPr>
+            <a:lvl6pPr marL="1554480" indent="-182880" algn="l" defTabSz="914400" rtl="0" eaLnBrk="1" latinLnBrk="0" hangingPunct="1">
+              <a:spcBef>
+                <a:spcPct val="20000"/>
+              </a:spcBef>
+              <a:buClr>
+                <a:schemeClr val="accent1"/>
+              </a:buClr>
+              <a:buFont typeface="Wingdings" pitchFamily="2" charset="2"/>
+              <a:buChar char="§"/>
+              <a:defRPr sz="1200" kern="1200">
+                <a:solidFill>
+                  <a:schemeClr val="tx2"/>
+                </a:solidFill>
+                <a:latin typeface="+mn-lt"/>
+                <a:ea typeface="+mn-ea"/>
+                <a:cs typeface="+mn-cs"/>
+              </a:defRPr>
+            </a:lvl6pPr>
+            <a:lvl7pPr marL="1828800" indent="-182880" algn="l" defTabSz="914400" rtl="0" eaLnBrk="1" latinLnBrk="0" hangingPunct="1">
+              <a:spcBef>
+                <a:spcPct val="20000"/>
+              </a:spcBef>
+              <a:buClr>
+                <a:schemeClr val="accent2"/>
+              </a:buClr>
+              <a:buFont typeface="Wingdings" pitchFamily="2" charset="2"/>
+              <a:buChar char="§"/>
+              <a:defRPr sz="1200" kern="1200">
+                <a:solidFill>
+                  <a:schemeClr val="tx2"/>
+                </a:solidFill>
+                <a:latin typeface="+mn-lt"/>
+                <a:ea typeface="+mn-ea"/>
+                <a:cs typeface="+mn-cs"/>
+              </a:defRPr>
+            </a:lvl7pPr>
+            <a:lvl8pPr marL="2103120" indent="-182880" algn="l" defTabSz="914400" rtl="0" eaLnBrk="1" latinLnBrk="0" hangingPunct="1">
+              <a:spcBef>
+                <a:spcPct val="20000"/>
+              </a:spcBef>
+              <a:buClr>
+                <a:schemeClr val="accent3"/>
+              </a:buClr>
+              <a:buFont typeface="Wingdings" pitchFamily="2" charset="2"/>
+              <a:buChar char="§"/>
+              <a:defRPr sz="1200" kern="1200">
+                <a:solidFill>
+                  <a:schemeClr val="tx2"/>
+                </a:solidFill>
+                <a:latin typeface="+mn-lt"/>
+                <a:ea typeface="+mn-ea"/>
+                <a:cs typeface="+mn-cs"/>
+              </a:defRPr>
+            </a:lvl8pPr>
+            <a:lvl9pPr marL="2377440" indent="-182880" algn="l" defTabSz="914400" rtl="0" eaLnBrk="1" latinLnBrk="0" hangingPunct="1">
+              <a:spcBef>
+                <a:spcPct val="20000"/>
+              </a:spcBef>
+              <a:buClr>
+                <a:schemeClr val="accent5"/>
+              </a:buClr>
+              <a:buFont typeface="Wingdings" pitchFamily="2" charset="2"/>
+              <a:buChar char="§"/>
+              <a:defRPr sz="1200" kern="1200">
+                <a:solidFill>
+                  <a:schemeClr val="tx2"/>
+                </a:solidFill>
+                <a:latin typeface="+mn-lt"/>
+                <a:ea typeface="+mn-ea"/>
+                <a:cs typeface="+mn-cs"/>
+              </a:defRPr>
+            </a:lvl9pPr>
+          </a:lstStyle>
+          <a:p>
+            <a:pPr marL="45720" indent="0">
+              <a:buNone/>
+            </a:pPr>
+            <a:r>
+              <a:rPr lang="en-US" sz="1800" dirty="0" smtClean="0"/>
+              <a:t>fact </a:t>
+            </a:r>
+            <a:r>
+              <a:rPr lang="en-US" sz="1800" dirty="0"/>
+              <a:t>Task {</a:t>
+            </a:r>
+          </a:p>
+          <a:p>
+            <a:pPr marL="45720" indent="0">
+              <a:buNone/>
+            </a:pPr>
+            <a:r>
+              <a:rPr lang="en-US" sz="1800" dirty="0"/>
+              <a:t>key:</a:t>
+            </a:r>
+          </a:p>
+          <a:p>
+            <a:pPr marL="45720" indent="0">
+              <a:buNone/>
+            </a:pPr>
+            <a:r>
+              <a:rPr lang="en-US" sz="1800" dirty="0" smtClean="0"/>
+              <a:t>    </a:t>
+            </a:r>
+            <a:r>
+              <a:rPr lang="en-US" sz="1800" dirty="0"/>
+              <a:t>unique;</a:t>
+            </a:r>
+          </a:p>
+          <a:p>
+            <a:pPr marL="45720" indent="0">
+              <a:buNone/>
+            </a:pPr>
+            <a:r>
+              <a:rPr lang="en-US" sz="1800" dirty="0"/>
+              <a:t>    </a:t>
+            </a:r>
+            <a:r>
+              <a:rPr lang="en-US" sz="1800" dirty="0">
+                <a:solidFill>
+                  <a:schemeClr val="accent3"/>
+                </a:solidFill>
+              </a:rPr>
+              <a:t>publish</a:t>
+            </a:r>
+            <a:r>
+              <a:rPr lang="en-US" sz="1800" dirty="0"/>
+              <a:t> List </a:t>
+            </a:r>
+            <a:r>
+              <a:rPr lang="en-US" sz="1800" dirty="0" err="1"/>
+              <a:t>list</a:t>
+            </a:r>
+            <a:endParaRPr lang="en-US" sz="1800" dirty="0"/>
+          </a:p>
+          <a:p>
+            <a:pPr marL="45720" indent="0">
+              <a:buNone/>
+            </a:pPr>
+            <a:r>
+              <a:rPr lang="en-US" sz="1800" dirty="0"/>
+              <a:t>        where not </a:t>
+            </a:r>
+            <a:r>
+              <a:rPr lang="en-US" sz="1800" dirty="0" err="1"/>
+              <a:t>this.isComplete</a:t>
+            </a:r>
+            <a:r>
+              <a:rPr lang="en-US" sz="1800" dirty="0"/>
+              <a:t>;</a:t>
+            </a:r>
+          </a:p>
+          <a:p>
+            <a:pPr marL="45720" indent="0">
+              <a:buNone/>
+            </a:pPr>
+            <a:r>
+              <a:rPr lang="en-US" sz="1800" dirty="0"/>
+              <a:t>    time created</a:t>
+            </a:r>
+            <a:r>
+              <a:rPr lang="en-US" sz="1800" dirty="0" smtClean="0"/>
+              <a:t>;</a:t>
+            </a:r>
+          </a:p>
+          <a:p>
+            <a:pPr marL="45720" indent="0">
+              <a:buNone/>
+            </a:pPr>
+            <a:r>
+              <a:rPr lang="en-US" sz="1800" dirty="0" smtClean="0"/>
+              <a:t>}</a:t>
+            </a:r>
+            <a:endParaRPr lang="en-US" sz="1800" dirty="0"/>
+          </a:p>
+        </p:txBody>
+      </p:sp>
     </p:spTree>
     <p:extLst>
       <p:ext uri="{BB962C8B-B14F-4D97-AF65-F5344CB8AC3E}">
-        <p14:creationId xmlns:p14="http://schemas.microsoft.com/office/powerpoint/2010/main" val="1160344878"/>
+        <p14:creationId xmlns:p14="http://schemas.microsoft.com/office/powerpoint/2010/main" val="598223924"/>
       </p:ext>
     </p:extLst>
   </p:cSld>
   <p:clrMapOvr>
     <a:masterClrMapping/>
   </p:clrMapOvr>
-  <mc:AlternateContent xmlns:mc="http://schemas.openxmlformats.org/markup-compatibility/2006">
-    <mc:Choice xmlns:p14="http://schemas.microsoft.com/office/powerpoint/2010/main" Requires="p14">
+  <mc:AlternateContent xmlns:mc="http://schemas.openxmlformats.org/markup-compatibility/2006" xmlns:p14="http://schemas.microsoft.com/office/powerpoint/2010/main">
+    <mc:Choice Requires="p14">
       <p:transition spd="slow" p14:dur="2000"/>
     </mc:Choice>
-    <mc:Fallback>
+    <mc:Fallback xmlns="">
       <p:transition spd="slow"/>
     </mc:Fallback>
   </mc:AlternateContent>
@@ -6207,18 +6388,18 @@
     </p:spTree>
     <p:extLst>
       <p:ext uri="{BB962C8B-B14F-4D97-AF65-F5344CB8AC3E}">
-        <p14:creationId xmlns:p14="http://schemas.microsoft.com/office/powerpoint/2010/main" val="598223924"/>
+        <p14:creationId xmlns:p14="http://schemas.microsoft.com/office/powerpoint/2010/main" val="1119232956"/>
       </p:ext>
     </p:extLst>
   </p:cSld>
   <p:clrMapOvr>
     <a:masterClrMapping/>
   </p:clrMapOvr>
-  <mc:AlternateContent xmlns:mc="http://schemas.openxmlformats.org/markup-compatibility/2006">
-    <mc:Choice xmlns:p14="http://schemas.microsoft.com/office/powerpoint/2010/main" Requires="p14">
+  <mc:AlternateContent xmlns:mc="http://schemas.openxmlformats.org/markup-compatibility/2006" xmlns:p14="http://schemas.microsoft.com/office/powerpoint/2010/main">
+    <mc:Choice Requires="p14">
       <p:transition spd="slow" p14:dur="2000"/>
     </mc:Choice>
-    <mc:Fallback>
+    <mc:Fallback xmlns="">
       <p:transition spd="slow"/>
     </mc:Fallback>
   </mc:AlternateContent>
@@ -6319,11 +6500,11 @@
   <p:clrMapOvr>
     <a:masterClrMapping/>
   </p:clrMapOvr>
-  <mc:AlternateContent xmlns:mc="http://schemas.openxmlformats.org/markup-compatibility/2006">
-    <mc:Choice xmlns:p14="http://schemas.microsoft.com/office/powerpoint/2010/main" Requires="p14">
+  <mc:AlternateContent xmlns:mc="http://schemas.openxmlformats.org/markup-compatibility/2006" xmlns:p14="http://schemas.microsoft.com/office/powerpoint/2010/main">
+    <mc:Choice Requires="p14">
       <p:transition spd="slow" p14:dur="2000"/>
     </mc:Choice>
-    <mc:Fallback>
+    <mc:Fallback xmlns="">
       <p:transition spd="slow"/>
     </mc:Fallback>
   </mc:AlternateContent>
@@ -8212,11 +8393,11 @@
   <p:clrMapOvr>
     <a:masterClrMapping/>
   </p:clrMapOvr>
-  <mc:AlternateContent xmlns:mc="http://schemas.openxmlformats.org/markup-compatibility/2006">
-    <mc:Choice xmlns:p14="http://schemas.microsoft.com/office/powerpoint/2010/main" Requires="p14">
+  <mc:AlternateContent xmlns:mc="http://schemas.openxmlformats.org/markup-compatibility/2006" xmlns:p14="http://schemas.microsoft.com/office/powerpoint/2010/main">
+    <mc:Choice Requires="p14">
       <p:transition spd="slow" p14:dur="2000"/>
     </mc:Choice>
-    <mc:Fallback>
+    <mc:Fallback xmlns="">
       <p:transition spd="slow"/>
     </mc:Fallback>
   </mc:AlternateContent>
@@ -8461,11 +8642,11 @@
   <p:clrMapOvr>
     <a:masterClrMapping/>
   </p:clrMapOvr>
-  <mc:AlternateContent xmlns:mc="http://schemas.openxmlformats.org/markup-compatibility/2006">
-    <mc:Choice xmlns:p14="http://schemas.microsoft.com/office/powerpoint/2010/main" Requires="p14">
+  <mc:AlternateContent xmlns:mc="http://schemas.openxmlformats.org/markup-compatibility/2006" xmlns:p14="http://schemas.microsoft.com/office/powerpoint/2010/main">
+    <mc:Choice Requires="p14">
       <p:transition spd="slow" p14:dur="2000"/>
     </mc:Choice>
-    <mc:Fallback>
+    <mc:Fallback xmlns="">
       <p:transition spd="slow"/>
     </mc:Fallback>
   </mc:AlternateContent>
@@ -8883,11 +9064,11 @@
   <p:clrMapOvr>
     <a:masterClrMapping/>
   </p:clrMapOvr>
-  <mc:AlternateContent xmlns:mc="http://schemas.openxmlformats.org/markup-compatibility/2006">
-    <mc:Choice xmlns:p14="http://schemas.microsoft.com/office/powerpoint/2010/main" Requires="p14">
+  <mc:AlternateContent xmlns:mc="http://schemas.openxmlformats.org/markup-compatibility/2006" xmlns:p14="http://schemas.microsoft.com/office/powerpoint/2010/main">
+    <mc:Choice Requires="p14">
       <p:transition spd="slow" p14:dur="2000"/>
     </mc:Choice>
-    <mc:Fallback>
+    <mc:Fallback xmlns="">
       <p:transition spd="slow"/>
     </mc:Fallback>
   </mc:AlternateContent>
@@ -8986,11 +9167,11 @@
   <p:clrMapOvr>
     <a:masterClrMapping/>
   </p:clrMapOvr>
-  <mc:AlternateContent xmlns:mc="http://schemas.openxmlformats.org/markup-compatibility/2006">
-    <mc:Choice xmlns:p14="http://schemas.microsoft.com/office/powerpoint/2010/main" Requires="p14">
+  <mc:AlternateContent xmlns:mc="http://schemas.openxmlformats.org/markup-compatibility/2006" xmlns:p14="http://schemas.microsoft.com/office/powerpoint/2010/main">
+    <mc:Choice Requires="p14">
       <p:transition spd="slow" p14:dur="2000"/>
     </mc:Choice>
-    <mc:Fallback>
+    <mc:Fallback xmlns="">
       <p:transition spd="slow"/>
     </mc:Fallback>
   </mc:AlternateContent>
@@ -10159,11 +10340,11 @@
   <p:clrMapOvr>
     <a:masterClrMapping/>
   </p:clrMapOvr>
-  <mc:AlternateContent xmlns:mc="http://schemas.openxmlformats.org/markup-compatibility/2006">
-    <mc:Choice xmlns:p14="http://schemas.microsoft.com/office/powerpoint/2010/main" Requires="p14">
+  <mc:AlternateContent xmlns:mc="http://schemas.openxmlformats.org/markup-compatibility/2006" xmlns:p14="http://schemas.microsoft.com/office/powerpoint/2010/main">
+    <mc:Choice Requires="p14">
       <p:transition spd="slow" p14:dur="2000"/>
     </mc:Choice>
-    <mc:Fallback>
+    <mc:Fallback xmlns="">
       <p:transition spd="slow"/>
     </mc:Fallback>
   </mc:AlternateContent>

--- a/Collaborative Android Apps.pptx
+++ b/Collaborative Android Apps.pptx
@@ -5,7 +5,7 @@
     <p:sldMasterId id="2147483972" r:id="rId1"/>
   </p:sldMasterIdLst>
   <p:notesMasterIdLst>
-    <p:notesMasterId r:id="rId19"/>
+    <p:notesMasterId r:id="rId21"/>
   </p:notesMasterIdLst>
   <p:sldIdLst>
     <p:sldId id="256" r:id="rId2"/>
@@ -14,17 +14,19 @@
     <p:sldId id="273" r:id="rId5"/>
     <p:sldId id="274" r:id="rId6"/>
     <p:sldId id="258" r:id="rId7"/>
-    <p:sldId id="260" r:id="rId8"/>
-    <p:sldId id="265" r:id="rId9"/>
-    <p:sldId id="261" r:id="rId10"/>
-    <p:sldId id="266" r:id="rId11"/>
-    <p:sldId id="275" r:id="rId12"/>
-    <p:sldId id="263" r:id="rId13"/>
-    <p:sldId id="268" r:id="rId14"/>
-    <p:sldId id="270" r:id="rId15"/>
-    <p:sldId id="271" r:id="rId16"/>
-    <p:sldId id="272" r:id="rId17"/>
-    <p:sldId id="264" r:id="rId18"/>
+    <p:sldId id="265" r:id="rId8"/>
+    <p:sldId id="276" r:id="rId9"/>
+    <p:sldId id="278" r:id="rId10"/>
+    <p:sldId id="260" r:id="rId11"/>
+    <p:sldId id="261" r:id="rId12"/>
+    <p:sldId id="266" r:id="rId13"/>
+    <p:sldId id="275" r:id="rId14"/>
+    <p:sldId id="263" r:id="rId15"/>
+    <p:sldId id="268" r:id="rId16"/>
+    <p:sldId id="282" r:id="rId17"/>
+    <p:sldId id="270" r:id="rId18"/>
+    <p:sldId id="272" r:id="rId19"/>
+    <p:sldId id="264" r:id="rId20"/>
   </p:sldIdLst>
   <p:sldSz cx="9144000" cy="6858000" type="screen4x3"/>
   <p:notesSz cx="6858000" cy="9144000"/>
@@ -4795,6 +4797,41 @@
       </p:grpSpPr>
       <p:sp>
         <p:nvSpPr>
+          <p:cNvPr id="3" name="Content Placeholder 2"/>
+          <p:cNvSpPr>
+            <a:spLocks noGrp="1"/>
+          </p:cNvSpPr>
+          <p:nvPr>
+            <p:ph idx="1"/>
+          </p:nvPr>
+        </p:nvSpPr>
+        <p:spPr/>
+        <p:txBody>
+          <a:bodyPr/>
+          <a:lstStyle/>
+          <a:p>
+            <a:r>
+              <a:rPr lang="en-US" dirty="0" smtClean="0"/>
+              <a:t>Factual modeling language</a:t>
+            </a:r>
+          </a:p>
+          <a:p>
+            <a:r>
+              <a:rPr lang="en-US" dirty="0" smtClean="0"/>
+              <a:t>Publish/subscribe</a:t>
+            </a:r>
+          </a:p>
+          <a:p>
+            <a:r>
+              <a:rPr lang="en-US" dirty="0" smtClean="0"/>
+              <a:t>Update when necessary</a:t>
+            </a:r>
+            <a:endParaRPr lang="en-US" dirty="0"/>
+          </a:p>
+        </p:txBody>
+      </p:sp>
+      <p:sp>
+        <p:nvSpPr>
           <p:cNvPr id="2" name="Title 1"/>
           <p:cNvSpPr>
             <a:spLocks noGrp="1"/>
@@ -4810,51 +4847,226 @@
           <a:p>
             <a:r>
               <a:rPr lang="en-US" dirty="0" smtClean="0"/>
-              <a:t>Publish</a:t>
+              <a:t>Correspondence</a:t>
             </a:r>
             <a:endParaRPr lang="en-US" dirty="0"/>
           </a:p>
         </p:txBody>
       </p:sp>
-      <p:sp>
-        <p:nvSpPr>
-          <p:cNvPr id="5" name="Oval 4"/>
-          <p:cNvSpPr/>
-          <p:nvPr/>
+    </p:spTree>
+    <p:extLst>
+      <p:ext uri="{BB962C8B-B14F-4D97-AF65-F5344CB8AC3E}">
+        <p14:creationId xmlns:p14="http://schemas.microsoft.com/office/powerpoint/2010/main" val="1993470407"/>
+      </p:ext>
+    </p:extLst>
+  </p:cSld>
+  <p:clrMapOvr>
+    <a:masterClrMapping/>
+  </p:clrMapOvr>
+  <mc:AlternateContent xmlns:mc="http://schemas.openxmlformats.org/markup-compatibility/2006" xmlns:p14="http://schemas.microsoft.com/office/powerpoint/2010/main">
+    <mc:Choice Requires="p14">
+      <p:transition spd="slow" p14:dur="2000"/>
+    </mc:Choice>
+    <mc:Fallback xmlns="">
+      <p:transition spd="slow"/>
+    </mc:Fallback>
+  </mc:AlternateContent>
+  <p:timing>
+    <p:tnLst>
+      <p:par>
+        <p:cTn id="1" dur="indefinite" restart="never" nodeType="tmRoot"/>
+      </p:par>
+    </p:tnLst>
+  </p:timing>
+</p:sld>
+</file>
+
+<file path=ppt/slides/slide11.xml><?xml version="1.0" encoding="utf-8"?>
+<p:sld xmlns:a="http://schemas.openxmlformats.org/drawingml/2006/main" xmlns:r="http://schemas.openxmlformats.org/officeDocument/2006/relationships" xmlns:p="http://schemas.openxmlformats.org/presentationml/2006/main">
+  <p:cSld>
+    <p:spTree>
+      <p:nvGrpSpPr>
+        <p:cNvPr id="1" name=""/>
+        <p:cNvGrpSpPr/>
+        <p:nvPr/>
+      </p:nvGrpSpPr>
+      <p:grpSpPr>
+        <a:xfrm>
+          <a:off x="0" y="0"/>
+          <a:ext cx="0" cy="0"/>
+          <a:chOff x="0" y="0"/>
+          <a:chExt cx="0" cy="0"/>
+        </a:xfrm>
+      </p:grpSpPr>
+      <p:sp>
+        <p:nvSpPr>
+          <p:cNvPr id="3" name="Content Placeholder 2"/>
+          <p:cNvSpPr>
+            <a:spLocks noGrp="1"/>
+          </p:cNvSpPr>
+          <p:nvPr>
+            <p:ph idx="1"/>
+          </p:nvPr>
         </p:nvSpPr>
         <p:spPr>
           <a:xfrm>
-            <a:off x="2465040" y="1832026"/>
-            <a:ext cx="1676400" cy="533400"/>
-          </a:xfrm>
-          <a:prstGeom prst="ellipse">
-            <a:avLst/>
-          </a:prstGeom>
-        </p:spPr>
-        <p:style>
-          <a:lnRef idx="2">
-            <a:schemeClr val="accent1">
-              <a:shade val="50000"/>
-            </a:schemeClr>
-          </a:lnRef>
-          <a:fillRef idx="1">
-            <a:schemeClr val="accent1"/>
-          </a:fillRef>
-          <a:effectRef idx="0">
-            <a:schemeClr val="accent1"/>
-          </a:effectRef>
-          <a:fontRef idx="minor">
-            <a:schemeClr val="lt1"/>
-          </a:fontRef>
-        </p:style>
-        <p:txBody>
-          <a:bodyPr rtlCol="0" anchor="ctr"/>
+            <a:off x="380999" y="1752600"/>
+            <a:ext cx="3886201" cy="4407408"/>
+          </a:xfrm>
+        </p:spPr>
+        <p:txBody>
+          <a:bodyPr>
+            <a:normAutofit/>
+          </a:bodyPr>
           <a:lstStyle/>
           <a:p>
-            <a:pPr algn="ctr"/>
+            <a:pPr marL="45720" indent="0">
+              <a:buNone/>
+            </a:pPr>
+            <a:r>
+              <a:rPr lang="en-US" sz="1600" dirty="0"/>
+              <a:t>fact List {</a:t>
+            </a:r>
+          </a:p>
+          <a:p>
+            <a:pPr marL="45720" indent="0">
+              <a:buNone/>
+            </a:pPr>
+            <a:r>
+              <a:rPr lang="en-US" sz="1600" dirty="0"/>
+              <a:t>key:</a:t>
+            </a:r>
+          </a:p>
+          <a:p>
+            <a:pPr marL="45720" indent="0">
+              <a:buNone/>
+            </a:pPr>
+            <a:r>
+              <a:rPr lang="en-US" sz="1600" dirty="0" smtClean="0"/>
+              <a:t>    string </a:t>
+            </a:r>
+            <a:r>
+              <a:rPr lang="en-US" sz="1600" dirty="0"/>
+              <a:t>identifier;</a:t>
+            </a:r>
+          </a:p>
+          <a:p>
+            <a:pPr marL="45720" indent="0">
+              <a:buNone/>
+            </a:pPr>
+            <a:endParaRPr lang="en-US" sz="1600" dirty="0"/>
+          </a:p>
+          <a:p>
+            <a:pPr marL="45720" indent="0">
+              <a:buNone/>
+            </a:pPr>
+            <a:r>
+              <a:rPr lang="en-US" sz="1600" dirty="0"/>
+              <a:t>query:</a:t>
+            </a:r>
+          </a:p>
+          <a:p>
+            <a:pPr marL="45720" indent="0">
+              <a:buNone/>
+            </a:pPr>
+            <a:r>
+              <a:rPr lang="en-US" sz="1600" dirty="0" smtClean="0"/>
+              <a:t>    Task</a:t>
+            </a:r>
+            <a:r>
+              <a:rPr lang="en-US" sz="1600" dirty="0"/>
+              <a:t>* tasks {</a:t>
+            </a:r>
+          </a:p>
+          <a:p>
+            <a:pPr marL="45720" indent="0">
+              <a:buNone/>
+            </a:pPr>
+            <a:r>
+              <a:rPr lang="en-US" sz="1600" dirty="0" smtClean="0"/>
+              <a:t>        Task </a:t>
+            </a:r>
+            <a:r>
+              <a:rPr lang="en-US" sz="1600" dirty="0"/>
+              <a:t>t : </a:t>
+            </a:r>
+            <a:r>
+              <a:rPr lang="en-US" sz="1600" dirty="0" err="1" smtClean="0"/>
+              <a:t>t.list</a:t>
+            </a:r>
+            <a:r>
+              <a:rPr lang="en-US" sz="1600" dirty="0" smtClean="0"/>
+              <a:t> </a:t>
+            </a:r>
+            <a:r>
+              <a:rPr lang="en-US" sz="1600" dirty="0"/>
+              <a:t>= this</a:t>
+            </a:r>
+          </a:p>
+          <a:p>
+            <a:pPr marL="45720" indent="0">
+              <a:buNone/>
+            </a:pPr>
+            <a:r>
+              <a:rPr lang="en-US" sz="1600" dirty="0" smtClean="0"/>
+              <a:t>            where </a:t>
+            </a:r>
+            <a:r>
+              <a:rPr lang="en-US" sz="1600" dirty="0"/>
+              <a:t>not </a:t>
+            </a:r>
+            <a:r>
+              <a:rPr lang="en-US" sz="1600" dirty="0" err="1"/>
+              <a:t>t.isComplete</a:t>
+            </a:r>
+            <a:endParaRPr lang="en-US" sz="1600" dirty="0"/>
+          </a:p>
+          <a:p>
+            <a:pPr marL="45720" indent="0">
+              <a:buNone/>
+            </a:pPr>
+            <a:r>
+              <a:rPr lang="en-US" sz="1600" dirty="0" smtClean="0"/>
+              <a:t>    }</a:t>
+            </a:r>
+            <a:endParaRPr lang="en-US" sz="1600" dirty="0"/>
+          </a:p>
+          <a:p>
+            <a:pPr marL="45720" indent="0">
+              <a:buNone/>
+            </a:pPr>
+            <a:r>
+              <a:rPr lang="en-US" sz="1600" dirty="0" smtClean="0"/>
+              <a:t>}</a:t>
+            </a:r>
+            <a:endParaRPr lang="en-US" sz="1600" dirty="0"/>
+          </a:p>
+          <a:p>
+            <a:pPr marL="45720" indent="0">
+              <a:buNone/>
+            </a:pPr>
+            <a:endParaRPr lang="en-US" sz="1600" dirty="0"/>
+          </a:p>
+        </p:txBody>
+      </p:sp>
+      <p:sp>
+        <p:nvSpPr>
+          <p:cNvPr id="2" name="Title 1"/>
+          <p:cNvSpPr>
+            <a:spLocks noGrp="1"/>
+          </p:cNvSpPr>
+          <p:nvPr>
+            <p:ph type="title"/>
+          </p:nvPr>
+        </p:nvSpPr>
+        <p:spPr/>
+        <p:txBody>
+          <a:bodyPr/>
+          <a:lstStyle/>
+          <a:p>
             <a:r>
               <a:rPr lang="en-US" dirty="0" smtClean="0"/>
-              <a:t>Individual</a:t>
+              <a:t>Factual</a:t>
             </a:r>
             <a:endParaRPr lang="en-US" dirty="0"/>
           </a:p>
@@ -4862,253 +5074,7 @@
       </p:sp>
       <p:sp>
         <p:nvSpPr>
-          <p:cNvPr id="6" name="Oval 5"/>
-          <p:cNvSpPr/>
-          <p:nvPr/>
-        </p:nvSpPr>
-        <p:spPr>
-          <a:xfrm>
-            <a:off x="2710543" y="3278213"/>
-            <a:ext cx="1676400" cy="533400"/>
-          </a:xfrm>
-          <a:prstGeom prst="ellipse">
-            <a:avLst/>
-          </a:prstGeom>
-        </p:spPr>
-        <p:style>
-          <a:lnRef idx="2">
-            <a:schemeClr val="accent1">
-              <a:shade val="50000"/>
-            </a:schemeClr>
-          </a:lnRef>
-          <a:fillRef idx="1">
-            <a:schemeClr val="accent1"/>
-          </a:fillRef>
-          <a:effectRef idx="0">
-            <a:schemeClr val="accent1"/>
-          </a:effectRef>
-          <a:fontRef idx="minor">
-            <a:schemeClr val="lt1"/>
-          </a:fontRef>
-        </p:style>
-        <p:txBody>
-          <a:bodyPr rtlCol="0" anchor="ctr"/>
-          <a:lstStyle/>
-          <a:p>
-            <a:pPr algn="ctr"/>
-            <a:r>
-              <a:rPr lang="en-US" dirty="0" smtClean="0"/>
-              <a:t>Share</a:t>
-            </a:r>
-            <a:endParaRPr lang="en-US" dirty="0"/>
-          </a:p>
-        </p:txBody>
-      </p:sp>
-      <p:sp>
-        <p:nvSpPr>
-          <p:cNvPr id="7" name="Oval 6"/>
-          <p:cNvSpPr/>
-          <p:nvPr/>
-        </p:nvSpPr>
-        <p:spPr>
-          <a:xfrm>
-            <a:off x="4386943" y="1832026"/>
-            <a:ext cx="1676400" cy="533400"/>
-          </a:xfrm>
-          <a:prstGeom prst="ellipse">
-            <a:avLst/>
-          </a:prstGeom>
-        </p:spPr>
-        <p:style>
-          <a:lnRef idx="2">
-            <a:schemeClr val="accent1">
-              <a:shade val="50000"/>
-            </a:schemeClr>
-          </a:lnRef>
-          <a:fillRef idx="1">
-            <a:schemeClr val="accent1"/>
-          </a:fillRef>
-          <a:effectRef idx="0">
-            <a:schemeClr val="accent1"/>
-          </a:effectRef>
-          <a:fontRef idx="minor">
-            <a:schemeClr val="lt1"/>
-          </a:fontRef>
-        </p:style>
-        <p:txBody>
-          <a:bodyPr rtlCol="0" anchor="ctr"/>
-          <a:lstStyle/>
-          <a:p>
-            <a:pPr algn="ctr"/>
-            <a:r>
-              <a:rPr lang="en-US" dirty="0" smtClean="0"/>
-              <a:t>List</a:t>
-            </a:r>
-            <a:endParaRPr lang="en-US" dirty="0"/>
-          </a:p>
-        </p:txBody>
-      </p:sp>
-      <p:sp>
-        <p:nvSpPr>
-          <p:cNvPr id="8" name="Oval 7"/>
-          <p:cNvSpPr/>
-          <p:nvPr/>
-        </p:nvSpPr>
-        <p:spPr>
-          <a:xfrm>
-            <a:off x="4876800" y="3278213"/>
-            <a:ext cx="1676400" cy="533400"/>
-          </a:xfrm>
-          <a:prstGeom prst="ellipse">
-            <a:avLst/>
-          </a:prstGeom>
-        </p:spPr>
-        <p:style>
-          <a:lnRef idx="2">
-            <a:schemeClr val="accent1">
-              <a:shade val="50000"/>
-            </a:schemeClr>
-          </a:lnRef>
-          <a:fillRef idx="1">
-            <a:schemeClr val="accent1"/>
-          </a:fillRef>
-          <a:effectRef idx="0">
-            <a:schemeClr val="accent1"/>
-          </a:effectRef>
-          <a:fontRef idx="minor">
-            <a:schemeClr val="lt1"/>
-          </a:fontRef>
-        </p:style>
-        <p:txBody>
-          <a:bodyPr rtlCol="0" anchor="ctr"/>
-          <a:lstStyle/>
-          <a:p>
-            <a:pPr algn="ctr"/>
-            <a:r>
-              <a:rPr lang="en-US" dirty="0" smtClean="0"/>
-              <a:t>Task</a:t>
-            </a:r>
-            <a:endParaRPr lang="en-US" dirty="0"/>
-          </a:p>
-        </p:txBody>
-      </p:sp>
-      <p:cxnSp>
-        <p:nvCxnSpPr>
-          <p:cNvPr id="11" name="Straight Arrow Connector 10"/>
-          <p:cNvCxnSpPr>
-            <a:stCxn id="6" idx="0"/>
-            <a:endCxn id="5" idx="4"/>
-          </p:cNvCxnSpPr>
-          <p:nvPr/>
-        </p:nvCxnSpPr>
-        <p:spPr>
-          <a:xfrm flipH="1" flipV="1">
-            <a:off x="3303240" y="2365426"/>
-            <a:ext cx="245503" cy="912787"/>
-          </a:xfrm>
-          <a:prstGeom prst="straightConnector1">
-            <a:avLst/>
-          </a:prstGeom>
-          <a:ln w="28575">
-            <a:solidFill>
-              <a:schemeClr val="accent3"/>
-            </a:solidFill>
-            <a:tailEnd type="arrow"/>
-          </a:ln>
-        </p:spPr>
-        <p:style>
-          <a:lnRef idx="1">
-            <a:schemeClr val="accent1"/>
-          </a:lnRef>
-          <a:fillRef idx="0">
-            <a:schemeClr val="accent1"/>
-          </a:fillRef>
-          <a:effectRef idx="0">
-            <a:schemeClr val="accent1"/>
-          </a:effectRef>
-          <a:fontRef idx="minor">
-            <a:schemeClr val="tx1"/>
-          </a:fontRef>
-        </p:style>
-      </p:cxnSp>
-      <p:cxnSp>
-        <p:nvCxnSpPr>
-          <p:cNvPr id="12" name="Straight Arrow Connector 11"/>
-          <p:cNvCxnSpPr>
-            <a:stCxn id="6" idx="7"/>
-            <a:endCxn id="7" idx="3"/>
-          </p:cNvCxnSpPr>
-          <p:nvPr/>
-        </p:nvCxnSpPr>
-        <p:spPr>
-          <a:xfrm flipV="1">
-            <a:off x="4141440" y="2287311"/>
-            <a:ext cx="491006" cy="1069017"/>
-          </a:xfrm>
-          <a:prstGeom prst="straightConnector1">
-            <a:avLst/>
-          </a:prstGeom>
-          <a:ln w="28575">
-            <a:tailEnd type="arrow"/>
-          </a:ln>
-        </p:spPr>
-        <p:style>
-          <a:lnRef idx="1">
-            <a:schemeClr val="accent1"/>
-          </a:lnRef>
-          <a:fillRef idx="0">
-            <a:schemeClr val="accent1"/>
-          </a:fillRef>
-          <a:effectRef idx="0">
-            <a:schemeClr val="accent1"/>
-          </a:effectRef>
-          <a:fontRef idx="minor">
-            <a:schemeClr val="tx1"/>
-          </a:fontRef>
-        </p:style>
-      </p:cxnSp>
-      <p:cxnSp>
-        <p:nvCxnSpPr>
-          <p:cNvPr id="13" name="Straight Arrow Connector 12"/>
-          <p:cNvCxnSpPr>
-            <a:stCxn id="8" idx="0"/>
-            <a:endCxn id="7" idx="4"/>
-          </p:cNvCxnSpPr>
-          <p:nvPr/>
-        </p:nvCxnSpPr>
-        <p:spPr>
-          <a:xfrm flipH="1" flipV="1">
-            <a:off x="5225143" y="2365426"/>
-            <a:ext cx="489857" cy="912787"/>
-          </a:xfrm>
-          <a:prstGeom prst="straightConnector1">
-            <a:avLst/>
-          </a:prstGeom>
-          <a:ln w="28575">
-            <a:solidFill>
-              <a:schemeClr val="accent3"/>
-            </a:solidFill>
-            <a:tailEnd type="arrow"/>
-          </a:ln>
-        </p:spPr>
-        <p:style>
-          <a:lnRef idx="1">
-            <a:schemeClr val="accent1"/>
-          </a:lnRef>
-          <a:fillRef idx="0">
-            <a:schemeClr val="accent1"/>
-          </a:fillRef>
-          <a:effectRef idx="0">
-            <a:schemeClr val="accent1"/>
-          </a:effectRef>
-          <a:fontRef idx="minor">
-            <a:schemeClr val="tx1"/>
-          </a:fontRef>
-        </p:style>
-      </p:cxnSp>
-      <p:sp>
-        <p:nvSpPr>
-          <p:cNvPr id="14" name="Content Placeholder 2"/>
+          <p:cNvPr id="4" name="Content Placeholder 2"/>
           <p:cNvSpPr txBox="1">
             <a:spLocks/>
           </p:cNvSpPr>
@@ -5116,8 +5082,8 @@
         </p:nvSpPr>
         <p:spPr>
           <a:xfrm>
-            <a:off x="195943" y="3962400"/>
-            <a:ext cx="4191000" cy="2438400"/>
+            <a:off x="4267200" y="1676400"/>
+            <a:ext cx="4648200" cy="5029200"/>
           </a:xfrm>
           <a:prstGeom prst="rect">
             <a:avLst/>
@@ -5296,8 +5262,8 @@
               <a:buNone/>
             </a:pPr>
             <a:r>
-              <a:rPr lang="en-US" sz="1800" dirty="0" smtClean="0"/>
-              <a:t>fact Share {</a:t>
+              <a:rPr lang="en-US" sz="1600" dirty="0"/>
+              <a:t>fact Task {</a:t>
             </a:r>
           </a:p>
           <a:p>
@@ -5305,7 +5271,7 @@
               <a:buNone/>
             </a:pPr>
             <a:r>
-              <a:rPr lang="en-US" sz="1800" dirty="0" smtClean="0"/>
+              <a:rPr lang="en-US" sz="1600" dirty="0"/>
               <a:t>key:</a:t>
             </a:r>
           </a:p>
@@ -5314,12 +5280,101 @@
               <a:buNone/>
             </a:pPr>
             <a:r>
-              <a:rPr lang="en-US" sz="1800" dirty="0"/>
+              <a:rPr lang="en-US" sz="1600" dirty="0" smtClean="0"/>
+              <a:t>    unique</a:t>
+            </a:r>
+            <a:r>
+              <a:rPr lang="en-US" sz="1600" dirty="0"/>
+              <a:t>;</a:t>
+            </a:r>
+          </a:p>
+          <a:p>
+            <a:pPr marL="45720" indent="0">
+              <a:buNone/>
+            </a:pPr>
+            <a:r>
+              <a:rPr lang="en-US" sz="1600" dirty="0" smtClean="0"/>
+              <a:t>    publish List </a:t>
+            </a:r>
+            <a:r>
+              <a:rPr lang="en-US" sz="1600" dirty="0" err="1" smtClean="0"/>
+              <a:t>list</a:t>
+            </a:r>
+            <a:endParaRPr lang="en-US" sz="1600" dirty="0"/>
+          </a:p>
+          <a:p>
+            <a:pPr marL="45720" indent="0">
+              <a:buNone/>
+            </a:pPr>
+            <a:r>
+              <a:rPr lang="en-US" sz="1600" dirty="0" smtClean="0"/>
+              <a:t>        where </a:t>
+            </a:r>
+            <a:r>
+              <a:rPr lang="en-US" sz="1600" dirty="0"/>
+              <a:t>not </a:t>
+            </a:r>
+            <a:r>
+              <a:rPr lang="en-US" sz="1600" dirty="0" err="1" smtClean="0"/>
+              <a:t>this.isComplete</a:t>
+            </a:r>
+            <a:r>
+              <a:rPr lang="en-US" sz="1600" dirty="0" smtClean="0"/>
+              <a:t>;</a:t>
+            </a:r>
+            <a:endParaRPr lang="en-US" sz="1600" dirty="0"/>
+          </a:p>
+          <a:p>
+            <a:pPr marL="45720" indent="0">
+              <a:buNone/>
+            </a:pPr>
+            <a:r>
+              <a:rPr lang="en-US" sz="1600" dirty="0" smtClean="0"/>
+              <a:t>    time </a:t>
+            </a:r>
+            <a:r>
+              <a:rPr lang="en-US" sz="1600" dirty="0"/>
+              <a:t>created;</a:t>
+            </a:r>
+          </a:p>
+          <a:p>
+            <a:pPr marL="45720" indent="0">
+              <a:buNone/>
+            </a:pPr>
+            <a:endParaRPr lang="en-US" sz="1600" dirty="0"/>
+          </a:p>
+          <a:p>
+            <a:pPr marL="45720" indent="0">
+              <a:buNone/>
+            </a:pPr>
+            <a:r>
+              <a:rPr lang="en-US" sz="1600" dirty="0"/>
+              <a:t>query:</a:t>
+            </a:r>
+          </a:p>
+          <a:p>
+            <a:pPr marL="45720" indent="0">
+              <a:buNone/>
+            </a:pPr>
+            <a:r>
+              <a:rPr lang="en-US" sz="1600" dirty="0" smtClean="0"/>
+              <a:t>    </a:t>
+            </a:r>
+            <a:r>
+              <a:rPr lang="en-US" sz="1600" dirty="0" err="1" smtClean="0"/>
+              <a:t>bool</a:t>
+            </a:r>
+            <a:r>
+              <a:rPr lang="en-US" sz="1600" dirty="0" smtClean="0"/>
               <a:t> </a:t>
             </a:r>
             <a:r>
-              <a:rPr lang="en-US" sz="1800" dirty="0" smtClean="0"/>
-              <a:t>   unique;</a:t>
+              <a:rPr lang="en-US" sz="1600" dirty="0" err="1"/>
+              <a:t>isComplete</a:t>
+            </a:r>
+            <a:r>
+              <a:rPr lang="en-US" sz="1600" dirty="0"/>
+              <a:t> {</a:t>
             </a:r>
           </a:p>
           <a:p>
@@ -5327,24 +5382,24 @@
               <a:buNone/>
             </a:pPr>
             <a:r>
-              <a:rPr lang="en-US" sz="1800" dirty="0"/>
-              <a:t> </a:t>
-            </a:r>
-            <a:r>
-              <a:rPr lang="en-US" sz="1800" dirty="0" smtClean="0"/>
-              <a:t>   </a:t>
-            </a:r>
-            <a:r>
-              <a:rPr lang="en-US" sz="1800" dirty="0" smtClean="0">
-                <a:solidFill>
-                  <a:schemeClr val="accent3"/>
-                </a:solidFill>
-              </a:rPr>
-              <a:t>publish</a:t>
-            </a:r>
-            <a:r>
-              <a:rPr lang="en-US" sz="1800" dirty="0" smtClean="0"/>
-              <a:t> Individual individual;</a:t>
+              <a:rPr lang="en-US" sz="1600" dirty="0" smtClean="0"/>
+              <a:t>        exists </a:t>
+            </a:r>
+            <a:r>
+              <a:rPr lang="en-US" sz="1600" dirty="0" err="1"/>
+              <a:t>TaskComplete</a:t>
+            </a:r>
+            <a:r>
+              <a:rPr lang="en-US" sz="1600" dirty="0"/>
+              <a:t> c : </a:t>
+            </a:r>
+            <a:r>
+              <a:rPr lang="en-US" sz="1600" dirty="0" err="1"/>
+              <a:t>c.task</a:t>
+            </a:r>
+            <a:r>
+              <a:rPr lang="en-US" sz="1600" dirty="0"/>
+              <a:t> = this</a:t>
             </a:r>
           </a:p>
           <a:p>
@@ -5352,33 +5407,402 @@
               <a:buNone/>
             </a:pPr>
             <a:r>
-              <a:rPr lang="en-US" sz="1800" dirty="0" smtClean="0"/>
-              <a:t>    List </a:t>
-            </a:r>
-            <a:r>
-              <a:rPr lang="en-US" sz="1800" dirty="0" err="1" smtClean="0"/>
-              <a:t>list</a:t>
-            </a:r>
-            <a:r>
-              <a:rPr lang="en-US" sz="1800" dirty="0" smtClean="0"/>
-              <a:t>;</a:t>
-            </a:r>
+              <a:rPr lang="en-US" sz="1600" dirty="0" smtClean="0"/>
+              <a:t>            where </a:t>
+            </a:r>
+            <a:r>
+              <a:rPr lang="en-US" sz="1600" dirty="0"/>
+              <a:t>not </a:t>
+            </a:r>
+            <a:r>
+              <a:rPr lang="en-US" sz="1600" dirty="0" err="1"/>
+              <a:t>c.isUndone</a:t>
+            </a:r>
+            <a:endParaRPr lang="en-US" sz="1600" dirty="0"/>
           </a:p>
           <a:p>
             <a:pPr marL="45720" indent="0">
               <a:buNone/>
             </a:pPr>
             <a:r>
-              <a:rPr lang="en-US" sz="1800" dirty="0" smtClean="0"/>
+              <a:rPr lang="en-US" sz="1600" dirty="0" smtClean="0"/>
+              <a:t>    }</a:t>
+            </a:r>
+            <a:endParaRPr lang="en-US" sz="1600" dirty="0"/>
+          </a:p>
+          <a:p>
+            <a:pPr marL="45720" indent="0">
+              <a:buNone/>
+            </a:pPr>
+            <a:r>
+              <a:rPr lang="en-US" sz="1600" dirty="0" smtClean="0"/>
               <a:t>}</a:t>
             </a:r>
-            <a:endParaRPr lang="en-US" sz="1800" dirty="0" smtClean="0"/>
-          </a:p>
-        </p:txBody>
-      </p:sp>
-      <p:sp>
-        <p:nvSpPr>
-          <p:cNvPr id="15" name="Content Placeholder 2"/>
+            <a:endParaRPr lang="en-US" sz="1600" dirty="0"/>
+          </a:p>
+        </p:txBody>
+      </p:sp>
+    </p:spTree>
+    <p:extLst>
+      <p:ext uri="{BB962C8B-B14F-4D97-AF65-F5344CB8AC3E}">
+        <p14:creationId xmlns:p14="http://schemas.microsoft.com/office/powerpoint/2010/main" val="1816181368"/>
+      </p:ext>
+    </p:extLst>
+  </p:cSld>
+  <p:clrMapOvr>
+    <a:masterClrMapping/>
+  </p:clrMapOvr>
+  <mc:AlternateContent xmlns:mc="http://schemas.openxmlformats.org/markup-compatibility/2006" xmlns:p14="http://schemas.microsoft.com/office/powerpoint/2010/main">
+    <mc:Choice Requires="p14">
+      <p:transition spd="slow" p14:dur="2000"/>
+    </mc:Choice>
+    <mc:Fallback xmlns="">
+      <p:transition spd="slow"/>
+    </mc:Fallback>
+  </mc:AlternateContent>
+  <p:timing>
+    <p:tnLst>
+      <p:par>
+        <p:cTn id="1" dur="indefinite" restart="never" nodeType="tmRoot"/>
+      </p:par>
+    </p:tnLst>
+  </p:timing>
+</p:sld>
+</file>
+
+<file path=ppt/slides/slide12.xml><?xml version="1.0" encoding="utf-8"?>
+<p:sld xmlns:a="http://schemas.openxmlformats.org/drawingml/2006/main" xmlns:r="http://schemas.openxmlformats.org/officeDocument/2006/relationships" xmlns:p="http://schemas.openxmlformats.org/presentationml/2006/main">
+  <p:cSld>
+    <p:spTree>
+      <p:nvGrpSpPr>
+        <p:cNvPr id="1" name=""/>
+        <p:cNvGrpSpPr/>
+        <p:nvPr/>
+      </p:nvGrpSpPr>
+      <p:grpSpPr>
+        <a:xfrm>
+          <a:off x="0" y="0"/>
+          <a:ext cx="0" cy="0"/>
+          <a:chOff x="0" y="0"/>
+          <a:chExt cx="0" cy="0"/>
+        </a:xfrm>
+      </p:grpSpPr>
+      <p:sp>
+        <p:nvSpPr>
+          <p:cNvPr id="2" name="Title 1"/>
+          <p:cNvSpPr>
+            <a:spLocks noGrp="1"/>
+          </p:cNvSpPr>
+          <p:nvPr>
+            <p:ph type="title"/>
+          </p:nvPr>
+        </p:nvSpPr>
+        <p:spPr/>
+        <p:txBody>
+          <a:bodyPr/>
+          <a:lstStyle/>
+          <a:p>
+            <a:r>
+              <a:rPr lang="en-US" dirty="0" smtClean="0"/>
+              <a:t>Publish</a:t>
+            </a:r>
+            <a:endParaRPr lang="en-US" dirty="0"/>
+          </a:p>
+        </p:txBody>
+      </p:sp>
+      <p:sp>
+        <p:nvSpPr>
+          <p:cNvPr id="5" name="Oval 4"/>
+          <p:cNvSpPr/>
+          <p:nvPr/>
+        </p:nvSpPr>
+        <p:spPr>
+          <a:xfrm>
+            <a:off x="2465040" y="1832026"/>
+            <a:ext cx="1676400" cy="533400"/>
+          </a:xfrm>
+          <a:prstGeom prst="ellipse">
+            <a:avLst/>
+          </a:prstGeom>
+        </p:spPr>
+        <p:style>
+          <a:lnRef idx="2">
+            <a:schemeClr val="accent1">
+              <a:shade val="50000"/>
+            </a:schemeClr>
+          </a:lnRef>
+          <a:fillRef idx="1">
+            <a:schemeClr val="accent1"/>
+          </a:fillRef>
+          <a:effectRef idx="0">
+            <a:schemeClr val="accent1"/>
+          </a:effectRef>
+          <a:fontRef idx="minor">
+            <a:schemeClr val="lt1"/>
+          </a:fontRef>
+        </p:style>
+        <p:txBody>
+          <a:bodyPr rtlCol="0" anchor="ctr"/>
+          <a:lstStyle/>
+          <a:p>
+            <a:pPr algn="ctr"/>
+            <a:r>
+              <a:rPr lang="en-US" dirty="0" smtClean="0"/>
+              <a:t>Individual</a:t>
+            </a:r>
+            <a:endParaRPr lang="en-US" dirty="0"/>
+          </a:p>
+        </p:txBody>
+      </p:sp>
+      <p:sp>
+        <p:nvSpPr>
+          <p:cNvPr id="6" name="Oval 5"/>
+          <p:cNvSpPr/>
+          <p:nvPr/>
+        </p:nvSpPr>
+        <p:spPr>
+          <a:xfrm>
+            <a:off x="2710543" y="3278213"/>
+            <a:ext cx="1676400" cy="533400"/>
+          </a:xfrm>
+          <a:prstGeom prst="ellipse">
+            <a:avLst/>
+          </a:prstGeom>
+        </p:spPr>
+        <p:style>
+          <a:lnRef idx="2">
+            <a:schemeClr val="accent1">
+              <a:shade val="50000"/>
+            </a:schemeClr>
+          </a:lnRef>
+          <a:fillRef idx="1">
+            <a:schemeClr val="accent1"/>
+          </a:fillRef>
+          <a:effectRef idx="0">
+            <a:schemeClr val="accent1"/>
+          </a:effectRef>
+          <a:fontRef idx="minor">
+            <a:schemeClr val="lt1"/>
+          </a:fontRef>
+        </p:style>
+        <p:txBody>
+          <a:bodyPr rtlCol="0" anchor="ctr"/>
+          <a:lstStyle/>
+          <a:p>
+            <a:pPr algn="ctr"/>
+            <a:r>
+              <a:rPr lang="en-US" dirty="0" smtClean="0"/>
+              <a:t>Share</a:t>
+            </a:r>
+            <a:endParaRPr lang="en-US" dirty="0"/>
+          </a:p>
+        </p:txBody>
+      </p:sp>
+      <p:sp>
+        <p:nvSpPr>
+          <p:cNvPr id="7" name="Oval 6"/>
+          <p:cNvSpPr/>
+          <p:nvPr/>
+        </p:nvSpPr>
+        <p:spPr>
+          <a:xfrm>
+            <a:off x="4386943" y="1832026"/>
+            <a:ext cx="1676400" cy="533400"/>
+          </a:xfrm>
+          <a:prstGeom prst="ellipse">
+            <a:avLst/>
+          </a:prstGeom>
+        </p:spPr>
+        <p:style>
+          <a:lnRef idx="2">
+            <a:schemeClr val="accent1">
+              <a:shade val="50000"/>
+            </a:schemeClr>
+          </a:lnRef>
+          <a:fillRef idx="1">
+            <a:schemeClr val="accent1"/>
+          </a:fillRef>
+          <a:effectRef idx="0">
+            <a:schemeClr val="accent1"/>
+          </a:effectRef>
+          <a:fontRef idx="minor">
+            <a:schemeClr val="lt1"/>
+          </a:fontRef>
+        </p:style>
+        <p:txBody>
+          <a:bodyPr rtlCol="0" anchor="ctr"/>
+          <a:lstStyle/>
+          <a:p>
+            <a:pPr algn="ctr"/>
+            <a:r>
+              <a:rPr lang="en-US" dirty="0" smtClean="0"/>
+              <a:t>List</a:t>
+            </a:r>
+            <a:endParaRPr lang="en-US" dirty="0"/>
+          </a:p>
+        </p:txBody>
+      </p:sp>
+      <p:sp>
+        <p:nvSpPr>
+          <p:cNvPr id="8" name="Oval 7"/>
+          <p:cNvSpPr/>
+          <p:nvPr/>
+        </p:nvSpPr>
+        <p:spPr>
+          <a:xfrm>
+            <a:off x="4876800" y="3278213"/>
+            <a:ext cx="1676400" cy="533400"/>
+          </a:xfrm>
+          <a:prstGeom prst="ellipse">
+            <a:avLst/>
+          </a:prstGeom>
+        </p:spPr>
+        <p:style>
+          <a:lnRef idx="2">
+            <a:schemeClr val="accent1">
+              <a:shade val="50000"/>
+            </a:schemeClr>
+          </a:lnRef>
+          <a:fillRef idx="1">
+            <a:schemeClr val="accent1"/>
+          </a:fillRef>
+          <a:effectRef idx="0">
+            <a:schemeClr val="accent1"/>
+          </a:effectRef>
+          <a:fontRef idx="minor">
+            <a:schemeClr val="lt1"/>
+          </a:fontRef>
+        </p:style>
+        <p:txBody>
+          <a:bodyPr rtlCol="0" anchor="ctr"/>
+          <a:lstStyle/>
+          <a:p>
+            <a:pPr algn="ctr"/>
+            <a:r>
+              <a:rPr lang="en-US" dirty="0" smtClean="0"/>
+              <a:t>Task</a:t>
+            </a:r>
+            <a:endParaRPr lang="en-US" dirty="0"/>
+          </a:p>
+        </p:txBody>
+      </p:sp>
+      <p:cxnSp>
+        <p:nvCxnSpPr>
+          <p:cNvPr id="11" name="Straight Arrow Connector 10"/>
+          <p:cNvCxnSpPr>
+            <a:stCxn id="6" idx="0"/>
+            <a:endCxn id="5" idx="4"/>
+          </p:cNvCxnSpPr>
+          <p:nvPr/>
+        </p:nvCxnSpPr>
+        <p:spPr>
+          <a:xfrm flipH="1" flipV="1">
+            <a:off x="3303240" y="2365426"/>
+            <a:ext cx="245503" cy="912787"/>
+          </a:xfrm>
+          <a:prstGeom prst="straightConnector1">
+            <a:avLst/>
+          </a:prstGeom>
+          <a:ln w="28575">
+            <a:solidFill>
+              <a:schemeClr val="accent3"/>
+            </a:solidFill>
+            <a:tailEnd type="arrow"/>
+          </a:ln>
+        </p:spPr>
+        <p:style>
+          <a:lnRef idx="1">
+            <a:schemeClr val="accent1"/>
+          </a:lnRef>
+          <a:fillRef idx="0">
+            <a:schemeClr val="accent1"/>
+          </a:fillRef>
+          <a:effectRef idx="0">
+            <a:schemeClr val="accent1"/>
+          </a:effectRef>
+          <a:fontRef idx="minor">
+            <a:schemeClr val="tx1"/>
+          </a:fontRef>
+        </p:style>
+      </p:cxnSp>
+      <p:cxnSp>
+        <p:nvCxnSpPr>
+          <p:cNvPr id="12" name="Straight Arrow Connector 11"/>
+          <p:cNvCxnSpPr>
+            <a:stCxn id="6" idx="7"/>
+            <a:endCxn id="7" idx="3"/>
+          </p:cNvCxnSpPr>
+          <p:nvPr/>
+        </p:nvCxnSpPr>
+        <p:spPr>
+          <a:xfrm flipV="1">
+            <a:off x="4141440" y="2287311"/>
+            <a:ext cx="491006" cy="1069017"/>
+          </a:xfrm>
+          <a:prstGeom prst="straightConnector1">
+            <a:avLst/>
+          </a:prstGeom>
+          <a:ln w="28575">
+            <a:tailEnd type="arrow"/>
+          </a:ln>
+        </p:spPr>
+        <p:style>
+          <a:lnRef idx="1">
+            <a:schemeClr val="accent1"/>
+          </a:lnRef>
+          <a:fillRef idx="0">
+            <a:schemeClr val="accent1"/>
+          </a:fillRef>
+          <a:effectRef idx="0">
+            <a:schemeClr val="accent1"/>
+          </a:effectRef>
+          <a:fontRef idx="minor">
+            <a:schemeClr val="tx1"/>
+          </a:fontRef>
+        </p:style>
+      </p:cxnSp>
+      <p:cxnSp>
+        <p:nvCxnSpPr>
+          <p:cNvPr id="13" name="Straight Arrow Connector 12"/>
+          <p:cNvCxnSpPr>
+            <a:stCxn id="8" idx="0"/>
+            <a:endCxn id="7" idx="4"/>
+          </p:cNvCxnSpPr>
+          <p:nvPr/>
+        </p:nvCxnSpPr>
+        <p:spPr>
+          <a:xfrm flipH="1" flipV="1">
+            <a:off x="5225143" y="2365426"/>
+            <a:ext cx="489857" cy="912787"/>
+          </a:xfrm>
+          <a:prstGeom prst="straightConnector1">
+            <a:avLst/>
+          </a:prstGeom>
+          <a:ln w="28575">
+            <a:solidFill>
+              <a:schemeClr val="accent3"/>
+            </a:solidFill>
+            <a:tailEnd type="arrow"/>
+          </a:ln>
+        </p:spPr>
+        <p:style>
+          <a:lnRef idx="1">
+            <a:schemeClr val="accent1"/>
+          </a:lnRef>
+          <a:fillRef idx="0">
+            <a:schemeClr val="accent1"/>
+          </a:fillRef>
+          <a:effectRef idx="0">
+            <a:schemeClr val="accent1"/>
+          </a:effectRef>
+          <a:fontRef idx="minor">
+            <a:schemeClr val="tx1"/>
+          </a:fontRef>
+        </p:style>
+      </p:cxnSp>
+      <p:sp>
+        <p:nvSpPr>
+          <p:cNvPr id="14" name="Content Placeholder 2"/>
           <p:cNvSpPr txBox="1">
             <a:spLocks/>
           </p:cNvSpPr>
@@ -5386,7 +5810,7 @@
         </p:nvSpPr>
         <p:spPr>
           <a:xfrm>
-            <a:off x="4654218" y="3962400"/>
+            <a:off x="195943" y="3962400"/>
             <a:ext cx="4191000" cy="2438400"/>
           </a:xfrm>
           <a:prstGeom prst="rect">
@@ -5567,11 +5991,29 @@
             </a:pPr>
             <a:r>
               <a:rPr lang="en-US" sz="1800" dirty="0" smtClean="0"/>
-              <a:t>fact </a:t>
-            </a:r>
+              <a:t>fact Share {</a:t>
+            </a:r>
+          </a:p>
+          <a:p>
+            <a:pPr marL="45720" indent="0">
+              <a:buNone/>
+            </a:pPr>
+            <a:r>
+              <a:rPr lang="en-US" sz="1800" dirty="0" smtClean="0"/>
+              <a:t>key:</a:t>
+            </a:r>
+          </a:p>
+          <a:p>
+            <a:pPr marL="45720" indent="0">
+              <a:buNone/>
+            </a:pPr>
             <a:r>
               <a:rPr lang="en-US" sz="1800" dirty="0"/>
-              <a:t>Task {</a:t>
+              <a:t> </a:t>
+            </a:r>
+            <a:r>
+              <a:rPr lang="en-US" sz="1800" dirty="0" smtClean="0"/>
+              <a:t>   unique;</a:t>
             </a:r>
           </a:p>
           <a:p>
@@ -5580,32 +6022,14 @@
             </a:pPr>
             <a:r>
               <a:rPr lang="en-US" sz="1800" dirty="0"/>
-              <a:t>key:</a:t>
-            </a:r>
-          </a:p>
-          <a:p>
-            <a:pPr marL="45720" indent="0">
-              <a:buNone/>
-            </a:pPr>
+              <a:t> </a:t>
+            </a:r>
             <a:r>
               <a:rPr lang="en-US" sz="1800" dirty="0" smtClean="0"/>
-              <a:t>    </a:t>
-            </a:r>
-            <a:r>
-              <a:rPr lang="en-US" sz="1800" dirty="0"/>
-              <a:t>unique;</a:t>
-            </a:r>
-          </a:p>
-          <a:p>
-            <a:pPr marL="45720" indent="0">
-              <a:buNone/>
-            </a:pPr>
-            <a:r>
-              <a:rPr lang="en-US" sz="1800" dirty="0"/>
-              <a:t>    </a:t>
-            </a:r>
-            <a:r>
-              <a:rPr lang="en-US" sz="1800" dirty="0">
+              <a:t>   </a:t>
+            </a:r>
+            <a:r>
+              <a:rPr lang="en-US" sz="1800" dirty="0" smtClean="0">
                 <a:solidFill>
                   <a:schemeClr val="accent3"/>
                 </a:solidFill>
@@ -5613,39 +6037,21 @@
               <a:t>publish</a:t>
             </a:r>
             <a:r>
-              <a:rPr lang="en-US" sz="1800" dirty="0"/>
-              <a:t> List </a:t>
-            </a:r>
-            <a:r>
-              <a:rPr lang="en-US" sz="1800" dirty="0" err="1"/>
+              <a:rPr lang="en-US" sz="1800" dirty="0" smtClean="0"/>
+              <a:t> Individual individual;</a:t>
+            </a:r>
+          </a:p>
+          <a:p>
+            <a:pPr marL="45720" indent="0">
+              <a:buNone/>
+            </a:pPr>
+            <a:r>
+              <a:rPr lang="en-US" sz="1800" dirty="0" smtClean="0"/>
+              <a:t>    List </a:t>
+            </a:r>
+            <a:r>
+              <a:rPr lang="en-US" sz="1800" dirty="0" err="1" smtClean="0"/>
               <a:t>list</a:t>
-            </a:r>
-            <a:endParaRPr lang="en-US" sz="1800" dirty="0"/>
-          </a:p>
-          <a:p>
-            <a:pPr marL="45720" indent="0">
-              <a:buNone/>
-            </a:pPr>
-            <a:r>
-              <a:rPr lang="en-US" sz="1800" dirty="0"/>
-              <a:t>        where not </a:t>
-            </a:r>
-            <a:r>
-              <a:rPr lang="en-US" sz="1800" dirty="0" err="1"/>
-              <a:t>this.isComplete</a:t>
-            </a:r>
-            <a:r>
-              <a:rPr lang="en-US" sz="1800" dirty="0"/>
-              <a:t>;</a:t>
-            </a:r>
-          </a:p>
-          <a:p>
-            <a:pPr marL="45720" indent="0">
-              <a:buNone/>
-            </a:pPr>
-            <a:r>
-              <a:rPr lang="en-US" sz="1800" dirty="0"/>
-              <a:t>    time created</a:t>
             </a:r>
             <a:r>
               <a:rPr lang="en-US" sz="1800" dirty="0" smtClean="0"/>
@@ -5660,81 +6066,12 @@
               <a:rPr lang="en-US" sz="1800" dirty="0" smtClean="0"/>
               <a:t>}</a:t>
             </a:r>
-            <a:endParaRPr lang="en-US" sz="1800" dirty="0"/>
-          </a:p>
-        </p:txBody>
-      </p:sp>
-    </p:spTree>
-    <p:extLst>
-      <p:ext uri="{BB962C8B-B14F-4D97-AF65-F5344CB8AC3E}">
-        <p14:creationId xmlns:p14="http://schemas.microsoft.com/office/powerpoint/2010/main" val="598223924"/>
-      </p:ext>
-    </p:extLst>
-  </p:cSld>
-  <p:clrMapOvr>
-    <a:masterClrMapping/>
-  </p:clrMapOvr>
-  <mc:AlternateContent xmlns:mc="http://schemas.openxmlformats.org/markup-compatibility/2006" xmlns:p14="http://schemas.microsoft.com/office/powerpoint/2010/main">
-    <mc:Choice Requires="p14">
-      <p:transition spd="slow" p14:dur="2000"/>
-    </mc:Choice>
-    <mc:Fallback xmlns="">
-      <p:transition spd="slow"/>
-    </mc:Fallback>
-  </mc:AlternateContent>
-  <p:timing>
-    <p:tnLst>
-      <p:par>
-        <p:cTn id="1" dur="indefinite" restart="never" nodeType="tmRoot"/>
-      </p:par>
-    </p:tnLst>
-  </p:timing>
-</p:sld>
-</file>
-
-<file path=ppt/slides/slide11.xml><?xml version="1.0" encoding="utf-8"?>
-<p:sld xmlns:a="http://schemas.openxmlformats.org/drawingml/2006/main" xmlns:r="http://schemas.openxmlformats.org/officeDocument/2006/relationships" xmlns:p="http://schemas.openxmlformats.org/presentationml/2006/main">
-  <p:cSld>
-    <p:spTree>
-      <p:nvGrpSpPr>
-        <p:cNvPr id="1" name=""/>
-        <p:cNvGrpSpPr/>
-        <p:nvPr/>
-      </p:nvGrpSpPr>
-      <p:grpSpPr>
-        <a:xfrm>
-          <a:off x="0" y="0"/>
-          <a:ext cx="0" cy="0"/>
-          <a:chOff x="0" y="0"/>
-          <a:chExt cx="0" cy="0"/>
-        </a:xfrm>
-      </p:grpSpPr>
-      <p:sp>
-        <p:nvSpPr>
-          <p:cNvPr id="2" name="Title 1"/>
-          <p:cNvSpPr>
-            <a:spLocks noGrp="1"/>
-          </p:cNvSpPr>
-          <p:nvPr>
-            <p:ph type="title"/>
-          </p:nvPr>
-        </p:nvSpPr>
-        <p:spPr/>
-        <p:txBody>
-          <a:bodyPr/>
-          <a:lstStyle/>
-          <a:p>
-            <a:r>
-              <a:rPr lang="en-US" dirty="0" smtClean="0"/>
-              <a:t>Subscribe</a:t>
-            </a:r>
-            <a:endParaRPr lang="en-US" dirty="0"/>
-          </a:p>
-        </p:txBody>
-      </p:sp>
-      <p:sp>
-        <p:nvSpPr>
-          <p:cNvPr id="4" name="Content Placeholder 2"/>
+          </a:p>
+        </p:txBody>
+      </p:sp>
+      <p:sp>
+        <p:nvSpPr>
+          <p:cNvPr id="15" name="Content Placeholder 2"/>
           <p:cNvSpPr txBox="1">
             <a:spLocks/>
           </p:cNvSpPr>
@@ -5742,8 +6079,8 @@
         </p:nvSpPr>
         <p:spPr>
           <a:xfrm>
-            <a:off x="1143000" y="3962400"/>
-            <a:ext cx="6781800" cy="2513794"/>
+            <a:off x="4654218" y="3962400"/>
+            <a:ext cx="4191000" cy="2438400"/>
           </a:xfrm>
           <a:prstGeom prst="rect">
             <a:avLst/>
@@ -5923,31 +6260,20 @@
             </a:pPr>
             <a:r>
               <a:rPr lang="en-US" sz="1800" dirty="0" smtClean="0"/>
-              <a:t>public </a:t>
-            </a:r>
-            <a:r>
-              <a:rPr lang="en-US" sz="1800" dirty="0" err="1"/>
-              <a:t>Iterable</a:t>
+              <a:t>fact </a:t>
             </a:r>
             <a:r>
               <a:rPr lang="en-US" sz="1800" dirty="0"/>
-              <a:t>&lt;</a:t>
-            </a:r>
-            <a:r>
-              <a:rPr lang="en-US" sz="1800" dirty="0" err="1"/>
-              <a:t>CorrespondenceFact</a:t>
-            </a:r>
+              <a:t>Task {</a:t>
+            </a:r>
+          </a:p>
+          <a:p>
+            <a:pPr marL="45720" indent="0">
+              <a:buNone/>
+            </a:pPr>
             <a:r>
               <a:rPr lang="en-US" sz="1800" dirty="0"/>
-              <a:t>&gt; </a:t>
-            </a:r>
-            <a:r>
-              <a:rPr lang="en-US" sz="1800" dirty="0" err="1"/>
-              <a:t>getSubscriptions</a:t>
-            </a:r>
-            <a:r>
-              <a:rPr lang="en-US" sz="1800" dirty="0"/>
-              <a:t>() {</a:t>
+              <a:t>key:</a:t>
             </a:r>
           </a:p>
           <a:p>
@@ -5959,24 +6285,8 @@
               <a:t>    </a:t>
             </a:r>
             <a:r>
-              <a:rPr lang="en-US" sz="1800" dirty="0" err="1" smtClean="0"/>
-              <a:t>ArrayList</a:t>
-            </a:r>
-            <a:r>
-              <a:rPr lang="en-US" sz="1800" dirty="0" smtClean="0"/>
-              <a:t>&lt;</a:t>
-            </a:r>
-            <a:r>
-              <a:rPr lang="en-US" sz="1800" dirty="0" err="1" smtClean="0"/>
-              <a:t>CorrespondenceFact</a:t>
-            </a:r>
-            <a:r>
               <a:rPr lang="en-US" sz="1800" dirty="0"/>
-              <a:t>&gt; subscriptions </a:t>
-            </a:r>
-            <a:r>
-              <a:rPr lang="en-US" sz="1800" dirty="0" smtClean="0"/>
-              <a:t>=</a:t>
+              <a:t>unique;</a:t>
             </a:r>
           </a:p>
           <a:p>
@@ -5985,82 +6295,7 @@
             </a:pPr>
             <a:r>
               <a:rPr lang="en-US" sz="1800" dirty="0"/>
-              <a:t> </a:t>
-            </a:r>
-            <a:r>
-              <a:rPr lang="en-US" sz="1800" dirty="0" smtClean="0"/>
-              <a:t>       new </a:t>
-            </a:r>
-            <a:r>
-              <a:rPr lang="en-US" sz="1800" dirty="0" err="1"/>
-              <a:t>ArrayList</a:t>
-            </a:r>
-            <a:r>
-              <a:rPr lang="en-US" sz="1800" dirty="0"/>
-              <a:t>&lt;</a:t>
-            </a:r>
-            <a:r>
-              <a:rPr lang="en-US" sz="1800" dirty="0" err="1"/>
-              <a:t>CorrespondenceFact</a:t>
-            </a:r>
-            <a:r>
-              <a:rPr lang="en-US" sz="1800" dirty="0"/>
-              <a:t>&gt;();</a:t>
-            </a:r>
-          </a:p>
-          <a:p>
-            <a:pPr marL="45720" indent="0">
-              <a:buNone/>
-            </a:pPr>
-            <a:r>
-              <a:rPr lang="en-US" sz="1800" dirty="0" smtClean="0"/>
               <a:t>    </a:t>
-            </a:r>
-            <a:r>
-              <a:rPr lang="en-US" sz="1800" dirty="0" err="1" smtClean="0"/>
-              <a:t>subscriptions.add</a:t>
-            </a:r>
-            <a:r>
-              <a:rPr lang="en-US" sz="1800" dirty="0" smtClean="0"/>
-              <a:t>(</a:t>
-            </a:r>
-            <a:r>
-              <a:rPr lang="en-US" sz="1800" dirty="0" smtClean="0">
-                <a:solidFill>
-                  <a:schemeClr val="accent3"/>
-                </a:solidFill>
-              </a:rPr>
-              <a:t>individual</a:t>
-            </a:r>
-            <a:r>
-              <a:rPr lang="en-US" sz="1800" dirty="0" smtClean="0"/>
-              <a:t>);</a:t>
-            </a:r>
-            <a:endParaRPr lang="en-US" sz="1800" dirty="0"/>
-          </a:p>
-          <a:p>
-            <a:pPr marL="45720" indent="0">
-              <a:buNone/>
-            </a:pPr>
-            <a:r>
-              <a:rPr lang="en-US" sz="1800" dirty="0" smtClean="0"/>
-              <a:t>    </a:t>
-            </a:r>
-            <a:r>
-              <a:rPr lang="en-US" sz="1800" dirty="0" err="1" smtClean="0"/>
-              <a:t>subscriptions.addAll</a:t>
-            </a:r>
-            <a:r>
-              <a:rPr lang="en-US" sz="1800" dirty="0" smtClean="0"/>
-              <a:t>(</a:t>
-            </a:r>
-            <a:r>
-              <a:rPr lang="en-US" sz="1800" dirty="0" err="1" smtClean="0">
-                <a:solidFill>
-                  <a:schemeClr val="accent3"/>
-                </a:solidFill>
-              </a:rPr>
-              <a:t>individual.sharedLists</a:t>
             </a:r>
             <a:r>
               <a:rPr lang="en-US" sz="1800" dirty="0">
@@ -6068,12 +6303,17 @@
                   <a:schemeClr val="accent3"/>
                 </a:solidFill>
               </a:rPr>
-              <a:t>()</a:t>
+              <a:t>publish</a:t>
             </a:r>
             <a:r>
               <a:rPr lang="en-US" sz="1800" dirty="0"/>
-              <a:t>);</a:t>
-            </a:r>
+              <a:t> List </a:t>
+            </a:r>
+            <a:r>
+              <a:rPr lang="en-US" sz="1800" dirty="0" err="1"/>
+              <a:t>list</a:t>
+            </a:r>
+            <a:endParaRPr lang="en-US" sz="1800" dirty="0"/>
           </a:p>
           <a:p>
             <a:pPr marL="45720" indent="0">
@@ -6081,7 +6321,15 @@
             </a:pPr>
             <a:r>
               <a:rPr lang="en-US" sz="1800" dirty="0"/>
-              <a:t>	return subscriptions;</a:t>
+              <a:t>        where not </a:t>
+            </a:r>
+            <a:r>
+              <a:rPr lang="en-US" sz="1800" dirty="0" err="1"/>
+              <a:t>this.isComplete</a:t>
+            </a:r>
+            <a:r>
+              <a:rPr lang="en-US" sz="1800" dirty="0"/>
+              <a:t>;</a:t>
             </a:r>
           </a:p>
           <a:p>
@@ -6090,410 +6338,29 @@
             </a:pPr>
             <a:r>
               <a:rPr lang="en-US" sz="1800" dirty="0"/>
+              <a:t>    time created</a:t>
+            </a:r>
+            <a:r>
+              <a:rPr lang="en-US" sz="1800" dirty="0" smtClean="0"/>
+              <a:t>;</a:t>
+            </a:r>
+          </a:p>
+          <a:p>
+            <a:pPr marL="45720" indent="0">
+              <a:buNone/>
+            </a:pPr>
+            <a:r>
+              <a:rPr lang="en-US" sz="1800" dirty="0" smtClean="0"/>
               <a:t>}</a:t>
             </a:r>
-          </a:p>
-        </p:txBody>
-      </p:sp>
-      <p:sp>
-        <p:nvSpPr>
-          <p:cNvPr id="5" name="Oval 4"/>
-          <p:cNvSpPr/>
-          <p:nvPr/>
-        </p:nvSpPr>
-        <p:spPr>
-          <a:xfrm>
-            <a:off x="2465040" y="1832026"/>
-            <a:ext cx="1676400" cy="533400"/>
-          </a:xfrm>
-          <a:prstGeom prst="ellipse">
-            <a:avLst/>
-          </a:prstGeom>
-        </p:spPr>
-        <p:style>
-          <a:lnRef idx="2">
-            <a:schemeClr val="accent1">
-              <a:shade val="50000"/>
-            </a:schemeClr>
-          </a:lnRef>
-          <a:fillRef idx="1">
-            <a:schemeClr val="accent1"/>
-          </a:fillRef>
-          <a:effectRef idx="0">
-            <a:schemeClr val="accent1"/>
-          </a:effectRef>
-          <a:fontRef idx="minor">
-            <a:schemeClr val="lt1"/>
-          </a:fontRef>
-        </p:style>
-        <p:txBody>
-          <a:bodyPr rtlCol="0" anchor="ctr"/>
-          <a:lstStyle/>
-          <a:p>
-            <a:pPr algn="ctr"/>
-            <a:r>
-              <a:rPr lang="en-US" dirty="0" smtClean="0"/>
-              <a:t>Individual</a:t>
-            </a:r>
-            <a:endParaRPr lang="en-US" dirty="0"/>
-          </a:p>
-        </p:txBody>
-      </p:sp>
-      <p:sp>
-        <p:nvSpPr>
-          <p:cNvPr id="6" name="Oval 5"/>
-          <p:cNvSpPr/>
-          <p:nvPr/>
-        </p:nvSpPr>
-        <p:spPr>
-          <a:xfrm>
-            <a:off x="2710543" y="3278213"/>
-            <a:ext cx="1676400" cy="533400"/>
-          </a:xfrm>
-          <a:prstGeom prst="ellipse">
-            <a:avLst/>
-          </a:prstGeom>
-        </p:spPr>
-        <p:style>
-          <a:lnRef idx="2">
-            <a:schemeClr val="accent1">
-              <a:shade val="50000"/>
-            </a:schemeClr>
-          </a:lnRef>
-          <a:fillRef idx="1">
-            <a:schemeClr val="accent1"/>
-          </a:fillRef>
-          <a:effectRef idx="0">
-            <a:schemeClr val="accent1"/>
-          </a:effectRef>
-          <a:fontRef idx="minor">
-            <a:schemeClr val="lt1"/>
-          </a:fontRef>
-        </p:style>
-        <p:txBody>
-          <a:bodyPr rtlCol="0" anchor="ctr"/>
-          <a:lstStyle/>
-          <a:p>
-            <a:pPr algn="ctr"/>
-            <a:r>
-              <a:rPr lang="en-US" dirty="0" smtClean="0"/>
-              <a:t>Share</a:t>
-            </a:r>
-            <a:endParaRPr lang="en-US" dirty="0"/>
-          </a:p>
-        </p:txBody>
-      </p:sp>
-      <p:sp>
-        <p:nvSpPr>
-          <p:cNvPr id="7" name="Oval 6"/>
-          <p:cNvSpPr/>
-          <p:nvPr/>
-        </p:nvSpPr>
-        <p:spPr>
-          <a:xfrm>
-            <a:off x="4386943" y="1832026"/>
-            <a:ext cx="1676400" cy="533400"/>
-          </a:xfrm>
-          <a:prstGeom prst="ellipse">
-            <a:avLst/>
-          </a:prstGeom>
-        </p:spPr>
-        <p:style>
-          <a:lnRef idx="2">
-            <a:schemeClr val="accent1">
-              <a:shade val="50000"/>
-            </a:schemeClr>
-          </a:lnRef>
-          <a:fillRef idx="1">
-            <a:schemeClr val="accent1"/>
-          </a:fillRef>
-          <a:effectRef idx="0">
-            <a:schemeClr val="accent1"/>
-          </a:effectRef>
-          <a:fontRef idx="minor">
-            <a:schemeClr val="lt1"/>
-          </a:fontRef>
-        </p:style>
-        <p:txBody>
-          <a:bodyPr rtlCol="0" anchor="ctr"/>
-          <a:lstStyle/>
-          <a:p>
-            <a:pPr algn="ctr"/>
-            <a:r>
-              <a:rPr lang="en-US" dirty="0" smtClean="0"/>
-              <a:t>List</a:t>
-            </a:r>
-            <a:endParaRPr lang="en-US" dirty="0"/>
-          </a:p>
-        </p:txBody>
-      </p:sp>
-      <p:sp>
-        <p:nvSpPr>
-          <p:cNvPr id="8" name="Oval 7"/>
-          <p:cNvSpPr/>
-          <p:nvPr/>
-        </p:nvSpPr>
-        <p:spPr>
-          <a:xfrm>
-            <a:off x="4876800" y="3278213"/>
-            <a:ext cx="1676400" cy="533400"/>
-          </a:xfrm>
-          <a:prstGeom prst="ellipse">
-            <a:avLst/>
-          </a:prstGeom>
-        </p:spPr>
-        <p:style>
-          <a:lnRef idx="2">
-            <a:schemeClr val="accent1">
-              <a:shade val="50000"/>
-            </a:schemeClr>
-          </a:lnRef>
-          <a:fillRef idx="1">
-            <a:schemeClr val="accent1"/>
-          </a:fillRef>
-          <a:effectRef idx="0">
-            <a:schemeClr val="accent1"/>
-          </a:effectRef>
-          <a:fontRef idx="minor">
-            <a:schemeClr val="lt1"/>
-          </a:fontRef>
-        </p:style>
-        <p:txBody>
-          <a:bodyPr rtlCol="0" anchor="ctr"/>
-          <a:lstStyle/>
-          <a:p>
-            <a:pPr algn="ctr"/>
-            <a:r>
-              <a:rPr lang="en-US" dirty="0" smtClean="0"/>
-              <a:t>Task</a:t>
-            </a:r>
-            <a:endParaRPr lang="en-US" dirty="0"/>
-          </a:p>
-        </p:txBody>
-      </p:sp>
-      <p:cxnSp>
-        <p:nvCxnSpPr>
-          <p:cNvPr id="11" name="Straight Arrow Connector 10"/>
-          <p:cNvCxnSpPr>
-            <a:stCxn id="6" idx="0"/>
-            <a:endCxn id="5" idx="4"/>
-          </p:cNvCxnSpPr>
-          <p:nvPr/>
-        </p:nvCxnSpPr>
-        <p:spPr>
-          <a:xfrm flipH="1" flipV="1">
-            <a:off x="3303240" y="2365426"/>
-            <a:ext cx="245503" cy="912787"/>
-          </a:xfrm>
-          <a:prstGeom prst="straightConnector1">
-            <a:avLst/>
-          </a:prstGeom>
-          <a:ln w="28575">
-            <a:solidFill>
-              <a:schemeClr val="accent3"/>
-            </a:solidFill>
-            <a:tailEnd type="arrow"/>
-          </a:ln>
-        </p:spPr>
-        <p:style>
-          <a:lnRef idx="1">
-            <a:schemeClr val="accent1"/>
-          </a:lnRef>
-          <a:fillRef idx="0">
-            <a:schemeClr val="accent1"/>
-          </a:fillRef>
-          <a:effectRef idx="0">
-            <a:schemeClr val="accent1"/>
-          </a:effectRef>
-          <a:fontRef idx="minor">
-            <a:schemeClr val="tx1"/>
-          </a:fontRef>
-        </p:style>
-      </p:cxnSp>
-      <p:cxnSp>
-        <p:nvCxnSpPr>
-          <p:cNvPr id="12" name="Straight Arrow Connector 11"/>
-          <p:cNvCxnSpPr>
-            <a:stCxn id="6" idx="7"/>
-            <a:endCxn id="7" idx="3"/>
-          </p:cNvCxnSpPr>
-          <p:nvPr/>
-        </p:nvCxnSpPr>
-        <p:spPr>
-          <a:xfrm flipV="1">
-            <a:off x="4141440" y="2287311"/>
-            <a:ext cx="491006" cy="1069017"/>
-          </a:xfrm>
-          <a:prstGeom prst="straightConnector1">
-            <a:avLst/>
-          </a:prstGeom>
-          <a:ln w="28575">
-            <a:tailEnd type="arrow"/>
-          </a:ln>
-        </p:spPr>
-        <p:style>
-          <a:lnRef idx="1">
-            <a:schemeClr val="accent1"/>
-          </a:lnRef>
-          <a:fillRef idx="0">
-            <a:schemeClr val="accent1"/>
-          </a:fillRef>
-          <a:effectRef idx="0">
-            <a:schemeClr val="accent1"/>
-          </a:effectRef>
-          <a:fontRef idx="minor">
-            <a:schemeClr val="tx1"/>
-          </a:fontRef>
-        </p:style>
-      </p:cxnSp>
-      <p:cxnSp>
-        <p:nvCxnSpPr>
-          <p:cNvPr id="13" name="Straight Arrow Connector 12"/>
-          <p:cNvCxnSpPr>
-            <a:stCxn id="8" idx="0"/>
-            <a:endCxn id="7" idx="4"/>
-          </p:cNvCxnSpPr>
-          <p:nvPr/>
-        </p:nvCxnSpPr>
-        <p:spPr>
-          <a:xfrm flipH="1" flipV="1">
-            <a:off x="5225143" y="2365426"/>
-            <a:ext cx="489857" cy="912787"/>
-          </a:xfrm>
-          <a:prstGeom prst="straightConnector1">
-            <a:avLst/>
-          </a:prstGeom>
-          <a:ln w="28575">
-            <a:solidFill>
-              <a:schemeClr val="accent3"/>
-            </a:solidFill>
-            <a:tailEnd type="arrow"/>
-          </a:ln>
-        </p:spPr>
-        <p:style>
-          <a:lnRef idx="1">
-            <a:schemeClr val="accent1"/>
-          </a:lnRef>
-          <a:fillRef idx="0">
-            <a:schemeClr val="accent1"/>
-          </a:fillRef>
-          <a:effectRef idx="0">
-            <a:schemeClr val="accent1"/>
-          </a:effectRef>
-          <a:fontRef idx="minor">
-            <a:schemeClr val="tx1"/>
-          </a:fontRef>
-        </p:style>
-      </p:cxnSp>
+            <a:endParaRPr lang="en-US" sz="1800" dirty="0"/>
+          </a:p>
+        </p:txBody>
+      </p:sp>
     </p:spTree>
     <p:extLst>
       <p:ext uri="{BB962C8B-B14F-4D97-AF65-F5344CB8AC3E}">
-        <p14:creationId xmlns:p14="http://schemas.microsoft.com/office/powerpoint/2010/main" val="1119232956"/>
-      </p:ext>
-    </p:extLst>
-  </p:cSld>
-  <p:clrMapOvr>
-    <a:masterClrMapping/>
-  </p:clrMapOvr>
-  <mc:AlternateContent xmlns:mc="http://schemas.openxmlformats.org/markup-compatibility/2006" xmlns:p14="http://schemas.microsoft.com/office/powerpoint/2010/main">
-    <mc:Choice Requires="p14">
-      <p:transition spd="slow" p14:dur="2000"/>
-    </mc:Choice>
-    <mc:Fallback xmlns="">
-      <p:transition spd="slow"/>
-    </mc:Fallback>
-  </mc:AlternateContent>
-  <p:timing>
-    <p:tnLst>
-      <p:par>
-        <p:cTn id="1" dur="indefinite" restart="never" nodeType="tmRoot"/>
-      </p:par>
-    </p:tnLst>
-  </p:timing>
-</p:sld>
-</file>
-
-<file path=ppt/slides/slide12.xml><?xml version="1.0" encoding="utf-8"?>
-<p:sld xmlns:a="http://schemas.openxmlformats.org/drawingml/2006/main" xmlns:r="http://schemas.openxmlformats.org/officeDocument/2006/relationships" xmlns:p="http://schemas.openxmlformats.org/presentationml/2006/main">
-  <p:cSld>
-    <p:spTree>
-      <p:nvGrpSpPr>
-        <p:cNvPr id="1" name=""/>
-        <p:cNvGrpSpPr/>
-        <p:nvPr/>
-      </p:nvGrpSpPr>
-      <p:grpSpPr>
-        <a:xfrm>
-          <a:off x="0" y="0"/>
-          <a:ext cx="0" cy="0"/>
-          <a:chOff x="0" y="0"/>
-          <a:chExt cx="0" cy="0"/>
-        </a:xfrm>
-      </p:grpSpPr>
-      <p:sp>
-        <p:nvSpPr>
-          <p:cNvPr id="3" name="Content Placeholder 2"/>
-          <p:cNvSpPr>
-            <a:spLocks noGrp="1"/>
-          </p:cNvSpPr>
-          <p:nvPr>
-            <p:ph idx="1"/>
-          </p:nvPr>
-        </p:nvSpPr>
-        <p:spPr/>
-        <p:txBody>
-          <a:bodyPr/>
-          <a:lstStyle/>
-          <a:p>
-            <a:r>
-              <a:rPr lang="en-US" dirty="0" smtClean="0"/>
-              <a:t>Track dependencies</a:t>
-            </a:r>
-          </a:p>
-          <a:p>
-            <a:r>
-              <a:rPr lang="en-US" dirty="0" smtClean="0"/>
-              <a:t>Refresh UI</a:t>
-            </a:r>
-          </a:p>
-          <a:p>
-            <a:r>
-              <a:rPr lang="en-US" dirty="0" smtClean="0"/>
-              <a:t>Protect against reentrancy</a:t>
-            </a:r>
-            <a:endParaRPr lang="en-US" dirty="0"/>
-          </a:p>
-        </p:txBody>
-      </p:sp>
-      <p:sp>
-        <p:nvSpPr>
-          <p:cNvPr id="2" name="Title 1"/>
-          <p:cNvSpPr>
-            <a:spLocks noGrp="1"/>
-          </p:cNvSpPr>
-          <p:nvPr>
-            <p:ph type="title"/>
-          </p:nvPr>
-        </p:nvSpPr>
-        <p:spPr/>
-        <p:txBody>
-          <a:bodyPr>
-            <a:normAutofit/>
-          </a:bodyPr>
-          <a:lstStyle/>
-          <a:p>
-            <a:r>
-              <a:rPr lang="en-US" dirty="0" smtClean="0"/>
-              <a:t>Update When Necessary</a:t>
-            </a:r>
-            <a:endParaRPr lang="en-US" dirty="0"/>
-          </a:p>
-        </p:txBody>
-      </p:sp>
-    </p:spTree>
-    <p:extLst>
-      <p:ext uri="{BB962C8B-B14F-4D97-AF65-F5344CB8AC3E}">
-        <p14:creationId xmlns:p14="http://schemas.microsoft.com/office/powerpoint/2010/main" val="656962569"/>
+        <p14:creationId xmlns:p14="http://schemas.microsoft.com/office/powerpoint/2010/main" val="598223924"/>
       </p:ext>
     </p:extLst>
   </p:cSld>
@@ -6537,6 +6404,851 @@
       </p:grpSpPr>
       <p:sp>
         <p:nvSpPr>
+          <p:cNvPr id="2" name="Title 1"/>
+          <p:cNvSpPr>
+            <a:spLocks noGrp="1"/>
+          </p:cNvSpPr>
+          <p:nvPr>
+            <p:ph type="title"/>
+          </p:nvPr>
+        </p:nvSpPr>
+        <p:spPr/>
+        <p:txBody>
+          <a:bodyPr/>
+          <a:lstStyle/>
+          <a:p>
+            <a:r>
+              <a:rPr lang="en-US" dirty="0" smtClean="0"/>
+              <a:t>Subscribe</a:t>
+            </a:r>
+            <a:endParaRPr lang="en-US" dirty="0"/>
+          </a:p>
+        </p:txBody>
+      </p:sp>
+      <p:sp>
+        <p:nvSpPr>
+          <p:cNvPr id="4" name="Content Placeholder 2"/>
+          <p:cNvSpPr txBox="1">
+            <a:spLocks/>
+          </p:cNvSpPr>
+          <p:nvPr/>
+        </p:nvSpPr>
+        <p:spPr>
+          <a:xfrm>
+            <a:off x="1143000" y="3962400"/>
+            <a:ext cx="6781800" cy="2513794"/>
+          </a:xfrm>
+          <a:prstGeom prst="rect">
+            <a:avLst/>
+          </a:prstGeom>
+        </p:spPr>
+        <p:txBody>
+          <a:bodyPr vert="horz" lIns="91440" tIns="45720" rIns="91440" bIns="45720" rtlCol="0">
+            <a:noAutofit/>
+          </a:bodyPr>
+          <a:lstStyle>
+            <a:lvl1pPr marL="274320" indent="-228600" algn="l" defTabSz="914400" rtl="0" eaLnBrk="1" latinLnBrk="0" hangingPunct="1">
+              <a:spcBef>
+                <a:spcPct val="20000"/>
+              </a:spcBef>
+              <a:buClr>
+                <a:schemeClr val="accent1"/>
+              </a:buClr>
+              <a:buFont typeface="Wingdings 2" pitchFamily="18" charset="2"/>
+              <a:buChar char=""/>
+              <a:defRPr sz="2000" kern="1200" spc="150" baseline="0">
+                <a:solidFill>
+                  <a:schemeClr val="tx2"/>
+                </a:solidFill>
+                <a:latin typeface="+mn-lt"/>
+                <a:ea typeface="+mn-ea"/>
+                <a:cs typeface="+mn-cs"/>
+              </a:defRPr>
+            </a:lvl1pPr>
+            <a:lvl2pPr marL="548640" indent="-182880" algn="l" defTabSz="914400" rtl="0" eaLnBrk="1" latinLnBrk="0" hangingPunct="1">
+              <a:spcBef>
+                <a:spcPct val="20000"/>
+              </a:spcBef>
+              <a:buClr>
+                <a:schemeClr val="accent2"/>
+              </a:buClr>
+              <a:buFont typeface="Wingdings" pitchFamily="2" charset="2"/>
+              <a:buChar char="§"/>
+              <a:defRPr sz="1800" kern="1200" spc="100" baseline="0">
+                <a:solidFill>
+                  <a:schemeClr val="tx2"/>
+                </a:solidFill>
+                <a:latin typeface="+mn-lt"/>
+                <a:ea typeface="+mn-ea"/>
+                <a:cs typeface="+mn-cs"/>
+              </a:defRPr>
+            </a:lvl2pPr>
+            <a:lvl3pPr marL="822960" indent="-182880" algn="l" defTabSz="914400" rtl="0" eaLnBrk="1" latinLnBrk="0" hangingPunct="1">
+              <a:spcBef>
+                <a:spcPct val="20000"/>
+              </a:spcBef>
+              <a:buClr>
+                <a:schemeClr val="accent3"/>
+              </a:buClr>
+              <a:buFont typeface="Wingdings" pitchFamily="2" charset="2"/>
+              <a:buChar char="§"/>
+              <a:defRPr sz="1600" kern="1200" spc="100" baseline="0">
+                <a:solidFill>
+                  <a:schemeClr val="tx2"/>
+                </a:solidFill>
+                <a:latin typeface="+mn-lt"/>
+                <a:ea typeface="+mn-ea"/>
+                <a:cs typeface="+mn-cs"/>
+              </a:defRPr>
+            </a:lvl3pPr>
+            <a:lvl4pPr marL="1097280" indent="-182880" algn="l" defTabSz="914400" rtl="0" eaLnBrk="1" latinLnBrk="0" hangingPunct="1">
+              <a:spcBef>
+                <a:spcPct val="20000"/>
+              </a:spcBef>
+              <a:buClr>
+                <a:schemeClr val="accent4"/>
+              </a:buClr>
+              <a:buFont typeface="Wingdings" pitchFamily="2" charset="2"/>
+              <a:buChar char="§"/>
+              <a:defRPr sz="1400" kern="1200">
+                <a:solidFill>
+                  <a:schemeClr val="tx2"/>
+                </a:solidFill>
+                <a:latin typeface="+mn-lt"/>
+                <a:ea typeface="+mn-ea"/>
+                <a:cs typeface="+mn-cs"/>
+              </a:defRPr>
+            </a:lvl4pPr>
+            <a:lvl5pPr marL="1280160" indent="-182880" algn="l" defTabSz="914400" rtl="0" eaLnBrk="1" latinLnBrk="0" hangingPunct="1">
+              <a:spcBef>
+                <a:spcPct val="20000"/>
+              </a:spcBef>
+              <a:buClr>
+                <a:schemeClr val="accent6"/>
+              </a:buClr>
+              <a:buFont typeface="Wingdings" pitchFamily="2" charset="2"/>
+              <a:buChar char="§"/>
+              <a:defRPr sz="1300" kern="1200" spc="100" baseline="0">
+                <a:solidFill>
+                  <a:schemeClr val="tx2"/>
+                </a:solidFill>
+                <a:latin typeface="+mn-lt"/>
+                <a:ea typeface="+mn-ea"/>
+                <a:cs typeface="+mn-cs"/>
+              </a:defRPr>
+            </a:lvl5pPr>
+            <a:lvl6pPr marL="1554480" indent="-182880" algn="l" defTabSz="914400" rtl="0" eaLnBrk="1" latinLnBrk="0" hangingPunct="1">
+              <a:spcBef>
+                <a:spcPct val="20000"/>
+              </a:spcBef>
+              <a:buClr>
+                <a:schemeClr val="accent1"/>
+              </a:buClr>
+              <a:buFont typeface="Wingdings" pitchFamily="2" charset="2"/>
+              <a:buChar char="§"/>
+              <a:defRPr sz="1200" kern="1200">
+                <a:solidFill>
+                  <a:schemeClr val="tx2"/>
+                </a:solidFill>
+                <a:latin typeface="+mn-lt"/>
+                <a:ea typeface="+mn-ea"/>
+                <a:cs typeface="+mn-cs"/>
+              </a:defRPr>
+            </a:lvl6pPr>
+            <a:lvl7pPr marL="1828800" indent="-182880" algn="l" defTabSz="914400" rtl="0" eaLnBrk="1" latinLnBrk="0" hangingPunct="1">
+              <a:spcBef>
+                <a:spcPct val="20000"/>
+              </a:spcBef>
+              <a:buClr>
+                <a:schemeClr val="accent2"/>
+              </a:buClr>
+              <a:buFont typeface="Wingdings" pitchFamily="2" charset="2"/>
+              <a:buChar char="§"/>
+              <a:defRPr sz="1200" kern="1200">
+                <a:solidFill>
+                  <a:schemeClr val="tx2"/>
+                </a:solidFill>
+                <a:latin typeface="+mn-lt"/>
+                <a:ea typeface="+mn-ea"/>
+                <a:cs typeface="+mn-cs"/>
+              </a:defRPr>
+            </a:lvl7pPr>
+            <a:lvl8pPr marL="2103120" indent="-182880" algn="l" defTabSz="914400" rtl="0" eaLnBrk="1" latinLnBrk="0" hangingPunct="1">
+              <a:spcBef>
+                <a:spcPct val="20000"/>
+              </a:spcBef>
+              <a:buClr>
+                <a:schemeClr val="accent3"/>
+              </a:buClr>
+              <a:buFont typeface="Wingdings" pitchFamily="2" charset="2"/>
+              <a:buChar char="§"/>
+              <a:defRPr sz="1200" kern="1200">
+                <a:solidFill>
+                  <a:schemeClr val="tx2"/>
+                </a:solidFill>
+                <a:latin typeface="+mn-lt"/>
+                <a:ea typeface="+mn-ea"/>
+                <a:cs typeface="+mn-cs"/>
+              </a:defRPr>
+            </a:lvl8pPr>
+            <a:lvl9pPr marL="2377440" indent="-182880" algn="l" defTabSz="914400" rtl="0" eaLnBrk="1" latinLnBrk="0" hangingPunct="1">
+              <a:spcBef>
+                <a:spcPct val="20000"/>
+              </a:spcBef>
+              <a:buClr>
+                <a:schemeClr val="accent5"/>
+              </a:buClr>
+              <a:buFont typeface="Wingdings" pitchFamily="2" charset="2"/>
+              <a:buChar char="§"/>
+              <a:defRPr sz="1200" kern="1200">
+                <a:solidFill>
+                  <a:schemeClr val="tx2"/>
+                </a:solidFill>
+                <a:latin typeface="+mn-lt"/>
+                <a:ea typeface="+mn-ea"/>
+                <a:cs typeface="+mn-cs"/>
+              </a:defRPr>
+            </a:lvl9pPr>
+          </a:lstStyle>
+          <a:p>
+            <a:pPr marL="45720" indent="0">
+              <a:buNone/>
+            </a:pPr>
+            <a:r>
+              <a:rPr lang="en-US" sz="1800" dirty="0" smtClean="0"/>
+              <a:t>public </a:t>
+            </a:r>
+            <a:r>
+              <a:rPr lang="en-US" sz="1800" dirty="0" err="1"/>
+              <a:t>Iterable</a:t>
+            </a:r>
+            <a:r>
+              <a:rPr lang="en-US" sz="1800" dirty="0"/>
+              <a:t>&lt;</a:t>
+            </a:r>
+            <a:r>
+              <a:rPr lang="en-US" sz="1800" dirty="0" err="1"/>
+              <a:t>CorrespondenceFact</a:t>
+            </a:r>
+            <a:r>
+              <a:rPr lang="en-US" sz="1800" dirty="0"/>
+              <a:t>&gt; </a:t>
+            </a:r>
+            <a:r>
+              <a:rPr lang="en-US" sz="1800" dirty="0" err="1"/>
+              <a:t>getSubscriptions</a:t>
+            </a:r>
+            <a:r>
+              <a:rPr lang="en-US" sz="1800" dirty="0"/>
+              <a:t>() {</a:t>
+            </a:r>
+          </a:p>
+          <a:p>
+            <a:pPr marL="45720" indent="0">
+              <a:buNone/>
+            </a:pPr>
+            <a:r>
+              <a:rPr lang="en-US" sz="1800" dirty="0" smtClean="0"/>
+              <a:t>    </a:t>
+            </a:r>
+            <a:r>
+              <a:rPr lang="en-US" sz="1800" dirty="0" err="1" smtClean="0"/>
+              <a:t>ArrayList</a:t>
+            </a:r>
+            <a:r>
+              <a:rPr lang="en-US" sz="1800" dirty="0" smtClean="0"/>
+              <a:t>&lt;</a:t>
+            </a:r>
+            <a:r>
+              <a:rPr lang="en-US" sz="1800" dirty="0" err="1" smtClean="0"/>
+              <a:t>CorrespondenceFact</a:t>
+            </a:r>
+            <a:r>
+              <a:rPr lang="en-US" sz="1800" dirty="0"/>
+              <a:t>&gt; subscriptions </a:t>
+            </a:r>
+            <a:r>
+              <a:rPr lang="en-US" sz="1800" dirty="0" smtClean="0"/>
+              <a:t>=</a:t>
+            </a:r>
+          </a:p>
+          <a:p>
+            <a:pPr marL="45720" indent="0">
+              <a:buNone/>
+            </a:pPr>
+            <a:r>
+              <a:rPr lang="en-US" sz="1800" dirty="0"/>
+              <a:t> </a:t>
+            </a:r>
+            <a:r>
+              <a:rPr lang="en-US" sz="1800" dirty="0" smtClean="0"/>
+              <a:t>       new </a:t>
+            </a:r>
+            <a:r>
+              <a:rPr lang="en-US" sz="1800" dirty="0" err="1"/>
+              <a:t>ArrayList</a:t>
+            </a:r>
+            <a:r>
+              <a:rPr lang="en-US" sz="1800" dirty="0"/>
+              <a:t>&lt;</a:t>
+            </a:r>
+            <a:r>
+              <a:rPr lang="en-US" sz="1800" dirty="0" err="1"/>
+              <a:t>CorrespondenceFact</a:t>
+            </a:r>
+            <a:r>
+              <a:rPr lang="en-US" sz="1800" dirty="0"/>
+              <a:t>&gt;();</a:t>
+            </a:r>
+          </a:p>
+          <a:p>
+            <a:pPr marL="45720" indent="0">
+              <a:buNone/>
+            </a:pPr>
+            <a:r>
+              <a:rPr lang="en-US" sz="1800" dirty="0" smtClean="0"/>
+              <a:t>    </a:t>
+            </a:r>
+            <a:r>
+              <a:rPr lang="en-US" sz="1800" dirty="0" err="1" smtClean="0"/>
+              <a:t>subscriptions.add</a:t>
+            </a:r>
+            <a:r>
+              <a:rPr lang="en-US" sz="1800" dirty="0" smtClean="0"/>
+              <a:t>(</a:t>
+            </a:r>
+            <a:r>
+              <a:rPr lang="en-US" sz="1800" dirty="0" smtClean="0">
+                <a:solidFill>
+                  <a:schemeClr val="accent3"/>
+                </a:solidFill>
+              </a:rPr>
+              <a:t>individual</a:t>
+            </a:r>
+            <a:r>
+              <a:rPr lang="en-US" sz="1800" dirty="0" smtClean="0"/>
+              <a:t>);</a:t>
+            </a:r>
+            <a:endParaRPr lang="en-US" sz="1800" dirty="0"/>
+          </a:p>
+          <a:p>
+            <a:pPr marL="45720" indent="0">
+              <a:buNone/>
+            </a:pPr>
+            <a:r>
+              <a:rPr lang="en-US" sz="1800" dirty="0" smtClean="0"/>
+              <a:t>    </a:t>
+            </a:r>
+            <a:r>
+              <a:rPr lang="en-US" sz="1800" dirty="0" err="1" smtClean="0"/>
+              <a:t>subscriptions.addAll</a:t>
+            </a:r>
+            <a:r>
+              <a:rPr lang="en-US" sz="1800" dirty="0" smtClean="0"/>
+              <a:t>(</a:t>
+            </a:r>
+            <a:r>
+              <a:rPr lang="en-US" sz="1800" dirty="0" err="1" smtClean="0">
+                <a:solidFill>
+                  <a:schemeClr val="accent3"/>
+                </a:solidFill>
+              </a:rPr>
+              <a:t>individual.sharedLists</a:t>
+            </a:r>
+            <a:r>
+              <a:rPr lang="en-US" sz="1800" dirty="0">
+                <a:solidFill>
+                  <a:schemeClr val="accent3"/>
+                </a:solidFill>
+              </a:rPr>
+              <a:t>()</a:t>
+            </a:r>
+            <a:r>
+              <a:rPr lang="en-US" sz="1800" dirty="0"/>
+              <a:t>);</a:t>
+            </a:r>
+          </a:p>
+          <a:p>
+            <a:pPr marL="45720" indent="0">
+              <a:buNone/>
+            </a:pPr>
+            <a:r>
+              <a:rPr lang="en-US" sz="1800" dirty="0"/>
+              <a:t> </a:t>
+            </a:r>
+            <a:r>
+              <a:rPr lang="en-US" sz="1800" dirty="0" smtClean="0"/>
+              <a:t>   </a:t>
+            </a:r>
+            <a:r>
+              <a:rPr lang="en-US" sz="1800" dirty="0" smtClean="0"/>
+              <a:t>return </a:t>
+            </a:r>
+            <a:r>
+              <a:rPr lang="en-US" sz="1800" dirty="0"/>
+              <a:t>subscriptions;</a:t>
+            </a:r>
+          </a:p>
+          <a:p>
+            <a:pPr marL="45720" indent="0">
+              <a:buNone/>
+            </a:pPr>
+            <a:r>
+              <a:rPr lang="en-US" sz="1800" dirty="0"/>
+              <a:t>}</a:t>
+            </a:r>
+          </a:p>
+        </p:txBody>
+      </p:sp>
+      <p:sp>
+        <p:nvSpPr>
+          <p:cNvPr id="5" name="Oval 4"/>
+          <p:cNvSpPr/>
+          <p:nvPr/>
+        </p:nvSpPr>
+        <p:spPr>
+          <a:xfrm>
+            <a:off x="2465040" y="1832026"/>
+            <a:ext cx="1676400" cy="533400"/>
+          </a:xfrm>
+          <a:prstGeom prst="ellipse">
+            <a:avLst/>
+          </a:prstGeom>
+        </p:spPr>
+        <p:style>
+          <a:lnRef idx="2">
+            <a:schemeClr val="accent1">
+              <a:shade val="50000"/>
+            </a:schemeClr>
+          </a:lnRef>
+          <a:fillRef idx="1">
+            <a:schemeClr val="accent1"/>
+          </a:fillRef>
+          <a:effectRef idx="0">
+            <a:schemeClr val="accent1"/>
+          </a:effectRef>
+          <a:fontRef idx="minor">
+            <a:schemeClr val="lt1"/>
+          </a:fontRef>
+        </p:style>
+        <p:txBody>
+          <a:bodyPr rtlCol="0" anchor="ctr"/>
+          <a:lstStyle/>
+          <a:p>
+            <a:pPr algn="ctr"/>
+            <a:r>
+              <a:rPr lang="en-US" dirty="0" smtClean="0"/>
+              <a:t>Individual</a:t>
+            </a:r>
+            <a:endParaRPr lang="en-US" dirty="0"/>
+          </a:p>
+        </p:txBody>
+      </p:sp>
+      <p:sp>
+        <p:nvSpPr>
+          <p:cNvPr id="6" name="Oval 5"/>
+          <p:cNvSpPr/>
+          <p:nvPr/>
+        </p:nvSpPr>
+        <p:spPr>
+          <a:xfrm>
+            <a:off x="2710543" y="3278213"/>
+            <a:ext cx="1676400" cy="533400"/>
+          </a:xfrm>
+          <a:prstGeom prst="ellipse">
+            <a:avLst/>
+          </a:prstGeom>
+        </p:spPr>
+        <p:style>
+          <a:lnRef idx="2">
+            <a:schemeClr val="accent1">
+              <a:shade val="50000"/>
+            </a:schemeClr>
+          </a:lnRef>
+          <a:fillRef idx="1">
+            <a:schemeClr val="accent1"/>
+          </a:fillRef>
+          <a:effectRef idx="0">
+            <a:schemeClr val="accent1"/>
+          </a:effectRef>
+          <a:fontRef idx="minor">
+            <a:schemeClr val="lt1"/>
+          </a:fontRef>
+        </p:style>
+        <p:txBody>
+          <a:bodyPr rtlCol="0" anchor="ctr"/>
+          <a:lstStyle/>
+          <a:p>
+            <a:pPr algn="ctr"/>
+            <a:r>
+              <a:rPr lang="en-US" dirty="0" smtClean="0"/>
+              <a:t>Share</a:t>
+            </a:r>
+            <a:endParaRPr lang="en-US" dirty="0"/>
+          </a:p>
+        </p:txBody>
+      </p:sp>
+      <p:sp>
+        <p:nvSpPr>
+          <p:cNvPr id="7" name="Oval 6"/>
+          <p:cNvSpPr/>
+          <p:nvPr/>
+        </p:nvSpPr>
+        <p:spPr>
+          <a:xfrm>
+            <a:off x="4386943" y="1832026"/>
+            <a:ext cx="1676400" cy="533400"/>
+          </a:xfrm>
+          <a:prstGeom prst="ellipse">
+            <a:avLst/>
+          </a:prstGeom>
+        </p:spPr>
+        <p:style>
+          <a:lnRef idx="2">
+            <a:schemeClr val="accent1">
+              <a:shade val="50000"/>
+            </a:schemeClr>
+          </a:lnRef>
+          <a:fillRef idx="1">
+            <a:schemeClr val="accent1"/>
+          </a:fillRef>
+          <a:effectRef idx="0">
+            <a:schemeClr val="accent1"/>
+          </a:effectRef>
+          <a:fontRef idx="minor">
+            <a:schemeClr val="lt1"/>
+          </a:fontRef>
+        </p:style>
+        <p:txBody>
+          <a:bodyPr rtlCol="0" anchor="ctr"/>
+          <a:lstStyle/>
+          <a:p>
+            <a:pPr algn="ctr"/>
+            <a:r>
+              <a:rPr lang="en-US" dirty="0" smtClean="0"/>
+              <a:t>List</a:t>
+            </a:r>
+            <a:endParaRPr lang="en-US" dirty="0"/>
+          </a:p>
+        </p:txBody>
+      </p:sp>
+      <p:sp>
+        <p:nvSpPr>
+          <p:cNvPr id="8" name="Oval 7"/>
+          <p:cNvSpPr/>
+          <p:nvPr/>
+        </p:nvSpPr>
+        <p:spPr>
+          <a:xfrm>
+            <a:off x="4876800" y="3278213"/>
+            <a:ext cx="1676400" cy="533400"/>
+          </a:xfrm>
+          <a:prstGeom prst="ellipse">
+            <a:avLst/>
+          </a:prstGeom>
+        </p:spPr>
+        <p:style>
+          <a:lnRef idx="2">
+            <a:schemeClr val="accent1">
+              <a:shade val="50000"/>
+            </a:schemeClr>
+          </a:lnRef>
+          <a:fillRef idx="1">
+            <a:schemeClr val="accent1"/>
+          </a:fillRef>
+          <a:effectRef idx="0">
+            <a:schemeClr val="accent1"/>
+          </a:effectRef>
+          <a:fontRef idx="minor">
+            <a:schemeClr val="lt1"/>
+          </a:fontRef>
+        </p:style>
+        <p:txBody>
+          <a:bodyPr rtlCol="0" anchor="ctr"/>
+          <a:lstStyle/>
+          <a:p>
+            <a:pPr algn="ctr"/>
+            <a:r>
+              <a:rPr lang="en-US" dirty="0" smtClean="0"/>
+              <a:t>Task</a:t>
+            </a:r>
+            <a:endParaRPr lang="en-US" dirty="0"/>
+          </a:p>
+        </p:txBody>
+      </p:sp>
+      <p:cxnSp>
+        <p:nvCxnSpPr>
+          <p:cNvPr id="11" name="Straight Arrow Connector 10"/>
+          <p:cNvCxnSpPr>
+            <a:stCxn id="6" idx="0"/>
+            <a:endCxn id="5" idx="4"/>
+          </p:cNvCxnSpPr>
+          <p:nvPr/>
+        </p:nvCxnSpPr>
+        <p:spPr>
+          <a:xfrm flipH="1" flipV="1">
+            <a:off x="3303240" y="2365426"/>
+            <a:ext cx="245503" cy="912787"/>
+          </a:xfrm>
+          <a:prstGeom prst="straightConnector1">
+            <a:avLst/>
+          </a:prstGeom>
+          <a:ln w="28575">
+            <a:solidFill>
+              <a:schemeClr val="accent3"/>
+            </a:solidFill>
+            <a:tailEnd type="arrow"/>
+          </a:ln>
+        </p:spPr>
+        <p:style>
+          <a:lnRef idx="1">
+            <a:schemeClr val="accent1"/>
+          </a:lnRef>
+          <a:fillRef idx="0">
+            <a:schemeClr val="accent1"/>
+          </a:fillRef>
+          <a:effectRef idx="0">
+            <a:schemeClr val="accent1"/>
+          </a:effectRef>
+          <a:fontRef idx="minor">
+            <a:schemeClr val="tx1"/>
+          </a:fontRef>
+        </p:style>
+      </p:cxnSp>
+      <p:cxnSp>
+        <p:nvCxnSpPr>
+          <p:cNvPr id="12" name="Straight Arrow Connector 11"/>
+          <p:cNvCxnSpPr>
+            <a:stCxn id="6" idx="7"/>
+            <a:endCxn id="7" idx="3"/>
+          </p:cNvCxnSpPr>
+          <p:nvPr/>
+        </p:nvCxnSpPr>
+        <p:spPr>
+          <a:xfrm flipV="1">
+            <a:off x="4141440" y="2287311"/>
+            <a:ext cx="491006" cy="1069017"/>
+          </a:xfrm>
+          <a:prstGeom prst="straightConnector1">
+            <a:avLst/>
+          </a:prstGeom>
+          <a:ln w="28575">
+            <a:tailEnd type="arrow"/>
+          </a:ln>
+        </p:spPr>
+        <p:style>
+          <a:lnRef idx="1">
+            <a:schemeClr val="accent1"/>
+          </a:lnRef>
+          <a:fillRef idx="0">
+            <a:schemeClr val="accent1"/>
+          </a:fillRef>
+          <a:effectRef idx="0">
+            <a:schemeClr val="accent1"/>
+          </a:effectRef>
+          <a:fontRef idx="minor">
+            <a:schemeClr val="tx1"/>
+          </a:fontRef>
+        </p:style>
+      </p:cxnSp>
+      <p:cxnSp>
+        <p:nvCxnSpPr>
+          <p:cNvPr id="13" name="Straight Arrow Connector 12"/>
+          <p:cNvCxnSpPr>
+            <a:stCxn id="8" idx="0"/>
+            <a:endCxn id="7" idx="4"/>
+          </p:cNvCxnSpPr>
+          <p:nvPr/>
+        </p:nvCxnSpPr>
+        <p:spPr>
+          <a:xfrm flipH="1" flipV="1">
+            <a:off x="5225143" y="2365426"/>
+            <a:ext cx="489857" cy="912787"/>
+          </a:xfrm>
+          <a:prstGeom prst="straightConnector1">
+            <a:avLst/>
+          </a:prstGeom>
+          <a:ln w="28575">
+            <a:solidFill>
+              <a:schemeClr val="accent3"/>
+            </a:solidFill>
+            <a:tailEnd type="arrow"/>
+          </a:ln>
+        </p:spPr>
+        <p:style>
+          <a:lnRef idx="1">
+            <a:schemeClr val="accent1"/>
+          </a:lnRef>
+          <a:fillRef idx="0">
+            <a:schemeClr val="accent1"/>
+          </a:fillRef>
+          <a:effectRef idx="0">
+            <a:schemeClr val="accent1"/>
+          </a:effectRef>
+          <a:fontRef idx="minor">
+            <a:schemeClr val="tx1"/>
+          </a:fontRef>
+        </p:style>
+      </p:cxnSp>
+    </p:spTree>
+    <p:extLst>
+      <p:ext uri="{BB962C8B-B14F-4D97-AF65-F5344CB8AC3E}">
+        <p14:creationId xmlns:p14="http://schemas.microsoft.com/office/powerpoint/2010/main" val="1119232956"/>
+      </p:ext>
+    </p:extLst>
+  </p:cSld>
+  <p:clrMapOvr>
+    <a:masterClrMapping/>
+  </p:clrMapOvr>
+  <mc:AlternateContent xmlns:mc="http://schemas.openxmlformats.org/markup-compatibility/2006" xmlns:p14="http://schemas.microsoft.com/office/powerpoint/2010/main">
+    <mc:Choice Requires="p14">
+      <p:transition spd="slow" p14:dur="2000"/>
+    </mc:Choice>
+    <mc:Fallback xmlns="">
+      <p:transition spd="slow"/>
+    </mc:Fallback>
+  </mc:AlternateContent>
+  <p:timing>
+    <p:tnLst>
+      <p:par>
+        <p:cTn id="1" dur="indefinite" restart="never" nodeType="tmRoot"/>
+      </p:par>
+    </p:tnLst>
+  </p:timing>
+</p:sld>
+</file>
+
+<file path=ppt/slides/slide14.xml><?xml version="1.0" encoding="utf-8"?>
+<p:sld xmlns:a="http://schemas.openxmlformats.org/drawingml/2006/main" xmlns:r="http://schemas.openxmlformats.org/officeDocument/2006/relationships" xmlns:p="http://schemas.openxmlformats.org/presentationml/2006/main">
+  <p:cSld>
+    <p:spTree>
+      <p:nvGrpSpPr>
+        <p:cNvPr id="1" name=""/>
+        <p:cNvGrpSpPr/>
+        <p:nvPr/>
+      </p:nvGrpSpPr>
+      <p:grpSpPr>
+        <a:xfrm>
+          <a:off x="0" y="0"/>
+          <a:ext cx="0" cy="0"/>
+          <a:chOff x="0" y="0"/>
+          <a:chExt cx="0" cy="0"/>
+        </a:xfrm>
+      </p:grpSpPr>
+      <p:sp>
+        <p:nvSpPr>
+          <p:cNvPr id="3" name="Content Placeholder 2"/>
+          <p:cNvSpPr>
+            <a:spLocks noGrp="1"/>
+          </p:cNvSpPr>
+          <p:nvPr>
+            <p:ph idx="1"/>
+          </p:nvPr>
+        </p:nvSpPr>
+        <p:spPr/>
+        <p:txBody>
+          <a:bodyPr/>
+          <a:lstStyle/>
+          <a:p>
+            <a:r>
+              <a:rPr lang="en-US" dirty="0" smtClean="0"/>
+              <a:t>Update when necessary</a:t>
+            </a:r>
+            <a:endParaRPr lang="en-US" dirty="0" smtClean="0"/>
+          </a:p>
+          <a:p>
+            <a:r>
+              <a:rPr lang="en-US" dirty="0" smtClean="0"/>
+              <a:t>Track dependencies</a:t>
+            </a:r>
+          </a:p>
+          <a:p>
+            <a:r>
+              <a:rPr lang="en-US" dirty="0" smtClean="0"/>
+              <a:t>Refresh UI</a:t>
+            </a:r>
+          </a:p>
+          <a:p>
+            <a:r>
+              <a:rPr lang="en-US" dirty="0" smtClean="0"/>
+              <a:t>Capture user input</a:t>
+            </a:r>
+            <a:endParaRPr lang="en-US" dirty="0" smtClean="0"/>
+          </a:p>
+        </p:txBody>
+      </p:sp>
+      <p:sp>
+        <p:nvSpPr>
+          <p:cNvPr id="2" name="Title 1"/>
+          <p:cNvSpPr>
+            <a:spLocks noGrp="1"/>
+          </p:cNvSpPr>
+          <p:nvPr>
+            <p:ph type="title"/>
+          </p:nvPr>
+        </p:nvSpPr>
+        <p:spPr/>
+        <p:txBody>
+          <a:bodyPr>
+            <a:normAutofit/>
+          </a:bodyPr>
+          <a:lstStyle/>
+          <a:p>
+            <a:r>
+              <a:rPr lang="en-US" dirty="0" smtClean="0"/>
+              <a:t>Adapters</a:t>
+            </a:r>
+            <a:endParaRPr lang="en-US" dirty="0"/>
+          </a:p>
+        </p:txBody>
+      </p:sp>
+    </p:spTree>
+    <p:extLst>
+      <p:ext uri="{BB962C8B-B14F-4D97-AF65-F5344CB8AC3E}">
+        <p14:creationId xmlns:p14="http://schemas.microsoft.com/office/powerpoint/2010/main" val="656962569"/>
+      </p:ext>
+    </p:extLst>
+  </p:cSld>
+  <p:clrMapOvr>
+    <a:masterClrMapping/>
+  </p:clrMapOvr>
+  <mc:AlternateContent xmlns:mc="http://schemas.openxmlformats.org/markup-compatibility/2006" xmlns:p14="http://schemas.microsoft.com/office/powerpoint/2010/main">
+    <mc:Choice Requires="p14">
+      <p:transition spd="slow" p14:dur="2000"/>
+    </mc:Choice>
+    <mc:Fallback xmlns="">
+      <p:transition spd="slow"/>
+    </mc:Fallback>
+  </mc:AlternateContent>
+  <p:timing>
+    <p:tnLst>
+      <p:par>
+        <p:cTn id="1" dur="indefinite" restart="never" nodeType="tmRoot"/>
+      </p:par>
+    </p:tnLst>
+  </p:timing>
+</p:sld>
+</file>
+
+<file path=ppt/slides/slide15.xml><?xml version="1.0" encoding="utf-8"?>
+<p:sld xmlns:a="http://schemas.openxmlformats.org/drawingml/2006/main" xmlns:r="http://schemas.openxmlformats.org/officeDocument/2006/relationships" xmlns:p="http://schemas.openxmlformats.org/presentationml/2006/main">
+  <p:cSld>
+    <p:spTree>
+      <p:nvGrpSpPr>
+        <p:cNvPr id="1" name=""/>
+        <p:cNvGrpSpPr/>
+        <p:nvPr/>
+      </p:nvGrpSpPr>
+      <p:grpSpPr>
+        <a:xfrm>
+          <a:off x="0" y="0"/>
+          <a:ext cx="0" cy="0"/>
+          <a:chOff x="0" y="0"/>
+          <a:chExt cx="0" cy="0"/>
+        </a:xfrm>
+      </p:grpSpPr>
+      <p:sp>
+        <p:nvSpPr>
           <p:cNvPr id="2" name="Content Placeholder 1"/>
           <p:cNvSpPr>
             <a:spLocks noGrp="1"/>
@@ -6547,8 +7259,8 @@
         </p:nvSpPr>
         <p:spPr>
           <a:xfrm>
-            <a:off x="380999" y="1719071"/>
-            <a:ext cx="8407893" cy="2776729"/>
+            <a:off x="228600" y="1719071"/>
+            <a:ext cx="8686800" cy="3767329"/>
           </a:xfrm>
         </p:spPr>
         <p:txBody>
@@ -6561,16 +7273,58 @@
               <a:buNone/>
             </a:pPr>
             <a:r>
-              <a:rPr lang="en-US" sz="2400" dirty="0"/>
-              <a:t>private void </a:t>
-            </a:r>
-            <a:r>
-              <a:rPr lang="en-US" sz="2400" dirty="0" err="1"/>
+              <a:rPr lang="en-US" sz="2000" dirty="0" err="1"/>
+              <a:t>depListSummaries</a:t>
+            </a:r>
+            <a:r>
+              <a:rPr lang="en-US" sz="2000" dirty="0"/>
+              <a:t> = </a:t>
+            </a:r>
+            <a:r>
+              <a:rPr lang="en-US" sz="2000" dirty="0" err="1"/>
+              <a:t>Update.whenNecessary</a:t>
+            </a:r>
+            <a:r>
+              <a:rPr lang="en-US" sz="2000" dirty="0"/>
+              <a:t>(new </a:t>
+            </a:r>
+            <a:r>
+              <a:rPr lang="en-US" sz="2000" dirty="0" err="1"/>
+              <a:t>UpdateAdapter</a:t>
+            </a:r>
+            <a:r>
+              <a:rPr lang="en-US" sz="2000" dirty="0"/>
+              <a:t>() {</a:t>
+            </a:r>
+          </a:p>
+          <a:p>
+            <a:pPr marL="45720" indent="0">
+              <a:buNone/>
+            </a:pPr>
+            <a:r>
+              <a:rPr lang="en-US" sz="2000" dirty="0" smtClean="0"/>
+              <a:t>    public </a:t>
+            </a:r>
+            <a:r>
+              <a:rPr lang="en-US" sz="2000" dirty="0"/>
+              <a:t>void update() {</a:t>
+            </a:r>
+          </a:p>
+          <a:p>
+            <a:pPr marL="45720" indent="0">
+              <a:buNone/>
+            </a:pPr>
+            <a:r>
+              <a:rPr lang="en-US" sz="2000" dirty="0" smtClean="0"/>
+              <a:t>        </a:t>
+            </a:r>
+            <a:r>
+              <a:rPr lang="en-US" sz="2000" dirty="0" err="1" smtClean="0"/>
               <a:t>updateListSummaries</a:t>
             </a:r>
             <a:r>
-              <a:rPr lang="en-US" sz="2400" dirty="0"/>
-              <a:t>() {</a:t>
+              <a:rPr lang="en-US" sz="2000" dirty="0"/>
+              <a:t>();</a:t>
             </a:r>
           </a:p>
           <a:p>
@@ -6578,77 +7332,18 @@
               <a:buNone/>
             </a:pPr>
             <a:r>
-              <a:rPr lang="en-US" sz="2400" dirty="0" smtClean="0"/>
-              <a:t>    </a:t>
-            </a:r>
-            <a:r>
-              <a:rPr lang="en-US" sz="2400" dirty="0" err="1" smtClean="0"/>
-              <a:t>taskAdapters</a:t>
-            </a:r>
-            <a:r>
-              <a:rPr lang="en-US" sz="2400" dirty="0" smtClean="0"/>
-              <a:t> </a:t>
-            </a:r>
-            <a:r>
-              <a:rPr lang="en-US" sz="2400" dirty="0"/>
-              <a:t>= new </a:t>
-            </a:r>
-            <a:r>
-              <a:rPr lang="en-US" sz="2400" dirty="0" err="1"/>
-              <a:t>ArrayList</a:t>
-            </a:r>
-            <a:r>
-              <a:rPr lang="en-US" sz="2400" dirty="0"/>
-              <a:t>&lt;</a:t>
-            </a:r>
-            <a:r>
-              <a:rPr lang="en-US" sz="2400" dirty="0" err="1"/>
-              <a:t>TaskAdapter</a:t>
-            </a:r>
-            <a:r>
-              <a:rPr lang="en-US" sz="2400" dirty="0"/>
-              <a:t>&gt;();</a:t>
-            </a:r>
+              <a:rPr lang="en-US" sz="2000" dirty="0" smtClean="0"/>
+              <a:t>    }</a:t>
+            </a:r>
+            <a:endParaRPr lang="en-US" sz="2000" dirty="0"/>
           </a:p>
           <a:p>
             <a:pPr marL="45720" indent="0">
               <a:buNone/>
             </a:pPr>
             <a:r>
-              <a:rPr lang="en-US" sz="2400" dirty="0" smtClean="0"/>
-              <a:t>    for </a:t>
-            </a:r>
-            <a:r>
-              <a:rPr lang="en-US" sz="2400" dirty="0"/>
-              <a:t>(Task </a:t>
-            </a:r>
-            <a:r>
-              <a:rPr lang="en-US" sz="2400" dirty="0" err="1"/>
-              <a:t>task</a:t>
-            </a:r>
-            <a:r>
-              <a:rPr lang="en-US" sz="2400" dirty="0"/>
-              <a:t> : </a:t>
-            </a:r>
-            <a:r>
-              <a:rPr lang="en-US" sz="2400" dirty="0" err="1">
-                <a:solidFill>
-                  <a:schemeClr val="accent3"/>
-                </a:solidFill>
-              </a:rPr>
-              <a:t>list.tasks</a:t>
-            </a:r>
-            <a:r>
-              <a:rPr lang="en-US" sz="2400" dirty="0">
-                <a:solidFill>
-                  <a:schemeClr val="accent3"/>
-                </a:solidFill>
-              </a:rPr>
-              <a:t>()</a:t>
-            </a:r>
-            <a:r>
-              <a:rPr lang="en-US" sz="2400" dirty="0"/>
-              <a:t>) {</a:t>
+              <a:rPr lang="en-US" sz="2000" dirty="0"/>
+              <a:t>	</a:t>
             </a:r>
           </a:p>
           <a:p>
@@ -6656,24 +7351,29 @@
               <a:buNone/>
             </a:pPr>
             <a:r>
-              <a:rPr lang="en-US" sz="2400" dirty="0" smtClean="0"/>
+              <a:rPr lang="en-US" sz="2000" dirty="0" smtClean="0"/>
+              <a:t>    public </a:t>
+            </a:r>
+            <a:r>
+              <a:rPr lang="en-US" sz="2000" dirty="0"/>
+              <a:t>void assign() {</a:t>
+            </a:r>
+          </a:p>
+          <a:p>
+            <a:pPr marL="45720" indent="0">
+              <a:buNone/>
+            </a:pPr>
+            <a:r>
+              <a:rPr lang="en-US" sz="2000" dirty="0" smtClean="0"/>
               <a:t>        </a:t>
             </a:r>
             <a:r>
-              <a:rPr lang="en-US" sz="2400" dirty="0" err="1" smtClean="0"/>
-              <a:t>taskAdapters.add</a:t>
-            </a:r>
-            <a:r>
-              <a:rPr lang="en-US" sz="2400" dirty="0" smtClean="0"/>
-              <a:t>(new </a:t>
-            </a:r>
-            <a:r>
-              <a:rPr lang="en-US" sz="2400" dirty="0" err="1"/>
-              <a:t>TaskAdapter</a:t>
-            </a:r>
-            <a:r>
-              <a:rPr lang="en-US" sz="2400" dirty="0"/>
-              <a:t>(task, context));</a:t>
+              <a:rPr lang="en-US" sz="2000" dirty="0" err="1" smtClean="0"/>
+              <a:t>assignListSummaries</a:t>
+            </a:r>
+            <a:r>
+              <a:rPr lang="en-US" sz="2000" dirty="0"/>
+              <a:t>();</a:t>
             </a:r>
           </a:p>
           <a:p>
@@ -6681,20 +7381,19 @@
               <a:buNone/>
             </a:pPr>
             <a:r>
-              <a:rPr lang="en-US" sz="2400" dirty="0" smtClean="0"/>
+              <a:rPr lang="en-US" sz="2000" dirty="0" smtClean="0"/>
               <a:t>    }</a:t>
             </a:r>
-            <a:endParaRPr lang="en-US" sz="2400" dirty="0"/>
+            <a:endParaRPr lang="en-US" sz="2000" dirty="0"/>
           </a:p>
           <a:p>
             <a:pPr marL="45720" indent="0">
               <a:buNone/>
             </a:pPr>
             <a:r>
-              <a:rPr lang="en-US" sz="2400" dirty="0" smtClean="0"/>
-              <a:t>}</a:t>
-            </a:r>
-            <a:endParaRPr lang="en-US" sz="2400" dirty="0"/>
+              <a:rPr lang="en-US" sz="2000" dirty="0"/>
+              <a:t>});</a:t>
+            </a:r>
           </a:p>
         </p:txBody>
       </p:sp>
@@ -6715,7 +7414,7 @@
           <a:p>
             <a:r>
               <a:rPr lang="en-US" dirty="0" smtClean="0"/>
-              <a:t>Track Dependencies</a:t>
+              <a:t>Update When Necessary</a:t>
             </a:r>
             <a:endParaRPr lang="en-US" dirty="0"/>
           </a:p>
@@ -6731,8 +7430,8 @@
         </p:nvSpPr>
         <p:spPr>
           <a:xfrm>
-            <a:off x="380999" y="4648199"/>
-            <a:ext cx="8407893" cy="1478279"/>
+            <a:off x="380999" y="5105400"/>
+            <a:ext cx="8407893" cy="1371600"/>
           </a:xfrm>
           <a:prstGeom prst="rect">
             <a:avLst/>
@@ -6909,15 +7608,13 @@
           <a:p>
             <a:r>
               <a:rPr lang="en-US" dirty="0" smtClean="0"/>
-              <a:t>When </a:t>
-            </a:r>
-            <a:r>
-              <a:rPr lang="en-US" dirty="0" err="1" smtClean="0"/>
-              <a:t>list.tasks</a:t>
-            </a:r>
+              <a:t>Update method to track dependencies.</a:t>
+            </a:r>
+          </a:p>
+          <a:p>
             <a:r>
               <a:rPr lang="en-US" dirty="0" smtClean="0"/>
-              <a:t>() changes, update is re-executed.</a:t>
+              <a:t>Assign method to refresh UI.</a:t>
             </a:r>
             <a:endParaRPr lang="en-US" dirty="0"/>
           </a:p>
@@ -6943,7 +7640,7 @@
 </p:sld>
 </file>
 
-<file path=ppt/slides/slide14.xml><?xml version="1.0" encoding="utf-8"?>
+<file path=ppt/slides/slide16.xml><?xml version="1.0" encoding="utf-8"?>
 <p:sld xmlns:a="http://schemas.openxmlformats.org/drawingml/2006/main" xmlns:r="http://schemas.openxmlformats.org/officeDocument/2006/relationships" xmlns:p="http://schemas.openxmlformats.org/presentationml/2006/main">
   <p:cSld>
     <p:spTree>
@@ -6991,7 +7688,7 @@
             </a:r>
             <a:r>
               <a:rPr lang="en-US" sz="2400" dirty="0" err="1"/>
-              <a:t>assignListSummaries</a:t>
+              <a:t>updateListSummaries</a:t>
             </a:r>
             <a:r>
               <a:rPr lang="en-US" sz="2400" dirty="0"/>
@@ -7008,11 +7705,31 @@
             </a:r>
             <a:r>
               <a:rPr lang="en-US" sz="2400" dirty="0" err="1" smtClean="0"/>
-              <a:t>this.clear</a:t>
+              <a:t>taskAdapters</a:t>
+            </a:r>
+            <a:r>
+              <a:rPr lang="en-US" sz="2400" dirty="0" smtClean="0"/>
+              <a:t> </a:t>
             </a:r>
             <a:r>
               <a:rPr lang="en-US" sz="2400" dirty="0"/>
-              <a:t>();</a:t>
+              <a:t>= new </a:t>
+            </a:r>
+            <a:r>
+              <a:rPr lang="en-US" sz="2400" dirty="0" err="1"/>
+              <a:t>ArrayList</a:t>
+            </a:r>
+            <a:r>
+              <a:rPr lang="en-US" sz="2400" dirty="0"/>
+              <a:t>&lt;</a:t>
+            </a:r>
+            <a:r>
+              <a:rPr lang="en-US" sz="2400" dirty="0" err="1"/>
+              <a:t>TaskAdapter</a:t>
+            </a:r>
+            <a:r>
+              <a:rPr lang="en-US" sz="2400" dirty="0"/>
+              <a:t>&gt;();</a:t>
             </a:r>
           </a:p>
           <a:p>
@@ -7025,7 +7742,52 @@
             </a:r>
             <a:r>
               <a:rPr lang="en-US" sz="2400" dirty="0"/>
-              <a:t>(</a:t>
+              <a:t>(Task </a:t>
+            </a:r>
+            <a:r>
+              <a:rPr lang="en-US" sz="2400" dirty="0" err="1"/>
+              <a:t>task</a:t>
+            </a:r>
+            <a:r>
+              <a:rPr lang="en-US" sz="2400" dirty="0"/>
+              <a:t> : </a:t>
+            </a:r>
+            <a:r>
+              <a:rPr lang="en-US" sz="2400" dirty="0" err="1">
+                <a:solidFill>
+                  <a:schemeClr val="accent3"/>
+                </a:solidFill>
+              </a:rPr>
+              <a:t>list.tasks</a:t>
+            </a:r>
+            <a:r>
+              <a:rPr lang="en-US" sz="2400" dirty="0">
+                <a:solidFill>
+                  <a:schemeClr val="accent3"/>
+                </a:solidFill>
+              </a:rPr>
+              <a:t>()</a:t>
+            </a:r>
+            <a:r>
+              <a:rPr lang="en-US" sz="2400" dirty="0"/>
+              <a:t>) {</a:t>
+            </a:r>
+          </a:p>
+          <a:p>
+            <a:pPr marL="45720" indent="0">
+              <a:buNone/>
+            </a:pPr>
+            <a:r>
+              <a:rPr lang="en-US" sz="2400" dirty="0" smtClean="0"/>
+              <a:t>        </a:t>
+            </a:r>
+            <a:r>
+              <a:rPr lang="en-US" sz="2400" dirty="0" err="1" smtClean="0"/>
+              <a:t>taskAdapters.add</a:t>
+            </a:r>
+            <a:r>
+              <a:rPr lang="en-US" sz="2400" dirty="0" smtClean="0"/>
+              <a:t>(new </a:t>
             </a:r>
             <a:r>
               <a:rPr lang="en-US" sz="2400" dirty="0" err="1"/>
@@ -7033,48 +7795,7 @@
             </a:r>
             <a:r>
               <a:rPr lang="en-US" sz="2400" dirty="0"/>
-              <a:t> </a:t>
-            </a:r>
-            <a:r>
-              <a:rPr lang="en-US" sz="2400" dirty="0" err="1"/>
-              <a:t>taskAdapter</a:t>
-            </a:r>
-            <a:r>
-              <a:rPr lang="en-US" sz="2400" dirty="0"/>
-              <a:t> : </a:t>
-            </a:r>
-            <a:r>
-              <a:rPr lang="en-US" sz="2400" dirty="0" err="1"/>
-              <a:t>taskAdapters</a:t>
-            </a:r>
-            <a:r>
-              <a:rPr lang="en-US" sz="2400" dirty="0"/>
-              <a:t>) {</a:t>
-            </a:r>
-          </a:p>
-          <a:p>
-            <a:pPr marL="45720" indent="0">
-              <a:buNone/>
-            </a:pPr>
-            <a:r>
-              <a:rPr lang="en-US" sz="2400" dirty="0" smtClean="0"/>
-              <a:t>        </a:t>
-            </a:r>
-            <a:r>
-              <a:rPr lang="en-US" sz="2400" dirty="0" err="1" smtClean="0"/>
-              <a:t>this.add</a:t>
-            </a:r>
-            <a:r>
-              <a:rPr lang="en-US" sz="2400" dirty="0" smtClean="0"/>
-              <a:t>(</a:t>
-            </a:r>
-            <a:r>
-              <a:rPr lang="en-US" sz="2400" dirty="0" err="1" smtClean="0"/>
-              <a:t>taskAdapter</a:t>
-            </a:r>
-            <a:r>
-              <a:rPr lang="en-US" sz="2400" dirty="0"/>
-              <a:t>);</a:t>
+              <a:t>(task, context));</a:t>
             </a:r>
           </a:p>
           <a:p>
@@ -7092,9 +7813,10 @@
               <a:buNone/>
             </a:pPr>
             <a:r>
-              <a:rPr lang="en-US" sz="2400" dirty="0"/>
+              <a:rPr lang="en-US" sz="2400" dirty="0" smtClean="0"/>
               <a:t>}</a:t>
             </a:r>
+            <a:endParaRPr lang="en-US" sz="2400" dirty="0"/>
           </a:p>
         </p:txBody>
       </p:sp>
@@ -7115,7 +7837,7 @@
           <a:p>
             <a:r>
               <a:rPr lang="en-US" dirty="0" smtClean="0"/>
-              <a:t>Refresh UI</a:t>
+              <a:t>Track Dependencies</a:t>
             </a:r>
             <a:endParaRPr lang="en-US" dirty="0"/>
           </a:p>
@@ -7131,7 +7853,7 @@
         </p:nvSpPr>
         <p:spPr>
           <a:xfrm>
-            <a:off x="380999" y="4648199"/>
+            <a:off x="380999" y="5072743"/>
             <a:ext cx="8407893" cy="1478279"/>
           </a:xfrm>
           <a:prstGeom prst="rect">
@@ -7309,13 +8031,15 @@
           <a:p>
             <a:r>
               <a:rPr lang="en-US" dirty="0" smtClean="0"/>
-              <a:t>Executed after each update.</a:t>
-            </a:r>
-          </a:p>
-          <a:p>
+              <a:t>When </a:t>
+            </a:r>
+            <a:r>
+              <a:rPr lang="en-US" dirty="0" err="1" smtClean="0"/>
+              <a:t>list.tasks</a:t>
+            </a:r>
             <a:r>
               <a:rPr lang="en-US" dirty="0" smtClean="0"/>
-              <a:t>Does not contribute dependencies.</a:t>
+              <a:t>() changes, update is re-executed.</a:t>
             </a:r>
             <a:endParaRPr lang="en-US" dirty="0"/>
           </a:p>
@@ -7324,7 +8048,7 @@
     </p:spTree>
     <p:extLst>
       <p:ext uri="{BB962C8B-B14F-4D97-AF65-F5344CB8AC3E}">
-        <p14:creationId xmlns:p14="http://schemas.microsoft.com/office/powerpoint/2010/main" val="1442223137"/>
+        <p14:creationId xmlns:p14="http://schemas.microsoft.com/office/powerpoint/2010/main" val="2295867340"/>
       </p:ext>
     </p:extLst>
   </p:cSld>
@@ -7341,7 +8065,7 @@
 </p:sld>
 </file>
 
-<file path=ppt/slides/slide15.xml><?xml version="1.0" encoding="utf-8"?>
+<file path=ppt/slides/slide17.xml><?xml version="1.0" encoding="utf-8"?>
 <p:sld xmlns:a="http://schemas.openxmlformats.org/drawingml/2006/main" xmlns:r="http://schemas.openxmlformats.org/officeDocument/2006/relationships" xmlns:p="http://schemas.openxmlformats.org/presentationml/2006/main">
   <p:cSld>
     <p:spTree>
@@ -7371,12 +8095,12 @@
         <p:spPr>
           <a:xfrm>
             <a:off x="380999" y="1719071"/>
-            <a:ext cx="8534401" cy="2776729"/>
+            <a:ext cx="8407893" cy="2776729"/>
           </a:xfrm>
         </p:spPr>
         <p:txBody>
           <a:bodyPr>
-            <a:normAutofit fontScale="92500" lnSpcReduction="20000"/>
+            <a:normAutofit/>
           </a:bodyPr>
           <a:lstStyle/>
           <a:p>
@@ -7384,137 +8108,91 @@
               <a:buNone/>
             </a:pPr>
             <a:r>
+              <a:rPr lang="en-US" sz="2400" dirty="0"/>
+              <a:t>private void </a:t>
+            </a:r>
+            <a:r>
               <a:rPr lang="en-US" sz="2400" dirty="0" err="1"/>
-              <a:t>completedCheckBox.setOnCheckedChangeListener</a:t>
+              <a:t>assignListSummaries</a:t>
+            </a:r>
+            <a:r>
+              <a:rPr lang="en-US" sz="2400" dirty="0"/>
+              <a:t>() {</a:t>
+            </a:r>
+          </a:p>
+          <a:p>
+            <a:pPr marL="45720" indent="0">
+              <a:buNone/>
+            </a:pPr>
+            <a:r>
+              <a:rPr lang="en-US" sz="2400" dirty="0" smtClean="0"/>
+              <a:t>    </a:t>
+            </a:r>
+            <a:r>
+              <a:rPr lang="en-US" sz="2400" dirty="0" err="1" smtClean="0"/>
+              <a:t>this.clear</a:t>
+            </a:r>
+            <a:r>
+              <a:rPr lang="en-US" sz="2400" dirty="0"/>
+              <a:t>();</a:t>
+            </a:r>
+          </a:p>
+          <a:p>
+            <a:pPr marL="45720" indent="0">
+              <a:buNone/>
+            </a:pPr>
+            <a:r>
+              <a:rPr lang="en-US" sz="2400" dirty="0" smtClean="0"/>
+              <a:t>    for </a:t>
+            </a:r>
+            <a:r>
+              <a:rPr lang="en-US" sz="2400" dirty="0"/>
+              <a:t>(</a:t>
+            </a:r>
+            <a:r>
+              <a:rPr lang="en-US" sz="2400" dirty="0" err="1"/>
+              <a:t>TaskAdapter</a:t>
+            </a:r>
+            <a:r>
+              <a:rPr lang="en-US" sz="2400" dirty="0"/>
+              <a:t> </a:t>
+            </a:r>
+            <a:r>
+              <a:rPr lang="en-US" sz="2400" dirty="0" err="1"/>
+              <a:t>taskAdapter</a:t>
+            </a:r>
+            <a:r>
+              <a:rPr lang="en-US" sz="2400" dirty="0"/>
+              <a:t> : </a:t>
+            </a:r>
+            <a:r>
+              <a:rPr lang="en-US" sz="2400" dirty="0" err="1"/>
+              <a:t>taskAdapters</a:t>
+            </a:r>
+            <a:r>
+              <a:rPr lang="en-US" sz="2400" dirty="0"/>
+              <a:t>) {</a:t>
+            </a:r>
+          </a:p>
+          <a:p>
+            <a:pPr marL="45720" indent="0">
+              <a:buNone/>
+            </a:pPr>
+            <a:r>
+              <a:rPr lang="en-US" sz="2400" dirty="0" smtClean="0"/>
+              <a:t>        </a:t>
+            </a:r>
+            <a:r>
+              <a:rPr lang="en-US" sz="2400" dirty="0" err="1" smtClean="0"/>
+              <a:t>this.add</a:t>
             </a:r>
             <a:r>
               <a:rPr lang="en-US" sz="2400" dirty="0" smtClean="0"/>
               <a:t>(</a:t>
             </a:r>
-          </a:p>
-          <a:p>
-            <a:pPr marL="45720" indent="0">
-              <a:buNone/>
-            </a:pPr>
-            <a:r>
-              <a:rPr lang="en-US" sz="2400" dirty="0"/>
-              <a:t> </a:t>
-            </a:r>
-            <a:r>
-              <a:rPr lang="en-US" sz="2400" dirty="0" smtClean="0"/>
-              <a:t>   new </a:t>
-            </a:r>
-            <a:r>
-              <a:rPr lang="en-US" sz="2400" dirty="0" err="1"/>
-              <a:t>OnCheckedChangeListener</a:t>
-            </a:r>
-            <a:r>
-              <a:rPr lang="en-US" sz="2400" dirty="0"/>
-              <a:t>() {</a:t>
-            </a:r>
-          </a:p>
-          <a:p>
-            <a:pPr marL="45720" indent="0">
-              <a:buNone/>
-            </a:pPr>
-            <a:r>
-              <a:rPr lang="en-US" sz="2400" dirty="0" smtClean="0"/>
-              <a:t>        @</a:t>
-            </a:r>
-            <a:r>
-              <a:rPr lang="en-US" sz="2400" dirty="0"/>
-              <a:t>Override</a:t>
-            </a:r>
-          </a:p>
-          <a:p>
-            <a:pPr marL="45720" indent="0">
-              <a:buNone/>
-            </a:pPr>
-            <a:r>
-              <a:rPr lang="en-US" sz="2400" dirty="0" smtClean="0"/>
-              <a:t>        public </a:t>
-            </a:r>
-            <a:r>
-              <a:rPr lang="en-US" sz="2400" dirty="0"/>
-              <a:t>void </a:t>
-            </a:r>
-            <a:r>
-              <a:rPr lang="en-US" sz="2400" dirty="0" err="1"/>
-              <a:t>onCheckedChanged</a:t>
-            </a:r>
-            <a:r>
-              <a:rPr lang="en-US" sz="2400" dirty="0" smtClean="0"/>
-              <a:t>(…, </a:t>
-            </a:r>
-            <a:r>
-              <a:rPr lang="en-US" sz="2400" dirty="0" err="1"/>
-              <a:t>boolean</a:t>
-            </a:r>
-            <a:r>
-              <a:rPr lang="en-US" sz="2400" dirty="0"/>
-              <a:t> </a:t>
-            </a:r>
-            <a:r>
-              <a:rPr lang="en-US" sz="2400" dirty="0" err="1"/>
-              <a:t>isChecked</a:t>
-            </a:r>
-            <a:r>
-              <a:rPr lang="en-US" sz="2400" dirty="0"/>
-              <a:t>) {</a:t>
-            </a:r>
-          </a:p>
-          <a:p>
-            <a:pPr marL="45720" indent="0">
-              <a:buNone/>
-            </a:pPr>
-            <a:r>
-              <a:rPr lang="en-US" sz="2400" dirty="0" smtClean="0"/>
-              <a:t>            if </a:t>
-            </a:r>
-            <a:r>
-              <a:rPr lang="en-US" sz="2400" dirty="0"/>
-              <a:t>(</a:t>
-            </a:r>
-            <a:r>
-              <a:rPr lang="en-US" sz="2400" dirty="0" err="1">
-                <a:solidFill>
-                  <a:schemeClr val="accent3"/>
-                </a:solidFill>
-              </a:rPr>
-              <a:t>Update.isNotHappening</a:t>
-            </a:r>
-            <a:r>
-              <a:rPr lang="en-US" sz="2400" dirty="0">
-                <a:solidFill>
-                  <a:schemeClr val="accent3"/>
-                </a:solidFill>
-              </a:rPr>
-              <a:t>()</a:t>
-            </a:r>
-            <a:r>
-              <a:rPr lang="en-US" sz="2400" dirty="0"/>
-              <a:t>)</a:t>
-            </a:r>
-          </a:p>
-          <a:p>
-            <a:pPr marL="45720" indent="0">
-              <a:buNone/>
-            </a:pPr>
-            <a:r>
-              <a:rPr lang="en-US" sz="2400" dirty="0" smtClean="0"/>
-              <a:t>                </a:t>
-            </a:r>
             <a:r>
               <a:rPr lang="en-US" sz="2400" dirty="0" err="1" smtClean="0"/>
-              <a:t>setTaskCompleted</a:t>
-            </a:r>
-            <a:r>
-              <a:rPr lang="en-US" sz="2400" dirty="0" smtClean="0"/>
-              <a:t>(</a:t>
-            </a:r>
-            <a:r>
-              <a:rPr lang="en-US" sz="2400" dirty="0" err="1" smtClean="0"/>
-              <a:t>isChecked</a:t>
+              <a:t>taskAdapter</a:t>
             </a:r>
             <a:r>
               <a:rPr lang="en-US" sz="2400" dirty="0"/>
@@ -7537,7 +8215,7 @@
             </a:pPr>
             <a:r>
               <a:rPr lang="en-US" sz="2400" dirty="0"/>
-              <a:t>});</a:t>
+              <a:t>}</a:t>
             </a:r>
           </a:p>
         </p:txBody>
@@ -7559,7 +8237,7 @@
           <a:p>
             <a:r>
               <a:rPr lang="en-US" dirty="0" smtClean="0"/>
-              <a:t>Protect Against Reentrancy</a:t>
+              <a:t>Refresh UI</a:t>
             </a:r>
             <a:endParaRPr lang="en-US" dirty="0"/>
           </a:p>
@@ -7575,7 +8253,7 @@
         </p:nvSpPr>
         <p:spPr>
           <a:xfrm>
-            <a:off x="380999" y="4648199"/>
+            <a:off x="380998" y="5105400"/>
             <a:ext cx="8407893" cy="1478279"/>
           </a:xfrm>
           <a:prstGeom prst="rect">
@@ -7753,16 +8431,20 @@
           <a:p>
             <a:r>
               <a:rPr lang="en-US" dirty="0" smtClean="0"/>
-              <a:t>Prevent an infinite loop.</a:t>
-            </a:r>
-            <a:endParaRPr lang="en-US" dirty="0"/>
+              <a:t>Executed after each update</a:t>
+            </a:r>
+            <a:r>
+              <a:rPr lang="en-US" dirty="0" smtClean="0"/>
+              <a:t>.</a:t>
+            </a:r>
+            <a:endParaRPr lang="en-US" dirty="0" smtClean="0"/>
           </a:p>
         </p:txBody>
       </p:sp>
     </p:spTree>
     <p:extLst>
       <p:ext uri="{BB962C8B-B14F-4D97-AF65-F5344CB8AC3E}">
-        <p14:creationId xmlns:p14="http://schemas.microsoft.com/office/powerpoint/2010/main" val="1464825663"/>
+        <p14:creationId xmlns:p14="http://schemas.microsoft.com/office/powerpoint/2010/main" val="1442223137"/>
       </p:ext>
     </p:extLst>
   </p:cSld>
@@ -7779,7 +8461,7 @@
 </p:sld>
 </file>
 
-<file path=ppt/slides/slide16.xml><?xml version="1.0" encoding="utf-8"?>
+<file path=ppt/slides/slide18.xml><?xml version="1.0" encoding="utf-8"?>
 <p:sld xmlns:a="http://schemas.openxmlformats.org/drawingml/2006/main" xmlns:r="http://schemas.openxmlformats.org/officeDocument/2006/relationships" xmlns:p="http://schemas.openxmlformats.org/presentationml/2006/main">
   <p:cSld>
     <p:spTree>
@@ -8302,7 +8984,7 @@
 </p:sld>
 </file>
 
-<file path=ppt/slides/slide17.xml><?xml version="1.0" encoding="utf-8"?>
+<file path=ppt/slides/slide19.xml><?xml version="1.0" encoding="utf-8"?>
 <p:sld xmlns:a="http://schemas.openxmlformats.org/drawingml/2006/main" xmlns:r="http://schemas.openxmlformats.org/officeDocument/2006/relationships" xmlns:p="http://schemas.openxmlformats.org/presentationml/2006/main">
   <p:cSld>
     <p:spTree>
@@ -8970,8 +9652,9 @@
           <a:p>
             <a:r>
               <a:rPr lang="en-US" dirty="0" smtClean="0"/>
-              <a:t>Web</a:t>
-            </a:r>
+              <a:t>Web Content</a:t>
+            </a:r>
+            <a:endParaRPr lang="en-US" dirty="0" smtClean="0"/>
           </a:p>
           <a:p>
             <a:r>
@@ -8982,7 +9665,21 @@
           <a:p>
             <a:r>
               <a:rPr lang="en-US" dirty="0" smtClean="0"/>
-              <a:t>Desktop/Laptop</a:t>
+              <a:t>Windows</a:t>
+            </a:r>
+            <a:br>
+              <a:rPr lang="en-US" dirty="0" smtClean="0"/>
+            </a:br>
+            <a:r>
+              <a:rPr lang="en-US" dirty="0" smtClean="0"/>
+              <a:t>Presentation</a:t>
+            </a:r>
+            <a:br>
+              <a:rPr lang="en-US" dirty="0" smtClean="0"/>
+            </a:br>
+            <a:r>
+              <a:rPr lang="en-US" dirty="0" smtClean="0"/>
+              <a:t>Foundation</a:t>
             </a:r>
             <a:endParaRPr lang="en-US" dirty="0"/>
           </a:p>
@@ -9101,42 +9798,7 @@
       </p:grpSpPr>
       <p:sp>
         <p:nvSpPr>
-          <p:cNvPr id="3" name="Content Placeholder 2"/>
-          <p:cNvSpPr>
-            <a:spLocks noGrp="1"/>
-          </p:cNvSpPr>
-          <p:nvPr>
-            <p:ph idx="1"/>
-          </p:nvPr>
-        </p:nvSpPr>
-        <p:spPr/>
-        <p:txBody>
-          <a:bodyPr/>
-          <a:lstStyle/>
-          <a:p>
-            <a:r>
-              <a:rPr lang="en-US" dirty="0" smtClean="0"/>
-              <a:t>Factual modeling language</a:t>
-            </a:r>
-          </a:p>
-          <a:p>
-            <a:r>
-              <a:rPr lang="en-US" dirty="0" smtClean="0"/>
-              <a:t>Publish/subscribe</a:t>
-            </a:r>
-          </a:p>
-          <a:p>
-            <a:r>
-              <a:rPr lang="en-US" dirty="0" smtClean="0"/>
-              <a:t>Update when necessary</a:t>
-            </a:r>
-            <a:endParaRPr lang="en-US" dirty="0"/>
-          </a:p>
-        </p:txBody>
-      </p:sp>
-      <p:sp>
-        <p:nvSpPr>
-          <p:cNvPr id="2" name="Title 1"/>
+          <p:cNvPr id="3" name="Title 2"/>
           <p:cNvSpPr>
             <a:spLocks noGrp="1"/>
           </p:cNvSpPr>
@@ -9151,30 +9813,546 @@
           <a:p>
             <a:r>
               <a:rPr lang="en-US" dirty="0" smtClean="0"/>
-              <a:t>Correspondence</a:t>
+              <a:t>Historical Facts</a:t>
             </a:r>
             <a:endParaRPr lang="en-US" dirty="0"/>
           </a:p>
         </p:txBody>
       </p:sp>
+      <p:sp>
+        <p:nvSpPr>
+          <p:cNvPr id="4" name="Oval 3"/>
+          <p:cNvSpPr/>
+          <p:nvPr/>
+        </p:nvSpPr>
+        <p:spPr>
+          <a:xfrm>
+            <a:off x="1066800" y="2057400"/>
+            <a:ext cx="1676400" cy="533400"/>
+          </a:xfrm>
+          <a:prstGeom prst="ellipse">
+            <a:avLst/>
+          </a:prstGeom>
+        </p:spPr>
+        <p:style>
+          <a:lnRef idx="2">
+            <a:schemeClr val="accent1">
+              <a:shade val="50000"/>
+            </a:schemeClr>
+          </a:lnRef>
+          <a:fillRef idx="1">
+            <a:schemeClr val="accent1"/>
+          </a:fillRef>
+          <a:effectRef idx="0">
+            <a:schemeClr val="accent1"/>
+          </a:effectRef>
+          <a:fontRef idx="minor">
+            <a:schemeClr val="lt1"/>
+          </a:fontRef>
+        </p:style>
+        <p:txBody>
+          <a:bodyPr rtlCol="0" anchor="ctr"/>
+          <a:lstStyle/>
+          <a:p>
+            <a:pPr algn="ctr"/>
+            <a:r>
+              <a:rPr lang="en-US" dirty="0" smtClean="0"/>
+              <a:t>Individual</a:t>
+            </a:r>
+            <a:endParaRPr lang="en-US" dirty="0"/>
+          </a:p>
+        </p:txBody>
+      </p:sp>
+      <p:sp>
+        <p:nvSpPr>
+          <p:cNvPr id="5" name="Oval 4"/>
+          <p:cNvSpPr/>
+          <p:nvPr/>
+        </p:nvSpPr>
+        <p:spPr>
+          <a:xfrm>
+            <a:off x="1994520" y="3252914"/>
+            <a:ext cx="1676400" cy="533400"/>
+          </a:xfrm>
+          <a:prstGeom prst="ellipse">
+            <a:avLst/>
+          </a:prstGeom>
+        </p:spPr>
+        <p:style>
+          <a:lnRef idx="2">
+            <a:schemeClr val="accent1">
+              <a:shade val="50000"/>
+            </a:schemeClr>
+          </a:lnRef>
+          <a:fillRef idx="1">
+            <a:schemeClr val="accent1"/>
+          </a:fillRef>
+          <a:effectRef idx="0">
+            <a:schemeClr val="accent1"/>
+          </a:effectRef>
+          <a:fontRef idx="minor">
+            <a:schemeClr val="lt1"/>
+          </a:fontRef>
+        </p:style>
+        <p:txBody>
+          <a:bodyPr rtlCol="0" anchor="ctr"/>
+          <a:lstStyle/>
+          <a:p>
+            <a:pPr algn="ctr"/>
+            <a:r>
+              <a:rPr lang="en-US" dirty="0" smtClean="0"/>
+              <a:t>Share</a:t>
+            </a:r>
+            <a:endParaRPr lang="en-US" dirty="0"/>
+          </a:p>
+        </p:txBody>
+      </p:sp>
+      <p:sp>
+        <p:nvSpPr>
+          <p:cNvPr id="6" name="Oval 5"/>
+          <p:cNvSpPr/>
+          <p:nvPr/>
+        </p:nvSpPr>
+        <p:spPr>
+          <a:xfrm>
+            <a:off x="3531840" y="2057400"/>
+            <a:ext cx="1676400" cy="533400"/>
+          </a:xfrm>
+          <a:prstGeom prst="ellipse">
+            <a:avLst/>
+          </a:prstGeom>
+        </p:spPr>
+        <p:style>
+          <a:lnRef idx="2">
+            <a:schemeClr val="accent1">
+              <a:shade val="50000"/>
+            </a:schemeClr>
+          </a:lnRef>
+          <a:fillRef idx="1">
+            <a:schemeClr val="accent1"/>
+          </a:fillRef>
+          <a:effectRef idx="0">
+            <a:schemeClr val="accent1"/>
+          </a:effectRef>
+          <a:fontRef idx="minor">
+            <a:schemeClr val="lt1"/>
+          </a:fontRef>
+        </p:style>
+        <p:txBody>
+          <a:bodyPr rtlCol="0" anchor="ctr"/>
+          <a:lstStyle/>
+          <a:p>
+            <a:pPr algn="ctr"/>
+            <a:r>
+              <a:rPr lang="en-US" dirty="0" smtClean="0"/>
+              <a:t>List</a:t>
+            </a:r>
+            <a:endParaRPr lang="en-US" dirty="0"/>
+          </a:p>
+        </p:txBody>
+      </p:sp>
+      <p:sp>
+        <p:nvSpPr>
+          <p:cNvPr id="7" name="Oval 6"/>
+          <p:cNvSpPr/>
+          <p:nvPr/>
+        </p:nvSpPr>
+        <p:spPr>
+          <a:xfrm>
+            <a:off x="5181600" y="3276600"/>
+            <a:ext cx="1676400" cy="533400"/>
+          </a:xfrm>
+          <a:prstGeom prst="ellipse">
+            <a:avLst/>
+          </a:prstGeom>
+        </p:spPr>
+        <p:style>
+          <a:lnRef idx="2">
+            <a:schemeClr val="accent1">
+              <a:shade val="50000"/>
+            </a:schemeClr>
+          </a:lnRef>
+          <a:fillRef idx="1">
+            <a:schemeClr val="accent1"/>
+          </a:fillRef>
+          <a:effectRef idx="0">
+            <a:schemeClr val="accent1"/>
+          </a:effectRef>
+          <a:fontRef idx="minor">
+            <a:schemeClr val="lt1"/>
+          </a:fontRef>
+        </p:style>
+        <p:txBody>
+          <a:bodyPr rtlCol="0" anchor="ctr"/>
+          <a:lstStyle/>
+          <a:p>
+            <a:pPr algn="ctr"/>
+            <a:r>
+              <a:rPr lang="en-US" dirty="0" smtClean="0"/>
+              <a:t>Task</a:t>
+            </a:r>
+            <a:endParaRPr lang="en-US" dirty="0"/>
+          </a:p>
+        </p:txBody>
+      </p:sp>
+      <p:sp>
+        <p:nvSpPr>
+          <p:cNvPr id="8" name="Oval 7"/>
+          <p:cNvSpPr/>
+          <p:nvPr/>
+        </p:nvSpPr>
+        <p:spPr>
+          <a:xfrm>
+            <a:off x="4055503" y="4457700"/>
+            <a:ext cx="1676400" cy="533400"/>
+          </a:xfrm>
+          <a:prstGeom prst="ellipse">
+            <a:avLst/>
+          </a:prstGeom>
+        </p:spPr>
+        <p:style>
+          <a:lnRef idx="2">
+            <a:schemeClr val="accent1">
+              <a:shade val="50000"/>
+            </a:schemeClr>
+          </a:lnRef>
+          <a:fillRef idx="1">
+            <a:schemeClr val="accent1"/>
+          </a:fillRef>
+          <a:effectRef idx="0">
+            <a:schemeClr val="accent1"/>
+          </a:effectRef>
+          <a:fontRef idx="minor">
+            <a:schemeClr val="lt1"/>
+          </a:fontRef>
+        </p:style>
+        <p:txBody>
+          <a:bodyPr rtlCol="0" anchor="ctr"/>
+          <a:lstStyle/>
+          <a:p>
+            <a:pPr algn="ctr"/>
+            <a:r>
+              <a:rPr lang="en-US" dirty="0" smtClean="0"/>
+              <a:t>Task Text</a:t>
+            </a:r>
+            <a:endParaRPr lang="en-US" dirty="0"/>
+          </a:p>
+        </p:txBody>
+      </p:sp>
+      <p:sp>
+        <p:nvSpPr>
+          <p:cNvPr id="9" name="Oval 8"/>
+          <p:cNvSpPr/>
+          <p:nvPr/>
+        </p:nvSpPr>
+        <p:spPr>
+          <a:xfrm>
+            <a:off x="6477000" y="4381500"/>
+            <a:ext cx="1752600" cy="685800"/>
+          </a:xfrm>
+          <a:prstGeom prst="ellipse">
+            <a:avLst/>
+          </a:prstGeom>
+        </p:spPr>
+        <p:style>
+          <a:lnRef idx="2">
+            <a:schemeClr val="accent1">
+              <a:shade val="50000"/>
+            </a:schemeClr>
+          </a:lnRef>
+          <a:fillRef idx="1">
+            <a:schemeClr val="accent1"/>
+          </a:fillRef>
+          <a:effectRef idx="0">
+            <a:schemeClr val="accent1"/>
+          </a:effectRef>
+          <a:fontRef idx="minor">
+            <a:schemeClr val="lt1"/>
+          </a:fontRef>
+        </p:style>
+        <p:txBody>
+          <a:bodyPr rtlCol="0" anchor="ctr"/>
+          <a:lstStyle/>
+          <a:p>
+            <a:pPr algn="ctr"/>
+            <a:r>
+              <a:rPr lang="en-US" dirty="0" smtClean="0"/>
+              <a:t>Task Complete</a:t>
+            </a:r>
+            <a:endParaRPr lang="en-US" dirty="0"/>
+          </a:p>
+        </p:txBody>
+      </p:sp>
+      <p:cxnSp>
+        <p:nvCxnSpPr>
+          <p:cNvPr id="11" name="Straight Arrow Connector 10"/>
+          <p:cNvCxnSpPr>
+            <a:stCxn id="5" idx="1"/>
+            <a:endCxn id="4" idx="4"/>
+          </p:cNvCxnSpPr>
+          <p:nvPr/>
+        </p:nvCxnSpPr>
+        <p:spPr>
+          <a:xfrm flipH="1" flipV="1">
+            <a:off x="1905000" y="2590800"/>
+            <a:ext cx="335023" cy="740229"/>
+          </a:xfrm>
+          <a:prstGeom prst="straightConnector1">
+            <a:avLst/>
+          </a:prstGeom>
+          <a:ln w="28575">
+            <a:tailEnd type="arrow"/>
+          </a:ln>
+        </p:spPr>
+        <p:style>
+          <a:lnRef idx="1">
+            <a:schemeClr val="accent1"/>
+          </a:lnRef>
+          <a:fillRef idx="0">
+            <a:schemeClr val="accent1"/>
+          </a:fillRef>
+          <a:effectRef idx="0">
+            <a:schemeClr val="accent1"/>
+          </a:effectRef>
+          <a:fontRef idx="minor">
+            <a:schemeClr val="tx1"/>
+          </a:fontRef>
+        </p:style>
+      </p:cxnSp>
+      <p:cxnSp>
+        <p:nvCxnSpPr>
+          <p:cNvPr id="15" name="Straight Arrow Connector 14"/>
+          <p:cNvCxnSpPr>
+            <a:stCxn id="5" idx="7"/>
+            <a:endCxn id="6" idx="3"/>
+          </p:cNvCxnSpPr>
+          <p:nvPr/>
+        </p:nvCxnSpPr>
+        <p:spPr>
+          <a:xfrm flipV="1">
+            <a:off x="3425417" y="2512685"/>
+            <a:ext cx="351926" cy="818344"/>
+          </a:xfrm>
+          <a:prstGeom prst="straightConnector1">
+            <a:avLst/>
+          </a:prstGeom>
+          <a:ln w="28575">
+            <a:tailEnd type="arrow"/>
+          </a:ln>
+        </p:spPr>
+        <p:style>
+          <a:lnRef idx="1">
+            <a:schemeClr val="accent1"/>
+          </a:lnRef>
+          <a:fillRef idx="0">
+            <a:schemeClr val="accent1"/>
+          </a:fillRef>
+          <a:effectRef idx="0">
+            <a:schemeClr val="accent1"/>
+          </a:effectRef>
+          <a:fontRef idx="minor">
+            <a:schemeClr val="tx1"/>
+          </a:fontRef>
+        </p:style>
+      </p:cxnSp>
+      <p:cxnSp>
+        <p:nvCxnSpPr>
+          <p:cNvPr id="18" name="Straight Arrow Connector 17"/>
+          <p:cNvCxnSpPr>
+            <a:stCxn id="7" idx="1"/>
+            <a:endCxn id="6" idx="5"/>
+          </p:cNvCxnSpPr>
+          <p:nvPr/>
+        </p:nvCxnSpPr>
+        <p:spPr>
+          <a:xfrm flipH="1" flipV="1">
+            <a:off x="4962737" y="2512685"/>
+            <a:ext cx="464366" cy="842030"/>
+          </a:xfrm>
+          <a:prstGeom prst="straightConnector1">
+            <a:avLst/>
+          </a:prstGeom>
+          <a:ln w="28575">
+            <a:tailEnd type="arrow"/>
+          </a:ln>
+        </p:spPr>
+        <p:style>
+          <a:lnRef idx="1">
+            <a:schemeClr val="accent1"/>
+          </a:lnRef>
+          <a:fillRef idx="0">
+            <a:schemeClr val="accent1"/>
+          </a:fillRef>
+          <a:effectRef idx="0">
+            <a:schemeClr val="accent1"/>
+          </a:effectRef>
+          <a:fontRef idx="minor">
+            <a:schemeClr val="tx1"/>
+          </a:fontRef>
+        </p:style>
+      </p:cxnSp>
+      <p:cxnSp>
+        <p:nvCxnSpPr>
+          <p:cNvPr id="20" name="Straight Arrow Connector 19"/>
+          <p:cNvCxnSpPr>
+            <a:stCxn id="8" idx="0"/>
+            <a:endCxn id="7" idx="3"/>
+          </p:cNvCxnSpPr>
+          <p:nvPr/>
+        </p:nvCxnSpPr>
+        <p:spPr>
+          <a:xfrm flipV="1">
+            <a:off x="4893703" y="3731885"/>
+            <a:ext cx="533400" cy="725815"/>
+          </a:xfrm>
+          <a:prstGeom prst="straightConnector1">
+            <a:avLst/>
+          </a:prstGeom>
+          <a:ln w="28575">
+            <a:tailEnd type="arrow"/>
+          </a:ln>
+        </p:spPr>
+        <p:style>
+          <a:lnRef idx="1">
+            <a:schemeClr val="accent1"/>
+          </a:lnRef>
+          <a:fillRef idx="0">
+            <a:schemeClr val="accent1"/>
+          </a:fillRef>
+          <a:effectRef idx="0">
+            <a:schemeClr val="accent1"/>
+          </a:effectRef>
+          <a:fontRef idx="minor">
+            <a:schemeClr val="tx1"/>
+          </a:fontRef>
+        </p:style>
+      </p:cxnSp>
+      <p:cxnSp>
+        <p:nvCxnSpPr>
+          <p:cNvPr id="22" name="Straight Arrow Connector 21"/>
+          <p:cNvCxnSpPr>
+            <a:stCxn id="9" idx="0"/>
+            <a:endCxn id="7" idx="5"/>
+          </p:cNvCxnSpPr>
+          <p:nvPr/>
+        </p:nvCxnSpPr>
+        <p:spPr>
+          <a:xfrm flipH="1" flipV="1">
+            <a:off x="6612497" y="3731885"/>
+            <a:ext cx="740803" cy="649615"/>
+          </a:xfrm>
+          <a:prstGeom prst="straightConnector1">
+            <a:avLst/>
+          </a:prstGeom>
+          <a:ln w="28575">
+            <a:tailEnd type="arrow"/>
+          </a:ln>
+        </p:spPr>
+        <p:style>
+          <a:lnRef idx="1">
+            <a:schemeClr val="accent1"/>
+          </a:lnRef>
+          <a:fillRef idx="0">
+            <a:schemeClr val="accent1"/>
+          </a:fillRef>
+          <a:effectRef idx="0">
+            <a:schemeClr val="accent1"/>
+          </a:effectRef>
+          <a:fontRef idx="minor">
+            <a:schemeClr val="tx1"/>
+          </a:fontRef>
+        </p:style>
+      </p:cxnSp>
+      <p:sp>
+        <p:nvSpPr>
+          <p:cNvPr id="33" name="Oval 32"/>
+          <p:cNvSpPr/>
+          <p:nvPr/>
+        </p:nvSpPr>
+        <p:spPr>
+          <a:xfrm>
+            <a:off x="6477000" y="5410200"/>
+            <a:ext cx="1752600" cy="914400"/>
+          </a:xfrm>
+          <a:prstGeom prst="ellipse">
+            <a:avLst/>
+          </a:prstGeom>
+        </p:spPr>
+        <p:style>
+          <a:lnRef idx="2">
+            <a:schemeClr val="accent1">
+              <a:shade val="50000"/>
+            </a:schemeClr>
+          </a:lnRef>
+          <a:fillRef idx="1">
+            <a:schemeClr val="accent1"/>
+          </a:fillRef>
+          <a:effectRef idx="0">
+            <a:schemeClr val="accent1"/>
+          </a:effectRef>
+          <a:fontRef idx="minor">
+            <a:schemeClr val="lt1"/>
+          </a:fontRef>
+        </p:style>
+        <p:txBody>
+          <a:bodyPr rtlCol="0" anchor="ctr"/>
+          <a:lstStyle/>
+          <a:p>
+            <a:pPr algn="ctr"/>
+            <a:r>
+              <a:rPr lang="en-US" dirty="0" smtClean="0"/>
+              <a:t>Task Complete Undo</a:t>
+            </a:r>
+            <a:endParaRPr lang="en-US" dirty="0"/>
+          </a:p>
+        </p:txBody>
+      </p:sp>
+      <p:cxnSp>
+        <p:nvCxnSpPr>
+          <p:cNvPr id="34" name="Straight Arrow Connector 33"/>
+          <p:cNvCxnSpPr>
+            <a:stCxn id="33" idx="0"/>
+            <a:endCxn id="9" idx="4"/>
+          </p:cNvCxnSpPr>
+          <p:nvPr/>
+        </p:nvCxnSpPr>
+        <p:spPr>
+          <a:xfrm flipV="1">
+            <a:off x="7353300" y="5067300"/>
+            <a:ext cx="0" cy="342900"/>
+          </a:xfrm>
+          <a:prstGeom prst="straightConnector1">
+            <a:avLst/>
+          </a:prstGeom>
+          <a:ln w="28575">
+            <a:tailEnd type="arrow"/>
+          </a:ln>
+        </p:spPr>
+        <p:style>
+          <a:lnRef idx="1">
+            <a:schemeClr val="accent1"/>
+          </a:lnRef>
+          <a:fillRef idx="0">
+            <a:schemeClr val="accent1"/>
+          </a:fillRef>
+          <a:effectRef idx="0">
+            <a:schemeClr val="accent1"/>
+          </a:effectRef>
+          <a:fontRef idx="minor">
+            <a:schemeClr val="tx1"/>
+          </a:fontRef>
+        </p:style>
+      </p:cxnSp>
     </p:spTree>
     <p:extLst>
       <p:ext uri="{BB962C8B-B14F-4D97-AF65-F5344CB8AC3E}">
-        <p14:creationId xmlns:p14="http://schemas.microsoft.com/office/powerpoint/2010/main" val="1993470407"/>
+        <p14:creationId xmlns:p14="http://schemas.microsoft.com/office/powerpoint/2010/main" val="82813759"/>
       </p:ext>
     </p:extLst>
   </p:cSld>
   <p:clrMapOvr>
     <a:masterClrMapping/>
   </p:clrMapOvr>
-  <mc:AlternateContent xmlns:mc="http://schemas.openxmlformats.org/markup-compatibility/2006" xmlns:p14="http://schemas.microsoft.com/office/powerpoint/2010/main">
-    <mc:Choice Requires="p14">
-      <p:transition spd="slow" p14:dur="2000"/>
-    </mc:Choice>
-    <mc:Fallback xmlns="">
-      <p:transition spd="slow"/>
-    </mc:Fallback>
-  </mc:AlternateContent>
   <p:timing>
     <p:tnLst>
       <p:par>
@@ -9219,7 +10397,7 @@
           <a:p>
             <a:r>
               <a:rPr lang="en-US" dirty="0" smtClean="0"/>
-              <a:t>Historical Facts</a:t>
+              <a:t>Distributed</a:t>
             </a:r>
             <a:endParaRPr lang="en-US" dirty="0"/>
           </a:p>
@@ -9233,12 +10411,13 @@
         </p:nvSpPr>
         <p:spPr>
           <a:xfrm>
-            <a:off x="1066800" y="2057400"/>
-            <a:ext cx="1676400" cy="533400"/>
+            <a:off x="1509377" y="2086127"/>
+            <a:ext cx="389164" cy="123825"/>
           </a:xfrm>
           <a:prstGeom prst="ellipse">
             <a:avLst/>
           </a:prstGeom>
+          <a:ln w="12700"/>
         </p:spPr>
         <p:style>
           <a:lnRef idx="2">
@@ -9261,10 +10440,6 @@
           <a:lstStyle/>
           <a:p>
             <a:pPr algn="ctr"/>
-            <a:r>
-              <a:rPr lang="en-US" dirty="0" smtClean="0"/>
-              <a:t>Individual</a:t>
-            </a:r>
             <a:endParaRPr lang="en-US" dirty="0"/>
           </a:p>
         </p:txBody>
@@ -9277,12 +10452,13 @@
         </p:nvSpPr>
         <p:spPr>
           <a:xfrm>
-            <a:off x="1994520" y="3252914"/>
-            <a:ext cx="1676400" cy="533400"/>
+            <a:off x="1738161" y="2603435"/>
+            <a:ext cx="389164" cy="123825"/>
           </a:xfrm>
           <a:prstGeom prst="ellipse">
             <a:avLst/>
           </a:prstGeom>
+          <a:ln w="12700"/>
         </p:spPr>
         <p:style>
           <a:lnRef idx="2">
@@ -9305,10 +10481,6 @@
           <a:lstStyle/>
           <a:p>
             <a:pPr algn="ctr"/>
-            <a:r>
-              <a:rPr lang="en-US" dirty="0" smtClean="0"/>
-              <a:t>Share</a:t>
-            </a:r>
             <a:endParaRPr lang="en-US" dirty="0"/>
           </a:p>
         </p:txBody>
@@ -9321,12 +10493,20 @@
         </p:nvSpPr>
         <p:spPr>
           <a:xfrm>
-            <a:off x="3531840" y="2057400"/>
-            <a:ext cx="1676400" cy="533400"/>
+            <a:off x="2095038" y="2325905"/>
+            <a:ext cx="389164" cy="123825"/>
           </a:xfrm>
           <a:prstGeom prst="ellipse">
             <a:avLst/>
           </a:prstGeom>
+          <a:solidFill>
+            <a:srgbClr val="DA3A27"/>
+          </a:solidFill>
+          <a:ln w="12700">
+            <a:solidFill>
+              <a:srgbClr val="96261A"/>
+            </a:solidFill>
+          </a:ln>
         </p:spPr>
         <p:style>
           <a:lnRef idx="2">
@@ -9349,10 +10529,6 @@
           <a:lstStyle/>
           <a:p>
             <a:pPr algn="ctr"/>
-            <a:r>
-              <a:rPr lang="en-US" dirty="0" smtClean="0"/>
-              <a:t>List</a:t>
-            </a:r>
             <a:endParaRPr lang="en-US" dirty="0"/>
           </a:p>
         </p:txBody>
@@ -9365,12 +10541,13 @@
         </p:nvSpPr>
         <p:spPr>
           <a:xfrm>
-            <a:off x="5181600" y="3276600"/>
-            <a:ext cx="1676400" cy="533400"/>
+            <a:off x="2478019" y="2608934"/>
+            <a:ext cx="389164" cy="123825"/>
           </a:xfrm>
           <a:prstGeom prst="ellipse">
             <a:avLst/>
           </a:prstGeom>
+          <a:ln w="12700"/>
         </p:spPr>
         <p:style>
           <a:lnRef idx="2">
@@ -9393,10 +10570,6 @@
           <a:lstStyle/>
           <a:p>
             <a:pPr algn="ctr"/>
-            <a:r>
-              <a:rPr lang="en-US" dirty="0" smtClean="0"/>
-              <a:t>Task</a:t>
-            </a:r>
             <a:endParaRPr lang="en-US" dirty="0"/>
           </a:p>
         </p:txBody>
@@ -9409,12 +10582,13 @@
         </p:nvSpPr>
         <p:spPr>
           <a:xfrm>
-            <a:off x="4055503" y="4457700"/>
-            <a:ext cx="1676400" cy="533400"/>
+            <a:off x="2216603" y="2883118"/>
+            <a:ext cx="389164" cy="123825"/>
           </a:xfrm>
           <a:prstGeom prst="ellipse">
             <a:avLst/>
           </a:prstGeom>
+          <a:ln w="12700"/>
         </p:spPr>
         <p:style>
           <a:lnRef idx="2">
@@ -9437,10 +10611,6 @@
           <a:lstStyle/>
           <a:p>
             <a:pPr algn="ctr"/>
-            <a:r>
-              <a:rPr lang="en-US" dirty="0" smtClean="0"/>
-              <a:t>Task Text</a:t>
-            </a:r>
             <a:endParaRPr lang="en-US" dirty="0"/>
           </a:p>
         </p:txBody>
@@ -9453,12 +10623,13 @@
         </p:nvSpPr>
         <p:spPr>
           <a:xfrm>
-            <a:off x="6477000" y="4381500"/>
-            <a:ext cx="1752600" cy="685800"/>
+            <a:off x="2778736" y="2865428"/>
+            <a:ext cx="406854" cy="159204"/>
           </a:xfrm>
           <a:prstGeom prst="ellipse">
             <a:avLst/>
           </a:prstGeom>
+          <a:ln w="12700"/>
         </p:spPr>
         <p:style>
           <a:lnRef idx="2">
@@ -9481,17 +10652,13 @@
           <a:lstStyle/>
           <a:p>
             <a:pPr algn="ctr"/>
-            <a:r>
-              <a:rPr lang="en-US" dirty="0" smtClean="0"/>
-              <a:t>Task Complete</a:t>
-            </a:r>
             <a:endParaRPr lang="en-US" dirty="0"/>
           </a:p>
         </p:txBody>
       </p:sp>
       <p:cxnSp>
         <p:nvCxnSpPr>
-          <p:cNvPr id="11" name="Straight Arrow Connector 10"/>
+          <p:cNvPr id="10" name="Straight Arrow Connector 9"/>
           <p:cNvCxnSpPr>
             <a:stCxn id="5" idx="1"/>
             <a:endCxn id="4" idx="4"/>
@@ -9500,13 +10667,13 @@
         </p:nvCxnSpPr>
         <p:spPr>
           <a:xfrm flipH="1" flipV="1">
-            <a:off x="1905000" y="2590800"/>
-            <a:ext cx="335023" cy="740229"/>
+            <a:off x="1703959" y="2209952"/>
+            <a:ext cx="91194" cy="411617"/>
           </a:xfrm>
           <a:prstGeom prst="straightConnector1">
             <a:avLst/>
           </a:prstGeom>
-          <a:ln w="28575">
+          <a:ln w="12700">
             <a:tailEnd type="arrow"/>
           </a:ln>
         </p:spPr>
@@ -9527,7 +10694,7 @@
       </p:cxnSp>
       <p:cxnSp>
         <p:nvCxnSpPr>
-          <p:cNvPr id="15" name="Straight Arrow Connector 14"/>
+          <p:cNvPr id="11" name="Straight Arrow Connector 10"/>
           <p:cNvCxnSpPr>
             <a:stCxn id="5" idx="7"/>
             <a:endCxn id="6" idx="3"/>
@@ -9536,13 +10703,13 @@
         </p:nvCxnSpPr>
         <p:spPr>
           <a:xfrm flipV="1">
-            <a:off x="3425417" y="2512685"/>
-            <a:ext cx="351926" cy="818344"/>
+            <a:off x="2070333" y="2431596"/>
+            <a:ext cx="81697" cy="189973"/>
           </a:xfrm>
           <a:prstGeom prst="straightConnector1">
             <a:avLst/>
           </a:prstGeom>
-          <a:ln w="28575">
+          <a:ln w="12700">
             <a:tailEnd type="arrow"/>
           </a:ln>
         </p:spPr>
@@ -9563,7 +10730,7 @@
       </p:cxnSp>
       <p:cxnSp>
         <p:nvCxnSpPr>
-          <p:cNvPr id="18" name="Straight Arrow Connector 17"/>
+          <p:cNvPr id="12" name="Straight Arrow Connector 11"/>
           <p:cNvCxnSpPr>
             <a:stCxn id="7" idx="1"/>
             <a:endCxn id="6" idx="5"/>
@@ -9572,13 +10739,13 @@
         </p:nvCxnSpPr>
         <p:spPr>
           <a:xfrm flipH="1" flipV="1">
-            <a:off x="4962737" y="2512685"/>
-            <a:ext cx="464366" cy="842030"/>
+            <a:off x="2427211" y="2431596"/>
+            <a:ext cx="107799" cy="195471"/>
           </a:xfrm>
           <a:prstGeom prst="straightConnector1">
             <a:avLst/>
           </a:prstGeom>
-          <a:ln w="28575">
+          <a:ln w="12700">
             <a:tailEnd type="arrow"/>
           </a:ln>
         </p:spPr>
@@ -9599,7 +10766,7 @@
       </p:cxnSp>
       <p:cxnSp>
         <p:nvCxnSpPr>
-          <p:cNvPr id="20" name="Straight Arrow Connector 19"/>
+          <p:cNvPr id="13" name="Straight Arrow Connector 12"/>
           <p:cNvCxnSpPr>
             <a:stCxn id="8" idx="0"/>
             <a:endCxn id="7" idx="3"/>
@@ -9608,13 +10775,13 @@
         </p:nvCxnSpPr>
         <p:spPr>
           <a:xfrm flipV="1">
-            <a:off x="4893703" y="3731885"/>
-            <a:ext cx="533400" cy="725815"/>
+            <a:off x="2411185" y="2714625"/>
+            <a:ext cx="123825" cy="168493"/>
           </a:xfrm>
           <a:prstGeom prst="straightConnector1">
             <a:avLst/>
           </a:prstGeom>
-          <a:ln w="28575">
+          <a:ln w="12700">
             <a:tailEnd type="arrow"/>
           </a:ln>
         </p:spPr>
@@ -9635,7 +10802,7 @@
       </p:cxnSp>
       <p:cxnSp>
         <p:nvCxnSpPr>
-          <p:cNvPr id="22" name="Straight Arrow Connector 21"/>
+          <p:cNvPr id="14" name="Straight Arrow Connector 13"/>
           <p:cNvCxnSpPr>
             <a:stCxn id="9" idx="0"/>
             <a:endCxn id="7" idx="5"/>
@@ -9644,13 +10811,13 @@
         </p:nvCxnSpPr>
         <p:spPr>
           <a:xfrm flipH="1" flipV="1">
-            <a:off x="6612497" y="3731885"/>
-            <a:ext cx="740803" cy="649615"/>
+            <a:off x="2810191" y="2714625"/>
+            <a:ext cx="171972" cy="150804"/>
           </a:xfrm>
           <a:prstGeom prst="straightConnector1">
             <a:avLst/>
           </a:prstGeom>
-          <a:ln w="28575">
+          <a:ln w="12700">
             <a:tailEnd type="arrow"/>
           </a:ln>
         </p:spPr>
@@ -9669,20 +10836,103 @@
           </a:fontRef>
         </p:style>
       </p:cxnSp>
-      <p:sp>
-        <p:nvSpPr>
-          <p:cNvPr id="33" name="Oval 32"/>
+      <p:pic>
+        <p:nvPicPr>
+          <p:cNvPr id="1026" name="Picture 2" descr="http://www.xamalot.com/preview/png3/1709e6f7-63db-43be-b83f-ba0d69c9aa11"/>
+          <p:cNvPicPr>
+            <a:picLocks noChangeAspect="1" noChangeArrowheads="1"/>
+          </p:cNvPicPr>
+          <p:nvPr/>
+        </p:nvPicPr>
+        <p:blipFill>
+          <a:blip r:embed="rId2" cstate="print">
+            <a:extLst>
+              <a:ext uri="{28A0092B-C50C-407E-A947-70E740481C1C}">
+                <a14:useLocalDpi xmlns:a14="http://schemas.microsoft.com/office/drawing/2010/main" val="0"/>
+              </a:ext>
+            </a:extLst>
+          </a:blip>
+          <a:srcRect/>
+          <a:stretch>
+            <a:fillRect/>
+          </a:stretch>
+        </p:blipFill>
+        <p:spPr bwMode="auto">
+          <a:xfrm>
+            <a:off x="583462" y="2104053"/>
+            <a:ext cx="852279" cy="998764"/>
+          </a:xfrm>
+          <a:prstGeom prst="rect">
+            <a:avLst/>
+          </a:prstGeom>
+          <a:noFill/>
+          <a:extLst>
+            <a:ext uri="{909E8E84-426E-40DD-AFC4-6F175D3DCCD1}">
+              <a14:hiddenFill xmlns:a14="http://schemas.microsoft.com/office/drawing/2010/main">
+                <a:solidFill>
+                  <a:srgbClr val="FFFFFF"/>
+                </a:solidFill>
+              </a14:hiddenFill>
+            </a:ext>
+          </a:extLst>
+        </p:spPr>
+      </p:pic>
+      <p:pic>
+        <p:nvPicPr>
+          <p:cNvPr id="1028" name="Picture 4" descr="http://www.xamalot.com/preview/png3/9e99cf21-fa4c-4288-b24c-b5cef9ca8d21"/>
+          <p:cNvPicPr>
+            <a:picLocks noChangeAspect="1" noChangeArrowheads="1"/>
+          </p:cNvPicPr>
+          <p:nvPr/>
+        </p:nvPicPr>
+        <p:blipFill>
+          <a:blip r:embed="rId3">
+            <a:extLst>
+              <a:ext uri="{28A0092B-C50C-407E-A947-70E740481C1C}">
+                <a14:useLocalDpi xmlns:a14="http://schemas.microsoft.com/office/drawing/2010/main" val="0"/>
+              </a:ext>
+            </a:extLst>
+          </a:blip>
+          <a:srcRect/>
+          <a:stretch>
+            <a:fillRect/>
+          </a:stretch>
+        </p:blipFill>
+        <p:spPr bwMode="auto">
+          <a:xfrm>
+            <a:off x="7285944" y="2018384"/>
+            <a:ext cx="1385888" cy="1428750"/>
+          </a:xfrm>
+          <a:prstGeom prst="rect">
+            <a:avLst/>
+          </a:prstGeom>
+          <a:noFill/>
+          <a:extLst>
+            <a:ext uri="{909E8E84-426E-40DD-AFC4-6F175D3DCCD1}">
+              <a14:hiddenFill xmlns:a14="http://schemas.microsoft.com/office/drawing/2010/main">
+                <a:solidFill>
+                  <a:srgbClr val="FFFFFF"/>
+                </a:solidFill>
+              </a14:hiddenFill>
+            </a:ext>
+          </a:extLst>
+        </p:spPr>
+      </p:pic>
+      <p:sp>
+        <p:nvSpPr>
+          <p:cNvPr id="23" name="Oval 22"/>
           <p:cNvSpPr/>
           <p:nvPr/>
         </p:nvSpPr>
         <p:spPr>
           <a:xfrm>
-            <a:off x="6477000" y="5410200"/>
-            <a:ext cx="1752600" cy="914400"/>
+            <a:off x="5242103" y="2141235"/>
+            <a:ext cx="389164" cy="123825"/>
           </a:xfrm>
           <a:prstGeom prst="ellipse">
             <a:avLst/>
           </a:prstGeom>
+          <a:ln w="12700"/>
         </p:spPr>
         <p:style>
           <a:lnRef idx="2">
@@ -9705,32 +10955,1273 @@
           <a:lstStyle/>
           <a:p>
             <a:pPr algn="ctr"/>
-            <a:r>
-              <a:rPr lang="en-US" dirty="0" smtClean="0"/>
-              <a:t>Task Complete Undo</a:t>
-            </a:r>
+            <a:endParaRPr lang="en-US" dirty="0"/>
+          </a:p>
+        </p:txBody>
+      </p:sp>
+      <p:sp>
+        <p:nvSpPr>
+          <p:cNvPr id="24" name="Oval 23"/>
+          <p:cNvSpPr/>
+          <p:nvPr/>
+        </p:nvSpPr>
+        <p:spPr>
+          <a:xfrm>
+            <a:off x="5473164" y="2642791"/>
+            <a:ext cx="389164" cy="123825"/>
+          </a:xfrm>
+          <a:prstGeom prst="ellipse">
+            <a:avLst/>
+          </a:prstGeom>
+          <a:ln w="12700"/>
+        </p:spPr>
+        <p:style>
+          <a:lnRef idx="2">
+            <a:schemeClr val="accent1">
+              <a:shade val="50000"/>
+            </a:schemeClr>
+          </a:lnRef>
+          <a:fillRef idx="1">
+            <a:schemeClr val="accent1"/>
+          </a:fillRef>
+          <a:effectRef idx="0">
+            <a:schemeClr val="accent1"/>
+          </a:effectRef>
+          <a:fontRef idx="minor">
+            <a:schemeClr val="lt1"/>
+          </a:fontRef>
+        </p:style>
+        <p:txBody>
+          <a:bodyPr rtlCol="0" anchor="ctr"/>
+          <a:lstStyle/>
+          <a:p>
+            <a:pPr algn="ctr"/>
+            <a:endParaRPr lang="en-US" dirty="0"/>
+          </a:p>
+        </p:txBody>
+      </p:sp>
+      <p:sp>
+        <p:nvSpPr>
+          <p:cNvPr id="25" name="Oval 24"/>
+          <p:cNvSpPr/>
+          <p:nvPr/>
+        </p:nvSpPr>
+        <p:spPr>
+          <a:xfrm>
+            <a:off x="5830041" y="2365261"/>
+            <a:ext cx="389164" cy="123825"/>
+          </a:xfrm>
+          <a:prstGeom prst="ellipse">
+            <a:avLst/>
+          </a:prstGeom>
+          <a:solidFill>
+            <a:srgbClr val="DA3A27"/>
+          </a:solidFill>
+          <a:ln w="12700">
+            <a:solidFill>
+              <a:srgbClr val="96261A"/>
+            </a:solidFill>
+          </a:ln>
+        </p:spPr>
+        <p:style>
+          <a:lnRef idx="2">
+            <a:schemeClr val="accent1">
+              <a:shade val="50000"/>
+            </a:schemeClr>
+          </a:lnRef>
+          <a:fillRef idx="1">
+            <a:schemeClr val="accent1"/>
+          </a:fillRef>
+          <a:effectRef idx="0">
+            <a:schemeClr val="accent1"/>
+          </a:effectRef>
+          <a:fontRef idx="minor">
+            <a:schemeClr val="lt1"/>
+          </a:fontRef>
+        </p:style>
+        <p:txBody>
+          <a:bodyPr rtlCol="0" anchor="ctr"/>
+          <a:lstStyle/>
+          <a:p>
+            <a:pPr algn="ctr"/>
+            <a:endParaRPr lang="en-US" dirty="0"/>
+          </a:p>
+        </p:txBody>
+      </p:sp>
+      <p:sp>
+        <p:nvSpPr>
+          <p:cNvPr id="26" name="Oval 25"/>
+          <p:cNvSpPr/>
+          <p:nvPr/>
+        </p:nvSpPr>
+        <p:spPr>
+          <a:xfrm>
+            <a:off x="6213022" y="2648290"/>
+            <a:ext cx="389164" cy="123825"/>
+          </a:xfrm>
+          <a:prstGeom prst="ellipse">
+            <a:avLst/>
+          </a:prstGeom>
+          <a:ln w="12700"/>
+        </p:spPr>
+        <p:style>
+          <a:lnRef idx="2">
+            <a:schemeClr val="accent1">
+              <a:shade val="50000"/>
+            </a:schemeClr>
+          </a:lnRef>
+          <a:fillRef idx="1">
+            <a:schemeClr val="accent1"/>
+          </a:fillRef>
+          <a:effectRef idx="0">
+            <a:schemeClr val="accent1"/>
+          </a:effectRef>
+          <a:fontRef idx="minor">
+            <a:schemeClr val="lt1"/>
+          </a:fontRef>
+        </p:style>
+        <p:txBody>
+          <a:bodyPr rtlCol="0" anchor="ctr"/>
+          <a:lstStyle/>
+          <a:p>
+            <a:pPr algn="ctr"/>
+            <a:endParaRPr lang="en-US" dirty="0"/>
+          </a:p>
+        </p:txBody>
+      </p:sp>
+      <p:sp>
+        <p:nvSpPr>
+          <p:cNvPr id="27" name="Oval 26"/>
+          <p:cNvSpPr/>
+          <p:nvPr/>
+        </p:nvSpPr>
+        <p:spPr>
+          <a:xfrm>
+            <a:off x="5951606" y="2922474"/>
+            <a:ext cx="389164" cy="123825"/>
+          </a:xfrm>
+          <a:prstGeom prst="ellipse">
+            <a:avLst/>
+          </a:prstGeom>
+          <a:ln w="12700"/>
+        </p:spPr>
+        <p:style>
+          <a:lnRef idx="2">
+            <a:schemeClr val="accent1">
+              <a:shade val="50000"/>
+            </a:schemeClr>
+          </a:lnRef>
+          <a:fillRef idx="1">
+            <a:schemeClr val="accent1"/>
+          </a:fillRef>
+          <a:effectRef idx="0">
+            <a:schemeClr val="accent1"/>
+          </a:effectRef>
+          <a:fontRef idx="minor">
+            <a:schemeClr val="lt1"/>
+          </a:fontRef>
+        </p:style>
+        <p:txBody>
+          <a:bodyPr rtlCol="0" anchor="ctr"/>
+          <a:lstStyle/>
+          <a:p>
+            <a:pPr algn="ctr"/>
+            <a:endParaRPr lang="en-US" dirty="0"/>
+          </a:p>
+        </p:txBody>
+      </p:sp>
+      <p:sp>
+        <p:nvSpPr>
+          <p:cNvPr id="28" name="Oval 27"/>
+          <p:cNvSpPr/>
+          <p:nvPr/>
+        </p:nvSpPr>
+        <p:spPr>
+          <a:xfrm>
+            <a:off x="6513739" y="2904784"/>
+            <a:ext cx="406854" cy="159204"/>
+          </a:xfrm>
+          <a:prstGeom prst="ellipse">
+            <a:avLst/>
+          </a:prstGeom>
+          <a:ln w="12700"/>
+        </p:spPr>
+        <p:style>
+          <a:lnRef idx="2">
+            <a:schemeClr val="accent1">
+              <a:shade val="50000"/>
+            </a:schemeClr>
+          </a:lnRef>
+          <a:fillRef idx="1">
+            <a:schemeClr val="accent1"/>
+          </a:fillRef>
+          <a:effectRef idx="0">
+            <a:schemeClr val="accent1"/>
+          </a:effectRef>
+          <a:fontRef idx="minor">
+            <a:schemeClr val="lt1"/>
+          </a:fontRef>
+        </p:style>
+        <p:txBody>
+          <a:bodyPr rtlCol="0" anchor="ctr"/>
+          <a:lstStyle/>
+          <a:p>
+            <a:pPr algn="ctr"/>
             <a:endParaRPr lang="en-US" dirty="0"/>
           </a:p>
         </p:txBody>
       </p:sp>
       <p:cxnSp>
         <p:nvCxnSpPr>
-          <p:cNvPr id="34" name="Straight Arrow Connector 33"/>
+          <p:cNvPr id="29" name="Straight Arrow Connector 28"/>
           <p:cNvCxnSpPr>
-            <a:stCxn id="33" idx="0"/>
-            <a:endCxn id="9" idx="4"/>
+            <a:stCxn id="24" idx="1"/>
+            <a:endCxn id="23" idx="4"/>
+          </p:cNvCxnSpPr>
+          <p:nvPr/>
+        </p:nvCxnSpPr>
+        <p:spPr>
+          <a:xfrm flipH="1" flipV="1">
+            <a:off x="5436685" y="2265060"/>
+            <a:ext cx="93471" cy="395865"/>
+          </a:xfrm>
+          <a:prstGeom prst="straightConnector1">
+            <a:avLst/>
+          </a:prstGeom>
+          <a:ln w="12700">
+            <a:tailEnd type="arrow"/>
+          </a:ln>
+        </p:spPr>
+        <p:style>
+          <a:lnRef idx="1">
+            <a:schemeClr val="accent1"/>
+          </a:lnRef>
+          <a:fillRef idx="0">
+            <a:schemeClr val="accent1"/>
+          </a:fillRef>
+          <a:effectRef idx="0">
+            <a:schemeClr val="accent1"/>
+          </a:effectRef>
+          <a:fontRef idx="minor">
+            <a:schemeClr val="tx1"/>
+          </a:fontRef>
+        </p:style>
+      </p:cxnSp>
+      <p:cxnSp>
+        <p:nvCxnSpPr>
+          <p:cNvPr id="30" name="Straight Arrow Connector 29"/>
+          <p:cNvCxnSpPr>
+            <a:stCxn id="24" idx="7"/>
+            <a:endCxn id="25" idx="3"/>
           </p:cNvCxnSpPr>
           <p:nvPr/>
         </p:nvCxnSpPr>
         <p:spPr>
           <a:xfrm flipV="1">
-            <a:off x="7353300" y="5067300"/>
-            <a:ext cx="0" cy="342900"/>
+            <a:off x="5805336" y="2470952"/>
+            <a:ext cx="81697" cy="189973"/>
           </a:xfrm>
           <a:prstGeom prst="straightConnector1">
             <a:avLst/>
           </a:prstGeom>
-          <a:ln w="28575">
+          <a:ln w="12700">
+            <a:tailEnd type="arrow"/>
+          </a:ln>
+        </p:spPr>
+        <p:style>
+          <a:lnRef idx="1">
+            <a:schemeClr val="accent1"/>
+          </a:lnRef>
+          <a:fillRef idx="0">
+            <a:schemeClr val="accent1"/>
+          </a:fillRef>
+          <a:effectRef idx="0">
+            <a:schemeClr val="accent1"/>
+          </a:effectRef>
+          <a:fontRef idx="minor">
+            <a:schemeClr val="tx1"/>
+          </a:fontRef>
+        </p:style>
+      </p:cxnSp>
+      <p:cxnSp>
+        <p:nvCxnSpPr>
+          <p:cNvPr id="31" name="Straight Arrow Connector 30"/>
+          <p:cNvCxnSpPr>
+            <a:stCxn id="26" idx="1"/>
+            <a:endCxn id="25" idx="5"/>
+          </p:cNvCxnSpPr>
+          <p:nvPr/>
+        </p:nvCxnSpPr>
+        <p:spPr>
+          <a:xfrm flipH="1" flipV="1">
+            <a:off x="6162214" y="2470952"/>
+            <a:ext cx="107799" cy="195471"/>
+          </a:xfrm>
+          <a:prstGeom prst="straightConnector1">
+            <a:avLst/>
+          </a:prstGeom>
+          <a:ln w="12700">
+            <a:tailEnd type="arrow"/>
+          </a:ln>
+        </p:spPr>
+        <p:style>
+          <a:lnRef idx="1">
+            <a:schemeClr val="accent1"/>
+          </a:lnRef>
+          <a:fillRef idx="0">
+            <a:schemeClr val="accent1"/>
+          </a:fillRef>
+          <a:effectRef idx="0">
+            <a:schemeClr val="accent1"/>
+          </a:effectRef>
+          <a:fontRef idx="minor">
+            <a:schemeClr val="tx1"/>
+          </a:fontRef>
+        </p:style>
+      </p:cxnSp>
+      <p:cxnSp>
+        <p:nvCxnSpPr>
+          <p:cNvPr id="32" name="Straight Arrow Connector 31"/>
+          <p:cNvCxnSpPr>
+            <a:stCxn id="27" idx="0"/>
+            <a:endCxn id="26" idx="3"/>
+          </p:cNvCxnSpPr>
+          <p:nvPr/>
+        </p:nvCxnSpPr>
+        <p:spPr>
+          <a:xfrm flipV="1">
+            <a:off x="6146188" y="2753981"/>
+            <a:ext cx="123825" cy="168493"/>
+          </a:xfrm>
+          <a:prstGeom prst="straightConnector1">
+            <a:avLst/>
+          </a:prstGeom>
+          <a:ln w="12700">
+            <a:tailEnd type="arrow"/>
+          </a:ln>
+        </p:spPr>
+        <p:style>
+          <a:lnRef idx="1">
+            <a:schemeClr val="accent1"/>
+          </a:lnRef>
+          <a:fillRef idx="0">
+            <a:schemeClr val="accent1"/>
+          </a:fillRef>
+          <a:effectRef idx="0">
+            <a:schemeClr val="accent1"/>
+          </a:effectRef>
+          <a:fontRef idx="minor">
+            <a:schemeClr val="tx1"/>
+          </a:fontRef>
+        </p:style>
+      </p:cxnSp>
+      <p:cxnSp>
+        <p:nvCxnSpPr>
+          <p:cNvPr id="33" name="Straight Arrow Connector 32"/>
+          <p:cNvCxnSpPr>
+            <a:stCxn id="28" idx="0"/>
+            <a:endCxn id="26" idx="5"/>
+          </p:cNvCxnSpPr>
+          <p:nvPr/>
+        </p:nvCxnSpPr>
+        <p:spPr>
+          <a:xfrm flipH="1" flipV="1">
+            <a:off x="6545194" y="2753981"/>
+            <a:ext cx="171972" cy="150804"/>
+          </a:xfrm>
+          <a:prstGeom prst="straightConnector1">
+            <a:avLst/>
+          </a:prstGeom>
+          <a:ln w="12700">
+            <a:tailEnd type="arrow"/>
+          </a:ln>
+        </p:spPr>
+        <p:style>
+          <a:lnRef idx="1">
+            <a:schemeClr val="accent1"/>
+          </a:lnRef>
+          <a:fillRef idx="0">
+            <a:schemeClr val="accent1"/>
+          </a:fillRef>
+          <a:effectRef idx="0">
+            <a:schemeClr val="accent1"/>
+          </a:effectRef>
+          <a:fontRef idx="minor">
+            <a:schemeClr val="tx1"/>
+          </a:fontRef>
+        </p:style>
+      </p:cxnSp>
+      <p:pic>
+        <p:nvPicPr>
+          <p:cNvPr id="1029" name="Picture 5" descr="C:\Projects\FacetedWorlds.HoneyDo\Marketing\HoneyDo List_1-31-2012_22.1.5.971.png"/>
+          <p:cNvPicPr>
+            <a:picLocks noChangeAspect="1" noChangeArrowheads="1"/>
+          </p:cNvPicPr>
+          <p:nvPr/>
+        </p:nvPicPr>
+        <p:blipFill>
+          <a:blip r:embed="rId4" cstate="print">
+            <a:extLst>
+              <a:ext uri="{28A0092B-C50C-407E-A947-70E740481C1C}">
+                <a14:useLocalDpi xmlns:a14="http://schemas.microsoft.com/office/drawing/2010/main" val="0"/>
+              </a:ext>
+            </a:extLst>
+          </a:blip>
+          <a:srcRect/>
+          <a:stretch>
+            <a:fillRect/>
+          </a:stretch>
+        </p:blipFill>
+        <p:spPr bwMode="auto">
+          <a:xfrm>
+            <a:off x="5849158" y="4876800"/>
+            <a:ext cx="742142" cy="1329185"/>
+          </a:xfrm>
+          <a:prstGeom prst="rect">
+            <a:avLst/>
+          </a:prstGeom>
+          <a:noFill/>
+          <a:extLst>
+            <a:ext uri="{909E8E84-426E-40DD-AFC4-6F175D3DCCD1}">
+              <a14:hiddenFill xmlns:a14="http://schemas.microsoft.com/office/drawing/2010/main">
+                <a:solidFill>
+                  <a:srgbClr val="FFFFFF"/>
+                </a:solidFill>
+              </a14:hiddenFill>
+            </a:ext>
+          </a:extLst>
+        </p:spPr>
+      </p:pic>
+      <p:sp>
+        <p:nvSpPr>
+          <p:cNvPr id="36" name="Oval 35"/>
+          <p:cNvSpPr/>
+          <p:nvPr/>
+        </p:nvSpPr>
+        <p:spPr>
+          <a:xfrm>
+            <a:off x="3988466" y="4876800"/>
+            <a:ext cx="389164" cy="123825"/>
+          </a:xfrm>
+          <a:prstGeom prst="ellipse">
+            <a:avLst/>
+          </a:prstGeom>
+          <a:ln w="12700"/>
+        </p:spPr>
+        <p:style>
+          <a:lnRef idx="2">
+            <a:schemeClr val="accent1">
+              <a:shade val="50000"/>
+            </a:schemeClr>
+          </a:lnRef>
+          <a:fillRef idx="1">
+            <a:schemeClr val="accent1"/>
+          </a:fillRef>
+          <a:effectRef idx="0">
+            <a:schemeClr val="accent1"/>
+          </a:effectRef>
+          <a:fontRef idx="minor">
+            <a:schemeClr val="lt1"/>
+          </a:fontRef>
+        </p:style>
+        <p:txBody>
+          <a:bodyPr rtlCol="0" anchor="ctr"/>
+          <a:lstStyle/>
+          <a:p>
+            <a:pPr algn="ctr"/>
+            <a:endParaRPr lang="en-US" u="sng" dirty="0"/>
+          </a:p>
+        </p:txBody>
+      </p:sp>
+      <p:sp>
+        <p:nvSpPr>
+          <p:cNvPr id="37" name="Oval 36"/>
+          <p:cNvSpPr/>
+          <p:nvPr/>
+        </p:nvSpPr>
+        <p:spPr>
+          <a:xfrm>
+            <a:off x="4183048" y="5469558"/>
+            <a:ext cx="389164" cy="123825"/>
+          </a:xfrm>
+          <a:prstGeom prst="ellipse">
+            <a:avLst/>
+          </a:prstGeom>
+          <a:ln w="12700"/>
+        </p:spPr>
+        <p:style>
+          <a:lnRef idx="2">
+            <a:schemeClr val="accent1">
+              <a:shade val="50000"/>
+            </a:schemeClr>
+          </a:lnRef>
+          <a:fillRef idx="1">
+            <a:schemeClr val="accent1"/>
+          </a:fillRef>
+          <a:effectRef idx="0">
+            <a:schemeClr val="accent1"/>
+          </a:effectRef>
+          <a:fontRef idx="minor">
+            <a:schemeClr val="lt1"/>
+          </a:fontRef>
+        </p:style>
+        <p:txBody>
+          <a:bodyPr rtlCol="0" anchor="ctr"/>
+          <a:lstStyle/>
+          <a:p>
+            <a:pPr algn="ctr"/>
+            <a:endParaRPr lang="en-US" u="sng" dirty="0"/>
+          </a:p>
+        </p:txBody>
+      </p:sp>
+      <p:sp>
+        <p:nvSpPr>
+          <p:cNvPr id="38" name="Oval 37"/>
+          <p:cNvSpPr/>
+          <p:nvPr/>
+        </p:nvSpPr>
+        <p:spPr>
+          <a:xfrm>
+            <a:off x="4539925" y="5192028"/>
+            <a:ext cx="389164" cy="123825"/>
+          </a:xfrm>
+          <a:prstGeom prst="ellipse">
+            <a:avLst/>
+          </a:prstGeom>
+          <a:solidFill>
+            <a:srgbClr val="DA3A27"/>
+          </a:solidFill>
+          <a:ln w="12700">
+            <a:solidFill>
+              <a:srgbClr val="96261A"/>
+            </a:solidFill>
+          </a:ln>
+        </p:spPr>
+        <p:style>
+          <a:lnRef idx="2">
+            <a:schemeClr val="accent1">
+              <a:shade val="50000"/>
+            </a:schemeClr>
+          </a:lnRef>
+          <a:fillRef idx="1">
+            <a:schemeClr val="accent1"/>
+          </a:fillRef>
+          <a:effectRef idx="0">
+            <a:schemeClr val="accent1"/>
+          </a:effectRef>
+          <a:fontRef idx="minor">
+            <a:schemeClr val="lt1"/>
+          </a:fontRef>
+        </p:style>
+        <p:txBody>
+          <a:bodyPr rtlCol="0" anchor="ctr"/>
+          <a:lstStyle/>
+          <a:p>
+            <a:pPr algn="ctr"/>
+            <a:endParaRPr lang="en-US" u="sng" dirty="0"/>
+          </a:p>
+        </p:txBody>
+      </p:sp>
+      <p:sp>
+        <p:nvSpPr>
+          <p:cNvPr id="39" name="Oval 38"/>
+          <p:cNvSpPr/>
+          <p:nvPr/>
+        </p:nvSpPr>
+        <p:spPr>
+          <a:xfrm>
+            <a:off x="4922906" y="5475057"/>
+            <a:ext cx="389164" cy="123825"/>
+          </a:xfrm>
+          <a:prstGeom prst="ellipse">
+            <a:avLst/>
+          </a:prstGeom>
+          <a:ln w="12700"/>
+        </p:spPr>
+        <p:style>
+          <a:lnRef idx="2">
+            <a:schemeClr val="accent1">
+              <a:shade val="50000"/>
+            </a:schemeClr>
+          </a:lnRef>
+          <a:fillRef idx="1">
+            <a:schemeClr val="accent1"/>
+          </a:fillRef>
+          <a:effectRef idx="0">
+            <a:schemeClr val="accent1"/>
+          </a:effectRef>
+          <a:fontRef idx="minor">
+            <a:schemeClr val="lt1"/>
+          </a:fontRef>
+        </p:style>
+        <p:txBody>
+          <a:bodyPr rtlCol="0" anchor="ctr"/>
+          <a:lstStyle/>
+          <a:p>
+            <a:pPr algn="ctr"/>
+            <a:endParaRPr lang="en-US" u="sng" dirty="0"/>
+          </a:p>
+        </p:txBody>
+      </p:sp>
+      <p:sp>
+        <p:nvSpPr>
+          <p:cNvPr id="40" name="Oval 39"/>
+          <p:cNvSpPr/>
+          <p:nvPr/>
+        </p:nvSpPr>
+        <p:spPr>
+          <a:xfrm>
+            <a:off x="4661490" y="5749241"/>
+            <a:ext cx="389164" cy="123825"/>
+          </a:xfrm>
+          <a:prstGeom prst="ellipse">
+            <a:avLst/>
+          </a:prstGeom>
+          <a:ln w="12700"/>
+        </p:spPr>
+        <p:style>
+          <a:lnRef idx="2">
+            <a:schemeClr val="accent1">
+              <a:shade val="50000"/>
+            </a:schemeClr>
+          </a:lnRef>
+          <a:fillRef idx="1">
+            <a:schemeClr val="accent1"/>
+          </a:fillRef>
+          <a:effectRef idx="0">
+            <a:schemeClr val="accent1"/>
+          </a:effectRef>
+          <a:fontRef idx="minor">
+            <a:schemeClr val="lt1"/>
+          </a:fontRef>
+        </p:style>
+        <p:txBody>
+          <a:bodyPr rtlCol="0" anchor="ctr"/>
+          <a:lstStyle/>
+          <a:p>
+            <a:pPr algn="ctr"/>
+            <a:endParaRPr lang="en-US" u="sng" dirty="0"/>
+          </a:p>
+        </p:txBody>
+      </p:sp>
+      <p:sp>
+        <p:nvSpPr>
+          <p:cNvPr id="41" name="Oval 40"/>
+          <p:cNvSpPr/>
+          <p:nvPr/>
+        </p:nvSpPr>
+        <p:spPr>
+          <a:xfrm>
+            <a:off x="5223623" y="5731551"/>
+            <a:ext cx="406854" cy="159204"/>
+          </a:xfrm>
+          <a:prstGeom prst="ellipse">
+            <a:avLst/>
+          </a:prstGeom>
+          <a:ln w="12700"/>
+        </p:spPr>
+        <p:style>
+          <a:lnRef idx="2">
+            <a:schemeClr val="accent1">
+              <a:shade val="50000"/>
+            </a:schemeClr>
+          </a:lnRef>
+          <a:fillRef idx="1">
+            <a:schemeClr val="accent1"/>
+          </a:fillRef>
+          <a:effectRef idx="0">
+            <a:schemeClr val="accent1"/>
+          </a:effectRef>
+          <a:fontRef idx="minor">
+            <a:schemeClr val="lt1"/>
+          </a:fontRef>
+        </p:style>
+        <p:txBody>
+          <a:bodyPr rtlCol="0" anchor="ctr"/>
+          <a:lstStyle/>
+          <a:p>
+            <a:pPr algn="ctr"/>
+            <a:endParaRPr lang="en-US" u="sng" dirty="0"/>
+          </a:p>
+        </p:txBody>
+      </p:sp>
+      <p:cxnSp>
+        <p:nvCxnSpPr>
+          <p:cNvPr id="42" name="Straight Arrow Connector 41"/>
+          <p:cNvCxnSpPr>
+            <a:stCxn id="37" idx="0"/>
+            <a:endCxn id="36" idx="5"/>
+          </p:cNvCxnSpPr>
+          <p:nvPr/>
+        </p:nvCxnSpPr>
+        <p:spPr>
+          <a:xfrm flipH="1" flipV="1">
+            <a:off x="4320638" y="4982491"/>
+            <a:ext cx="56992" cy="487067"/>
+          </a:xfrm>
+          <a:prstGeom prst="straightConnector1">
+            <a:avLst/>
+          </a:prstGeom>
+          <a:ln w="12700">
+            <a:tailEnd type="arrow"/>
+          </a:ln>
+        </p:spPr>
+        <p:style>
+          <a:lnRef idx="1">
+            <a:schemeClr val="accent1"/>
+          </a:lnRef>
+          <a:fillRef idx="0">
+            <a:schemeClr val="accent1"/>
+          </a:fillRef>
+          <a:effectRef idx="0">
+            <a:schemeClr val="accent1"/>
+          </a:effectRef>
+          <a:fontRef idx="minor">
+            <a:schemeClr val="tx1"/>
+          </a:fontRef>
+        </p:style>
+      </p:cxnSp>
+      <p:cxnSp>
+        <p:nvCxnSpPr>
+          <p:cNvPr id="43" name="Straight Arrow Connector 42"/>
+          <p:cNvCxnSpPr>
+            <a:stCxn id="37" idx="7"/>
+            <a:endCxn id="38" idx="3"/>
+          </p:cNvCxnSpPr>
+          <p:nvPr/>
+        </p:nvCxnSpPr>
+        <p:spPr>
+          <a:xfrm flipV="1">
+            <a:off x="4515220" y="5297719"/>
+            <a:ext cx="81697" cy="189973"/>
+          </a:xfrm>
+          <a:prstGeom prst="straightConnector1">
+            <a:avLst/>
+          </a:prstGeom>
+          <a:ln w="12700">
+            <a:tailEnd type="arrow"/>
+          </a:ln>
+        </p:spPr>
+        <p:style>
+          <a:lnRef idx="1">
+            <a:schemeClr val="accent1"/>
+          </a:lnRef>
+          <a:fillRef idx="0">
+            <a:schemeClr val="accent1"/>
+          </a:fillRef>
+          <a:effectRef idx="0">
+            <a:schemeClr val="accent1"/>
+          </a:effectRef>
+          <a:fontRef idx="minor">
+            <a:schemeClr val="tx1"/>
+          </a:fontRef>
+        </p:style>
+      </p:cxnSp>
+      <p:cxnSp>
+        <p:nvCxnSpPr>
+          <p:cNvPr id="44" name="Straight Arrow Connector 43"/>
+          <p:cNvCxnSpPr>
+            <a:stCxn id="39" idx="1"/>
+            <a:endCxn id="38" idx="5"/>
+          </p:cNvCxnSpPr>
+          <p:nvPr/>
+        </p:nvCxnSpPr>
+        <p:spPr>
+          <a:xfrm flipH="1" flipV="1">
+            <a:off x="4872098" y="5297719"/>
+            <a:ext cx="107799" cy="195471"/>
+          </a:xfrm>
+          <a:prstGeom prst="straightConnector1">
+            <a:avLst/>
+          </a:prstGeom>
+          <a:ln w="12700">
+            <a:tailEnd type="arrow"/>
+          </a:ln>
+        </p:spPr>
+        <p:style>
+          <a:lnRef idx="1">
+            <a:schemeClr val="accent1"/>
+          </a:lnRef>
+          <a:fillRef idx="0">
+            <a:schemeClr val="accent1"/>
+          </a:fillRef>
+          <a:effectRef idx="0">
+            <a:schemeClr val="accent1"/>
+          </a:effectRef>
+          <a:fontRef idx="minor">
+            <a:schemeClr val="tx1"/>
+          </a:fontRef>
+        </p:style>
+      </p:cxnSp>
+      <p:cxnSp>
+        <p:nvCxnSpPr>
+          <p:cNvPr id="45" name="Straight Arrow Connector 44"/>
+          <p:cNvCxnSpPr>
+            <a:stCxn id="40" idx="0"/>
+            <a:endCxn id="39" idx="3"/>
+          </p:cNvCxnSpPr>
+          <p:nvPr/>
+        </p:nvCxnSpPr>
+        <p:spPr>
+          <a:xfrm flipV="1">
+            <a:off x="4856072" y="5580748"/>
+            <a:ext cx="123825" cy="168493"/>
+          </a:xfrm>
+          <a:prstGeom prst="straightConnector1">
+            <a:avLst/>
+          </a:prstGeom>
+          <a:ln w="12700">
+            <a:tailEnd type="arrow"/>
+          </a:ln>
+        </p:spPr>
+        <p:style>
+          <a:lnRef idx="1">
+            <a:schemeClr val="accent1"/>
+          </a:lnRef>
+          <a:fillRef idx="0">
+            <a:schemeClr val="accent1"/>
+          </a:fillRef>
+          <a:effectRef idx="0">
+            <a:schemeClr val="accent1"/>
+          </a:effectRef>
+          <a:fontRef idx="minor">
+            <a:schemeClr val="tx1"/>
+          </a:fontRef>
+        </p:style>
+      </p:cxnSp>
+      <p:cxnSp>
+        <p:nvCxnSpPr>
+          <p:cNvPr id="46" name="Straight Arrow Connector 45"/>
+          <p:cNvCxnSpPr>
+            <a:stCxn id="41" idx="0"/>
+            <a:endCxn id="39" idx="5"/>
+          </p:cNvCxnSpPr>
+          <p:nvPr/>
+        </p:nvCxnSpPr>
+        <p:spPr>
+          <a:xfrm flipH="1" flipV="1">
+            <a:off x="5255078" y="5580748"/>
+            <a:ext cx="171972" cy="150804"/>
+          </a:xfrm>
+          <a:prstGeom prst="straightConnector1">
+            <a:avLst/>
+          </a:prstGeom>
+          <a:ln w="12700">
+            <a:tailEnd type="arrow"/>
+          </a:ln>
+        </p:spPr>
+        <p:style>
+          <a:lnRef idx="1">
+            <a:schemeClr val="accent1"/>
+          </a:lnRef>
+          <a:fillRef idx="0">
+            <a:schemeClr val="accent1"/>
+          </a:fillRef>
+          <a:effectRef idx="0">
+            <a:schemeClr val="accent1"/>
+          </a:effectRef>
+          <a:fontRef idx="minor">
+            <a:schemeClr val="tx1"/>
+          </a:fontRef>
+        </p:style>
+      </p:cxnSp>
+      <p:pic>
+        <p:nvPicPr>
+          <p:cNvPr id="47" name="Picture 46"/>
+          <p:cNvPicPr>
+            <a:picLocks noChangeAspect="1"/>
+          </p:cNvPicPr>
+          <p:nvPr/>
+        </p:nvPicPr>
+        <p:blipFill>
+          <a:blip r:embed="rId5">
+            <a:extLst>
+              <a:ext uri="{28A0092B-C50C-407E-A947-70E740481C1C}">
+                <a14:useLocalDpi xmlns:a14="http://schemas.microsoft.com/office/drawing/2010/main" val="0"/>
+              </a:ext>
+            </a:extLst>
+          </a:blip>
+          <a:stretch>
+            <a:fillRect/>
+          </a:stretch>
+        </p:blipFill>
+        <p:spPr>
+          <a:xfrm>
+            <a:off x="3772708" y="3208467"/>
+            <a:ext cx="1209844" cy="1124107"/>
+          </a:xfrm>
+          <a:prstGeom prst="rect">
+            <a:avLst/>
+          </a:prstGeom>
+        </p:spPr>
+      </p:pic>
+      <p:sp>
+        <p:nvSpPr>
+          <p:cNvPr id="52" name="Oval 51"/>
+          <p:cNvSpPr/>
+          <p:nvPr/>
+        </p:nvSpPr>
+        <p:spPr>
+          <a:xfrm>
+            <a:off x="3578520" y="5456923"/>
+            <a:ext cx="389164" cy="123825"/>
+          </a:xfrm>
+          <a:prstGeom prst="ellipse">
+            <a:avLst/>
+          </a:prstGeom>
+          <a:ln w="12700"/>
+        </p:spPr>
+        <p:style>
+          <a:lnRef idx="2">
+            <a:schemeClr val="accent1">
+              <a:shade val="50000"/>
+            </a:schemeClr>
+          </a:lnRef>
+          <a:fillRef idx="1">
+            <a:schemeClr val="accent1"/>
+          </a:fillRef>
+          <a:effectRef idx="0">
+            <a:schemeClr val="accent1"/>
+          </a:effectRef>
+          <a:fontRef idx="minor">
+            <a:schemeClr val="lt1"/>
+          </a:fontRef>
+        </p:style>
+        <p:txBody>
+          <a:bodyPr rtlCol="0" anchor="ctr"/>
+          <a:lstStyle/>
+          <a:p>
+            <a:pPr algn="ctr"/>
+            <a:endParaRPr lang="en-US" u="sng" dirty="0"/>
+          </a:p>
+        </p:txBody>
+      </p:sp>
+      <p:cxnSp>
+        <p:nvCxnSpPr>
+          <p:cNvPr id="53" name="Straight Arrow Connector 52"/>
+          <p:cNvCxnSpPr>
+            <a:stCxn id="52" idx="7"/>
+            <a:endCxn id="36" idx="3"/>
+          </p:cNvCxnSpPr>
+          <p:nvPr/>
+        </p:nvCxnSpPr>
+        <p:spPr>
+          <a:xfrm flipV="1">
+            <a:off x="3910692" y="4982491"/>
+            <a:ext cx="134766" cy="492566"/>
+          </a:xfrm>
+          <a:prstGeom prst="straightConnector1">
+            <a:avLst/>
+          </a:prstGeom>
+          <a:ln w="12700">
+            <a:tailEnd type="arrow"/>
+          </a:ln>
+        </p:spPr>
+        <p:style>
+          <a:lnRef idx="1">
+            <a:schemeClr val="accent1"/>
+          </a:lnRef>
+          <a:fillRef idx="0">
+            <a:schemeClr val="accent1"/>
+          </a:fillRef>
+          <a:effectRef idx="0">
+            <a:schemeClr val="accent1"/>
+          </a:effectRef>
+          <a:fontRef idx="minor">
+            <a:schemeClr val="tx1"/>
+          </a:fontRef>
+        </p:style>
+      </p:cxnSp>
+      <p:sp>
+        <p:nvSpPr>
+          <p:cNvPr id="57" name="Oval 56"/>
+          <p:cNvSpPr/>
+          <p:nvPr/>
+        </p:nvSpPr>
+        <p:spPr>
+          <a:xfrm>
+            <a:off x="2896177" y="5431277"/>
+            <a:ext cx="389164" cy="123825"/>
+          </a:xfrm>
+          <a:prstGeom prst="ellipse">
+            <a:avLst/>
+          </a:prstGeom>
+          <a:ln w="12700"/>
+        </p:spPr>
+        <p:style>
+          <a:lnRef idx="2">
+            <a:schemeClr val="accent1">
+              <a:shade val="50000"/>
+            </a:schemeClr>
+          </a:lnRef>
+          <a:fillRef idx="1">
+            <a:schemeClr val="accent1"/>
+          </a:fillRef>
+          <a:effectRef idx="0">
+            <a:schemeClr val="accent1"/>
+          </a:effectRef>
+          <a:fontRef idx="minor">
+            <a:schemeClr val="lt1"/>
+          </a:fontRef>
+        </p:style>
+        <p:txBody>
+          <a:bodyPr rtlCol="0" anchor="ctr"/>
+          <a:lstStyle/>
+          <a:p>
+            <a:pPr algn="ctr"/>
+            <a:endParaRPr lang="en-US" u="sng" dirty="0"/>
+          </a:p>
+        </p:txBody>
+      </p:sp>
+      <p:cxnSp>
+        <p:nvCxnSpPr>
+          <p:cNvPr id="58" name="Straight Arrow Connector 57"/>
+          <p:cNvCxnSpPr>
+            <a:stCxn id="57" idx="7"/>
+            <a:endCxn id="59" idx="3"/>
+          </p:cNvCxnSpPr>
+          <p:nvPr/>
+        </p:nvCxnSpPr>
+        <p:spPr>
+          <a:xfrm flipV="1">
+            <a:off x="3228349" y="5279585"/>
+            <a:ext cx="74991" cy="169826"/>
+          </a:xfrm>
+          <a:prstGeom prst="straightConnector1">
+            <a:avLst/>
+          </a:prstGeom>
+          <a:ln w="12700">
+            <a:tailEnd type="arrow"/>
+          </a:ln>
+        </p:spPr>
+        <p:style>
+          <a:lnRef idx="1">
+            <a:schemeClr val="accent1"/>
+          </a:lnRef>
+          <a:fillRef idx="0">
+            <a:schemeClr val="accent1"/>
+          </a:fillRef>
+          <a:effectRef idx="0">
+            <a:schemeClr val="accent1"/>
+          </a:effectRef>
+          <a:fontRef idx="minor">
+            <a:schemeClr val="tx1"/>
+          </a:fontRef>
+        </p:style>
+      </p:cxnSp>
+      <p:sp>
+        <p:nvSpPr>
+          <p:cNvPr id="59" name="Oval 58"/>
+          <p:cNvSpPr/>
+          <p:nvPr/>
+        </p:nvSpPr>
+        <p:spPr>
+          <a:xfrm>
+            <a:off x="3246348" y="5173894"/>
+            <a:ext cx="389164" cy="123825"/>
+          </a:xfrm>
+          <a:prstGeom prst="ellipse">
+            <a:avLst/>
+          </a:prstGeom>
+          <a:ln w="12700"/>
+        </p:spPr>
+        <p:style>
+          <a:lnRef idx="2">
+            <a:schemeClr val="accent1">
+              <a:shade val="50000"/>
+            </a:schemeClr>
+          </a:lnRef>
+          <a:fillRef idx="1">
+            <a:schemeClr val="accent1"/>
+          </a:fillRef>
+          <a:effectRef idx="0">
+            <a:schemeClr val="accent1"/>
+          </a:effectRef>
+          <a:fontRef idx="minor">
+            <a:schemeClr val="lt1"/>
+          </a:fontRef>
+        </p:style>
+        <p:txBody>
+          <a:bodyPr rtlCol="0" anchor="ctr"/>
+          <a:lstStyle/>
+          <a:p>
+            <a:pPr algn="ctr"/>
+            <a:endParaRPr lang="en-US" u="sng" dirty="0"/>
+          </a:p>
+        </p:txBody>
+      </p:sp>
+      <p:cxnSp>
+        <p:nvCxnSpPr>
+          <p:cNvPr id="60" name="Straight Arrow Connector 59"/>
+          <p:cNvCxnSpPr>
+            <a:stCxn id="52" idx="1"/>
+            <a:endCxn id="59" idx="5"/>
+          </p:cNvCxnSpPr>
+          <p:nvPr/>
+        </p:nvCxnSpPr>
+        <p:spPr>
+          <a:xfrm flipH="1" flipV="1">
+            <a:off x="3578520" y="5279585"/>
+            <a:ext cx="56992" cy="195472"/>
+          </a:xfrm>
+          <a:prstGeom prst="straightConnector1">
+            <a:avLst/>
+          </a:prstGeom>
+          <a:ln w="12700">
+            <a:tailEnd type="arrow"/>
+          </a:ln>
+        </p:spPr>
+        <p:style>
+          <a:lnRef idx="1">
+            <a:schemeClr val="accent1"/>
+          </a:lnRef>
+          <a:fillRef idx="0">
+            <a:schemeClr val="accent1"/>
+          </a:fillRef>
+          <a:effectRef idx="0">
+            <a:schemeClr val="accent1"/>
+          </a:effectRef>
+          <a:fontRef idx="minor">
+            <a:schemeClr val="tx1"/>
+          </a:fontRef>
+        </p:style>
+      </p:cxnSp>
+      <p:sp>
+        <p:nvSpPr>
+          <p:cNvPr id="71" name="Oval 70"/>
+          <p:cNvSpPr/>
+          <p:nvPr/>
+        </p:nvSpPr>
+        <p:spPr>
+          <a:xfrm>
+            <a:off x="2584154" y="5731551"/>
+            <a:ext cx="389164" cy="123825"/>
+          </a:xfrm>
+          <a:prstGeom prst="ellipse">
+            <a:avLst/>
+          </a:prstGeom>
+          <a:ln w="12700"/>
+        </p:spPr>
+        <p:style>
+          <a:lnRef idx="2">
+            <a:schemeClr val="accent1">
+              <a:shade val="50000"/>
+            </a:schemeClr>
+          </a:lnRef>
+          <a:fillRef idx="1">
+            <a:schemeClr val="accent1"/>
+          </a:fillRef>
+          <a:effectRef idx="0">
+            <a:schemeClr val="accent1"/>
+          </a:effectRef>
+          <a:fontRef idx="minor">
+            <a:schemeClr val="lt1"/>
+          </a:fontRef>
+        </p:style>
+        <p:txBody>
+          <a:bodyPr rtlCol="0" anchor="ctr"/>
+          <a:lstStyle/>
+          <a:p>
+            <a:pPr algn="ctr"/>
+            <a:endParaRPr lang="en-US" u="sng" dirty="0"/>
+          </a:p>
+        </p:txBody>
+      </p:sp>
+      <p:cxnSp>
+        <p:nvCxnSpPr>
+          <p:cNvPr id="72" name="Straight Arrow Connector 71"/>
+          <p:cNvCxnSpPr>
+            <a:stCxn id="71" idx="0"/>
+            <a:endCxn id="57" idx="3"/>
+          </p:cNvCxnSpPr>
+          <p:nvPr/>
+        </p:nvCxnSpPr>
+        <p:spPr>
+          <a:xfrm flipV="1">
+            <a:off x="2778736" y="5536968"/>
+            <a:ext cx="174433" cy="194583"/>
+          </a:xfrm>
+          <a:prstGeom prst="straightConnector1">
+            <a:avLst/>
+          </a:prstGeom>
+          <a:ln w="12700">
+            <a:tailEnd type="arrow"/>
+          </a:ln>
+        </p:spPr>
+        <p:style>
+          <a:lnRef idx="1">
+            <a:schemeClr val="accent1"/>
+          </a:lnRef>
+          <a:fillRef idx="0">
+            <a:schemeClr val="accent1"/>
+          </a:fillRef>
+          <a:effectRef idx="0">
+            <a:schemeClr val="accent1"/>
+          </a:effectRef>
+          <a:fontRef idx="minor">
+            <a:schemeClr val="tx1"/>
+          </a:fontRef>
+        </p:style>
+      </p:cxnSp>
+      <p:sp>
+        <p:nvSpPr>
+          <p:cNvPr id="73" name="Oval 72"/>
+          <p:cNvSpPr/>
+          <p:nvPr/>
+        </p:nvSpPr>
+        <p:spPr>
+          <a:xfrm>
+            <a:off x="3189356" y="5766930"/>
+            <a:ext cx="389164" cy="123825"/>
+          </a:xfrm>
+          <a:prstGeom prst="ellipse">
+            <a:avLst/>
+          </a:prstGeom>
+          <a:ln w="12700"/>
+        </p:spPr>
+        <p:style>
+          <a:lnRef idx="2">
+            <a:schemeClr val="accent1">
+              <a:shade val="50000"/>
+            </a:schemeClr>
+          </a:lnRef>
+          <a:fillRef idx="1">
+            <a:schemeClr val="accent1"/>
+          </a:fillRef>
+          <a:effectRef idx="0">
+            <a:schemeClr val="accent1"/>
+          </a:effectRef>
+          <a:fontRef idx="minor">
+            <a:schemeClr val="lt1"/>
+          </a:fontRef>
+        </p:style>
+        <p:txBody>
+          <a:bodyPr rtlCol="0" anchor="ctr"/>
+          <a:lstStyle/>
+          <a:p>
+            <a:pPr algn="ctr"/>
+            <a:endParaRPr lang="en-US" u="sng" dirty="0"/>
+          </a:p>
+        </p:txBody>
+      </p:sp>
+      <p:cxnSp>
+        <p:nvCxnSpPr>
+          <p:cNvPr id="74" name="Straight Arrow Connector 73"/>
+          <p:cNvCxnSpPr>
+            <a:stCxn id="73" idx="0"/>
+            <a:endCxn id="57" idx="5"/>
+          </p:cNvCxnSpPr>
+          <p:nvPr/>
+        </p:nvCxnSpPr>
+        <p:spPr>
+          <a:xfrm flipH="1" flipV="1">
+            <a:off x="3228349" y="5536968"/>
+            <a:ext cx="155589" cy="229962"/>
+          </a:xfrm>
+          <a:prstGeom prst="straightConnector1">
+            <a:avLst/>
+          </a:prstGeom>
+          <a:ln w="12700">
             <a:tailEnd type="arrow"/>
           </a:ln>
         </p:spPr>
@@ -9752,7 +12243,7 @@
     </p:spTree>
     <p:extLst>
       <p:ext uri="{BB962C8B-B14F-4D97-AF65-F5344CB8AC3E}">
-        <p14:creationId xmlns:p14="http://schemas.microsoft.com/office/powerpoint/2010/main" val="82813759"/>
+        <p14:creationId xmlns:p14="http://schemas.microsoft.com/office/powerpoint/2010/main" val="4122149597"/>
       </p:ext>
     </p:extLst>
   </p:cSld>
@@ -9762,9 +12253,781 @@
   <p:timing>
     <p:tnLst>
       <p:par>
-        <p:cTn id="1" dur="indefinite" restart="never" nodeType="tmRoot"/>
+        <p:cTn id="1" dur="indefinite" restart="never" nodeType="tmRoot">
+          <p:childTnLst>
+            <p:seq concurrent="1" nextAc="seek">
+              <p:cTn id="2" dur="indefinite" nodeType="mainSeq">
+                <p:childTnLst>
+                  <p:par>
+                    <p:cTn id="3" fill="hold">
+                      <p:stCondLst>
+                        <p:cond delay="indefinite"/>
+                      </p:stCondLst>
+                      <p:childTnLst>
+                        <p:par>
+                          <p:cTn id="4" fill="hold">
+                            <p:stCondLst>
+                              <p:cond delay="0"/>
+                            </p:stCondLst>
+                            <p:childTnLst>
+                              <p:par>
+                                <p:cTn id="5" presetID="10" presetClass="entr" presetSubtype="0" fill="hold" nodeType="clickEffect">
+                                  <p:stCondLst>
+                                    <p:cond delay="0"/>
+                                  </p:stCondLst>
+                                  <p:childTnLst>
+                                    <p:set>
+                                      <p:cBhvr>
+                                        <p:cTn id="6" dur="1" fill="hold">
+                                          <p:stCondLst>
+                                            <p:cond delay="0"/>
+                                          </p:stCondLst>
+                                        </p:cTn>
+                                        <p:tgtEl>
+                                          <p:spTgt spid="44"/>
+                                        </p:tgtEl>
+                                        <p:attrNameLst>
+                                          <p:attrName>style.visibility</p:attrName>
+                                        </p:attrNameLst>
+                                      </p:cBhvr>
+                                      <p:to>
+                                        <p:strVal val="visible"/>
+                                      </p:to>
+                                    </p:set>
+                                    <p:animEffect transition="in" filter="fade">
+                                      <p:cBhvr>
+                                        <p:cTn id="7" dur="500"/>
+                                        <p:tgtEl>
+                                          <p:spTgt spid="44"/>
+                                        </p:tgtEl>
+                                      </p:cBhvr>
+                                    </p:animEffect>
+                                  </p:childTnLst>
+                                </p:cTn>
+                              </p:par>
+                              <p:par>
+                                <p:cTn id="8" presetID="10" presetClass="entr" presetSubtype="0" fill="hold" grpId="0" nodeType="withEffect">
+                                  <p:stCondLst>
+                                    <p:cond delay="0"/>
+                                  </p:stCondLst>
+                                  <p:childTnLst>
+                                    <p:set>
+                                      <p:cBhvr>
+                                        <p:cTn id="9" dur="1" fill="hold">
+                                          <p:stCondLst>
+                                            <p:cond delay="0"/>
+                                          </p:stCondLst>
+                                        </p:cTn>
+                                        <p:tgtEl>
+                                          <p:spTgt spid="39"/>
+                                        </p:tgtEl>
+                                        <p:attrNameLst>
+                                          <p:attrName>style.visibility</p:attrName>
+                                        </p:attrNameLst>
+                                      </p:cBhvr>
+                                      <p:to>
+                                        <p:strVal val="visible"/>
+                                      </p:to>
+                                    </p:set>
+                                    <p:animEffect transition="in" filter="fade">
+                                      <p:cBhvr>
+                                        <p:cTn id="10" dur="500"/>
+                                        <p:tgtEl>
+                                          <p:spTgt spid="39"/>
+                                        </p:tgtEl>
+                                      </p:cBhvr>
+                                    </p:animEffect>
+                                  </p:childTnLst>
+                                </p:cTn>
+                              </p:par>
+                            </p:childTnLst>
+                          </p:cTn>
+                        </p:par>
+                      </p:childTnLst>
+                    </p:cTn>
+                  </p:par>
+                  <p:par>
+                    <p:cTn id="11" fill="hold">
+                      <p:stCondLst>
+                        <p:cond delay="indefinite"/>
+                      </p:stCondLst>
+                      <p:childTnLst>
+                        <p:par>
+                          <p:cTn id="12" fill="hold">
+                            <p:stCondLst>
+                              <p:cond delay="0"/>
+                            </p:stCondLst>
+                            <p:childTnLst>
+                              <p:par>
+                                <p:cTn id="13" presetID="10" presetClass="entr" presetSubtype="0" fill="hold" nodeType="clickEffect">
+                                  <p:stCondLst>
+                                    <p:cond delay="0"/>
+                                  </p:stCondLst>
+                                  <p:childTnLst>
+                                    <p:set>
+                                      <p:cBhvr>
+                                        <p:cTn id="14" dur="1" fill="hold">
+                                          <p:stCondLst>
+                                            <p:cond delay="0"/>
+                                          </p:stCondLst>
+                                        </p:cTn>
+                                        <p:tgtEl>
+                                          <p:spTgt spid="31"/>
+                                        </p:tgtEl>
+                                        <p:attrNameLst>
+                                          <p:attrName>style.visibility</p:attrName>
+                                        </p:attrNameLst>
+                                      </p:cBhvr>
+                                      <p:to>
+                                        <p:strVal val="visible"/>
+                                      </p:to>
+                                    </p:set>
+                                    <p:animEffect transition="in" filter="fade">
+                                      <p:cBhvr>
+                                        <p:cTn id="15" dur="500"/>
+                                        <p:tgtEl>
+                                          <p:spTgt spid="31"/>
+                                        </p:tgtEl>
+                                      </p:cBhvr>
+                                    </p:animEffect>
+                                  </p:childTnLst>
+                                </p:cTn>
+                              </p:par>
+                              <p:par>
+                                <p:cTn id="16" presetID="10" presetClass="entr" presetSubtype="0" fill="hold" grpId="0" nodeType="withEffect">
+                                  <p:stCondLst>
+                                    <p:cond delay="0"/>
+                                  </p:stCondLst>
+                                  <p:childTnLst>
+                                    <p:set>
+                                      <p:cBhvr>
+                                        <p:cTn id="17" dur="1" fill="hold">
+                                          <p:stCondLst>
+                                            <p:cond delay="0"/>
+                                          </p:stCondLst>
+                                        </p:cTn>
+                                        <p:tgtEl>
+                                          <p:spTgt spid="26"/>
+                                        </p:tgtEl>
+                                        <p:attrNameLst>
+                                          <p:attrName>style.visibility</p:attrName>
+                                        </p:attrNameLst>
+                                      </p:cBhvr>
+                                      <p:to>
+                                        <p:strVal val="visible"/>
+                                      </p:to>
+                                    </p:set>
+                                    <p:animEffect transition="in" filter="fade">
+                                      <p:cBhvr>
+                                        <p:cTn id="18" dur="500"/>
+                                        <p:tgtEl>
+                                          <p:spTgt spid="26"/>
+                                        </p:tgtEl>
+                                      </p:cBhvr>
+                                    </p:animEffect>
+                                  </p:childTnLst>
+                                </p:cTn>
+                              </p:par>
+                              <p:par>
+                                <p:cTn id="19" presetID="10" presetClass="entr" presetSubtype="0" fill="hold" nodeType="withEffect">
+                                  <p:stCondLst>
+                                    <p:cond delay="0"/>
+                                  </p:stCondLst>
+                                  <p:childTnLst>
+                                    <p:set>
+                                      <p:cBhvr>
+                                        <p:cTn id="20" dur="1" fill="hold">
+                                          <p:stCondLst>
+                                            <p:cond delay="0"/>
+                                          </p:stCondLst>
+                                        </p:cTn>
+                                        <p:tgtEl>
+                                          <p:spTgt spid="12"/>
+                                        </p:tgtEl>
+                                        <p:attrNameLst>
+                                          <p:attrName>style.visibility</p:attrName>
+                                        </p:attrNameLst>
+                                      </p:cBhvr>
+                                      <p:to>
+                                        <p:strVal val="visible"/>
+                                      </p:to>
+                                    </p:set>
+                                    <p:animEffect transition="in" filter="fade">
+                                      <p:cBhvr>
+                                        <p:cTn id="21" dur="500"/>
+                                        <p:tgtEl>
+                                          <p:spTgt spid="12"/>
+                                        </p:tgtEl>
+                                      </p:cBhvr>
+                                    </p:animEffect>
+                                  </p:childTnLst>
+                                </p:cTn>
+                              </p:par>
+                              <p:par>
+                                <p:cTn id="22" presetID="10" presetClass="entr" presetSubtype="0" fill="hold" grpId="0" nodeType="withEffect">
+                                  <p:stCondLst>
+                                    <p:cond delay="0"/>
+                                  </p:stCondLst>
+                                  <p:childTnLst>
+                                    <p:set>
+                                      <p:cBhvr>
+                                        <p:cTn id="23" dur="1" fill="hold">
+                                          <p:stCondLst>
+                                            <p:cond delay="0"/>
+                                          </p:stCondLst>
+                                        </p:cTn>
+                                        <p:tgtEl>
+                                          <p:spTgt spid="7"/>
+                                        </p:tgtEl>
+                                        <p:attrNameLst>
+                                          <p:attrName>style.visibility</p:attrName>
+                                        </p:attrNameLst>
+                                      </p:cBhvr>
+                                      <p:to>
+                                        <p:strVal val="visible"/>
+                                      </p:to>
+                                    </p:set>
+                                    <p:animEffect transition="in" filter="fade">
+                                      <p:cBhvr>
+                                        <p:cTn id="24" dur="500"/>
+                                        <p:tgtEl>
+                                          <p:spTgt spid="7"/>
+                                        </p:tgtEl>
+                                      </p:cBhvr>
+                                    </p:animEffect>
+                                  </p:childTnLst>
+                                </p:cTn>
+                              </p:par>
+                            </p:childTnLst>
+                          </p:cTn>
+                        </p:par>
+                      </p:childTnLst>
+                    </p:cTn>
+                  </p:par>
+                  <p:par>
+                    <p:cTn id="25" fill="hold">
+                      <p:stCondLst>
+                        <p:cond delay="indefinite"/>
+                      </p:stCondLst>
+                      <p:childTnLst>
+                        <p:par>
+                          <p:cTn id="26" fill="hold">
+                            <p:stCondLst>
+                              <p:cond delay="0"/>
+                            </p:stCondLst>
+                            <p:childTnLst>
+                              <p:par>
+                                <p:cTn id="27" presetID="10" presetClass="entr" presetSubtype="0" fill="hold" nodeType="clickEffect">
+                                  <p:stCondLst>
+                                    <p:cond delay="0"/>
+                                  </p:stCondLst>
+                                  <p:childTnLst>
+                                    <p:set>
+                                      <p:cBhvr>
+                                        <p:cTn id="28" dur="1" fill="hold">
+                                          <p:stCondLst>
+                                            <p:cond delay="0"/>
+                                          </p:stCondLst>
+                                        </p:cTn>
+                                        <p:tgtEl>
+                                          <p:spTgt spid="32"/>
+                                        </p:tgtEl>
+                                        <p:attrNameLst>
+                                          <p:attrName>style.visibility</p:attrName>
+                                        </p:attrNameLst>
+                                      </p:cBhvr>
+                                      <p:to>
+                                        <p:strVal val="visible"/>
+                                      </p:to>
+                                    </p:set>
+                                    <p:animEffect transition="in" filter="fade">
+                                      <p:cBhvr>
+                                        <p:cTn id="29" dur="500"/>
+                                        <p:tgtEl>
+                                          <p:spTgt spid="32"/>
+                                        </p:tgtEl>
+                                      </p:cBhvr>
+                                    </p:animEffect>
+                                  </p:childTnLst>
+                                </p:cTn>
+                              </p:par>
+                              <p:par>
+                                <p:cTn id="30" presetID="10" presetClass="entr" presetSubtype="0" fill="hold" grpId="0" nodeType="withEffect">
+                                  <p:stCondLst>
+                                    <p:cond delay="0"/>
+                                  </p:stCondLst>
+                                  <p:childTnLst>
+                                    <p:set>
+                                      <p:cBhvr>
+                                        <p:cTn id="31" dur="1" fill="hold">
+                                          <p:stCondLst>
+                                            <p:cond delay="0"/>
+                                          </p:stCondLst>
+                                        </p:cTn>
+                                        <p:tgtEl>
+                                          <p:spTgt spid="27"/>
+                                        </p:tgtEl>
+                                        <p:attrNameLst>
+                                          <p:attrName>style.visibility</p:attrName>
+                                        </p:attrNameLst>
+                                      </p:cBhvr>
+                                      <p:to>
+                                        <p:strVal val="visible"/>
+                                      </p:to>
+                                    </p:set>
+                                    <p:animEffect transition="in" filter="fade">
+                                      <p:cBhvr>
+                                        <p:cTn id="32" dur="500"/>
+                                        <p:tgtEl>
+                                          <p:spTgt spid="27"/>
+                                        </p:tgtEl>
+                                      </p:cBhvr>
+                                    </p:animEffect>
+                                  </p:childTnLst>
+                                </p:cTn>
+                              </p:par>
+                            </p:childTnLst>
+                          </p:cTn>
+                        </p:par>
+                      </p:childTnLst>
+                    </p:cTn>
+                  </p:par>
+                  <p:par>
+                    <p:cTn id="33" fill="hold">
+                      <p:stCondLst>
+                        <p:cond delay="indefinite"/>
+                      </p:stCondLst>
+                      <p:childTnLst>
+                        <p:par>
+                          <p:cTn id="34" fill="hold">
+                            <p:stCondLst>
+                              <p:cond delay="0"/>
+                            </p:stCondLst>
+                            <p:childTnLst>
+                              <p:par>
+                                <p:cTn id="35" presetID="10" presetClass="entr" presetSubtype="0" fill="hold" nodeType="clickEffect">
+                                  <p:stCondLst>
+                                    <p:cond delay="0"/>
+                                  </p:stCondLst>
+                                  <p:childTnLst>
+                                    <p:set>
+                                      <p:cBhvr>
+                                        <p:cTn id="36" dur="1" fill="hold">
+                                          <p:stCondLst>
+                                            <p:cond delay="0"/>
+                                          </p:stCondLst>
+                                        </p:cTn>
+                                        <p:tgtEl>
+                                          <p:spTgt spid="45"/>
+                                        </p:tgtEl>
+                                        <p:attrNameLst>
+                                          <p:attrName>style.visibility</p:attrName>
+                                        </p:attrNameLst>
+                                      </p:cBhvr>
+                                      <p:to>
+                                        <p:strVal val="visible"/>
+                                      </p:to>
+                                    </p:set>
+                                    <p:animEffect transition="in" filter="fade">
+                                      <p:cBhvr>
+                                        <p:cTn id="37" dur="500"/>
+                                        <p:tgtEl>
+                                          <p:spTgt spid="45"/>
+                                        </p:tgtEl>
+                                      </p:cBhvr>
+                                    </p:animEffect>
+                                  </p:childTnLst>
+                                </p:cTn>
+                              </p:par>
+                              <p:par>
+                                <p:cTn id="38" presetID="10" presetClass="entr" presetSubtype="0" fill="hold" grpId="0" nodeType="withEffect">
+                                  <p:stCondLst>
+                                    <p:cond delay="0"/>
+                                  </p:stCondLst>
+                                  <p:childTnLst>
+                                    <p:set>
+                                      <p:cBhvr>
+                                        <p:cTn id="39" dur="1" fill="hold">
+                                          <p:stCondLst>
+                                            <p:cond delay="0"/>
+                                          </p:stCondLst>
+                                        </p:cTn>
+                                        <p:tgtEl>
+                                          <p:spTgt spid="40"/>
+                                        </p:tgtEl>
+                                        <p:attrNameLst>
+                                          <p:attrName>style.visibility</p:attrName>
+                                        </p:attrNameLst>
+                                      </p:cBhvr>
+                                      <p:to>
+                                        <p:strVal val="visible"/>
+                                      </p:to>
+                                    </p:set>
+                                    <p:animEffect transition="in" filter="fade">
+                                      <p:cBhvr>
+                                        <p:cTn id="40" dur="500"/>
+                                        <p:tgtEl>
+                                          <p:spTgt spid="40"/>
+                                        </p:tgtEl>
+                                      </p:cBhvr>
+                                    </p:animEffect>
+                                  </p:childTnLst>
+                                </p:cTn>
+                              </p:par>
+                              <p:par>
+                                <p:cTn id="41" presetID="10" presetClass="entr" presetSubtype="0" fill="hold" nodeType="withEffect">
+                                  <p:stCondLst>
+                                    <p:cond delay="0"/>
+                                  </p:stCondLst>
+                                  <p:childTnLst>
+                                    <p:set>
+                                      <p:cBhvr>
+                                        <p:cTn id="42" dur="1" fill="hold">
+                                          <p:stCondLst>
+                                            <p:cond delay="0"/>
+                                          </p:stCondLst>
+                                        </p:cTn>
+                                        <p:tgtEl>
+                                          <p:spTgt spid="13"/>
+                                        </p:tgtEl>
+                                        <p:attrNameLst>
+                                          <p:attrName>style.visibility</p:attrName>
+                                        </p:attrNameLst>
+                                      </p:cBhvr>
+                                      <p:to>
+                                        <p:strVal val="visible"/>
+                                      </p:to>
+                                    </p:set>
+                                    <p:animEffect transition="in" filter="fade">
+                                      <p:cBhvr>
+                                        <p:cTn id="43" dur="500"/>
+                                        <p:tgtEl>
+                                          <p:spTgt spid="13"/>
+                                        </p:tgtEl>
+                                      </p:cBhvr>
+                                    </p:animEffect>
+                                  </p:childTnLst>
+                                </p:cTn>
+                              </p:par>
+                              <p:par>
+                                <p:cTn id="44" presetID="10" presetClass="entr" presetSubtype="0" fill="hold" grpId="0" nodeType="withEffect">
+                                  <p:stCondLst>
+                                    <p:cond delay="0"/>
+                                  </p:stCondLst>
+                                  <p:childTnLst>
+                                    <p:set>
+                                      <p:cBhvr>
+                                        <p:cTn id="45" dur="1" fill="hold">
+                                          <p:stCondLst>
+                                            <p:cond delay="0"/>
+                                          </p:stCondLst>
+                                        </p:cTn>
+                                        <p:tgtEl>
+                                          <p:spTgt spid="8"/>
+                                        </p:tgtEl>
+                                        <p:attrNameLst>
+                                          <p:attrName>style.visibility</p:attrName>
+                                        </p:attrNameLst>
+                                      </p:cBhvr>
+                                      <p:to>
+                                        <p:strVal val="visible"/>
+                                      </p:to>
+                                    </p:set>
+                                    <p:animEffect transition="in" filter="fade">
+                                      <p:cBhvr>
+                                        <p:cTn id="46" dur="500"/>
+                                        <p:tgtEl>
+                                          <p:spTgt spid="8"/>
+                                        </p:tgtEl>
+                                      </p:cBhvr>
+                                    </p:animEffect>
+                                  </p:childTnLst>
+                                </p:cTn>
+                              </p:par>
+                            </p:childTnLst>
+                          </p:cTn>
+                        </p:par>
+                      </p:childTnLst>
+                    </p:cTn>
+                  </p:par>
+                  <p:par>
+                    <p:cTn id="47" fill="hold">
+                      <p:stCondLst>
+                        <p:cond delay="indefinite"/>
+                      </p:stCondLst>
+                      <p:childTnLst>
+                        <p:par>
+                          <p:cTn id="48" fill="hold">
+                            <p:stCondLst>
+                              <p:cond delay="0"/>
+                            </p:stCondLst>
+                            <p:childTnLst>
+                              <p:par>
+                                <p:cTn id="49" presetID="10" presetClass="entr" presetSubtype="0" fill="hold" nodeType="clickEffect">
+                                  <p:stCondLst>
+                                    <p:cond delay="0"/>
+                                  </p:stCondLst>
+                                  <p:childTnLst>
+                                    <p:set>
+                                      <p:cBhvr>
+                                        <p:cTn id="50" dur="1" fill="hold">
+                                          <p:stCondLst>
+                                            <p:cond delay="0"/>
+                                          </p:stCondLst>
+                                        </p:cTn>
+                                        <p:tgtEl>
+                                          <p:spTgt spid="14"/>
+                                        </p:tgtEl>
+                                        <p:attrNameLst>
+                                          <p:attrName>style.visibility</p:attrName>
+                                        </p:attrNameLst>
+                                      </p:cBhvr>
+                                      <p:to>
+                                        <p:strVal val="visible"/>
+                                      </p:to>
+                                    </p:set>
+                                    <p:animEffect transition="in" filter="fade">
+                                      <p:cBhvr>
+                                        <p:cTn id="51" dur="500"/>
+                                        <p:tgtEl>
+                                          <p:spTgt spid="14"/>
+                                        </p:tgtEl>
+                                      </p:cBhvr>
+                                    </p:animEffect>
+                                  </p:childTnLst>
+                                </p:cTn>
+                              </p:par>
+                              <p:par>
+                                <p:cTn id="52" presetID="10" presetClass="entr" presetSubtype="0" fill="hold" grpId="0" nodeType="withEffect">
+                                  <p:stCondLst>
+                                    <p:cond delay="0"/>
+                                  </p:stCondLst>
+                                  <p:childTnLst>
+                                    <p:set>
+                                      <p:cBhvr>
+                                        <p:cTn id="53" dur="1" fill="hold">
+                                          <p:stCondLst>
+                                            <p:cond delay="0"/>
+                                          </p:stCondLst>
+                                        </p:cTn>
+                                        <p:tgtEl>
+                                          <p:spTgt spid="9"/>
+                                        </p:tgtEl>
+                                        <p:attrNameLst>
+                                          <p:attrName>style.visibility</p:attrName>
+                                        </p:attrNameLst>
+                                      </p:cBhvr>
+                                      <p:to>
+                                        <p:strVal val="visible"/>
+                                      </p:to>
+                                    </p:set>
+                                    <p:animEffect transition="in" filter="fade">
+                                      <p:cBhvr>
+                                        <p:cTn id="54" dur="500"/>
+                                        <p:tgtEl>
+                                          <p:spTgt spid="9"/>
+                                        </p:tgtEl>
+                                      </p:cBhvr>
+                                    </p:animEffect>
+                                  </p:childTnLst>
+                                </p:cTn>
+                              </p:par>
+                            </p:childTnLst>
+                          </p:cTn>
+                        </p:par>
+                      </p:childTnLst>
+                    </p:cTn>
+                  </p:par>
+                  <p:par>
+                    <p:cTn id="55" fill="hold">
+                      <p:stCondLst>
+                        <p:cond delay="indefinite"/>
+                      </p:stCondLst>
+                      <p:childTnLst>
+                        <p:par>
+                          <p:cTn id="56" fill="hold">
+                            <p:stCondLst>
+                              <p:cond delay="0"/>
+                            </p:stCondLst>
+                            <p:childTnLst>
+                              <p:par>
+                                <p:cTn id="57" presetID="10" presetClass="entr" presetSubtype="0" fill="hold" nodeType="clickEffect">
+                                  <p:stCondLst>
+                                    <p:cond delay="0"/>
+                                  </p:stCondLst>
+                                  <p:childTnLst>
+                                    <p:set>
+                                      <p:cBhvr>
+                                        <p:cTn id="58" dur="1" fill="hold">
+                                          <p:stCondLst>
+                                            <p:cond delay="0"/>
+                                          </p:stCondLst>
+                                        </p:cTn>
+                                        <p:tgtEl>
+                                          <p:spTgt spid="46"/>
+                                        </p:tgtEl>
+                                        <p:attrNameLst>
+                                          <p:attrName>style.visibility</p:attrName>
+                                        </p:attrNameLst>
+                                      </p:cBhvr>
+                                      <p:to>
+                                        <p:strVal val="visible"/>
+                                      </p:to>
+                                    </p:set>
+                                    <p:animEffect transition="in" filter="fade">
+                                      <p:cBhvr>
+                                        <p:cTn id="59" dur="500"/>
+                                        <p:tgtEl>
+                                          <p:spTgt spid="46"/>
+                                        </p:tgtEl>
+                                      </p:cBhvr>
+                                    </p:animEffect>
+                                  </p:childTnLst>
+                                </p:cTn>
+                              </p:par>
+                              <p:par>
+                                <p:cTn id="60" presetID="10" presetClass="entr" presetSubtype="0" fill="hold" grpId="0" nodeType="withEffect">
+                                  <p:stCondLst>
+                                    <p:cond delay="0"/>
+                                  </p:stCondLst>
+                                  <p:childTnLst>
+                                    <p:set>
+                                      <p:cBhvr>
+                                        <p:cTn id="61" dur="1" fill="hold">
+                                          <p:stCondLst>
+                                            <p:cond delay="0"/>
+                                          </p:stCondLst>
+                                        </p:cTn>
+                                        <p:tgtEl>
+                                          <p:spTgt spid="41"/>
+                                        </p:tgtEl>
+                                        <p:attrNameLst>
+                                          <p:attrName>style.visibility</p:attrName>
+                                        </p:attrNameLst>
+                                      </p:cBhvr>
+                                      <p:to>
+                                        <p:strVal val="visible"/>
+                                      </p:to>
+                                    </p:set>
+                                    <p:animEffect transition="in" filter="fade">
+                                      <p:cBhvr>
+                                        <p:cTn id="62" dur="500"/>
+                                        <p:tgtEl>
+                                          <p:spTgt spid="41"/>
+                                        </p:tgtEl>
+                                      </p:cBhvr>
+                                    </p:animEffect>
+                                  </p:childTnLst>
+                                </p:cTn>
+                              </p:par>
+                              <p:par>
+                                <p:cTn id="63" presetID="10" presetClass="entr" presetSubtype="0" fill="hold" nodeType="withEffect">
+                                  <p:stCondLst>
+                                    <p:cond delay="0"/>
+                                  </p:stCondLst>
+                                  <p:childTnLst>
+                                    <p:set>
+                                      <p:cBhvr>
+                                        <p:cTn id="64" dur="1" fill="hold">
+                                          <p:stCondLst>
+                                            <p:cond delay="0"/>
+                                          </p:stCondLst>
+                                        </p:cTn>
+                                        <p:tgtEl>
+                                          <p:spTgt spid="33"/>
+                                        </p:tgtEl>
+                                        <p:attrNameLst>
+                                          <p:attrName>style.visibility</p:attrName>
+                                        </p:attrNameLst>
+                                      </p:cBhvr>
+                                      <p:to>
+                                        <p:strVal val="visible"/>
+                                      </p:to>
+                                    </p:set>
+                                    <p:animEffect transition="in" filter="fade">
+                                      <p:cBhvr>
+                                        <p:cTn id="65" dur="500"/>
+                                        <p:tgtEl>
+                                          <p:spTgt spid="33"/>
+                                        </p:tgtEl>
+                                      </p:cBhvr>
+                                    </p:animEffect>
+                                  </p:childTnLst>
+                                </p:cTn>
+                              </p:par>
+                              <p:par>
+                                <p:cTn id="66" presetID="10" presetClass="entr" presetSubtype="0" fill="hold" grpId="0" nodeType="withEffect">
+                                  <p:stCondLst>
+                                    <p:cond delay="0"/>
+                                  </p:stCondLst>
+                                  <p:childTnLst>
+                                    <p:set>
+                                      <p:cBhvr>
+                                        <p:cTn id="67" dur="1" fill="hold">
+                                          <p:stCondLst>
+                                            <p:cond delay="0"/>
+                                          </p:stCondLst>
+                                        </p:cTn>
+                                        <p:tgtEl>
+                                          <p:spTgt spid="28"/>
+                                        </p:tgtEl>
+                                        <p:attrNameLst>
+                                          <p:attrName>style.visibility</p:attrName>
+                                        </p:attrNameLst>
+                                      </p:cBhvr>
+                                      <p:to>
+                                        <p:strVal val="visible"/>
+                                      </p:to>
+                                    </p:set>
+                                    <p:animEffect transition="in" filter="fade">
+                                      <p:cBhvr>
+                                        <p:cTn id="68" dur="500"/>
+                                        <p:tgtEl>
+                                          <p:spTgt spid="28"/>
+                                        </p:tgtEl>
+                                      </p:cBhvr>
+                                    </p:animEffect>
+                                  </p:childTnLst>
+                                </p:cTn>
+                              </p:par>
+                            </p:childTnLst>
+                          </p:cTn>
+                        </p:par>
+                      </p:childTnLst>
+                    </p:cTn>
+                  </p:par>
+                </p:childTnLst>
+              </p:cTn>
+              <p:prevCondLst>
+                <p:cond evt="onPrev" delay="0">
+                  <p:tgtEl>
+                    <p:sldTgt/>
+                  </p:tgtEl>
+                </p:cond>
+              </p:prevCondLst>
+              <p:nextCondLst>
+                <p:cond evt="onNext" delay="0">
+                  <p:tgtEl>
+                    <p:sldTgt/>
+                  </p:tgtEl>
+                </p:cond>
+              </p:nextCondLst>
+            </p:seq>
+          </p:childTnLst>
+        </p:cTn>
       </p:par>
     </p:tnLst>
+    <p:bldLst>
+      <p:bldP spid="7" grpId="0" animBg="1"/>
+      <p:bldP spid="8" grpId="0" animBg="1"/>
+      <p:bldP spid="9" grpId="0" animBg="1"/>
+      <p:bldP spid="26" grpId="0" animBg="1"/>
+      <p:bldP spid="27" grpId="0" animBg="1"/>
+      <p:bldP spid="28" grpId="0" animBg="1"/>
+      <p:bldP spid="39" grpId="0" animBg="1"/>
+      <p:bldP spid="40" grpId="0" animBg="1"/>
+      <p:bldP spid="41" grpId="0" animBg="1"/>
+    </p:bldLst>
   </p:timing>
 </p:sld>
 </file>
@@ -9788,7 +13051,7 @@
       </p:grpSpPr>
       <p:sp>
         <p:nvSpPr>
-          <p:cNvPr id="3" name="Content Placeholder 2"/>
+          <p:cNvPr id="2" name="Content Placeholder 1"/>
           <p:cNvSpPr>
             <a:spLocks noGrp="1"/>
           </p:cNvSpPr>
@@ -9796,150 +13059,40 @@
             <p:ph idx="1"/>
           </p:nvPr>
         </p:nvSpPr>
-        <p:spPr>
-          <a:xfrm>
-            <a:off x="380999" y="1752600"/>
-            <a:ext cx="3886201" cy="4407408"/>
-          </a:xfrm>
-        </p:spPr>
-        <p:txBody>
-          <a:bodyPr>
-            <a:normAutofit/>
-          </a:bodyPr>
+        <p:spPr/>
+        <p:txBody>
+          <a:bodyPr/>
           <a:lstStyle/>
           <a:p>
-            <a:pPr marL="45720" indent="0">
-              <a:buNone/>
-            </a:pPr>
-            <a:r>
-              <a:rPr lang="en-US" sz="1600" dirty="0"/>
-              <a:t>fact List {</a:t>
-            </a:r>
-          </a:p>
-          <a:p>
-            <a:pPr marL="45720" indent="0">
-              <a:buNone/>
-            </a:pPr>
-            <a:r>
-              <a:rPr lang="en-US" sz="1600" dirty="0"/>
-              <a:t>key:</a:t>
-            </a:r>
-          </a:p>
-          <a:p>
-            <a:pPr marL="45720" indent="0">
-              <a:buNone/>
-            </a:pPr>
-            <a:r>
-              <a:rPr lang="en-US" sz="1600" dirty="0" smtClean="0"/>
-              <a:t>    string </a:t>
-            </a:r>
-            <a:r>
-              <a:rPr lang="en-US" sz="1600" dirty="0"/>
-              <a:t>identifier;</a:t>
-            </a:r>
-          </a:p>
-          <a:p>
-            <a:pPr marL="45720" indent="0">
-              <a:buNone/>
-            </a:pPr>
-            <a:endParaRPr lang="en-US" sz="1600" dirty="0"/>
-          </a:p>
-          <a:p>
-            <a:pPr marL="45720" indent="0">
-              <a:buNone/>
-            </a:pPr>
-            <a:r>
-              <a:rPr lang="en-US" sz="1600" dirty="0"/>
-              <a:t>query:</a:t>
-            </a:r>
-          </a:p>
-          <a:p>
-            <a:pPr marL="45720" indent="0">
-              <a:buNone/>
-            </a:pPr>
-            <a:r>
-              <a:rPr lang="en-US" sz="1600" dirty="0" smtClean="0"/>
-              <a:t>    Task</a:t>
-            </a:r>
-            <a:r>
-              <a:rPr lang="en-US" sz="1600" dirty="0"/>
-              <a:t>* tasks {</a:t>
-            </a:r>
-          </a:p>
-          <a:p>
-            <a:pPr marL="45720" indent="0">
-              <a:buNone/>
-            </a:pPr>
-            <a:r>
-              <a:rPr lang="en-US" sz="1600" dirty="0" smtClean="0"/>
-              <a:t>        Task </a:t>
-            </a:r>
-            <a:r>
-              <a:rPr lang="en-US" sz="1600" dirty="0"/>
-              <a:t>t : </a:t>
-            </a:r>
-            <a:r>
-              <a:rPr lang="en-US" sz="1600" dirty="0" err="1" smtClean="0"/>
-              <a:t>t.list</a:t>
-            </a:r>
-            <a:r>
-              <a:rPr lang="en-US" sz="1600" dirty="0" smtClean="0"/>
-              <a:t> </a:t>
-            </a:r>
-            <a:r>
-              <a:rPr lang="en-US" sz="1600" dirty="0"/>
-              <a:t>= this</a:t>
-            </a:r>
-          </a:p>
-          <a:p>
-            <a:pPr marL="45720" indent="0">
-              <a:buNone/>
-            </a:pPr>
-            <a:r>
-              <a:rPr lang="en-US" sz="1600" dirty="0" smtClean="0"/>
-              <a:t>            where </a:t>
-            </a:r>
-            <a:r>
-              <a:rPr lang="en-US" sz="1600" dirty="0"/>
-              <a:t>not </a:t>
-            </a:r>
-            <a:r>
-              <a:rPr lang="en-US" sz="1600" dirty="0" err="1"/>
-              <a:t>t.isComplete</a:t>
-            </a:r>
-            <a:endParaRPr lang="en-US" sz="1600" dirty="0"/>
-          </a:p>
-          <a:p>
-            <a:pPr marL="45720" indent="0">
-              <a:buNone/>
-            </a:pPr>
-            <a:r>
-              <a:rPr lang="en-US" sz="1600" dirty="0" smtClean="0"/>
-              <a:t>    }</a:t>
-            </a:r>
-            <a:endParaRPr lang="en-US" sz="1600" dirty="0"/>
-          </a:p>
-          <a:p>
-            <a:pPr marL="45720" indent="0">
-              <a:buNone/>
-            </a:pPr>
-            <a:r>
-              <a:rPr lang="en-US" sz="1600" dirty="0" smtClean="0"/>
-              <a:t>}</a:t>
-            </a:r>
-            <a:endParaRPr lang="en-US" sz="1600" dirty="0"/>
-          </a:p>
-          <a:p>
-            <a:pPr marL="45720" indent="0">
-              <a:buNone/>
-            </a:pPr>
-            <a:endParaRPr lang="en-US" sz="1600" dirty="0"/>
-          </a:p>
-        </p:txBody>
-      </p:sp>
-      <p:sp>
-        <p:nvSpPr>
-          <p:cNvPr id="2" name="Title 1"/>
+            <a:r>
+              <a:rPr lang="en-US" dirty="0" smtClean="0"/>
+              <a:t>Facts are not destroyed</a:t>
+            </a:r>
+          </a:p>
+          <a:p>
+            <a:r>
+              <a:rPr lang="en-US" dirty="0" smtClean="0"/>
+              <a:t>Event stream</a:t>
+            </a:r>
+          </a:p>
+          <a:p>
+            <a:r>
+              <a:rPr lang="en-US" dirty="0" smtClean="0"/>
+              <a:t>Publish/subscribe</a:t>
+            </a:r>
+          </a:p>
+          <a:p>
+            <a:r>
+              <a:rPr lang="en-US" dirty="0" smtClean="0"/>
+              <a:t>Eventually consistent</a:t>
+            </a:r>
+            <a:endParaRPr lang="en-US" dirty="0"/>
+          </a:p>
+        </p:txBody>
+      </p:sp>
+      <p:sp>
+        <p:nvSpPr>
+          <p:cNvPr id="3" name="Title 2"/>
           <p:cNvSpPr>
             <a:spLocks noGrp="1"/>
           </p:cNvSpPr>
@@ -9954,400 +13107,22 @@
           <a:p>
             <a:r>
               <a:rPr lang="en-US" dirty="0" smtClean="0"/>
-              <a:t>Factual</a:t>
+              <a:t>Merged Models</a:t>
             </a:r>
             <a:endParaRPr lang="en-US" dirty="0"/>
-          </a:p>
-        </p:txBody>
-      </p:sp>
-      <p:sp>
-        <p:nvSpPr>
-          <p:cNvPr id="4" name="Content Placeholder 2"/>
-          <p:cNvSpPr txBox="1">
-            <a:spLocks/>
-          </p:cNvSpPr>
-          <p:nvPr/>
-        </p:nvSpPr>
-        <p:spPr>
-          <a:xfrm>
-            <a:off x="4267200" y="1676400"/>
-            <a:ext cx="4648200" cy="5029200"/>
-          </a:xfrm>
-          <a:prstGeom prst="rect">
-            <a:avLst/>
-          </a:prstGeom>
-        </p:spPr>
-        <p:txBody>
-          <a:bodyPr vert="horz" lIns="91440" tIns="45720" rIns="91440" bIns="45720" rtlCol="0">
-            <a:noAutofit/>
-          </a:bodyPr>
-          <a:lstStyle>
-            <a:lvl1pPr marL="274320" indent="-228600" algn="l" defTabSz="914400" rtl="0" eaLnBrk="1" latinLnBrk="0" hangingPunct="1">
-              <a:spcBef>
-                <a:spcPct val="20000"/>
-              </a:spcBef>
-              <a:buClr>
-                <a:schemeClr val="accent1"/>
-              </a:buClr>
-              <a:buFont typeface="Wingdings 2" pitchFamily="18" charset="2"/>
-              <a:buChar char=""/>
-              <a:defRPr sz="2000" kern="1200" spc="150" baseline="0">
-                <a:solidFill>
-                  <a:schemeClr val="tx2"/>
-                </a:solidFill>
-                <a:latin typeface="+mn-lt"/>
-                <a:ea typeface="+mn-ea"/>
-                <a:cs typeface="+mn-cs"/>
-              </a:defRPr>
-            </a:lvl1pPr>
-            <a:lvl2pPr marL="548640" indent="-182880" algn="l" defTabSz="914400" rtl="0" eaLnBrk="1" latinLnBrk="0" hangingPunct="1">
-              <a:spcBef>
-                <a:spcPct val="20000"/>
-              </a:spcBef>
-              <a:buClr>
-                <a:schemeClr val="accent2"/>
-              </a:buClr>
-              <a:buFont typeface="Wingdings" pitchFamily="2" charset="2"/>
-              <a:buChar char="§"/>
-              <a:defRPr sz="1800" kern="1200" spc="100" baseline="0">
-                <a:solidFill>
-                  <a:schemeClr val="tx2"/>
-                </a:solidFill>
-                <a:latin typeface="+mn-lt"/>
-                <a:ea typeface="+mn-ea"/>
-                <a:cs typeface="+mn-cs"/>
-              </a:defRPr>
-            </a:lvl2pPr>
-            <a:lvl3pPr marL="822960" indent="-182880" algn="l" defTabSz="914400" rtl="0" eaLnBrk="1" latinLnBrk="0" hangingPunct="1">
-              <a:spcBef>
-                <a:spcPct val="20000"/>
-              </a:spcBef>
-              <a:buClr>
-                <a:schemeClr val="accent3"/>
-              </a:buClr>
-              <a:buFont typeface="Wingdings" pitchFamily="2" charset="2"/>
-              <a:buChar char="§"/>
-              <a:defRPr sz="1600" kern="1200" spc="100" baseline="0">
-                <a:solidFill>
-                  <a:schemeClr val="tx2"/>
-                </a:solidFill>
-                <a:latin typeface="+mn-lt"/>
-                <a:ea typeface="+mn-ea"/>
-                <a:cs typeface="+mn-cs"/>
-              </a:defRPr>
-            </a:lvl3pPr>
-            <a:lvl4pPr marL="1097280" indent="-182880" algn="l" defTabSz="914400" rtl="0" eaLnBrk="1" latinLnBrk="0" hangingPunct="1">
-              <a:spcBef>
-                <a:spcPct val="20000"/>
-              </a:spcBef>
-              <a:buClr>
-                <a:schemeClr val="accent4"/>
-              </a:buClr>
-              <a:buFont typeface="Wingdings" pitchFamily="2" charset="2"/>
-              <a:buChar char="§"/>
-              <a:defRPr sz="1400" kern="1200">
-                <a:solidFill>
-                  <a:schemeClr val="tx2"/>
-                </a:solidFill>
-                <a:latin typeface="+mn-lt"/>
-                <a:ea typeface="+mn-ea"/>
-                <a:cs typeface="+mn-cs"/>
-              </a:defRPr>
-            </a:lvl4pPr>
-            <a:lvl5pPr marL="1280160" indent="-182880" algn="l" defTabSz="914400" rtl="0" eaLnBrk="1" latinLnBrk="0" hangingPunct="1">
-              <a:spcBef>
-                <a:spcPct val="20000"/>
-              </a:spcBef>
-              <a:buClr>
-                <a:schemeClr val="accent6"/>
-              </a:buClr>
-              <a:buFont typeface="Wingdings" pitchFamily="2" charset="2"/>
-              <a:buChar char="§"/>
-              <a:defRPr sz="1300" kern="1200" spc="100" baseline="0">
-                <a:solidFill>
-                  <a:schemeClr val="tx2"/>
-                </a:solidFill>
-                <a:latin typeface="+mn-lt"/>
-                <a:ea typeface="+mn-ea"/>
-                <a:cs typeface="+mn-cs"/>
-              </a:defRPr>
-            </a:lvl5pPr>
-            <a:lvl6pPr marL="1554480" indent="-182880" algn="l" defTabSz="914400" rtl="0" eaLnBrk="1" latinLnBrk="0" hangingPunct="1">
-              <a:spcBef>
-                <a:spcPct val="20000"/>
-              </a:spcBef>
-              <a:buClr>
-                <a:schemeClr val="accent1"/>
-              </a:buClr>
-              <a:buFont typeface="Wingdings" pitchFamily="2" charset="2"/>
-              <a:buChar char="§"/>
-              <a:defRPr sz="1200" kern="1200">
-                <a:solidFill>
-                  <a:schemeClr val="tx2"/>
-                </a:solidFill>
-                <a:latin typeface="+mn-lt"/>
-                <a:ea typeface="+mn-ea"/>
-                <a:cs typeface="+mn-cs"/>
-              </a:defRPr>
-            </a:lvl6pPr>
-            <a:lvl7pPr marL="1828800" indent="-182880" algn="l" defTabSz="914400" rtl="0" eaLnBrk="1" latinLnBrk="0" hangingPunct="1">
-              <a:spcBef>
-                <a:spcPct val="20000"/>
-              </a:spcBef>
-              <a:buClr>
-                <a:schemeClr val="accent2"/>
-              </a:buClr>
-              <a:buFont typeface="Wingdings" pitchFamily="2" charset="2"/>
-              <a:buChar char="§"/>
-              <a:defRPr sz="1200" kern="1200">
-                <a:solidFill>
-                  <a:schemeClr val="tx2"/>
-                </a:solidFill>
-                <a:latin typeface="+mn-lt"/>
-                <a:ea typeface="+mn-ea"/>
-                <a:cs typeface="+mn-cs"/>
-              </a:defRPr>
-            </a:lvl7pPr>
-            <a:lvl8pPr marL="2103120" indent="-182880" algn="l" defTabSz="914400" rtl="0" eaLnBrk="1" latinLnBrk="0" hangingPunct="1">
-              <a:spcBef>
-                <a:spcPct val="20000"/>
-              </a:spcBef>
-              <a:buClr>
-                <a:schemeClr val="accent3"/>
-              </a:buClr>
-              <a:buFont typeface="Wingdings" pitchFamily="2" charset="2"/>
-              <a:buChar char="§"/>
-              <a:defRPr sz="1200" kern="1200">
-                <a:solidFill>
-                  <a:schemeClr val="tx2"/>
-                </a:solidFill>
-                <a:latin typeface="+mn-lt"/>
-                <a:ea typeface="+mn-ea"/>
-                <a:cs typeface="+mn-cs"/>
-              </a:defRPr>
-            </a:lvl8pPr>
-            <a:lvl9pPr marL="2377440" indent="-182880" algn="l" defTabSz="914400" rtl="0" eaLnBrk="1" latinLnBrk="0" hangingPunct="1">
-              <a:spcBef>
-                <a:spcPct val="20000"/>
-              </a:spcBef>
-              <a:buClr>
-                <a:schemeClr val="accent5"/>
-              </a:buClr>
-              <a:buFont typeface="Wingdings" pitchFamily="2" charset="2"/>
-              <a:buChar char="§"/>
-              <a:defRPr sz="1200" kern="1200">
-                <a:solidFill>
-                  <a:schemeClr val="tx2"/>
-                </a:solidFill>
-                <a:latin typeface="+mn-lt"/>
-                <a:ea typeface="+mn-ea"/>
-                <a:cs typeface="+mn-cs"/>
-              </a:defRPr>
-            </a:lvl9pPr>
-          </a:lstStyle>
-          <a:p>
-            <a:pPr marL="45720" indent="0">
-              <a:buNone/>
-            </a:pPr>
-            <a:r>
-              <a:rPr lang="en-US" sz="1600" dirty="0"/>
-              <a:t>fact Task {</a:t>
-            </a:r>
-          </a:p>
-          <a:p>
-            <a:pPr marL="45720" indent="0">
-              <a:buNone/>
-            </a:pPr>
-            <a:r>
-              <a:rPr lang="en-US" sz="1600" dirty="0"/>
-              <a:t>key:</a:t>
-            </a:r>
-          </a:p>
-          <a:p>
-            <a:pPr marL="45720" indent="0">
-              <a:buNone/>
-            </a:pPr>
-            <a:r>
-              <a:rPr lang="en-US" sz="1600" dirty="0" smtClean="0"/>
-              <a:t>    unique</a:t>
-            </a:r>
-            <a:r>
-              <a:rPr lang="en-US" sz="1600" dirty="0"/>
-              <a:t>;</a:t>
-            </a:r>
-          </a:p>
-          <a:p>
-            <a:pPr marL="45720" indent="0">
-              <a:buNone/>
-            </a:pPr>
-            <a:r>
-              <a:rPr lang="en-US" sz="1600" dirty="0" smtClean="0"/>
-              <a:t>    publish List </a:t>
-            </a:r>
-            <a:r>
-              <a:rPr lang="en-US" sz="1600" dirty="0" err="1" smtClean="0"/>
-              <a:t>list</a:t>
-            </a:r>
-            <a:endParaRPr lang="en-US" sz="1600" dirty="0"/>
-          </a:p>
-          <a:p>
-            <a:pPr marL="45720" indent="0">
-              <a:buNone/>
-            </a:pPr>
-            <a:r>
-              <a:rPr lang="en-US" sz="1600" dirty="0" smtClean="0"/>
-              <a:t>        where </a:t>
-            </a:r>
-            <a:r>
-              <a:rPr lang="en-US" sz="1600" dirty="0"/>
-              <a:t>not </a:t>
-            </a:r>
-            <a:r>
-              <a:rPr lang="en-US" sz="1600" dirty="0" err="1" smtClean="0"/>
-              <a:t>this.isComplete</a:t>
-            </a:r>
-            <a:r>
-              <a:rPr lang="en-US" sz="1600" dirty="0" smtClean="0"/>
-              <a:t>;</a:t>
-            </a:r>
-            <a:endParaRPr lang="en-US" sz="1600" dirty="0"/>
-          </a:p>
-          <a:p>
-            <a:pPr marL="45720" indent="0">
-              <a:buNone/>
-            </a:pPr>
-            <a:r>
-              <a:rPr lang="en-US" sz="1600" dirty="0" smtClean="0"/>
-              <a:t>    time </a:t>
-            </a:r>
-            <a:r>
-              <a:rPr lang="en-US" sz="1600" dirty="0"/>
-              <a:t>created;</a:t>
-            </a:r>
-          </a:p>
-          <a:p>
-            <a:pPr marL="45720" indent="0">
-              <a:buNone/>
-            </a:pPr>
-            <a:endParaRPr lang="en-US" sz="1600" dirty="0"/>
-          </a:p>
-          <a:p>
-            <a:pPr marL="45720" indent="0">
-              <a:buNone/>
-            </a:pPr>
-            <a:r>
-              <a:rPr lang="en-US" sz="1600" dirty="0"/>
-              <a:t>query:</a:t>
-            </a:r>
-          </a:p>
-          <a:p>
-            <a:pPr marL="45720" indent="0">
-              <a:buNone/>
-            </a:pPr>
-            <a:r>
-              <a:rPr lang="en-US" sz="1600" dirty="0" smtClean="0"/>
-              <a:t>    </a:t>
-            </a:r>
-            <a:r>
-              <a:rPr lang="en-US" sz="1600" dirty="0" err="1" smtClean="0"/>
-              <a:t>bool</a:t>
-            </a:r>
-            <a:r>
-              <a:rPr lang="en-US" sz="1600" dirty="0" smtClean="0"/>
-              <a:t> </a:t>
-            </a:r>
-            <a:r>
-              <a:rPr lang="en-US" sz="1600" dirty="0" err="1"/>
-              <a:t>isComplete</a:t>
-            </a:r>
-            <a:r>
-              <a:rPr lang="en-US" sz="1600" dirty="0"/>
-              <a:t> {</a:t>
-            </a:r>
-          </a:p>
-          <a:p>
-            <a:pPr marL="45720" indent="0">
-              <a:buNone/>
-            </a:pPr>
-            <a:r>
-              <a:rPr lang="en-US" sz="1600" dirty="0" smtClean="0"/>
-              <a:t>        exists </a:t>
-            </a:r>
-            <a:r>
-              <a:rPr lang="en-US" sz="1600" dirty="0" err="1"/>
-              <a:t>TaskComplete</a:t>
-            </a:r>
-            <a:r>
-              <a:rPr lang="en-US" sz="1600" dirty="0"/>
-              <a:t> c : </a:t>
-            </a:r>
-            <a:r>
-              <a:rPr lang="en-US" sz="1600" dirty="0" err="1"/>
-              <a:t>c.task</a:t>
-            </a:r>
-            <a:r>
-              <a:rPr lang="en-US" sz="1600" dirty="0"/>
-              <a:t> = this</a:t>
-            </a:r>
-          </a:p>
-          <a:p>
-            <a:pPr marL="45720" indent="0">
-              <a:buNone/>
-            </a:pPr>
-            <a:r>
-              <a:rPr lang="en-US" sz="1600" dirty="0" smtClean="0"/>
-              <a:t>            where </a:t>
-            </a:r>
-            <a:r>
-              <a:rPr lang="en-US" sz="1600" dirty="0"/>
-              <a:t>not </a:t>
-            </a:r>
-            <a:r>
-              <a:rPr lang="en-US" sz="1600" dirty="0" err="1"/>
-              <a:t>c.isUndone</a:t>
-            </a:r>
-            <a:endParaRPr lang="en-US" sz="1600" dirty="0"/>
-          </a:p>
-          <a:p>
-            <a:pPr marL="45720" indent="0">
-              <a:buNone/>
-            </a:pPr>
-            <a:r>
-              <a:rPr lang="en-US" sz="1600" dirty="0" smtClean="0"/>
-              <a:t>    }</a:t>
-            </a:r>
-            <a:endParaRPr lang="en-US" sz="1600" dirty="0"/>
-          </a:p>
-          <a:p>
-            <a:pPr marL="45720" indent="0">
-              <a:buNone/>
-            </a:pPr>
-            <a:r>
-              <a:rPr lang="en-US" sz="1600" dirty="0" smtClean="0"/>
-              <a:t>}</a:t>
-            </a:r>
-            <a:endParaRPr lang="en-US" sz="1600" dirty="0"/>
           </a:p>
         </p:txBody>
       </p:sp>
     </p:spTree>
     <p:extLst>
       <p:ext uri="{BB962C8B-B14F-4D97-AF65-F5344CB8AC3E}">
-        <p14:creationId xmlns:p14="http://schemas.microsoft.com/office/powerpoint/2010/main" val="1816181368"/>
+        <p14:creationId xmlns:p14="http://schemas.microsoft.com/office/powerpoint/2010/main" val="2193702392"/>
       </p:ext>
     </p:extLst>
   </p:cSld>
   <p:clrMapOvr>
     <a:masterClrMapping/>
   </p:clrMapOvr>
-  <mc:AlternateContent xmlns:mc="http://schemas.openxmlformats.org/markup-compatibility/2006" xmlns:p14="http://schemas.microsoft.com/office/powerpoint/2010/main">
-    <mc:Choice Requires="p14">
-      <p:transition spd="slow" p14:dur="2000"/>
-    </mc:Choice>
-    <mc:Fallback xmlns="">
-      <p:transition spd="slow"/>
-    </mc:Fallback>
-  </mc:AlternateContent>
   <p:timing>
     <p:tnLst>
       <p:par>

--- a/Collaborative Android Apps.pptx
+++ b/Collaborative Android Apps.pptx
@@ -5,7 +5,7 @@
     <p:sldMasterId id="2147483972" r:id="rId1"/>
   </p:sldMasterIdLst>
   <p:notesMasterIdLst>
-    <p:notesMasterId r:id="rId21"/>
+    <p:notesMasterId r:id="rId24"/>
   </p:notesMasterIdLst>
   <p:sldIdLst>
     <p:sldId id="256" r:id="rId2"/>
@@ -17,16 +17,19 @@
     <p:sldId id="265" r:id="rId8"/>
     <p:sldId id="276" r:id="rId9"/>
     <p:sldId id="278" r:id="rId10"/>
-    <p:sldId id="260" r:id="rId11"/>
+    <p:sldId id="283" r:id="rId11"/>
     <p:sldId id="261" r:id="rId12"/>
-    <p:sldId id="266" r:id="rId13"/>
-    <p:sldId id="275" r:id="rId14"/>
-    <p:sldId id="263" r:id="rId15"/>
-    <p:sldId id="268" r:id="rId16"/>
-    <p:sldId id="282" r:id="rId17"/>
-    <p:sldId id="270" r:id="rId18"/>
-    <p:sldId id="272" r:id="rId19"/>
-    <p:sldId id="264" r:id="rId20"/>
+    <p:sldId id="260" r:id="rId13"/>
+    <p:sldId id="266" r:id="rId14"/>
+    <p:sldId id="275" r:id="rId15"/>
+    <p:sldId id="284" r:id="rId16"/>
+    <p:sldId id="263" r:id="rId17"/>
+    <p:sldId id="268" r:id="rId18"/>
+    <p:sldId id="282" r:id="rId19"/>
+    <p:sldId id="270" r:id="rId20"/>
+    <p:sldId id="272" r:id="rId21"/>
+    <p:sldId id="285" r:id="rId22"/>
+    <p:sldId id="264" r:id="rId23"/>
   </p:sldIdLst>
   <p:sldSz cx="9144000" cy="6858000" type="screen4x3"/>
   <p:notesSz cx="6858000" cy="9144000"/>
@@ -210,7 +213,7 @@
           <a:p>
             <a:fld id="{BE700BC8-7BD6-4373-AF7E-81392C3FA9BE}" type="datetimeFigureOut">
               <a:rPr lang="en-US" smtClean="0"/>
-              <a:t>8/19/2012</a:t>
+              <a:t>8/20/2012</a:t>
             </a:fld>
             <a:endParaRPr lang="en-US"/>
           </a:p>
@@ -1001,7 +1004,7 @@
           <a:p>
             <a:fld id="{3343E811-A2FF-486D-AA84-CF63E0126C39}" type="datetimeFigureOut">
               <a:rPr lang="en-US" smtClean="0"/>
-              <a:t>8/19/2012</a:t>
+              <a:t>8/20/2012</a:t>
             </a:fld>
             <a:endParaRPr lang="en-US"/>
           </a:p>
@@ -1214,7 +1217,7 @@
           <a:p>
             <a:fld id="{3343E811-A2FF-486D-AA84-CF63E0126C39}" type="datetimeFigureOut">
               <a:rPr lang="en-US" smtClean="0"/>
-              <a:t>8/19/2012</a:t>
+              <a:t>8/20/2012</a:t>
             </a:fld>
             <a:endParaRPr lang="en-US"/>
           </a:p>
@@ -1481,7 +1484,7 @@
           <a:p>
             <a:fld id="{3343E811-A2FF-486D-AA84-CF63E0126C39}" type="datetimeFigureOut">
               <a:rPr lang="en-US" smtClean="0"/>
-              <a:t>8/19/2012</a:t>
+              <a:t>8/20/2012</a:t>
             </a:fld>
             <a:endParaRPr lang="en-US"/>
           </a:p>
@@ -1631,7 +1634,7 @@
           <a:p>
             <a:fld id="{3343E811-A2FF-486D-AA84-CF63E0126C39}" type="datetimeFigureOut">
               <a:rPr lang="en-US" smtClean="0"/>
-              <a:t>8/19/2012</a:t>
+              <a:t>8/20/2012</a:t>
             </a:fld>
             <a:endParaRPr lang="en-US"/>
           </a:p>
@@ -1961,7 +1964,7 @@
           <a:p>
             <a:fld id="{3343E811-A2FF-486D-AA84-CF63E0126C39}" type="datetimeFigureOut">
               <a:rPr lang="en-US" smtClean="0"/>
-              <a:t>8/19/2012</a:t>
+              <a:t>8/20/2012</a:t>
             </a:fld>
             <a:endParaRPr lang="en-US"/>
           </a:p>
@@ -2269,7 +2272,7 @@
           <a:p>
             <a:fld id="{3343E811-A2FF-486D-AA84-CF63E0126C39}" type="datetimeFigureOut">
               <a:rPr lang="en-US" smtClean="0"/>
-              <a:t>8/19/2012</a:t>
+              <a:t>8/20/2012</a:t>
             </a:fld>
             <a:endParaRPr lang="en-US"/>
           </a:p>
@@ -2690,7 +2693,7 @@
           <a:p>
             <a:fld id="{3343E811-A2FF-486D-AA84-CF63E0126C39}" type="datetimeFigureOut">
               <a:rPr lang="en-US" smtClean="0"/>
-              <a:t>8/19/2012</a:t>
+              <a:t>8/20/2012</a:t>
             </a:fld>
             <a:endParaRPr lang="en-US"/>
           </a:p>
@@ -2803,7 +2806,7 @@
           <a:p>
             <a:fld id="{3343E811-A2FF-486D-AA84-CF63E0126C39}" type="datetimeFigureOut">
               <a:rPr lang="en-US" smtClean="0"/>
-              <a:t>8/19/2012</a:t>
+              <a:t>8/20/2012</a:t>
             </a:fld>
             <a:endParaRPr lang="en-US"/>
           </a:p>
@@ -2962,7 +2965,7 @@
           <a:p>
             <a:fld id="{3343E811-A2FF-486D-AA84-CF63E0126C39}" type="datetimeFigureOut">
               <a:rPr lang="en-US" smtClean="0"/>
-              <a:t>8/19/2012</a:t>
+              <a:t>8/20/2012</a:t>
             </a:fld>
             <a:endParaRPr lang="en-US"/>
           </a:p>
@@ -3346,7 +3349,7 @@
           <a:p>
             <a:fld id="{3343E811-A2FF-486D-AA84-CF63E0126C39}" type="datetimeFigureOut">
               <a:rPr lang="en-US" smtClean="0"/>
-              <a:t>8/19/2012</a:t>
+              <a:t>8/20/2012</a:t>
             </a:fld>
             <a:endParaRPr lang="en-US"/>
           </a:p>
@@ -3708,7 +3711,7 @@
           <a:p>
             <a:fld id="{3343E811-A2FF-486D-AA84-CF63E0126C39}" type="datetimeFigureOut">
               <a:rPr lang="en-US" smtClean="0"/>
-              <a:t>8/19/2012</a:t>
+              <a:t>8/20/2012</a:t>
             </a:fld>
             <a:endParaRPr lang="en-US"/>
           </a:p>
@@ -4042,7 +4045,7 @@
           <a:p>
             <a:fld id="{3343E811-A2FF-486D-AA84-CF63E0126C39}" type="datetimeFigureOut">
               <a:rPr lang="en-US" smtClean="0"/>
-              <a:t>8/19/2012</a:t>
+              <a:t>8/20/2012</a:t>
             </a:fld>
             <a:endParaRPr lang="en-US"/>
           </a:p>
@@ -4824,7 +4827,7 @@
           <a:p>
             <a:r>
               <a:rPr lang="en-US" dirty="0" smtClean="0"/>
-              <a:t>Update when necessary</a:t>
+              <a:t>Adapters</a:t>
             </a:r>
             <a:endParaRPr lang="en-US" dirty="0"/>
           </a:p>
@@ -4856,7 +4859,7 @@
     </p:spTree>
     <p:extLst>
       <p:ext uri="{BB962C8B-B14F-4D97-AF65-F5344CB8AC3E}">
-        <p14:creationId xmlns:p14="http://schemas.microsoft.com/office/powerpoint/2010/main" val="1993470407"/>
+        <p14:creationId xmlns:p14="http://schemas.microsoft.com/office/powerpoint/2010/main" val="3440705475"/>
       </p:ext>
     </p:extLst>
   </p:cSld>
@@ -4933,7 +4936,11 @@
               <a:buNone/>
             </a:pPr>
             <a:r>
-              <a:rPr lang="en-US" sz="1600" dirty="0"/>
+              <a:rPr lang="en-US" sz="1600" dirty="0">
+                <a:solidFill>
+                  <a:schemeClr val="accent3"/>
+                </a:solidFill>
+              </a:rPr>
               <a:t>key:</a:t>
             </a:r>
           </a:p>
@@ -4961,7 +4968,11 @@
               <a:buNone/>
             </a:pPr>
             <a:r>
-              <a:rPr lang="en-US" sz="1600" dirty="0"/>
+              <a:rPr lang="en-US" sz="1600" dirty="0">
+                <a:solidFill>
+                  <a:schemeClr val="accent3"/>
+                </a:solidFill>
+              </a:rPr>
               <a:t>query:</a:t>
             </a:r>
           </a:p>
@@ -5066,7 +5077,7 @@
           <a:p>
             <a:r>
               <a:rPr lang="en-US" dirty="0" smtClean="0"/>
-              <a:t>Factual</a:t>
+              <a:t>Factual Modeling Language</a:t>
             </a:r>
             <a:endParaRPr lang="en-US" dirty="0"/>
           </a:p>
@@ -5271,7 +5282,11 @@
               <a:buNone/>
             </a:pPr>
             <a:r>
-              <a:rPr lang="en-US" sz="1600" dirty="0"/>
+              <a:rPr lang="en-US" sz="1600" dirty="0">
+                <a:solidFill>
+                  <a:schemeClr val="accent3"/>
+                </a:solidFill>
+              </a:rPr>
               <a:t>key:</a:t>
             </a:r>
           </a:p>
@@ -5348,7 +5363,11 @@
               <a:buNone/>
             </a:pPr>
             <a:r>
-              <a:rPr lang="en-US" sz="1600" dirty="0"/>
+              <a:rPr lang="en-US" sz="1600" dirty="0">
+                <a:solidFill>
+                  <a:schemeClr val="accent3"/>
+                </a:solidFill>
+              </a:rPr>
               <a:t>query:</a:t>
             </a:r>
           </a:p>
@@ -5471,6 +5490,115 @@
 </file>
 
 <file path=ppt/slides/slide12.xml><?xml version="1.0" encoding="utf-8"?>
+<p:sld xmlns:a="http://schemas.openxmlformats.org/drawingml/2006/main" xmlns:r="http://schemas.openxmlformats.org/officeDocument/2006/relationships" xmlns:p="http://schemas.openxmlformats.org/presentationml/2006/main">
+  <p:cSld>
+    <p:spTree>
+      <p:nvGrpSpPr>
+        <p:cNvPr id="1" name=""/>
+        <p:cNvGrpSpPr/>
+        <p:nvPr/>
+      </p:nvGrpSpPr>
+      <p:grpSpPr>
+        <a:xfrm>
+          <a:off x="0" y="0"/>
+          <a:ext cx="0" cy="0"/>
+          <a:chOff x="0" y="0"/>
+          <a:chExt cx="0" cy="0"/>
+        </a:xfrm>
+      </p:grpSpPr>
+      <p:sp>
+        <p:nvSpPr>
+          <p:cNvPr id="3" name="Content Placeholder 2"/>
+          <p:cNvSpPr>
+            <a:spLocks noGrp="1"/>
+          </p:cNvSpPr>
+          <p:nvPr>
+            <p:ph idx="1"/>
+          </p:nvPr>
+        </p:nvSpPr>
+        <p:spPr/>
+        <p:txBody>
+          <a:bodyPr/>
+          <a:lstStyle/>
+          <a:p>
+            <a:r>
+              <a:rPr lang="en-US" dirty="0" smtClean="0">
+                <a:solidFill>
+                  <a:schemeClr val="bg2">
+                    <a:lumMod val="75000"/>
+                  </a:schemeClr>
+                </a:solidFill>
+              </a:rPr>
+              <a:t>Factual modeling language</a:t>
+            </a:r>
+          </a:p>
+          <a:p>
+            <a:r>
+              <a:rPr lang="en-US" dirty="0" smtClean="0"/>
+              <a:t>Publish/subscribe</a:t>
+            </a:r>
+          </a:p>
+          <a:p>
+            <a:r>
+              <a:rPr lang="en-US" dirty="0" smtClean="0"/>
+              <a:t>Adapters</a:t>
+            </a:r>
+            <a:endParaRPr lang="en-US" dirty="0"/>
+          </a:p>
+        </p:txBody>
+      </p:sp>
+      <p:sp>
+        <p:nvSpPr>
+          <p:cNvPr id="2" name="Title 1"/>
+          <p:cNvSpPr>
+            <a:spLocks noGrp="1"/>
+          </p:cNvSpPr>
+          <p:nvPr>
+            <p:ph type="title"/>
+          </p:nvPr>
+        </p:nvSpPr>
+        <p:spPr/>
+        <p:txBody>
+          <a:bodyPr/>
+          <a:lstStyle/>
+          <a:p>
+            <a:r>
+              <a:rPr lang="en-US" dirty="0" smtClean="0"/>
+              <a:t>Correspondence</a:t>
+            </a:r>
+            <a:endParaRPr lang="en-US" dirty="0"/>
+          </a:p>
+        </p:txBody>
+      </p:sp>
+    </p:spTree>
+    <p:extLst>
+      <p:ext uri="{BB962C8B-B14F-4D97-AF65-F5344CB8AC3E}">
+        <p14:creationId xmlns:p14="http://schemas.microsoft.com/office/powerpoint/2010/main" val="1993470407"/>
+      </p:ext>
+    </p:extLst>
+  </p:cSld>
+  <p:clrMapOvr>
+    <a:masterClrMapping/>
+  </p:clrMapOvr>
+  <mc:AlternateContent xmlns:mc="http://schemas.openxmlformats.org/markup-compatibility/2006" xmlns:p14="http://schemas.microsoft.com/office/powerpoint/2010/main">
+    <mc:Choice Requires="p14">
+      <p:transition spd="slow" p14:dur="2000"/>
+    </mc:Choice>
+    <mc:Fallback xmlns="">
+      <p:transition spd="slow"/>
+    </mc:Fallback>
+  </mc:AlternateContent>
+  <p:timing>
+    <p:tnLst>
+      <p:par>
+        <p:cTn id="1" dur="indefinite" restart="never" nodeType="tmRoot"/>
+      </p:par>
+    </p:tnLst>
+  </p:timing>
+</p:sld>
+</file>
+
+<file path=ppt/slides/slide13.xml><?xml version="1.0" encoding="utf-8"?>
 <p:sld xmlns:a="http://schemas.openxmlformats.org/drawingml/2006/main" xmlns:r="http://schemas.openxmlformats.org/officeDocument/2006/relationships" xmlns:p="http://schemas.openxmlformats.org/presentationml/2006/main">
   <p:cSld>
     <p:spTree>
@@ -6385,7 +6513,7 @@
 </p:sld>
 </file>
 
-<file path=ppt/slides/slide13.xml><?xml version="1.0" encoding="utf-8"?>
+<file path=ppt/slides/slide14.xml><?xml version="1.0" encoding="utf-8"?>
 <p:sld xmlns:a="http://schemas.openxmlformats.org/drawingml/2006/main" xmlns:r="http://schemas.openxmlformats.org/officeDocument/2006/relationships" xmlns:p="http://schemas.openxmlformats.org/presentationml/2006/main">
   <p:cSld>
     <p:spTree>
@@ -6778,11 +6906,7 @@
             </a:r>
             <a:r>
               <a:rPr lang="en-US" sz="1800" dirty="0" smtClean="0"/>
-              <a:t>   </a:t>
-            </a:r>
-            <a:r>
-              <a:rPr lang="en-US" sz="1800" dirty="0" smtClean="0"/>
-              <a:t>return </a:t>
+              <a:t>   return </a:t>
             </a:r>
             <a:r>
               <a:rPr lang="en-US" sz="1800" dirty="0"/>
@@ -7094,118 +7218,6 @@
     <p:extLst>
       <p:ext uri="{BB962C8B-B14F-4D97-AF65-F5344CB8AC3E}">
         <p14:creationId xmlns:p14="http://schemas.microsoft.com/office/powerpoint/2010/main" val="1119232956"/>
-      </p:ext>
-    </p:extLst>
-  </p:cSld>
-  <p:clrMapOvr>
-    <a:masterClrMapping/>
-  </p:clrMapOvr>
-  <mc:AlternateContent xmlns:mc="http://schemas.openxmlformats.org/markup-compatibility/2006" xmlns:p14="http://schemas.microsoft.com/office/powerpoint/2010/main">
-    <mc:Choice Requires="p14">
-      <p:transition spd="slow" p14:dur="2000"/>
-    </mc:Choice>
-    <mc:Fallback xmlns="">
-      <p:transition spd="slow"/>
-    </mc:Fallback>
-  </mc:AlternateContent>
-  <p:timing>
-    <p:tnLst>
-      <p:par>
-        <p:cTn id="1" dur="indefinite" restart="never" nodeType="tmRoot"/>
-      </p:par>
-    </p:tnLst>
-  </p:timing>
-</p:sld>
-</file>
-
-<file path=ppt/slides/slide14.xml><?xml version="1.0" encoding="utf-8"?>
-<p:sld xmlns:a="http://schemas.openxmlformats.org/drawingml/2006/main" xmlns:r="http://schemas.openxmlformats.org/officeDocument/2006/relationships" xmlns:p="http://schemas.openxmlformats.org/presentationml/2006/main">
-  <p:cSld>
-    <p:spTree>
-      <p:nvGrpSpPr>
-        <p:cNvPr id="1" name=""/>
-        <p:cNvGrpSpPr/>
-        <p:nvPr/>
-      </p:nvGrpSpPr>
-      <p:grpSpPr>
-        <a:xfrm>
-          <a:off x="0" y="0"/>
-          <a:ext cx="0" cy="0"/>
-          <a:chOff x="0" y="0"/>
-          <a:chExt cx="0" cy="0"/>
-        </a:xfrm>
-      </p:grpSpPr>
-      <p:sp>
-        <p:nvSpPr>
-          <p:cNvPr id="3" name="Content Placeholder 2"/>
-          <p:cNvSpPr>
-            <a:spLocks noGrp="1"/>
-          </p:cNvSpPr>
-          <p:nvPr>
-            <p:ph idx="1"/>
-          </p:nvPr>
-        </p:nvSpPr>
-        <p:spPr/>
-        <p:txBody>
-          <a:bodyPr/>
-          <a:lstStyle/>
-          <a:p>
-            <a:r>
-              <a:rPr lang="en-US" dirty="0" smtClean="0"/>
-              <a:t>Update when necessary</a:t>
-            </a:r>
-            <a:endParaRPr lang="en-US" dirty="0" smtClean="0"/>
-          </a:p>
-          <a:p>
-            <a:r>
-              <a:rPr lang="en-US" dirty="0" smtClean="0"/>
-              <a:t>Track dependencies</a:t>
-            </a:r>
-          </a:p>
-          <a:p>
-            <a:r>
-              <a:rPr lang="en-US" dirty="0" smtClean="0"/>
-              <a:t>Refresh UI</a:t>
-            </a:r>
-          </a:p>
-          <a:p>
-            <a:r>
-              <a:rPr lang="en-US" dirty="0" smtClean="0"/>
-              <a:t>Capture user input</a:t>
-            </a:r>
-            <a:endParaRPr lang="en-US" dirty="0" smtClean="0"/>
-          </a:p>
-        </p:txBody>
-      </p:sp>
-      <p:sp>
-        <p:nvSpPr>
-          <p:cNvPr id="2" name="Title 1"/>
-          <p:cNvSpPr>
-            <a:spLocks noGrp="1"/>
-          </p:cNvSpPr>
-          <p:nvPr>
-            <p:ph type="title"/>
-          </p:nvPr>
-        </p:nvSpPr>
-        <p:spPr/>
-        <p:txBody>
-          <a:bodyPr>
-            <a:normAutofit/>
-          </a:bodyPr>
-          <a:lstStyle/>
-          <a:p>
-            <a:r>
-              <a:rPr lang="en-US" dirty="0" smtClean="0"/>
-              <a:t>Adapters</a:t>
-            </a:r>
-            <a:endParaRPr lang="en-US" dirty="0"/>
-          </a:p>
-        </p:txBody>
-      </p:sp>
-    </p:spTree>
-    <p:extLst>
-      <p:ext uri="{BB962C8B-B14F-4D97-AF65-F5344CB8AC3E}">
-        <p14:creationId xmlns:p14="http://schemas.microsoft.com/office/powerpoint/2010/main" val="656962569"/>
       </p:ext>
     </p:extLst>
   </p:cSld>
@@ -7249,6 +7261,231 @@
       </p:grpSpPr>
       <p:sp>
         <p:nvSpPr>
+          <p:cNvPr id="3" name="Content Placeholder 2"/>
+          <p:cNvSpPr>
+            <a:spLocks noGrp="1"/>
+          </p:cNvSpPr>
+          <p:nvPr>
+            <p:ph idx="1"/>
+          </p:nvPr>
+        </p:nvSpPr>
+        <p:spPr/>
+        <p:txBody>
+          <a:bodyPr/>
+          <a:lstStyle/>
+          <a:p>
+            <a:r>
+              <a:rPr lang="en-US" dirty="0" smtClean="0">
+                <a:solidFill>
+                  <a:schemeClr val="bg2">
+                    <a:lumMod val="75000"/>
+                  </a:schemeClr>
+                </a:solidFill>
+              </a:rPr>
+              <a:t>Factual modeling language</a:t>
+            </a:r>
+          </a:p>
+          <a:p>
+            <a:r>
+              <a:rPr lang="en-US" dirty="0" smtClean="0">
+                <a:solidFill>
+                  <a:schemeClr val="bg2">
+                    <a:lumMod val="75000"/>
+                  </a:schemeClr>
+                </a:solidFill>
+              </a:rPr>
+              <a:t>Publish/subscribe</a:t>
+            </a:r>
+          </a:p>
+          <a:p>
+            <a:r>
+              <a:rPr lang="en-US" dirty="0" smtClean="0"/>
+              <a:t>Adapters</a:t>
+            </a:r>
+            <a:endParaRPr lang="en-US" dirty="0"/>
+          </a:p>
+        </p:txBody>
+      </p:sp>
+      <p:sp>
+        <p:nvSpPr>
+          <p:cNvPr id="2" name="Title 1"/>
+          <p:cNvSpPr>
+            <a:spLocks noGrp="1"/>
+          </p:cNvSpPr>
+          <p:nvPr>
+            <p:ph type="title"/>
+          </p:nvPr>
+        </p:nvSpPr>
+        <p:spPr/>
+        <p:txBody>
+          <a:bodyPr/>
+          <a:lstStyle/>
+          <a:p>
+            <a:r>
+              <a:rPr lang="en-US" dirty="0" smtClean="0"/>
+              <a:t>Correspondence</a:t>
+            </a:r>
+            <a:endParaRPr lang="en-US" dirty="0"/>
+          </a:p>
+        </p:txBody>
+      </p:sp>
+    </p:spTree>
+    <p:extLst>
+      <p:ext uri="{BB962C8B-B14F-4D97-AF65-F5344CB8AC3E}">
+        <p14:creationId xmlns:p14="http://schemas.microsoft.com/office/powerpoint/2010/main" val="689690622"/>
+      </p:ext>
+    </p:extLst>
+  </p:cSld>
+  <p:clrMapOvr>
+    <a:masterClrMapping/>
+  </p:clrMapOvr>
+  <mc:AlternateContent xmlns:mc="http://schemas.openxmlformats.org/markup-compatibility/2006" xmlns:p14="http://schemas.microsoft.com/office/powerpoint/2010/main">
+    <mc:Choice Requires="p14">
+      <p:transition spd="slow" p14:dur="2000"/>
+    </mc:Choice>
+    <mc:Fallback xmlns="">
+      <p:transition spd="slow"/>
+    </mc:Fallback>
+  </mc:AlternateContent>
+  <p:timing>
+    <p:tnLst>
+      <p:par>
+        <p:cTn id="1" dur="indefinite" restart="never" nodeType="tmRoot"/>
+      </p:par>
+    </p:tnLst>
+  </p:timing>
+</p:sld>
+</file>
+
+<file path=ppt/slides/slide16.xml><?xml version="1.0" encoding="utf-8"?>
+<p:sld xmlns:a="http://schemas.openxmlformats.org/drawingml/2006/main" xmlns:r="http://schemas.openxmlformats.org/officeDocument/2006/relationships" xmlns:p="http://schemas.openxmlformats.org/presentationml/2006/main">
+  <p:cSld>
+    <p:spTree>
+      <p:nvGrpSpPr>
+        <p:cNvPr id="1" name=""/>
+        <p:cNvGrpSpPr/>
+        <p:nvPr/>
+      </p:nvGrpSpPr>
+      <p:grpSpPr>
+        <a:xfrm>
+          <a:off x="0" y="0"/>
+          <a:ext cx="0" cy="0"/>
+          <a:chOff x="0" y="0"/>
+          <a:chExt cx="0" cy="0"/>
+        </a:xfrm>
+      </p:grpSpPr>
+      <p:sp>
+        <p:nvSpPr>
+          <p:cNvPr id="3" name="Content Placeholder 2"/>
+          <p:cNvSpPr>
+            <a:spLocks noGrp="1"/>
+          </p:cNvSpPr>
+          <p:nvPr>
+            <p:ph idx="1"/>
+          </p:nvPr>
+        </p:nvSpPr>
+        <p:spPr/>
+        <p:txBody>
+          <a:bodyPr/>
+          <a:lstStyle/>
+          <a:p>
+            <a:r>
+              <a:rPr lang="en-US" dirty="0" smtClean="0"/>
+              <a:t>Update when necessary</a:t>
+            </a:r>
+          </a:p>
+          <a:p>
+            <a:r>
+              <a:rPr lang="en-US" dirty="0" smtClean="0"/>
+              <a:t>Track dependencies</a:t>
+            </a:r>
+          </a:p>
+          <a:p>
+            <a:r>
+              <a:rPr lang="en-US" dirty="0" smtClean="0"/>
+              <a:t>Refresh UI</a:t>
+            </a:r>
+          </a:p>
+          <a:p>
+            <a:r>
+              <a:rPr lang="en-US" dirty="0" smtClean="0"/>
+              <a:t>Capture user input</a:t>
+            </a:r>
+          </a:p>
+        </p:txBody>
+      </p:sp>
+      <p:sp>
+        <p:nvSpPr>
+          <p:cNvPr id="2" name="Title 1"/>
+          <p:cNvSpPr>
+            <a:spLocks noGrp="1"/>
+          </p:cNvSpPr>
+          <p:nvPr>
+            <p:ph type="title"/>
+          </p:nvPr>
+        </p:nvSpPr>
+        <p:spPr/>
+        <p:txBody>
+          <a:bodyPr>
+            <a:normAutofit/>
+          </a:bodyPr>
+          <a:lstStyle/>
+          <a:p>
+            <a:r>
+              <a:rPr lang="en-US" dirty="0" smtClean="0"/>
+              <a:t>Adapters</a:t>
+            </a:r>
+            <a:endParaRPr lang="en-US" dirty="0"/>
+          </a:p>
+        </p:txBody>
+      </p:sp>
+    </p:spTree>
+    <p:extLst>
+      <p:ext uri="{BB962C8B-B14F-4D97-AF65-F5344CB8AC3E}">
+        <p14:creationId xmlns:p14="http://schemas.microsoft.com/office/powerpoint/2010/main" val="656962569"/>
+      </p:ext>
+    </p:extLst>
+  </p:cSld>
+  <p:clrMapOvr>
+    <a:masterClrMapping/>
+  </p:clrMapOvr>
+  <mc:AlternateContent xmlns:mc="http://schemas.openxmlformats.org/markup-compatibility/2006" xmlns:p14="http://schemas.microsoft.com/office/powerpoint/2010/main">
+    <mc:Choice Requires="p14">
+      <p:transition spd="slow" p14:dur="2000"/>
+    </mc:Choice>
+    <mc:Fallback xmlns="">
+      <p:transition spd="slow"/>
+    </mc:Fallback>
+  </mc:AlternateContent>
+  <p:timing>
+    <p:tnLst>
+      <p:par>
+        <p:cTn id="1" dur="indefinite" restart="never" nodeType="tmRoot"/>
+      </p:par>
+    </p:tnLst>
+  </p:timing>
+</p:sld>
+</file>
+
+<file path=ppt/slides/slide17.xml><?xml version="1.0" encoding="utf-8"?>
+<p:sld xmlns:a="http://schemas.openxmlformats.org/drawingml/2006/main" xmlns:r="http://schemas.openxmlformats.org/officeDocument/2006/relationships" xmlns:p="http://schemas.openxmlformats.org/presentationml/2006/main">
+  <p:cSld>
+    <p:spTree>
+      <p:nvGrpSpPr>
+        <p:cNvPr id="1" name=""/>
+        <p:cNvGrpSpPr/>
+        <p:nvPr/>
+      </p:nvGrpSpPr>
+      <p:grpSpPr>
+        <a:xfrm>
+          <a:off x="0" y="0"/>
+          <a:ext cx="0" cy="0"/>
+          <a:chOff x="0" y="0"/>
+          <a:chExt cx="0" cy="0"/>
+        </a:xfrm>
+      </p:grpSpPr>
+      <p:sp>
+        <p:nvSpPr>
           <p:cNvPr id="2" name="Content Placeholder 1"/>
           <p:cNvSpPr>
             <a:spLocks noGrp="1"/>
@@ -7307,7 +7544,19 @@
             </a:r>
             <a:r>
               <a:rPr lang="en-US" sz="2000" dirty="0"/>
-              <a:t>void update() {</a:t>
+              <a:t>void </a:t>
+            </a:r>
+            <a:r>
+              <a:rPr lang="en-US" sz="2000" dirty="0">
+                <a:solidFill>
+                  <a:schemeClr val="accent3"/>
+                </a:solidFill>
+              </a:rPr>
+              <a:t>update</a:t>
+            </a:r>
+            <a:r>
+              <a:rPr lang="en-US" sz="2000" dirty="0"/>
+              <a:t>() {</a:t>
             </a:r>
           </a:p>
           <a:p>
@@ -7356,7 +7605,19 @@
             </a:r>
             <a:r>
               <a:rPr lang="en-US" sz="2000" dirty="0"/>
-              <a:t>void assign() {</a:t>
+              <a:t>void </a:t>
+            </a:r>
+            <a:r>
+              <a:rPr lang="en-US" sz="2000" dirty="0">
+                <a:solidFill>
+                  <a:schemeClr val="accent3"/>
+                </a:solidFill>
+              </a:rPr>
+              <a:t>assign</a:t>
+            </a:r>
+            <a:r>
+              <a:rPr lang="en-US" sz="2000" dirty="0"/>
+              <a:t>() {</a:t>
             </a:r>
           </a:p>
           <a:p>
@@ -7640,7 +7901,7 @@
 </p:sld>
 </file>
 
-<file path=ppt/slides/slide16.xml><?xml version="1.0" encoding="utf-8"?>
+<file path=ppt/slides/slide18.xml><?xml version="1.0" encoding="utf-8"?>
 <p:sld xmlns:a="http://schemas.openxmlformats.org/drawingml/2006/main" xmlns:r="http://schemas.openxmlformats.org/officeDocument/2006/relationships" xmlns:p="http://schemas.openxmlformats.org/presentationml/2006/main">
   <p:cSld>
     <p:spTree>
@@ -8065,7 +8326,7 @@
 </p:sld>
 </file>
 
-<file path=ppt/slides/slide17.xml><?xml version="1.0" encoding="utf-8"?>
+<file path=ppt/slides/slide19.xml><?xml version="1.0" encoding="utf-8"?>
 <p:sld xmlns:a="http://schemas.openxmlformats.org/drawingml/2006/main" xmlns:r="http://schemas.openxmlformats.org/officeDocument/2006/relationships" xmlns:p="http://schemas.openxmlformats.org/presentationml/2006/main">
   <p:cSld>
     <p:spTree>
@@ -8183,7 +8444,11 @@
               <a:t>        </a:t>
             </a:r>
             <a:r>
-              <a:rPr lang="en-US" sz="2400" dirty="0" err="1" smtClean="0"/>
+              <a:rPr lang="en-US" sz="2400" dirty="0" err="1" smtClean="0">
+                <a:solidFill>
+                  <a:schemeClr val="accent3"/>
+                </a:solidFill>
+              </a:rPr>
               <a:t>this.add</a:t>
             </a:r>
             <a:r>
@@ -8431,13 +8696,8 @@
           <a:p>
             <a:r>
               <a:rPr lang="en-US" dirty="0" smtClean="0"/>
-              <a:t>Executed after each update</a:t>
-            </a:r>
-            <a:r>
-              <a:rPr lang="en-US" dirty="0" smtClean="0"/>
-              <a:t>.</a:t>
-            </a:r>
-            <a:endParaRPr lang="en-US" dirty="0" smtClean="0"/>
+              <a:t>Executed after each update.</a:t>
+            </a:r>
           </a:p>
         </p:txBody>
       </p:sp>
@@ -8461,7 +8721,112 @@
 </p:sld>
 </file>
 
-<file path=ppt/slides/slide18.xml><?xml version="1.0" encoding="utf-8"?>
+<file path=ppt/slides/slide2.xml><?xml version="1.0" encoding="utf-8"?>
+<p:sld xmlns:a="http://schemas.openxmlformats.org/drawingml/2006/main" xmlns:r="http://schemas.openxmlformats.org/officeDocument/2006/relationships" xmlns:p="http://schemas.openxmlformats.org/presentationml/2006/main">
+  <p:cSld>
+    <p:spTree>
+      <p:nvGrpSpPr>
+        <p:cNvPr id="1" name=""/>
+        <p:cNvGrpSpPr/>
+        <p:nvPr/>
+      </p:nvGrpSpPr>
+      <p:grpSpPr>
+        <a:xfrm>
+          <a:off x="0" y="0"/>
+          <a:ext cx="0" cy="0"/>
+          <a:chOff x="0" y="0"/>
+          <a:chExt cx="0" cy="0"/>
+        </a:xfrm>
+      </p:grpSpPr>
+      <p:sp>
+        <p:nvSpPr>
+          <p:cNvPr id="2" name="Content Placeholder 1"/>
+          <p:cNvSpPr>
+            <a:spLocks noGrp="1"/>
+          </p:cNvSpPr>
+          <p:nvPr>
+            <p:ph idx="1"/>
+          </p:nvPr>
+        </p:nvSpPr>
+        <p:spPr>
+          <a:xfrm>
+            <a:off x="685800" y="3352800"/>
+            <a:ext cx="7543801" cy="609601"/>
+          </a:xfrm>
+        </p:spPr>
+        <p:txBody>
+          <a:bodyPr>
+            <a:normAutofit/>
+          </a:bodyPr>
+          <a:lstStyle/>
+          <a:p>
+            <a:pPr marL="45720" indent="0">
+              <a:buNone/>
+            </a:pPr>
+            <a:r>
+              <a:rPr lang="en-US" sz="2400" dirty="0" smtClean="0"/>
+              <a:t>github.com/</a:t>
+            </a:r>
+            <a:r>
+              <a:rPr lang="en-US" sz="2400" dirty="0" err="1" smtClean="0"/>
+              <a:t>MichaelLPerry</a:t>
+            </a:r>
+            <a:r>
+              <a:rPr lang="en-US" sz="2400" dirty="0" smtClean="0"/>
+              <a:t>/</a:t>
+            </a:r>
+            <a:r>
+              <a:rPr lang="en-US" sz="2400" dirty="0" err="1" smtClean="0"/>
+              <a:t>CorrespondenceAndroid</a:t>
+            </a:r>
+            <a:endParaRPr lang="en-US" sz="2400" dirty="0"/>
+          </a:p>
+        </p:txBody>
+      </p:sp>
+      <p:sp>
+        <p:nvSpPr>
+          <p:cNvPr id="3" name="Title 2"/>
+          <p:cNvSpPr>
+            <a:spLocks noGrp="1"/>
+          </p:cNvSpPr>
+          <p:nvPr>
+            <p:ph type="title"/>
+          </p:nvPr>
+        </p:nvSpPr>
+        <p:spPr/>
+        <p:txBody>
+          <a:bodyPr/>
+          <a:lstStyle/>
+          <a:p>
+            <a:r>
+              <a:rPr lang="en-US" dirty="0" smtClean="0"/>
+              <a:t>Follow Along</a:t>
+            </a:r>
+            <a:endParaRPr lang="en-US" dirty="0"/>
+          </a:p>
+        </p:txBody>
+      </p:sp>
+    </p:spTree>
+    <p:extLst>
+      <p:ext uri="{BB962C8B-B14F-4D97-AF65-F5344CB8AC3E}">
+        <p14:creationId xmlns:p14="http://schemas.microsoft.com/office/powerpoint/2010/main" val="1667076671"/>
+      </p:ext>
+    </p:extLst>
+  </p:cSld>
+  <p:clrMapOvr>
+    <a:masterClrMapping/>
+  </p:clrMapOvr>
+  <p:timing>
+    <p:tnLst>
+      <p:par>
+        <p:cTn id="1" dur="indefinite" restart="never" nodeType="tmRoot"/>
+      </p:par>
+    </p:tnLst>
+  </p:timing>
+</p:sld>
+</file>
+
+<file path=ppt/slides/slide20.xml><?xml version="1.0" encoding="utf-8"?>
 <p:sld xmlns:a="http://schemas.openxmlformats.org/drawingml/2006/main" xmlns:r="http://schemas.openxmlformats.org/officeDocument/2006/relationships" xmlns:p="http://schemas.openxmlformats.org/presentationml/2006/main">
   <p:cSld>
     <p:spTree>
@@ -8984,7 +9349,7 @@
 </p:sld>
 </file>
 
-<file path=ppt/slides/slide19.xml><?xml version="1.0" encoding="utf-8"?>
+<file path=ppt/slides/slide21.xml><?xml version="1.0" encoding="utf-8"?>
 <p:sld xmlns:a="http://schemas.openxmlformats.org/drawingml/2006/main" xmlns:r="http://schemas.openxmlformats.org/officeDocument/2006/relationships" xmlns:p="http://schemas.openxmlformats.org/presentationml/2006/main">
   <p:cSld>
     <p:spTree>
@@ -9018,25 +9383,19 @@
           <a:p>
             <a:r>
               <a:rPr lang="en-US" dirty="0" smtClean="0"/>
-              <a:t>CorrespondenceCloud.com</a:t>
+              <a:t>Factual modeling language</a:t>
             </a:r>
           </a:p>
           <a:p>
             <a:r>
               <a:rPr lang="en-US" dirty="0" smtClean="0"/>
-              <a:t>Fork the code</a:t>
+              <a:t>Publish/subscribe</a:t>
             </a:r>
           </a:p>
           <a:p>
             <a:r>
               <a:rPr lang="en-US" dirty="0" smtClean="0"/>
-              <a:t>Get an API key</a:t>
-            </a:r>
-          </a:p>
-          <a:p>
-            <a:r>
-              <a:rPr lang="en-US" dirty="0" smtClean="0"/>
-              <a:t>Build your own collaborative app</a:t>
+              <a:t>Adapters</a:t>
             </a:r>
             <a:endParaRPr lang="en-US" dirty="0"/>
           </a:p>
@@ -9059,7 +9418,7 @@
           <a:p>
             <a:r>
               <a:rPr lang="en-US" dirty="0" smtClean="0"/>
-              <a:t>Next Steps</a:t>
+              <a:t>Correspondence</a:t>
             </a:r>
             <a:endParaRPr lang="en-US" dirty="0"/>
           </a:p>
@@ -9068,7 +9427,7 @@
     </p:spTree>
     <p:extLst>
       <p:ext uri="{BB962C8B-B14F-4D97-AF65-F5344CB8AC3E}">
-        <p14:creationId xmlns:p14="http://schemas.microsoft.com/office/powerpoint/2010/main" val="1252459260"/>
+        <p14:creationId xmlns:p14="http://schemas.microsoft.com/office/powerpoint/2010/main" val="1021722275"/>
       </p:ext>
     </p:extLst>
   </p:cSld>
@@ -9093,7 +9452,7 @@
 </p:sld>
 </file>
 
-<file path=ppt/slides/slide2.xml><?xml version="1.0" encoding="utf-8"?>
+<file path=ppt/slides/slide22.xml><?xml version="1.0" encoding="utf-8"?>
 <p:sld xmlns:a="http://schemas.openxmlformats.org/drawingml/2006/main" xmlns:r="http://schemas.openxmlformats.org/officeDocument/2006/relationships" xmlns:p="http://schemas.openxmlformats.org/presentationml/2006/main">
   <p:cSld>
     <p:spTree>
@@ -9112,7 +9471,7 @@
       </p:grpSpPr>
       <p:sp>
         <p:nvSpPr>
-          <p:cNvPr id="2" name="Content Placeholder 1"/>
+          <p:cNvPr id="3" name="Content Placeholder 2"/>
           <p:cNvSpPr>
             <a:spLocks noGrp="1"/>
           </p:cNvSpPr>
@@ -9120,44 +9479,40 @@
             <p:ph idx="1"/>
           </p:nvPr>
         </p:nvSpPr>
-        <p:spPr>
-          <a:xfrm>
-            <a:off x="685800" y="3352800"/>
-            <a:ext cx="7543801" cy="609601"/>
-          </a:xfrm>
-        </p:spPr>
-        <p:txBody>
-          <a:bodyPr>
-            <a:normAutofit/>
-          </a:bodyPr>
+        <p:spPr/>
+        <p:txBody>
+          <a:bodyPr/>
           <a:lstStyle/>
           <a:p>
-            <a:pPr marL="45720" indent="0">
-              <a:buNone/>
-            </a:pPr>
-            <a:r>
-              <a:rPr lang="en-US" sz="2400" dirty="0" smtClean="0"/>
-              <a:t>github.com/</a:t>
-            </a:r>
-            <a:r>
-              <a:rPr lang="en-US" sz="2400" dirty="0" err="1" smtClean="0"/>
-              <a:t>MichaelLPerry</a:t>
-            </a:r>
-            <a:r>
-              <a:rPr lang="en-US" sz="2400" dirty="0" smtClean="0"/>
-              <a:t>/</a:t>
-            </a:r>
-            <a:r>
-              <a:rPr lang="en-US" sz="2400" dirty="0" err="1" smtClean="0"/>
-              <a:t>CorrespondenceAndroid</a:t>
-            </a:r>
-            <a:endParaRPr lang="en-US" sz="2400" dirty="0"/>
-          </a:p>
-        </p:txBody>
-      </p:sp>
-      <p:sp>
-        <p:nvSpPr>
-          <p:cNvPr id="3" name="Title 2"/>
+            <a:r>
+              <a:rPr lang="en-US" dirty="0" smtClean="0"/>
+              <a:t>CorrespondenceCloud.com</a:t>
+            </a:r>
+          </a:p>
+          <a:p>
+            <a:r>
+              <a:rPr lang="en-US" dirty="0" smtClean="0"/>
+              <a:t>Fork the code</a:t>
+            </a:r>
+          </a:p>
+          <a:p>
+            <a:r>
+              <a:rPr lang="en-US" dirty="0" smtClean="0"/>
+              <a:t>Get an API key</a:t>
+            </a:r>
+          </a:p>
+          <a:p>
+            <a:r>
+              <a:rPr lang="en-US" dirty="0" smtClean="0"/>
+              <a:t>Build your own collaborative app</a:t>
+            </a:r>
+            <a:endParaRPr lang="en-US" dirty="0"/>
+          </a:p>
+        </p:txBody>
+      </p:sp>
+      <p:sp>
+        <p:nvSpPr>
+          <p:cNvPr id="2" name="Title 1"/>
           <p:cNvSpPr>
             <a:spLocks noGrp="1"/>
           </p:cNvSpPr>
@@ -9172,7 +9527,7 @@
           <a:p>
             <a:r>
               <a:rPr lang="en-US" dirty="0" smtClean="0"/>
-              <a:t>Follow Along</a:t>
+              <a:t>Next Steps</a:t>
             </a:r>
             <a:endParaRPr lang="en-US" dirty="0"/>
           </a:p>
@@ -9181,13 +9536,21 @@
     </p:spTree>
     <p:extLst>
       <p:ext uri="{BB962C8B-B14F-4D97-AF65-F5344CB8AC3E}">
-        <p14:creationId xmlns:p14="http://schemas.microsoft.com/office/powerpoint/2010/main" val="1667076671"/>
+        <p14:creationId xmlns:p14="http://schemas.microsoft.com/office/powerpoint/2010/main" val="1252459260"/>
       </p:ext>
     </p:extLst>
   </p:cSld>
   <p:clrMapOvr>
     <a:masterClrMapping/>
   </p:clrMapOvr>
+  <mc:AlternateContent xmlns:mc="http://schemas.openxmlformats.org/markup-compatibility/2006" xmlns:p14="http://schemas.microsoft.com/office/powerpoint/2010/main">
+    <mc:Choice Requires="p14">
+      <p:transition spd="slow" p14:dur="2000"/>
+    </mc:Choice>
+    <mc:Fallback xmlns="">
+      <p:transition spd="slow"/>
+    </mc:Fallback>
+  </mc:AlternateContent>
   <p:timing>
     <p:tnLst>
       <p:par>
@@ -9654,7 +10017,6 @@
               <a:rPr lang="en-US" dirty="0" smtClean="0"/>
               <a:t>Web Content</a:t>
             </a:r>
-            <a:endParaRPr lang="en-US" dirty="0" smtClean="0"/>
           </a:p>
           <a:p>
             <a:r>
@@ -9827,7 +10189,7 @@
         </p:nvSpPr>
         <p:spPr>
           <a:xfrm>
-            <a:off x="1066800" y="2057400"/>
+            <a:off x="1066800" y="1855548"/>
             <a:ext cx="1676400" cy="533400"/>
           </a:xfrm>
           <a:prstGeom prst="ellipse">
@@ -9915,7 +10277,7 @@
         </p:nvSpPr>
         <p:spPr>
           <a:xfrm>
-            <a:off x="3531840" y="2057400"/>
+            <a:off x="3505200" y="2388948"/>
             <a:ext cx="1676400" cy="533400"/>
           </a:xfrm>
           <a:prstGeom prst="ellipse">
@@ -10094,8 +10456,8 @@
         </p:nvCxnSpPr>
         <p:spPr>
           <a:xfrm flipH="1" flipV="1">
-            <a:off x="1905000" y="2590800"/>
-            <a:ext cx="335023" cy="740229"/>
+            <a:off x="1905000" y="2388948"/>
+            <a:ext cx="335023" cy="942081"/>
           </a:xfrm>
           <a:prstGeom prst="straightConnector1">
             <a:avLst/>
@@ -10130,8 +10492,8 @@
         </p:nvCxnSpPr>
         <p:spPr>
           <a:xfrm flipV="1">
-            <a:off x="3425417" y="2512685"/>
-            <a:ext cx="351926" cy="818344"/>
+            <a:off x="3425417" y="2844233"/>
+            <a:ext cx="325286" cy="486796"/>
           </a:xfrm>
           <a:prstGeom prst="straightConnector1">
             <a:avLst/>
@@ -10166,8 +10528,8 @@
         </p:nvCxnSpPr>
         <p:spPr>
           <a:xfrm flipH="1" flipV="1">
-            <a:off x="4962737" y="2512685"/>
-            <a:ext cx="464366" cy="842030"/>
+            <a:off x="4936097" y="2844233"/>
+            <a:ext cx="491006" cy="510482"/>
           </a:xfrm>
           <a:prstGeom prst="straightConnector1">
             <a:avLst/>
@@ -13066,8 +13428,19 @@
           <a:p>
             <a:r>
               <a:rPr lang="en-US" dirty="0" smtClean="0"/>
-              <a:t>Facts are not destroyed</a:t>
-            </a:r>
+              <a:t>Facts are not </a:t>
+            </a:r>
+            <a:r>
+              <a:rPr lang="en-US" dirty="0" smtClean="0"/>
+              <a:t>destroyed</a:t>
+            </a:r>
+          </a:p>
+          <a:p>
+            <a:r>
+              <a:rPr lang="en-US" dirty="0" smtClean="0"/>
+              <a:t>Facts are not changed</a:t>
+            </a:r>
+            <a:endParaRPr lang="en-US" dirty="0" smtClean="0"/>
           </a:p>
           <a:p>
             <a:r>

--- a/Collaborative Android Apps.pptx
+++ b/Collaborative Android Apps.pptx
@@ -12702,6 +12702,28 @@
                                   </p:childTnLst>
                                 </p:cTn>
                               </p:par>
+                              <p:par>
+                                <p:cTn id="11" presetID="42" presetClass="path" presetSubtype="0" accel="50000" decel="50000" fill="hold" grpId="1" nodeType="withEffect">
+                                  <p:stCondLst>
+                                    <p:cond delay="0"/>
+                                  </p:stCondLst>
+                                  <p:childTnLst>
+                                    <p:animMotion origin="layout" path="M 1.38889E-6 -3.98844E-6 L 0.10712 0.0037 " pathEditMode="relative" rAng="0" ptsTypes="AA">
+                                      <p:cBhvr>
+                                        <p:cTn id="12" dur="500" spd="-100000" fill="hold"/>
+                                        <p:tgtEl>
+                                          <p:spTgt spid="39"/>
+                                        </p:tgtEl>
+                                        <p:attrNameLst>
+                                          <p:attrName>ppt_x</p:attrName>
+                                          <p:attrName>ppt_y</p:attrName>
+                                        </p:attrNameLst>
+                                      </p:cBhvr>
+                                      <p:rCtr x="5347" y="185"/>
+                                    </p:animMotion>
+                                  </p:childTnLst>
+                                </p:cTn>
+                              </p:par>
                             </p:childTnLst>
                           </p:cTn>
                         </p:par>
@@ -12709,26 +12731,26 @@
                     </p:cTn>
                   </p:par>
                   <p:par>
-                    <p:cTn id="11" fill="hold">
+                    <p:cTn id="13" fill="hold">
                       <p:stCondLst>
                         <p:cond delay="indefinite"/>
                       </p:stCondLst>
                       <p:childTnLst>
                         <p:par>
-                          <p:cTn id="12" fill="hold">
+                          <p:cTn id="14" fill="hold">
                             <p:stCondLst>
                               <p:cond delay="0"/>
                             </p:stCondLst>
                             <p:childTnLst>
                               <p:par>
-                                <p:cTn id="13" presetID="10" presetClass="entr" presetSubtype="0" fill="hold" nodeType="clickEffect">
+                                <p:cTn id="15" presetID="10" presetClass="entr" presetSubtype="0" fill="hold" nodeType="clickEffect">
                                   <p:stCondLst>
                                     <p:cond delay="0"/>
                                   </p:stCondLst>
                                   <p:childTnLst>
                                     <p:set>
                                       <p:cBhvr>
-                                        <p:cTn id="14" dur="1" fill="hold">
+                                        <p:cTn id="16" dur="1" fill="hold">
                                           <p:stCondLst>
                                             <p:cond delay="0"/>
                                           </p:stCondLst>
@@ -12746,7 +12768,7 @@
                                     </p:set>
                                     <p:animEffect transition="in" filter="fade">
                                       <p:cBhvr>
-                                        <p:cTn id="15" dur="500"/>
+                                        <p:cTn id="17" dur="500"/>
                                         <p:tgtEl>
                                           <p:spTgt spid="31"/>
                                         </p:tgtEl>
@@ -12756,14 +12778,14 @@
                                 </p:cTn>
                               </p:par>
                               <p:par>
-                                <p:cTn id="16" presetID="10" presetClass="entr" presetSubtype="0" fill="hold" grpId="0" nodeType="withEffect">
+                                <p:cTn id="18" presetID="10" presetClass="entr" presetSubtype="0" fill="hold" grpId="0" nodeType="withEffect">
                                   <p:stCondLst>
                                     <p:cond delay="0"/>
                                   </p:stCondLst>
                                   <p:childTnLst>
                                     <p:set>
                                       <p:cBhvr>
-                                        <p:cTn id="17" dur="1" fill="hold">
+                                        <p:cTn id="19" dur="1" fill="hold">
                                           <p:stCondLst>
                                             <p:cond delay="0"/>
                                           </p:stCondLst>
@@ -12781,7 +12803,7 @@
                                     </p:set>
                                     <p:animEffect transition="in" filter="fade">
                                       <p:cBhvr>
-                                        <p:cTn id="18" dur="500"/>
+                                        <p:cTn id="20" dur="500"/>
                                         <p:tgtEl>
                                           <p:spTgt spid="26"/>
                                         </p:tgtEl>
@@ -12791,14 +12813,36 @@
                                 </p:cTn>
                               </p:par>
                               <p:par>
-                                <p:cTn id="19" presetID="10" presetClass="entr" presetSubtype="0" fill="hold" nodeType="withEffect">
+                                <p:cTn id="21" presetID="42" presetClass="path" presetSubtype="0" accel="50000" decel="50000" fill="hold" grpId="1" nodeType="withEffect">
+                                  <p:stCondLst>
+                                    <p:cond delay="0"/>
+                                  </p:stCondLst>
+                                  <p:childTnLst>
+                                    <p:animMotion origin="layout" path="M -4.44444E-6 -4.67731E-6 L -0.08402 0.06038 " pathEditMode="relative" rAng="0" ptsTypes="AA">
+                                      <p:cBhvr>
+                                        <p:cTn id="22" dur="500" spd="-100000" fill="hold"/>
+                                        <p:tgtEl>
+                                          <p:spTgt spid="26"/>
+                                        </p:tgtEl>
+                                        <p:attrNameLst>
+                                          <p:attrName>ppt_x</p:attrName>
+                                          <p:attrName>ppt_y</p:attrName>
+                                        </p:attrNameLst>
+                                      </p:cBhvr>
+                                      <p:rCtr x="-4201" y="3007"/>
+                                    </p:animMotion>
+                                  </p:childTnLst>
+                                </p:cTn>
+                              </p:par>
+                              <p:par>
+                                <p:cTn id="23" presetID="10" presetClass="entr" presetSubtype="0" fill="hold" nodeType="withEffect">
                                   <p:stCondLst>
                                     <p:cond delay="0"/>
                                   </p:stCondLst>
                                   <p:childTnLst>
                                     <p:set>
                                       <p:cBhvr>
-                                        <p:cTn id="20" dur="1" fill="hold">
+                                        <p:cTn id="24" dur="1" fill="hold">
                                           <p:stCondLst>
                                             <p:cond delay="0"/>
                                           </p:stCondLst>
@@ -12816,7 +12860,7 @@
                                     </p:set>
                                     <p:animEffect transition="in" filter="fade">
                                       <p:cBhvr>
-                                        <p:cTn id="21" dur="500"/>
+                                        <p:cTn id="25" dur="500"/>
                                         <p:tgtEl>
                                           <p:spTgt spid="12"/>
                                         </p:tgtEl>
@@ -12826,14 +12870,14 @@
                                 </p:cTn>
                               </p:par>
                               <p:par>
-                                <p:cTn id="22" presetID="10" presetClass="entr" presetSubtype="0" fill="hold" grpId="0" nodeType="withEffect">
+                                <p:cTn id="26" presetID="10" presetClass="entr" presetSubtype="0" fill="hold" grpId="0" nodeType="withEffect">
                                   <p:stCondLst>
                                     <p:cond delay="0"/>
                                   </p:stCondLst>
                                   <p:childTnLst>
                                     <p:set>
                                       <p:cBhvr>
-                                        <p:cTn id="23" dur="1" fill="hold">
+                                        <p:cTn id="27" dur="1" fill="hold">
                                           <p:stCondLst>
                                             <p:cond delay="0"/>
                                           </p:stCondLst>
@@ -12851,12 +12895,34 @@
                                     </p:set>
                                     <p:animEffect transition="in" filter="fade">
                                       <p:cBhvr>
-                                        <p:cTn id="24" dur="500"/>
+                                        <p:cTn id="28" dur="500"/>
                                         <p:tgtEl>
                                           <p:spTgt spid="7"/>
                                         </p:tgtEl>
                                       </p:cBhvr>
                                     </p:animEffect>
+                                  </p:childTnLst>
+                                </p:cTn>
+                              </p:par>
+                              <p:par>
+                                <p:cTn id="29" presetID="42" presetClass="path" presetSubtype="0" accel="50000" decel="50000" fill="hold" grpId="1" nodeType="withEffect">
+                                  <p:stCondLst>
+                                    <p:cond delay="0"/>
+                                  </p:stCondLst>
+                                  <p:childTnLst>
+                                    <p:animMotion origin="layout" path="M 2.5E-6 -1.65626E-6 L 0.07448 0.07726 " pathEditMode="relative" rAng="0" ptsTypes="AA">
+                                      <p:cBhvr>
+                                        <p:cTn id="30" dur="500" spd="-100000" fill="hold"/>
+                                        <p:tgtEl>
+                                          <p:spTgt spid="7"/>
+                                        </p:tgtEl>
+                                        <p:attrNameLst>
+                                          <p:attrName>ppt_x</p:attrName>
+                                          <p:attrName>ppt_y</p:attrName>
+                                        </p:attrNameLst>
+                                      </p:cBhvr>
+                                      <p:rCtr x="3715" y="3863"/>
+                                    </p:animMotion>
                                   </p:childTnLst>
                                 </p:cTn>
                               </p:par>
@@ -12867,26 +12933,26 @@
                     </p:cTn>
                   </p:par>
                   <p:par>
-                    <p:cTn id="25" fill="hold">
+                    <p:cTn id="31" fill="hold">
                       <p:stCondLst>
                         <p:cond delay="indefinite"/>
                       </p:stCondLst>
                       <p:childTnLst>
                         <p:par>
-                          <p:cTn id="26" fill="hold">
+                          <p:cTn id="32" fill="hold">
                             <p:stCondLst>
                               <p:cond delay="0"/>
                             </p:stCondLst>
                             <p:childTnLst>
                               <p:par>
-                                <p:cTn id="27" presetID="10" presetClass="entr" presetSubtype="0" fill="hold" nodeType="clickEffect">
+                                <p:cTn id="33" presetID="10" presetClass="entr" presetSubtype="0" fill="hold" nodeType="clickEffect">
                                   <p:stCondLst>
                                     <p:cond delay="0"/>
                                   </p:stCondLst>
                                   <p:childTnLst>
                                     <p:set>
                                       <p:cBhvr>
-                                        <p:cTn id="28" dur="1" fill="hold">
+                                        <p:cTn id="34" dur="1" fill="hold">
                                           <p:stCondLst>
                                             <p:cond delay="0"/>
                                           </p:stCondLst>
@@ -12904,7 +12970,7 @@
                                     </p:set>
                                     <p:animEffect transition="in" filter="fade">
                                       <p:cBhvr>
-                                        <p:cTn id="29" dur="500"/>
+                                        <p:cTn id="35" dur="500"/>
                                         <p:tgtEl>
                                           <p:spTgt spid="32"/>
                                         </p:tgtEl>
@@ -12914,14 +12980,14 @@
                                 </p:cTn>
                               </p:par>
                               <p:par>
-                                <p:cTn id="30" presetID="10" presetClass="entr" presetSubtype="0" fill="hold" grpId="0" nodeType="withEffect">
+                                <p:cTn id="36" presetID="10" presetClass="entr" presetSubtype="0" fill="hold" grpId="0" nodeType="withEffect">
                                   <p:stCondLst>
                                     <p:cond delay="0"/>
                                   </p:stCondLst>
                                   <p:childTnLst>
                                     <p:set>
                                       <p:cBhvr>
-                                        <p:cTn id="31" dur="1" fill="hold">
+                                        <p:cTn id="37" dur="1" fill="hold">
                                           <p:stCondLst>
                                             <p:cond delay="0"/>
                                           </p:stCondLst>
@@ -12939,12 +13005,34 @@
                                     </p:set>
                                     <p:animEffect transition="in" filter="fade">
                                       <p:cBhvr>
-                                        <p:cTn id="32" dur="500"/>
+                                        <p:cTn id="38" dur="500"/>
                                         <p:tgtEl>
                                           <p:spTgt spid="27"/>
                                         </p:tgtEl>
                                       </p:cBhvr>
                                     </p:animEffect>
+                                  </p:childTnLst>
+                                </p:cTn>
+                              </p:par>
+                              <p:par>
+                                <p:cTn id="39" presetID="42" presetClass="path" presetSubtype="0" accel="50000" decel="50000" fill="hold" grpId="1" nodeType="withEffect">
+                                  <p:stCondLst>
+                                    <p:cond delay="0"/>
+                                  </p:stCondLst>
+                                  <p:childTnLst>
+                                    <p:animMotion origin="layout" path="M 1.38889E-6 -3.18297E-6 L 0.09462 -0.01295 " pathEditMode="relative" rAng="0" ptsTypes="AA">
+                                      <p:cBhvr>
+                                        <p:cTn id="40" dur="500" spd="-100000" fill="hold"/>
+                                        <p:tgtEl>
+                                          <p:spTgt spid="27"/>
+                                        </p:tgtEl>
+                                        <p:attrNameLst>
+                                          <p:attrName>ppt_x</p:attrName>
+                                          <p:attrName>ppt_y</p:attrName>
+                                        </p:attrNameLst>
+                                      </p:cBhvr>
+                                      <p:rCtr x="4722" y="-648"/>
+                                    </p:animMotion>
                                   </p:childTnLst>
                                 </p:cTn>
                               </p:par>
@@ -12955,26 +13043,26 @@
                     </p:cTn>
                   </p:par>
                   <p:par>
-                    <p:cTn id="33" fill="hold">
+                    <p:cTn id="41" fill="hold">
                       <p:stCondLst>
                         <p:cond delay="indefinite"/>
                       </p:stCondLst>
                       <p:childTnLst>
                         <p:par>
-                          <p:cTn id="34" fill="hold">
+                          <p:cTn id="42" fill="hold">
                             <p:stCondLst>
                               <p:cond delay="0"/>
                             </p:stCondLst>
                             <p:childTnLst>
                               <p:par>
-                                <p:cTn id="35" presetID="10" presetClass="entr" presetSubtype="0" fill="hold" nodeType="clickEffect">
+                                <p:cTn id="43" presetID="10" presetClass="entr" presetSubtype="0" fill="hold" nodeType="clickEffect">
                                   <p:stCondLst>
                                     <p:cond delay="0"/>
                                   </p:stCondLst>
                                   <p:childTnLst>
                                     <p:set>
                                       <p:cBhvr>
-                                        <p:cTn id="36" dur="1" fill="hold">
+                                        <p:cTn id="44" dur="1" fill="hold">
                                           <p:stCondLst>
                                             <p:cond delay="0"/>
                                           </p:stCondLst>
@@ -12992,7 +13080,7 @@
                                     </p:set>
                                     <p:animEffect transition="in" filter="fade">
                                       <p:cBhvr>
-                                        <p:cTn id="37" dur="500"/>
+                                        <p:cTn id="45" dur="500"/>
                                         <p:tgtEl>
                                           <p:spTgt spid="45"/>
                                         </p:tgtEl>
@@ -13002,14 +13090,14 @@
                                 </p:cTn>
                               </p:par>
                               <p:par>
-                                <p:cTn id="38" presetID="10" presetClass="entr" presetSubtype="0" fill="hold" grpId="0" nodeType="withEffect">
+                                <p:cTn id="46" presetID="10" presetClass="entr" presetSubtype="0" fill="hold" grpId="0" nodeType="withEffect">
                                   <p:stCondLst>
                                     <p:cond delay="0"/>
                                   </p:stCondLst>
                                   <p:childTnLst>
                                     <p:set>
                                       <p:cBhvr>
-                                        <p:cTn id="39" dur="1" fill="hold">
+                                        <p:cTn id="47" dur="1" fill="hold">
                                           <p:stCondLst>
                                             <p:cond delay="0"/>
                                           </p:stCondLst>
@@ -13027,7 +13115,7 @@
                                     </p:set>
                                     <p:animEffect transition="in" filter="fade">
                                       <p:cBhvr>
-                                        <p:cTn id="40" dur="500"/>
+                                        <p:cTn id="48" dur="500"/>
                                         <p:tgtEl>
                                           <p:spTgt spid="40"/>
                                         </p:tgtEl>
@@ -13037,14 +13125,36 @@
                                 </p:cTn>
                               </p:par>
                               <p:par>
-                                <p:cTn id="41" presetID="10" presetClass="entr" presetSubtype="0" fill="hold" nodeType="withEffect">
+                                <p:cTn id="49" presetID="42" presetClass="path" presetSubtype="0" accel="50000" decel="50000" fill="hold" grpId="1" nodeType="withEffect">
+                                  <p:stCondLst>
+                                    <p:cond delay="0"/>
+                                  </p:stCondLst>
+                                  <p:childTnLst>
+                                    <p:animMotion origin="layout" path="M 3.61111E-6 -3.7037E-6 L -0.01441 -0.13634 " pathEditMode="relative" rAng="0" ptsTypes="AA">
+                                      <p:cBhvr>
+                                        <p:cTn id="50" dur="500" spd="-100000" fill="hold"/>
+                                        <p:tgtEl>
+                                          <p:spTgt spid="40"/>
+                                        </p:tgtEl>
+                                        <p:attrNameLst>
+                                          <p:attrName>ppt_x</p:attrName>
+                                          <p:attrName>ppt_y</p:attrName>
+                                        </p:attrNameLst>
+                                      </p:cBhvr>
+                                      <p:rCtr x="-729" y="-6829"/>
+                                    </p:animMotion>
+                                  </p:childTnLst>
+                                </p:cTn>
+                              </p:par>
+                              <p:par>
+                                <p:cTn id="51" presetID="10" presetClass="entr" presetSubtype="0" fill="hold" nodeType="withEffect">
                                   <p:stCondLst>
                                     <p:cond delay="0"/>
                                   </p:stCondLst>
                                   <p:childTnLst>
                                     <p:set>
                                       <p:cBhvr>
-                                        <p:cTn id="42" dur="1" fill="hold">
+                                        <p:cTn id="52" dur="1" fill="hold">
                                           <p:stCondLst>
                                             <p:cond delay="0"/>
                                           </p:stCondLst>
@@ -13062,7 +13172,7 @@
                                     </p:set>
                                     <p:animEffect transition="in" filter="fade">
                                       <p:cBhvr>
-                                        <p:cTn id="43" dur="500"/>
+                                        <p:cTn id="53" dur="500"/>
                                         <p:tgtEl>
                                           <p:spTgt spid="13"/>
                                         </p:tgtEl>
@@ -13072,14 +13182,14 @@
                                 </p:cTn>
                               </p:par>
                               <p:par>
-                                <p:cTn id="44" presetID="10" presetClass="entr" presetSubtype="0" fill="hold" grpId="0" nodeType="withEffect">
+                                <p:cTn id="54" presetID="10" presetClass="entr" presetSubtype="0" fill="hold" grpId="0" nodeType="withEffect">
                                   <p:stCondLst>
                                     <p:cond delay="0"/>
                                   </p:stCondLst>
                                   <p:childTnLst>
                                     <p:set>
                                       <p:cBhvr>
-                                        <p:cTn id="45" dur="1" fill="hold">
+                                        <p:cTn id="55" dur="1" fill="hold">
                                           <p:stCondLst>
                                             <p:cond delay="0"/>
                                           </p:stCondLst>
@@ -13097,12 +13207,34 @@
                                     </p:set>
                                     <p:animEffect transition="in" filter="fade">
                                       <p:cBhvr>
-                                        <p:cTn id="46" dur="500"/>
+                                        <p:cTn id="56" dur="500"/>
                                         <p:tgtEl>
                                           <p:spTgt spid="8"/>
                                         </p:tgtEl>
                                       </p:cBhvr>
                                     </p:animEffect>
+                                  </p:childTnLst>
+                                </p:cTn>
+                              </p:par>
+                              <p:par>
+                                <p:cTn id="57" presetID="42" presetClass="path" presetSubtype="0" accel="50000" decel="50000" fill="hold" grpId="1" nodeType="withEffect">
+                                  <p:stCondLst>
+                                    <p:cond delay="0"/>
+                                  </p:stCondLst>
+                                  <p:childTnLst>
+                                    <p:animMotion origin="layout" path="M -1.66667E-6 -1.61925E-7 L 0.08646 0.05945 " pathEditMode="relative" rAng="0" ptsTypes="AA">
+                                      <p:cBhvr>
+                                        <p:cTn id="58" dur="500" spd="-100000" fill="hold"/>
+                                        <p:tgtEl>
+                                          <p:spTgt spid="8"/>
+                                        </p:tgtEl>
+                                        <p:attrNameLst>
+                                          <p:attrName>ppt_x</p:attrName>
+                                          <p:attrName>ppt_y</p:attrName>
+                                        </p:attrNameLst>
+                                      </p:cBhvr>
+                                      <p:rCtr x="4323" y="2961"/>
+                                    </p:animMotion>
                                   </p:childTnLst>
                                 </p:cTn>
                               </p:par>
@@ -13113,26 +13245,26 @@
                     </p:cTn>
                   </p:par>
                   <p:par>
-                    <p:cTn id="47" fill="hold">
+                    <p:cTn id="59" fill="hold">
                       <p:stCondLst>
                         <p:cond delay="indefinite"/>
                       </p:stCondLst>
                       <p:childTnLst>
                         <p:par>
-                          <p:cTn id="48" fill="hold">
+                          <p:cTn id="60" fill="hold">
                             <p:stCondLst>
                               <p:cond delay="0"/>
                             </p:stCondLst>
                             <p:childTnLst>
                               <p:par>
-                                <p:cTn id="49" presetID="10" presetClass="entr" presetSubtype="0" fill="hold" nodeType="clickEffect">
+                                <p:cTn id="61" presetID="10" presetClass="entr" presetSubtype="0" fill="hold" nodeType="clickEffect">
                                   <p:stCondLst>
                                     <p:cond delay="0"/>
                                   </p:stCondLst>
                                   <p:childTnLst>
                                     <p:set>
                                       <p:cBhvr>
-                                        <p:cTn id="50" dur="1" fill="hold">
+                                        <p:cTn id="62" dur="1" fill="hold">
                                           <p:stCondLst>
                                             <p:cond delay="0"/>
                                           </p:stCondLst>
@@ -13150,7 +13282,7 @@
                                     </p:set>
                                     <p:animEffect transition="in" filter="fade">
                                       <p:cBhvr>
-                                        <p:cTn id="51" dur="500"/>
+                                        <p:cTn id="63" dur="500"/>
                                         <p:tgtEl>
                                           <p:spTgt spid="14"/>
                                         </p:tgtEl>
@@ -13160,14 +13292,14 @@
                                 </p:cTn>
                               </p:par>
                               <p:par>
-                                <p:cTn id="52" presetID="10" presetClass="entr" presetSubtype="0" fill="hold" grpId="0" nodeType="withEffect">
+                                <p:cTn id="64" presetID="10" presetClass="entr" presetSubtype="0" fill="hold" grpId="0" nodeType="withEffect">
                                   <p:stCondLst>
                                     <p:cond delay="0"/>
                                   </p:stCondLst>
                                   <p:childTnLst>
                                     <p:set>
                                       <p:cBhvr>
-                                        <p:cTn id="53" dur="1" fill="hold">
+                                        <p:cTn id="65" dur="1" fill="hold">
                                           <p:stCondLst>
                                             <p:cond delay="0"/>
                                           </p:stCondLst>
@@ -13185,12 +13317,34 @@
                                     </p:set>
                                     <p:animEffect transition="in" filter="fade">
                                       <p:cBhvr>
-                                        <p:cTn id="54" dur="500"/>
+                                        <p:cTn id="66" dur="500"/>
                                         <p:tgtEl>
                                           <p:spTgt spid="9"/>
                                         </p:tgtEl>
                                       </p:cBhvr>
                                     </p:animEffect>
+                                  </p:childTnLst>
+                                </p:cTn>
+                              </p:par>
+                              <p:par>
+                                <p:cTn id="67" presetID="42" presetClass="path" presetSubtype="0" accel="50000" decel="50000" fill="hold" grpId="1" nodeType="withEffect">
+                                  <p:stCondLst>
+                                    <p:cond delay="0"/>
+                                  </p:stCondLst>
+                                  <p:childTnLst>
+                                    <p:animMotion origin="layout" path="M -1.66667E-6 -1.61925E-7 L -0.10937 -0.00717 " pathEditMode="relative" rAng="0" ptsTypes="AA">
+                                      <p:cBhvr>
+                                        <p:cTn id="68" dur="500" spd="-100000" fill="hold"/>
+                                        <p:tgtEl>
+                                          <p:spTgt spid="9"/>
+                                        </p:tgtEl>
+                                        <p:attrNameLst>
+                                          <p:attrName>ppt_x</p:attrName>
+                                          <p:attrName>ppt_y</p:attrName>
+                                        </p:attrNameLst>
+                                      </p:cBhvr>
+                                      <p:rCtr x="-5469" y="-370"/>
+                                    </p:animMotion>
                                   </p:childTnLst>
                                 </p:cTn>
                               </p:par>
@@ -13201,26 +13355,26 @@
                     </p:cTn>
                   </p:par>
                   <p:par>
-                    <p:cTn id="55" fill="hold">
+                    <p:cTn id="69" fill="hold">
                       <p:stCondLst>
                         <p:cond delay="indefinite"/>
                       </p:stCondLst>
                       <p:childTnLst>
                         <p:par>
-                          <p:cTn id="56" fill="hold">
+                          <p:cTn id="70" fill="hold">
                             <p:stCondLst>
                               <p:cond delay="0"/>
                             </p:stCondLst>
                             <p:childTnLst>
                               <p:par>
-                                <p:cTn id="57" presetID="10" presetClass="entr" presetSubtype="0" fill="hold" nodeType="clickEffect">
+                                <p:cTn id="71" presetID="10" presetClass="entr" presetSubtype="0" fill="hold" nodeType="clickEffect">
                                   <p:stCondLst>
                                     <p:cond delay="0"/>
                                   </p:stCondLst>
                                   <p:childTnLst>
                                     <p:set>
                                       <p:cBhvr>
-                                        <p:cTn id="58" dur="1" fill="hold">
+                                        <p:cTn id="72" dur="1" fill="hold">
                                           <p:stCondLst>
                                             <p:cond delay="0"/>
                                           </p:stCondLst>
@@ -13238,7 +13392,7 @@
                                     </p:set>
                                     <p:animEffect transition="in" filter="fade">
                                       <p:cBhvr>
-                                        <p:cTn id="59" dur="500"/>
+                                        <p:cTn id="73" dur="500"/>
                                         <p:tgtEl>
                                           <p:spTgt spid="46"/>
                                         </p:tgtEl>
@@ -13248,14 +13402,14 @@
                                 </p:cTn>
                               </p:par>
                               <p:par>
-                                <p:cTn id="60" presetID="10" presetClass="entr" presetSubtype="0" fill="hold" grpId="0" nodeType="withEffect">
+                                <p:cTn id="74" presetID="10" presetClass="entr" presetSubtype="0" fill="hold" grpId="0" nodeType="withEffect">
                                   <p:stCondLst>
                                     <p:cond delay="0"/>
                                   </p:stCondLst>
                                   <p:childTnLst>
                                     <p:set>
                                       <p:cBhvr>
-                                        <p:cTn id="61" dur="1" fill="hold">
+                                        <p:cTn id="75" dur="1" fill="hold">
                                           <p:stCondLst>
                                             <p:cond delay="0"/>
                                           </p:stCondLst>
@@ -13273,7 +13427,7 @@
                                     </p:set>
                                     <p:animEffect transition="in" filter="fade">
                                       <p:cBhvr>
-                                        <p:cTn id="62" dur="500"/>
+                                        <p:cTn id="76" dur="500"/>
                                         <p:tgtEl>
                                           <p:spTgt spid="41"/>
                                         </p:tgtEl>
@@ -13283,14 +13437,36 @@
                                 </p:cTn>
                               </p:par>
                               <p:par>
-                                <p:cTn id="63" presetID="10" presetClass="entr" presetSubtype="0" fill="hold" nodeType="withEffect">
+                                <p:cTn id="77" presetID="42" presetClass="path" presetSubtype="0" accel="50000" decel="50000" fill="hold" grpId="1" nodeType="withEffect">
+                                  <p:stCondLst>
+                                    <p:cond delay="0"/>
+                                  </p:stCondLst>
+                                  <p:childTnLst>
+                                    <p:animMotion origin="layout" path="M -2.77778E-6 -2.22222E-6 L -0.03507 -0.11389 " pathEditMode="relative" rAng="0" ptsTypes="AA">
+                                      <p:cBhvr>
+                                        <p:cTn id="78" dur="500" spd="-100000" fill="hold"/>
+                                        <p:tgtEl>
+                                          <p:spTgt spid="41"/>
+                                        </p:tgtEl>
+                                        <p:attrNameLst>
+                                          <p:attrName>ppt_x</p:attrName>
+                                          <p:attrName>ppt_y</p:attrName>
+                                        </p:attrNameLst>
+                                      </p:cBhvr>
+                                      <p:rCtr x="-1753" y="-5694"/>
+                                    </p:animMotion>
+                                  </p:childTnLst>
+                                </p:cTn>
+                              </p:par>
+                              <p:par>
+                                <p:cTn id="79" presetID="10" presetClass="entr" presetSubtype="0" fill="hold" nodeType="withEffect">
                                   <p:stCondLst>
                                     <p:cond delay="0"/>
                                   </p:stCondLst>
                                   <p:childTnLst>
                                     <p:set>
                                       <p:cBhvr>
-                                        <p:cTn id="64" dur="1" fill="hold">
+                                        <p:cTn id="80" dur="1" fill="hold">
                                           <p:stCondLst>
                                             <p:cond delay="0"/>
                                           </p:stCondLst>
@@ -13308,7 +13484,7 @@
                                     </p:set>
                                     <p:animEffect transition="in" filter="fade">
                                       <p:cBhvr>
-                                        <p:cTn id="65" dur="500"/>
+                                        <p:cTn id="81" dur="500"/>
                                         <p:tgtEl>
                                           <p:spTgt spid="33"/>
                                         </p:tgtEl>
@@ -13318,14 +13494,14 @@
                                 </p:cTn>
                               </p:par>
                               <p:par>
-                                <p:cTn id="66" presetID="10" presetClass="entr" presetSubtype="0" fill="hold" grpId="0" nodeType="withEffect">
+                                <p:cTn id="82" presetID="10" presetClass="entr" presetSubtype="0" fill="hold" grpId="0" nodeType="withEffect">
                                   <p:stCondLst>
                                     <p:cond delay="0"/>
                                   </p:stCondLst>
                                   <p:childTnLst>
                                     <p:set>
                                       <p:cBhvr>
-                                        <p:cTn id="67" dur="1" fill="hold">
+                                        <p:cTn id="83" dur="1" fill="hold">
                                           <p:stCondLst>
                                             <p:cond delay="0"/>
                                           </p:stCondLst>
@@ -13343,12 +13519,34 @@
                                     </p:set>
                                     <p:animEffect transition="in" filter="fade">
                                       <p:cBhvr>
-                                        <p:cTn id="68" dur="500"/>
+                                        <p:cTn id="84" dur="500"/>
                                         <p:tgtEl>
                                           <p:spTgt spid="28"/>
                                         </p:tgtEl>
                                       </p:cBhvr>
                                     </p:animEffect>
+                                  </p:childTnLst>
+                                </p:cTn>
+                              </p:par>
+                              <p:par>
+                                <p:cTn id="85" presetID="42" presetClass="path" presetSubtype="0" accel="50000" decel="50000" fill="hold" grpId="1" nodeType="withEffect">
+                                  <p:stCondLst>
+                                    <p:cond delay="0"/>
+                                  </p:stCondLst>
+                                  <p:childTnLst>
+                                    <p:animMotion origin="layout" path="M 3.33333E-6 -3.33333E-6 L -0.06789 0.03148 " pathEditMode="relative" rAng="0" ptsTypes="AA">
+                                      <p:cBhvr>
+                                        <p:cTn id="86" dur="500" spd="-100000" fill="hold"/>
+                                        <p:tgtEl>
+                                          <p:spTgt spid="28"/>
+                                        </p:tgtEl>
+                                        <p:attrNameLst>
+                                          <p:attrName>ppt_x</p:attrName>
+                                          <p:attrName>ppt_y</p:attrName>
+                                        </p:attrNameLst>
+                                      </p:cBhvr>
+                                      <p:rCtr x="-3403" y="1574"/>
+                                    </p:animMotion>
                                   </p:childTnLst>
                                 </p:cTn>
                               </p:par>
@@ -13381,14 +13579,23 @@
     </p:tnLst>
     <p:bldLst>
       <p:bldP spid="7" grpId="0" animBg="1"/>
+      <p:bldP spid="7" grpId="1" animBg="1"/>
       <p:bldP spid="8" grpId="0" animBg="1"/>
+      <p:bldP spid="8" grpId="1" animBg="1"/>
       <p:bldP spid="9" grpId="0" animBg="1"/>
+      <p:bldP spid="9" grpId="1" animBg="1"/>
       <p:bldP spid="26" grpId="0" animBg="1"/>
+      <p:bldP spid="26" grpId="1" animBg="1"/>
       <p:bldP spid="27" grpId="0" animBg="1"/>
+      <p:bldP spid="27" grpId="1" animBg="1"/>
       <p:bldP spid="28" grpId="0" animBg="1"/>
+      <p:bldP spid="28" grpId="1" animBg="1"/>
       <p:bldP spid="39" grpId="0" animBg="1"/>
+      <p:bldP spid="39" grpId="1" animBg="1"/>
       <p:bldP spid="40" grpId="0" animBg="1"/>
+      <p:bldP spid="40" grpId="1" animBg="1"/>
       <p:bldP spid="41" grpId="0" animBg="1"/>
+      <p:bldP spid="41" grpId="1" animBg="1"/>
     </p:bldLst>
   </p:timing>
 </p:sld>
@@ -13428,11 +13635,7 @@
           <a:p>
             <a:r>
               <a:rPr lang="en-US" dirty="0" smtClean="0"/>
-              <a:t>Facts are not </a:t>
-            </a:r>
-            <a:r>
-              <a:rPr lang="en-US" dirty="0" smtClean="0"/>
-              <a:t>destroyed</a:t>
+              <a:t>Facts are not destroyed</a:t>
             </a:r>
           </a:p>
           <a:p>
@@ -13440,7 +13643,6 @@
               <a:rPr lang="en-US" dirty="0" smtClean="0"/>
               <a:t>Facts are not changed</a:t>
             </a:r>
-            <a:endParaRPr lang="en-US" dirty="0" smtClean="0"/>
           </a:p>
           <a:p>
             <a:r>
